--- a/docs/presentations/Intern_Showcase_Wei.pptx
+++ b/docs/presentations/Intern_Showcase_Wei.pptx
@@ -226,7 +226,7 @@
           <a:p>
             <a:fld id="{C7319598-7378-4D06-855F-92B3953E18A9}" type="datetimeFigureOut">
               <a:rPr lang="en-US" smtClean="0"/>
-              <a:t>7/16/2024</a:t>
+              <a:t>7/17/2024</a:t>
             </a:fld>
             <a:endParaRPr lang="en-US"/>
           </a:p>
@@ -2804,7 +2804,7 @@
           <a:p>
             <a:fld id="{86A2FD0F-FA34-4173-943C-6FC12C2429A4}" type="datetimeFigureOut">
               <a:rPr lang="en-US" smtClean="0"/>
-              <a:t>7/16/2024</a:t>
+              <a:t>7/17/2024</a:t>
             </a:fld>
             <a:endParaRPr lang="en-US"/>
           </a:p>
@@ -2972,7 +2972,7 @@
           <a:p>
             <a:fld id="{86A2FD0F-FA34-4173-943C-6FC12C2429A4}" type="datetimeFigureOut">
               <a:rPr lang="en-US" smtClean="0"/>
-              <a:t>7/16/2024</a:t>
+              <a:t>7/17/2024</a:t>
             </a:fld>
             <a:endParaRPr lang="en-US"/>
           </a:p>
@@ -3217,7 +3217,7 @@
           <a:p>
             <a:fld id="{86A2FD0F-FA34-4173-943C-6FC12C2429A4}" type="datetimeFigureOut">
               <a:rPr lang="en-US" smtClean="0"/>
-              <a:t>7/16/2024</a:t>
+              <a:t>7/17/2024</a:t>
             </a:fld>
             <a:endParaRPr lang="en-US"/>
           </a:p>
@@ -3446,7 +3446,7 @@
           <a:p>
             <a:fld id="{86A2FD0F-FA34-4173-943C-6FC12C2429A4}" type="datetimeFigureOut">
               <a:rPr lang="en-US" smtClean="0"/>
-              <a:t>7/16/2024</a:t>
+              <a:t>7/17/2024</a:t>
             </a:fld>
             <a:endParaRPr lang="en-US"/>
           </a:p>
@@ -3810,7 +3810,7 @@
           <a:p>
             <a:fld id="{86A2FD0F-FA34-4173-943C-6FC12C2429A4}" type="datetimeFigureOut">
               <a:rPr lang="en-US" smtClean="0"/>
-              <a:t>7/16/2024</a:t>
+              <a:t>7/17/2024</a:t>
             </a:fld>
             <a:endParaRPr lang="en-US"/>
           </a:p>
@@ -4497,7 +4497,7 @@
           <a:p>
             <a:fld id="{86A2FD0F-FA34-4173-943C-6FC12C2429A4}" type="datetimeFigureOut">
               <a:rPr lang="en-US" smtClean="0"/>
-              <a:t>7/16/2024</a:t>
+              <a:t>7/17/2024</a:t>
             </a:fld>
             <a:endParaRPr lang="en-US"/>
           </a:p>
@@ -4592,7 +4592,7 @@
           <a:p>
             <a:fld id="{86A2FD0F-FA34-4173-943C-6FC12C2429A4}" type="datetimeFigureOut">
               <a:rPr lang="en-US" smtClean="0"/>
-              <a:t>7/16/2024</a:t>
+              <a:t>7/17/2024</a:t>
             </a:fld>
             <a:endParaRPr lang="en-US"/>
           </a:p>
@@ -4867,7 +4867,7 @@
           <a:p>
             <a:fld id="{86A2FD0F-FA34-4173-943C-6FC12C2429A4}" type="datetimeFigureOut">
               <a:rPr lang="en-US" smtClean="0"/>
-              <a:t>7/16/2024</a:t>
+              <a:t>7/17/2024</a:t>
             </a:fld>
             <a:endParaRPr lang="en-US"/>
           </a:p>
@@ -5119,7 +5119,7 @@
           <a:p>
             <a:fld id="{86A2FD0F-FA34-4173-943C-6FC12C2429A4}" type="datetimeFigureOut">
               <a:rPr lang="en-US" smtClean="0"/>
-              <a:t>7/16/2024</a:t>
+              <a:t>7/17/2024</a:t>
             </a:fld>
             <a:endParaRPr lang="en-US"/>
           </a:p>
@@ -5287,7 +5287,7 @@
           <a:p>
             <a:fld id="{86A2FD0F-FA34-4173-943C-6FC12C2429A4}" type="datetimeFigureOut">
               <a:rPr lang="en-US" smtClean="0"/>
-              <a:t>7/16/2024</a:t>
+              <a:t>7/17/2024</a:t>
             </a:fld>
             <a:endParaRPr lang="en-US"/>
           </a:p>
@@ -5465,7 +5465,7 @@
           <a:p>
             <a:fld id="{86A2FD0F-FA34-4173-943C-6FC12C2429A4}" type="datetimeFigureOut">
               <a:rPr lang="en-US" smtClean="0"/>
-              <a:t>7/16/2024</a:t>
+              <a:t>7/17/2024</a:t>
             </a:fld>
             <a:endParaRPr lang="en-US"/>
           </a:p>
@@ -5792,7 +5792,7 @@
           <a:p>
             <a:fld id="{FB1E0AA7-3480-410A-94C7-48509DB7D868}" type="datetimeFigureOut">
               <a:rPr lang="en-US" smtClean="0"/>
-              <a:t>7/16/2024</a:t>
+              <a:t>7/17/2024</a:t>
             </a:fld>
             <a:endParaRPr lang="en-US"/>
           </a:p>
@@ -9953,7 +9953,7 @@
           <a:p>
             <a:fld id="{86A2FD0F-FA34-4173-943C-6FC12C2429A4}" type="datetimeFigureOut">
               <a:rPr lang="en-US" smtClean="0"/>
-              <a:t>7/16/2024</a:t>
+              <a:t>7/17/2024</a:t>
             </a:fld>
             <a:endParaRPr lang="en-US"/>
           </a:p>
@@ -10687,7 +10687,7 @@
           <p:nvPr>
             <p:extLst>
               <p:ext uri="{D42A27DB-BD31-4B8C-83A1-F6EECF244321}">
-                <p14:modId xmlns:p14="http://schemas.microsoft.com/office/powerpoint/2010/main" val="2331003621"/>
+                <p14:modId xmlns:p14="http://schemas.microsoft.com/office/powerpoint/2010/main" val="2214367725"/>
               </p:ext>
             </p:extLst>
           </p:nvPr>
@@ -10754,7 +10754,15 @@
                             <a:schemeClr val="tx1"/>
                           </a:solidFill>
                         </a:rPr>
-                        <a:t>Name: Jeremy Wei</a:t>
+                        <a:t>Name: </a:t>
+                      </a:r>
+                      <a:r>
+                        <a:rPr lang="en-US" sz="1000" b="0" dirty="0">
+                          <a:solidFill>
+                            <a:schemeClr val="tx1"/>
+                          </a:solidFill>
+                        </a:rPr>
+                        <a:t>Jeremy Wei</a:t>
                       </a:r>
                     </a:p>
                     <a:p>
@@ -10764,7 +10772,15 @@
                             <a:schemeClr val="tx1"/>
                           </a:solidFill>
                         </a:rPr>
-                        <a:t>Hometown: Gaithersburg, MD</a:t>
+                        <a:t>Hometown: </a:t>
+                      </a:r>
+                      <a:r>
+                        <a:rPr lang="en-US" sz="1000" b="0" dirty="0">
+                          <a:solidFill>
+                            <a:schemeClr val="tx1"/>
+                          </a:solidFill>
+                        </a:rPr>
+                        <a:t>Gaithersburg, MD</a:t>
                       </a:r>
                     </a:p>
                     <a:p>
@@ -10774,7 +10790,15 @@
                             <a:schemeClr val="tx1"/>
                           </a:solidFill>
                         </a:rPr>
-                        <a:t>Hobbies: Running, Baking Bread and Pastries, Cooking</a:t>
+                        <a:t>Hobbies: </a:t>
+                      </a:r>
+                      <a:r>
+                        <a:rPr lang="en-US" sz="1000" b="0" dirty="0">
+                          <a:solidFill>
+                            <a:schemeClr val="tx1"/>
+                          </a:solidFill>
+                        </a:rPr>
+                        <a:t>Running, Baking Bread and Pastries, Cooking</a:t>
                       </a:r>
                     </a:p>
                     <a:p>
@@ -10806,7 +10830,15 @@
                             <a:schemeClr val="tx1"/>
                           </a:solidFill>
                         </a:rPr>
-                        <a:t>TV/Movies: Legends of Korah</a:t>
+                        <a:t>TV/Movies: </a:t>
+                      </a:r>
+                      <a:r>
+                        <a:rPr lang="en-US" sz="1000" b="0" baseline="0" dirty="0">
+                          <a:solidFill>
+                            <a:schemeClr val="tx1"/>
+                          </a:solidFill>
+                        </a:rPr>
+                        <a:t>Legends of Korah</a:t>
                       </a:r>
                     </a:p>
                     <a:p>
@@ -10820,7 +10852,15 @@
                             <a:schemeClr val="tx1"/>
                           </a:solidFill>
                         </a:rPr>
-                        <a:t>Books: The Old Man and the Sea</a:t>
+                        <a:t>Books: </a:t>
+                      </a:r>
+                      <a:r>
+                        <a:rPr lang="en-US" sz="1000" b="0" baseline="0" dirty="0">
+                          <a:solidFill>
+                            <a:schemeClr val="tx1"/>
+                          </a:solidFill>
+                        </a:rPr>
+                        <a:t>The Old Man and the Sea</a:t>
                       </a:r>
                     </a:p>
                     <a:p>
@@ -10834,7 +10874,15 @@
                             <a:schemeClr val="tx1"/>
                           </a:solidFill>
                         </a:rPr>
-                        <a:t>Music: The Strokes or Foster The People</a:t>
+                        <a:t>Music: </a:t>
+                      </a:r>
+                      <a:r>
+                        <a:rPr lang="en-US" sz="1000" b="0" baseline="0" dirty="0">
+                          <a:solidFill>
+                            <a:schemeClr val="tx1"/>
+                          </a:solidFill>
+                        </a:rPr>
+                        <a:t>The Strokes or Foster The People</a:t>
                       </a:r>
                     </a:p>
                     <a:p>
@@ -10848,7 +10896,15 @@
                             <a:schemeClr val="tx1"/>
                           </a:solidFill>
                         </a:rPr>
-                        <a:t>Food: Braised pork belly with rice or sushi</a:t>
+                        <a:t>Food: </a:t>
+                      </a:r>
+                      <a:r>
+                        <a:rPr lang="en-US" sz="1000" b="0" baseline="0" dirty="0">
+                          <a:solidFill>
+                            <a:schemeClr val="tx1"/>
+                          </a:solidFill>
+                        </a:rPr>
+                        <a:t>Braised pork belly with rice or sushi</a:t>
                       </a:r>
                     </a:p>
                   </a:txBody>
@@ -10883,7 +10939,15 @@
                             <a:schemeClr val="tx1"/>
                           </a:solidFill>
                         </a:rPr>
-                        <a:t>School: University of Maryland, College Park</a:t>
+                        <a:t>School: </a:t>
+                      </a:r>
+                      <a:r>
+                        <a:rPr lang="en-US" sz="1000" b="0" dirty="0">
+                          <a:solidFill>
+                            <a:schemeClr val="tx1"/>
+                          </a:solidFill>
+                        </a:rPr>
+                        <a:t>University of Maryland, College Park</a:t>
                       </a:r>
                     </a:p>
                     <a:p>
@@ -10893,7 +10957,15 @@
                             <a:schemeClr val="tx1"/>
                           </a:solidFill>
                         </a:rPr>
-                        <a:t>Degree:  Bachelors of Science</a:t>
+                        <a:t>Degree:  </a:t>
+                      </a:r>
+                      <a:r>
+                        <a:rPr lang="en-US" sz="1000" b="0" dirty="0">
+                          <a:solidFill>
+                            <a:schemeClr val="tx1"/>
+                          </a:solidFill>
+                        </a:rPr>
+                        <a:t>Bachelors of Science</a:t>
                       </a:r>
                     </a:p>
                     <a:p>
@@ -10903,7 +10975,15 @@
                             <a:schemeClr val="tx1"/>
                           </a:solidFill>
                         </a:rPr>
-                        <a:t>Major:  Electrical Engineering</a:t>
+                        <a:t>Major:  </a:t>
+                      </a:r>
+                      <a:r>
+                        <a:rPr lang="en-US" sz="1000" b="0" dirty="0">
+                          <a:solidFill>
+                            <a:schemeClr val="tx1"/>
+                          </a:solidFill>
+                        </a:rPr>
+                        <a:t>Electrical Engineering</a:t>
                       </a:r>
                     </a:p>
                     <a:p>
@@ -10913,7 +10993,15 @@
                             <a:schemeClr val="tx1"/>
                           </a:solidFill>
                         </a:rPr>
-                        <a:t>Grad Date: May 2025</a:t>
+                        <a:t>Grad Date: </a:t>
+                      </a:r>
+                      <a:r>
+                        <a:rPr lang="en-US" sz="1000" b="0" dirty="0">
+                          <a:solidFill>
+                            <a:schemeClr val="tx1"/>
+                          </a:solidFill>
+                        </a:rPr>
+                        <a:t>May 2025</a:t>
                       </a:r>
                     </a:p>
                     <a:p>
@@ -11073,7 +11161,24 @@
                           <a:ea typeface="+mn-ea"/>
                           <a:cs typeface="+mn-cs"/>
                         </a:rPr>
-                        <a:t>Position: Software Engineering Intern</a:t>
+                        <a:t>Position: </a:t>
+                      </a:r>
+                      <a:r>
+                        <a:rPr kumimoji="0" lang="en-US" sz="1200" b="0" i="0" u="none" strike="noStrike" kern="1200" cap="none" spc="0" normalizeH="0" baseline="0" noProof="0" dirty="0">
+                          <a:ln>
+                            <a:noFill/>
+                          </a:ln>
+                          <a:solidFill>
+                            <a:prstClr val="black"/>
+                          </a:solidFill>
+                          <a:effectLst/>
+                          <a:uLnTx/>
+                          <a:uFillTx/>
+                          <a:latin typeface="+mn-lt"/>
+                          <a:ea typeface="+mn-ea"/>
+                          <a:cs typeface="+mn-cs"/>
+                        </a:rPr>
+                        <a:t>Software Engineering Intern</a:t>
                       </a:r>
                     </a:p>
                     <a:p>
@@ -11142,7 +11247,24 @@
                           <a:ea typeface="+mn-ea"/>
                           <a:cs typeface="+mn-cs"/>
                         </a:rPr>
-                        <a:t>Organization: FPNT DT/SW</a:t>
+                        <a:t>Organization: </a:t>
+                      </a:r>
+                      <a:r>
+                        <a:rPr kumimoji="0" lang="en-US" sz="1200" b="0" i="0" u="none" strike="noStrike" kern="1200" cap="none" spc="0" normalizeH="0" baseline="0" noProof="0" dirty="0">
+                          <a:ln>
+                            <a:noFill/>
+                          </a:ln>
+                          <a:solidFill>
+                            <a:prstClr val="black"/>
+                          </a:solidFill>
+                          <a:effectLst/>
+                          <a:uLnTx/>
+                          <a:uFillTx/>
+                          <a:latin typeface="+mn-lt"/>
+                          <a:ea typeface="+mn-ea"/>
+                          <a:cs typeface="+mn-cs"/>
+                        </a:rPr>
+                        <a:t>FPNT DT/SW</a:t>
                       </a:r>
                     </a:p>
                     <a:p>
@@ -11211,7 +11333,24 @@
                           <a:ea typeface="+mn-ea"/>
                           <a:cs typeface="+mn-cs"/>
                         </a:rPr>
-                        <a:t>Work Location: Woodland Hills, CA</a:t>
+                        <a:t>Work Location: </a:t>
+                      </a:r>
+                      <a:r>
+                        <a:rPr kumimoji="0" lang="en-US" sz="1200" b="0" i="0" u="none" strike="noStrike" kern="1200" cap="none" spc="0" normalizeH="0" baseline="0" noProof="0" dirty="0">
+                          <a:ln>
+                            <a:noFill/>
+                          </a:ln>
+                          <a:solidFill>
+                            <a:prstClr val="black"/>
+                          </a:solidFill>
+                          <a:effectLst/>
+                          <a:uLnTx/>
+                          <a:uFillTx/>
+                          <a:latin typeface="+mn-lt"/>
+                          <a:ea typeface="+mn-ea"/>
+                          <a:cs typeface="+mn-cs"/>
+                        </a:rPr>
+                        <a:t>Woodland Hills, CA</a:t>
                       </a:r>
                     </a:p>
                     <a:p>
@@ -11280,7 +11419,24 @@
                           <a:ea typeface="+mn-ea"/>
                           <a:cs typeface="+mn-cs"/>
                         </a:rPr>
-                        <a:t>Program/Project: PGM</a:t>
+                        <a:t>Program/Project: </a:t>
+                      </a:r>
+                      <a:r>
+                        <a:rPr kumimoji="0" lang="en-US" sz="1200" b="0" i="0" u="none" strike="noStrike" kern="1200" cap="none" spc="0" normalizeH="0" baseline="0" noProof="0" dirty="0">
+                          <a:ln>
+                            <a:noFill/>
+                          </a:ln>
+                          <a:solidFill>
+                            <a:prstClr val="black"/>
+                          </a:solidFill>
+                          <a:effectLst/>
+                          <a:uLnTx/>
+                          <a:uFillTx/>
+                          <a:latin typeface="+mn-lt"/>
+                          <a:ea typeface="+mn-ea"/>
+                          <a:cs typeface="+mn-cs"/>
+                        </a:rPr>
+                        <a:t>PGM</a:t>
                       </a:r>
                     </a:p>
                     <a:p>
@@ -11345,7 +11501,11 @@
                     <a:p>
                       <a:r>
                         <a:rPr lang="en-US" sz="1200" b="1" dirty="0"/>
-                        <a:t>Memorable Activity: Making my first pull request on GitHub</a:t>
+                        <a:t>Memorable Activity: </a:t>
+                      </a:r>
+                      <a:r>
+                        <a:rPr lang="en-US" sz="1200" b="0" dirty="0"/>
+                        <a:t>Making my first pull request on GitHub</a:t>
                       </a:r>
                     </a:p>
                     <a:p>
@@ -11354,7 +11514,11 @@
                     <a:p>
                       <a:r>
                         <a:rPr lang="en-US" sz="1200" b="1" dirty="0"/>
-                        <a:t>Ah-ha Moment: Development of a modular Markdown Parser in python with OOP techniques learned in a class I almost forgot about.</a:t>
+                        <a:t>Ah-ha Moment: </a:t>
+                      </a:r>
+                      <a:r>
+                        <a:rPr lang="en-US" sz="1200" b="0" dirty="0"/>
+                        <a:t>Development of a modular Markdown Parser in python with OOP techniques learned in a class I almost forgot about.</a:t>
                       </a:r>
                     </a:p>
                     <a:p>
@@ -11365,6 +11529,15 @@
                         <a:rPr lang="en-US" sz="1200" b="1" dirty="0"/>
                         <a:t>Favorite Professional Development Activity: </a:t>
                       </a:r>
+                      <a:r>
+                        <a:rPr lang="en-US" sz="1200" b="0" dirty="0"/>
+                        <a:t>AI in action seminar by Amanda Muller and Hasan </a:t>
+                      </a:r>
+                      <a:r>
+                        <a:rPr lang="en-US" sz="1200" b="0" dirty="0" err="1"/>
+                        <a:t>Ghadialy</a:t>
+                      </a:r>
+                      <a:endParaRPr lang="en-US" sz="1200" b="0" dirty="0"/>
                     </a:p>
                     <a:p>
                       <a:endParaRPr lang="en-US" sz="1200" b="1" dirty="0"/>
@@ -11372,7 +11545,11 @@
                     <a:p>
                       <a:r>
                         <a:rPr lang="en-US" sz="1200" b="1" dirty="0"/>
-                        <a:t>Toughest Acronym to Learn: SEARGANT</a:t>
+                        <a:t>Toughest Acronym to Learn: </a:t>
+                      </a:r>
+                      <a:r>
+                        <a:rPr lang="en-US" sz="1200" b="0" dirty="0"/>
+                        <a:t>SEARGANT</a:t>
                       </a:r>
                     </a:p>
                   </a:txBody>
@@ -15427,6 +15604,15 @@
 </file>
 
 <file path=customXml/item1.xml><?xml version="1.0" encoding="utf-8"?>
+<?mso-contentType ?>
+<FormTemplates xmlns="http://schemas.microsoft.com/sharepoint/v3/contenttype/forms">
+  <Display>DocumentLibraryForm</Display>
+  <Edit>DocumentLibraryForm</Edit>
+  <New>DocumentLibraryForm</New>
+</FormTemplates>
+</file>
+
+<file path=customXml/item2.xml><?xml version="1.0" encoding="utf-8"?>
 <p:properties xmlns:p="http://schemas.microsoft.com/office/2006/metadata/properties" xmlns:xsi="http://www.w3.org/2001/XMLSchema-instance" xmlns:pc="http://schemas.microsoft.com/office/infopath/2007/PartnerControls">
   <documentManagement>
     <_dlc_DocId xmlns="0ed01daf-a39b-4322-b336-464aa5091e31">FA43R63HSNSU-804741541-284</_dlc_DocId>
@@ -15438,16 +15624,57 @@
 </p:properties>
 </file>
 
-<file path=customXml/item2.xml><?xml version="1.0" encoding="utf-8"?>
+<file path=customXml/item3.xml><?xml version="1.0" encoding="utf-8"?>
 <?mso-contentType ?>
-<FormTemplates xmlns="http://schemas.microsoft.com/sharepoint/v3/contenttype/forms">
-  <Display>DocumentLibraryForm</Display>
-  <Edit>DocumentLibraryForm</Edit>
-  <New>DocumentLibraryForm</New>
-</FormTemplates>
+<spe:Receivers xmlns:spe="http://schemas.microsoft.com/sharepoint/events">
+  <Receiver>
+    <Name>Document ID Generator</Name>
+    <Synchronization>Synchronous</Synchronization>
+    <Type>10001</Type>
+    <SequenceNumber>1000</SequenceNumber>
+    <Url/>
+    <Assembly>Microsoft.Office.DocumentManagement, Version=16.0.0.0, Culture=neutral, PublicKeyToken=71e9bce111e9429c</Assembly>
+    <Class>Microsoft.Office.DocumentManagement.Internal.DocIdHandler</Class>
+    <Data/>
+    <Filter/>
+  </Receiver>
+  <Receiver>
+    <Name>Document ID Generator</Name>
+    <Synchronization>Synchronous</Synchronization>
+    <Type>10002</Type>
+    <SequenceNumber>1001</SequenceNumber>
+    <Url/>
+    <Assembly>Microsoft.Office.DocumentManagement, Version=16.0.0.0, Culture=neutral, PublicKeyToken=71e9bce111e9429c</Assembly>
+    <Class>Microsoft.Office.DocumentManagement.Internal.DocIdHandler</Class>
+    <Data/>
+    <Filter/>
+  </Receiver>
+  <Receiver>
+    <Name>Document ID Generator</Name>
+    <Synchronization>Synchronous</Synchronization>
+    <Type>10004</Type>
+    <SequenceNumber>1002</SequenceNumber>
+    <Url/>
+    <Assembly>Microsoft.Office.DocumentManagement, Version=16.0.0.0, Culture=neutral, PublicKeyToken=71e9bce111e9429c</Assembly>
+    <Class>Microsoft.Office.DocumentManagement.Internal.DocIdHandler</Class>
+    <Data/>
+    <Filter/>
+  </Receiver>
+  <Receiver>
+    <Name>Document ID Generator</Name>
+    <Synchronization>Synchronous</Synchronization>
+    <Type>10006</Type>
+    <SequenceNumber>1003</SequenceNumber>
+    <Url/>
+    <Assembly>Microsoft.Office.DocumentManagement, Version=16.0.0.0, Culture=neutral, PublicKeyToken=71e9bce111e9429c</Assembly>
+    <Class>Microsoft.Office.DocumentManagement.Internal.DocIdHandler</Class>
+    <Data/>
+    <Filter/>
+  </Receiver>
+</spe:Receivers>
 </file>
 
-<file path=customXml/item3.xml><?xml version="1.0" encoding="utf-8"?>
+<file path=customXml/item4.xml><?xml version="1.0" encoding="utf-8"?>
 <ct:contentTypeSchema xmlns:ct="http://schemas.microsoft.com/office/2006/metadata/contentType" xmlns:ma="http://schemas.microsoft.com/office/2006/metadata/properties/metaAttributes" ct:_="" ma:_="" ma:contentTypeName="Document" ma:contentTypeID="0x010100BB0B2F232D3C164BB1DBF11D49AFF6AC" ma:contentTypeVersion="4" ma:contentTypeDescription="Create a new document." ma:contentTypeScope="" ma:versionID="ace64b76c7fa238c7b43066bfd7f461b">
   <xsd:schema xmlns:xsd="http://www.w3.org/2001/XMLSchema" xmlns:xs="http://www.w3.org/2001/XMLSchema" xmlns:p="http://schemas.microsoft.com/office/2006/metadata/properties" xmlns:ns2="0ed01daf-a39b-4322-b336-464aa5091e31" xmlns:ns3="0a39b131-a25b-485f-89b0-b09e965fe171" targetNamespace="http://schemas.microsoft.com/office/2006/metadata/properties" ma:root="true" ma:fieldsID="2e8e5b7044fbd0fcc71de6236af0cdf4" ns2:_="" ns3:_="">
     <xsd:import namespace="0ed01daf-a39b-4322-b336-464aa5091e31"/>
@@ -15621,57 +15848,15 @@
 </ct:contentTypeSchema>
 </file>
 
-<file path=customXml/item4.xml><?xml version="1.0" encoding="utf-8"?>
-<?mso-contentType ?>
-<spe:Receivers xmlns:spe="http://schemas.microsoft.com/sharepoint/events">
-  <Receiver>
-    <Name>Document ID Generator</Name>
-    <Synchronization>Synchronous</Synchronization>
-    <Type>10001</Type>
-    <SequenceNumber>1000</SequenceNumber>
-    <Url/>
-    <Assembly>Microsoft.Office.DocumentManagement, Version=16.0.0.0, Culture=neutral, PublicKeyToken=71e9bce111e9429c</Assembly>
-    <Class>Microsoft.Office.DocumentManagement.Internal.DocIdHandler</Class>
-    <Data/>
-    <Filter/>
-  </Receiver>
-  <Receiver>
-    <Name>Document ID Generator</Name>
-    <Synchronization>Synchronous</Synchronization>
-    <Type>10002</Type>
-    <SequenceNumber>1001</SequenceNumber>
-    <Url/>
-    <Assembly>Microsoft.Office.DocumentManagement, Version=16.0.0.0, Culture=neutral, PublicKeyToken=71e9bce111e9429c</Assembly>
-    <Class>Microsoft.Office.DocumentManagement.Internal.DocIdHandler</Class>
-    <Data/>
-    <Filter/>
-  </Receiver>
-  <Receiver>
-    <Name>Document ID Generator</Name>
-    <Synchronization>Synchronous</Synchronization>
-    <Type>10004</Type>
-    <SequenceNumber>1002</SequenceNumber>
-    <Url/>
-    <Assembly>Microsoft.Office.DocumentManagement, Version=16.0.0.0, Culture=neutral, PublicKeyToken=71e9bce111e9429c</Assembly>
-    <Class>Microsoft.Office.DocumentManagement.Internal.DocIdHandler</Class>
-    <Data/>
-    <Filter/>
-  </Receiver>
-  <Receiver>
-    <Name>Document ID Generator</Name>
-    <Synchronization>Synchronous</Synchronization>
-    <Type>10006</Type>
-    <SequenceNumber>1003</SequenceNumber>
-    <Url/>
-    <Assembly>Microsoft.Office.DocumentManagement, Version=16.0.0.0, Culture=neutral, PublicKeyToken=71e9bce111e9429c</Assembly>
-    <Class>Microsoft.Office.DocumentManagement.Internal.DocIdHandler</Class>
-    <Data/>
-    <Filter/>
-  </Receiver>
-</spe:Receivers>
+<file path=customXml/itemProps1.xml><?xml version="1.0" encoding="utf-8"?>
+<ds:datastoreItem xmlns:ds="http://schemas.openxmlformats.org/officeDocument/2006/customXml" ds:itemID="{791386F8-E168-492C-B4C3-9A800EDC5964}">
+  <ds:schemaRefs>
+    <ds:schemaRef ds:uri="http://schemas.microsoft.com/sharepoint/v3/contenttype/forms"/>
+  </ds:schemaRefs>
+</ds:datastoreItem>
 </file>
 
-<file path=customXml/itemProps1.xml><?xml version="1.0" encoding="utf-8"?>
+<file path=customXml/itemProps2.xml><?xml version="1.0" encoding="utf-8"?>
 <ds:datastoreItem xmlns:ds="http://schemas.openxmlformats.org/officeDocument/2006/customXml" ds:itemID="{8CE2CDB4-3352-4150-919A-B30B39FD5827}">
   <ds:schemaRefs>
     <ds:schemaRef ds:uri="9d07426f-fcca-4a73-934d-5bf429f9e4a3"/>
@@ -15691,15 +15876,15 @@
 </ds:datastoreItem>
 </file>
 
-<file path=customXml/itemProps2.xml><?xml version="1.0" encoding="utf-8"?>
-<ds:datastoreItem xmlns:ds="http://schemas.openxmlformats.org/officeDocument/2006/customXml" ds:itemID="{791386F8-E168-492C-B4C3-9A800EDC5964}">
+<file path=customXml/itemProps3.xml><?xml version="1.0" encoding="utf-8"?>
+<ds:datastoreItem xmlns:ds="http://schemas.openxmlformats.org/officeDocument/2006/customXml" ds:itemID="{EDCF9B43-9EA7-493E-9556-9DC14AABE730}">
   <ds:schemaRefs>
-    <ds:schemaRef ds:uri="http://schemas.microsoft.com/sharepoint/v3/contenttype/forms"/>
+    <ds:schemaRef ds:uri="http://schemas.microsoft.com/sharepoint/events"/>
   </ds:schemaRefs>
 </ds:datastoreItem>
 </file>
 
-<file path=customXml/itemProps3.xml><?xml version="1.0" encoding="utf-8"?>
+<file path=customXml/itemProps4.xml><?xml version="1.0" encoding="utf-8"?>
 <ds:datastoreItem xmlns:ds="http://schemas.openxmlformats.org/officeDocument/2006/customXml" ds:itemID="{76093642-C416-49BE-8398-0DEB4CFE8FE9}">
   <ds:schemaRefs>
     <ds:schemaRef ds:uri="http://schemas.microsoft.com/office/2006/metadata/contentType"/>
@@ -15716,12 +15901,4 @@
     <ds:schemaRef ds:uri="http://schemas.microsoft.com/internal/obd"/>
   </ds:schemaRefs>
 </ds:datastoreItem>
-</file>
-
-<file path=customXml/itemProps4.xml><?xml version="1.0" encoding="utf-8"?>
-<ds:datastoreItem xmlns:ds="http://schemas.openxmlformats.org/officeDocument/2006/customXml" ds:itemID="{EDCF9B43-9EA7-493E-9556-9DC14AABE730}">
-  <ds:schemaRefs>
-    <ds:schemaRef ds:uri="http://schemas.microsoft.com/sharepoint/events"/>
-  </ds:schemaRefs>
-</ds:datastoreItem>
 </file>
--- a/docs/presentations/Intern_Showcase_Wei.pptx
+++ b/docs/presentations/Intern_Showcase_Wei.pptx
@@ -10687,7 +10687,7 @@
           <p:nvPr>
             <p:extLst>
               <p:ext uri="{D42A27DB-BD31-4B8C-83A1-F6EECF244321}">
-                <p14:modId xmlns:p14="http://schemas.microsoft.com/office/powerpoint/2010/main" val="2214367725"/>
+                <p14:modId xmlns:p14="http://schemas.microsoft.com/office/powerpoint/2010/main" val="3832467205"/>
               </p:ext>
             </p:extLst>
           </p:nvPr>
@@ -11486,16 +11486,6 @@
                         </a:rPr>
                         <a:t> Moments</a:t>
                       </a:r>
-                      <a:endParaRPr lang="en-US" sz="1400" b="1" dirty="0">
-                        <a:solidFill>
-                          <a:schemeClr val="tx1"/>
-                        </a:solidFill>
-                      </a:endParaRPr>
-                    </a:p>
-                    <a:p>
-                      <a:pPr marL="0" indent="0">
-                        <a:buNone/>
-                      </a:pPr>
                       <a:endParaRPr lang="en-US" sz="1400" dirty="0"/>
                     </a:p>
                     <a:p>
@@ -12510,21 +12500,6 @@
             <a:pPr marL="434333" lvl="2" indent="-171450"/>
             <a:r>
               <a:rPr lang="en-US" sz="1500" dirty="0"/>
-              <a:t>WSL, </a:t>
-            </a:r>
-            <a:r>
-              <a:rPr lang="en-US" sz="1500" dirty="0" err="1"/>
-              <a:t>Pyenv</a:t>
-            </a:r>
-            <a:r>
-              <a:rPr lang="en-US" sz="1500" dirty="0"/>
-              <a:t>, tox</a:t>
-            </a:r>
-          </a:p>
-          <a:p>
-            <a:pPr marL="434333" lvl="2" indent="-171450"/>
-            <a:r>
-              <a:rPr lang="en-US" sz="1500" dirty="0"/>
               <a:t>MongoDB and Mongo Express </a:t>
             </a:r>
           </a:p>
@@ -13739,6 +13714,25 @@
             <a:r>
               <a:rPr lang="en-US" sz="1600" dirty="0"/>
               <a:t>Basic principles on how to write robust code. </a:t>
+            </a:r>
+          </a:p>
+          <a:p>
+            <a:pPr marL="548633" lvl="2" indent="-285750"/>
+            <a:r>
+              <a:rPr lang="en-US" sz="1500" dirty="0" err="1"/>
+              <a:t>Pytest</a:t>
+            </a:r>
+            <a:r>
+              <a:rPr lang="en-US" sz="1500" dirty="0"/>
+              <a:t>, </a:t>
+            </a:r>
+            <a:r>
+              <a:rPr lang="en-US" sz="1500" dirty="0" err="1"/>
+              <a:t>Pydantic</a:t>
+            </a:r>
+            <a:r>
+              <a:rPr lang="en-US" sz="1500" dirty="0"/>
+              <a:t>, and tox</a:t>
             </a:r>
           </a:p>
           <a:p>
@@ -14706,7 +14700,7 @@
         <p:spPr>
           <a:xfrm>
             <a:off x="197260" y="4126878"/>
-            <a:ext cx="5289910" cy="864852"/>
+            <a:ext cx="4025141" cy="864852"/>
           </a:xfrm>
           <a:prstGeom prst="rect">
             <a:avLst/>
@@ -14728,7 +14722,7 @@
             <a:pPr marL="372902" lvl="1" indent="-285750"/>
             <a:r>
               <a:rPr lang="en-US" sz="1600" dirty="0"/>
-              <a:t>Mathew Cosgrove, Richard Card, and my fellow interns</a:t>
+              <a:t>Mathew Cosgrove, and my fellow interns</a:t>
             </a:r>
           </a:p>
           <a:p>
@@ -15604,15 +15598,6 @@
 </file>
 
 <file path=customXml/item1.xml><?xml version="1.0" encoding="utf-8"?>
-<?mso-contentType ?>
-<FormTemplates xmlns="http://schemas.microsoft.com/sharepoint/v3/contenttype/forms">
-  <Display>DocumentLibraryForm</Display>
-  <Edit>DocumentLibraryForm</Edit>
-  <New>DocumentLibraryForm</New>
-</FormTemplates>
-</file>
-
-<file path=customXml/item2.xml><?xml version="1.0" encoding="utf-8"?>
 <p:properties xmlns:p="http://schemas.microsoft.com/office/2006/metadata/properties" xmlns:xsi="http://www.w3.org/2001/XMLSchema-instance" xmlns:pc="http://schemas.microsoft.com/office/infopath/2007/PartnerControls">
   <documentManagement>
     <_dlc_DocId xmlns="0ed01daf-a39b-4322-b336-464aa5091e31">FA43R63HSNSU-804741541-284</_dlc_DocId>
@@ -15624,57 +15609,16 @@
 </p:properties>
 </file>
 
-<file path=customXml/item3.xml><?xml version="1.0" encoding="utf-8"?>
+<file path=customXml/item2.xml><?xml version="1.0" encoding="utf-8"?>
 <?mso-contentType ?>
-<spe:Receivers xmlns:spe="http://schemas.microsoft.com/sharepoint/events">
-  <Receiver>
-    <Name>Document ID Generator</Name>
-    <Synchronization>Synchronous</Synchronization>
-    <Type>10001</Type>
-    <SequenceNumber>1000</SequenceNumber>
-    <Url/>
-    <Assembly>Microsoft.Office.DocumentManagement, Version=16.0.0.0, Culture=neutral, PublicKeyToken=71e9bce111e9429c</Assembly>
-    <Class>Microsoft.Office.DocumentManagement.Internal.DocIdHandler</Class>
-    <Data/>
-    <Filter/>
-  </Receiver>
-  <Receiver>
-    <Name>Document ID Generator</Name>
-    <Synchronization>Synchronous</Synchronization>
-    <Type>10002</Type>
-    <SequenceNumber>1001</SequenceNumber>
-    <Url/>
-    <Assembly>Microsoft.Office.DocumentManagement, Version=16.0.0.0, Culture=neutral, PublicKeyToken=71e9bce111e9429c</Assembly>
-    <Class>Microsoft.Office.DocumentManagement.Internal.DocIdHandler</Class>
-    <Data/>
-    <Filter/>
-  </Receiver>
-  <Receiver>
-    <Name>Document ID Generator</Name>
-    <Synchronization>Synchronous</Synchronization>
-    <Type>10004</Type>
-    <SequenceNumber>1002</SequenceNumber>
-    <Url/>
-    <Assembly>Microsoft.Office.DocumentManagement, Version=16.0.0.0, Culture=neutral, PublicKeyToken=71e9bce111e9429c</Assembly>
-    <Class>Microsoft.Office.DocumentManagement.Internal.DocIdHandler</Class>
-    <Data/>
-    <Filter/>
-  </Receiver>
-  <Receiver>
-    <Name>Document ID Generator</Name>
-    <Synchronization>Synchronous</Synchronization>
-    <Type>10006</Type>
-    <SequenceNumber>1003</SequenceNumber>
-    <Url/>
-    <Assembly>Microsoft.Office.DocumentManagement, Version=16.0.0.0, Culture=neutral, PublicKeyToken=71e9bce111e9429c</Assembly>
-    <Class>Microsoft.Office.DocumentManagement.Internal.DocIdHandler</Class>
-    <Data/>
-    <Filter/>
-  </Receiver>
-</spe:Receivers>
+<FormTemplates xmlns="http://schemas.microsoft.com/sharepoint/v3/contenttype/forms">
+  <Display>DocumentLibraryForm</Display>
+  <Edit>DocumentLibraryForm</Edit>
+  <New>DocumentLibraryForm</New>
+</FormTemplates>
 </file>
 
-<file path=customXml/item4.xml><?xml version="1.0" encoding="utf-8"?>
+<file path=customXml/item3.xml><?xml version="1.0" encoding="utf-8"?>
 <ct:contentTypeSchema xmlns:ct="http://schemas.microsoft.com/office/2006/metadata/contentType" xmlns:ma="http://schemas.microsoft.com/office/2006/metadata/properties/metaAttributes" ct:_="" ma:_="" ma:contentTypeName="Document" ma:contentTypeID="0x010100BB0B2F232D3C164BB1DBF11D49AFF6AC" ma:contentTypeVersion="4" ma:contentTypeDescription="Create a new document." ma:contentTypeScope="" ma:versionID="ace64b76c7fa238c7b43066bfd7f461b">
   <xsd:schema xmlns:xsd="http://www.w3.org/2001/XMLSchema" xmlns:xs="http://www.w3.org/2001/XMLSchema" xmlns:p="http://schemas.microsoft.com/office/2006/metadata/properties" xmlns:ns2="0ed01daf-a39b-4322-b336-464aa5091e31" xmlns:ns3="0a39b131-a25b-485f-89b0-b09e965fe171" targetNamespace="http://schemas.microsoft.com/office/2006/metadata/properties" ma:root="true" ma:fieldsID="2e8e5b7044fbd0fcc71de6236af0cdf4" ns2:_="" ns3:_="">
     <xsd:import namespace="0ed01daf-a39b-4322-b336-464aa5091e31"/>
@@ -15848,15 +15792,57 @@
 </ct:contentTypeSchema>
 </file>
 
-<file path=customXml/itemProps1.xml><?xml version="1.0" encoding="utf-8"?>
-<ds:datastoreItem xmlns:ds="http://schemas.openxmlformats.org/officeDocument/2006/customXml" ds:itemID="{791386F8-E168-492C-B4C3-9A800EDC5964}">
-  <ds:schemaRefs>
-    <ds:schemaRef ds:uri="http://schemas.microsoft.com/sharepoint/v3/contenttype/forms"/>
-  </ds:schemaRefs>
-</ds:datastoreItem>
+<file path=customXml/item4.xml><?xml version="1.0" encoding="utf-8"?>
+<?mso-contentType ?>
+<spe:Receivers xmlns:spe="http://schemas.microsoft.com/sharepoint/events">
+  <Receiver>
+    <Name>Document ID Generator</Name>
+    <Synchronization>Synchronous</Synchronization>
+    <Type>10001</Type>
+    <SequenceNumber>1000</SequenceNumber>
+    <Url/>
+    <Assembly>Microsoft.Office.DocumentManagement, Version=16.0.0.0, Culture=neutral, PublicKeyToken=71e9bce111e9429c</Assembly>
+    <Class>Microsoft.Office.DocumentManagement.Internal.DocIdHandler</Class>
+    <Data/>
+    <Filter/>
+  </Receiver>
+  <Receiver>
+    <Name>Document ID Generator</Name>
+    <Synchronization>Synchronous</Synchronization>
+    <Type>10002</Type>
+    <SequenceNumber>1001</SequenceNumber>
+    <Url/>
+    <Assembly>Microsoft.Office.DocumentManagement, Version=16.0.0.0, Culture=neutral, PublicKeyToken=71e9bce111e9429c</Assembly>
+    <Class>Microsoft.Office.DocumentManagement.Internal.DocIdHandler</Class>
+    <Data/>
+    <Filter/>
+  </Receiver>
+  <Receiver>
+    <Name>Document ID Generator</Name>
+    <Synchronization>Synchronous</Synchronization>
+    <Type>10004</Type>
+    <SequenceNumber>1002</SequenceNumber>
+    <Url/>
+    <Assembly>Microsoft.Office.DocumentManagement, Version=16.0.0.0, Culture=neutral, PublicKeyToken=71e9bce111e9429c</Assembly>
+    <Class>Microsoft.Office.DocumentManagement.Internal.DocIdHandler</Class>
+    <Data/>
+    <Filter/>
+  </Receiver>
+  <Receiver>
+    <Name>Document ID Generator</Name>
+    <Synchronization>Synchronous</Synchronization>
+    <Type>10006</Type>
+    <SequenceNumber>1003</SequenceNumber>
+    <Url/>
+    <Assembly>Microsoft.Office.DocumentManagement, Version=16.0.0.0, Culture=neutral, PublicKeyToken=71e9bce111e9429c</Assembly>
+    <Class>Microsoft.Office.DocumentManagement.Internal.DocIdHandler</Class>
+    <Data/>
+    <Filter/>
+  </Receiver>
+</spe:Receivers>
 </file>
 
-<file path=customXml/itemProps2.xml><?xml version="1.0" encoding="utf-8"?>
+<file path=customXml/itemProps1.xml><?xml version="1.0" encoding="utf-8"?>
 <ds:datastoreItem xmlns:ds="http://schemas.openxmlformats.org/officeDocument/2006/customXml" ds:itemID="{8CE2CDB4-3352-4150-919A-B30B39FD5827}">
   <ds:schemaRefs>
     <ds:schemaRef ds:uri="9d07426f-fcca-4a73-934d-5bf429f9e4a3"/>
@@ -15876,15 +15862,15 @@
 </ds:datastoreItem>
 </file>
 
-<file path=customXml/itemProps3.xml><?xml version="1.0" encoding="utf-8"?>
-<ds:datastoreItem xmlns:ds="http://schemas.openxmlformats.org/officeDocument/2006/customXml" ds:itemID="{EDCF9B43-9EA7-493E-9556-9DC14AABE730}">
+<file path=customXml/itemProps2.xml><?xml version="1.0" encoding="utf-8"?>
+<ds:datastoreItem xmlns:ds="http://schemas.openxmlformats.org/officeDocument/2006/customXml" ds:itemID="{791386F8-E168-492C-B4C3-9A800EDC5964}">
   <ds:schemaRefs>
-    <ds:schemaRef ds:uri="http://schemas.microsoft.com/sharepoint/events"/>
+    <ds:schemaRef ds:uri="http://schemas.microsoft.com/sharepoint/v3/contenttype/forms"/>
   </ds:schemaRefs>
 </ds:datastoreItem>
 </file>
 
-<file path=customXml/itemProps4.xml><?xml version="1.0" encoding="utf-8"?>
+<file path=customXml/itemProps3.xml><?xml version="1.0" encoding="utf-8"?>
 <ds:datastoreItem xmlns:ds="http://schemas.openxmlformats.org/officeDocument/2006/customXml" ds:itemID="{76093642-C416-49BE-8398-0DEB4CFE8FE9}">
   <ds:schemaRefs>
     <ds:schemaRef ds:uri="http://schemas.microsoft.com/office/2006/metadata/contentType"/>
@@ -15901,4 +15887,12 @@
     <ds:schemaRef ds:uri="http://schemas.microsoft.com/internal/obd"/>
   </ds:schemaRefs>
 </ds:datastoreItem>
+</file>
+
+<file path=customXml/itemProps4.xml><?xml version="1.0" encoding="utf-8"?>
+<ds:datastoreItem xmlns:ds="http://schemas.openxmlformats.org/officeDocument/2006/customXml" ds:itemID="{EDCF9B43-9EA7-493E-9556-9DC14AABE730}">
+  <ds:schemaRefs>
+    <ds:schemaRef ds:uri="http://schemas.microsoft.com/sharepoint/events"/>
+  </ds:schemaRefs>
+</ds:datastoreItem>
 </file>
--- a/docs/presentations/Intern_Showcase_Wei.pptx
+++ b/docs/presentations/Intern_Showcase_Wei.pptx
@@ -6,18 +6,17 @@
     <p:sldMasterId id="2147483712" r:id="rId6"/>
   </p:sldMasterIdLst>
   <p:notesMasterIdLst>
-    <p:notesMasterId r:id="rId16"/>
+    <p:notesMasterId r:id="rId15"/>
   </p:notesMasterIdLst>
   <p:sldIdLst>
     <p:sldId id="463" r:id="rId7"/>
-    <p:sldId id="472" r:id="rId8"/>
-    <p:sldId id="469" r:id="rId9"/>
-    <p:sldId id="461" r:id="rId10"/>
-    <p:sldId id="464" r:id="rId11"/>
-    <p:sldId id="476" r:id="rId12"/>
-    <p:sldId id="473" r:id="rId13"/>
-    <p:sldId id="475" r:id="rId14"/>
-    <p:sldId id="325" r:id="rId15"/>
+    <p:sldId id="469" r:id="rId8"/>
+    <p:sldId id="461" r:id="rId9"/>
+    <p:sldId id="464" r:id="rId10"/>
+    <p:sldId id="476" r:id="rId11"/>
+    <p:sldId id="473" r:id="rId12"/>
+    <p:sldId id="475" r:id="rId13"/>
+    <p:sldId id="325" r:id="rId14"/>
   </p:sldIdLst>
   <p:sldSz cx="9144000" cy="5143500" type="screen16x9"/>
   <p:notesSz cx="6858000" cy="9144000"/>
@@ -226,7 +225,7 @@
           <a:p>
             <a:fld id="{C7319598-7378-4D06-855F-92B3953E18A9}" type="datetimeFigureOut">
               <a:rPr lang="en-US" smtClean="0"/>
-              <a:t>7/17/2024</a:t>
+              <a:t>7/18/2024</a:t>
             </a:fld>
             <a:endParaRPr lang="en-US"/>
           </a:p>
@@ -2804,7 +2803,7 @@
           <a:p>
             <a:fld id="{86A2FD0F-FA34-4173-943C-6FC12C2429A4}" type="datetimeFigureOut">
               <a:rPr lang="en-US" smtClean="0"/>
-              <a:t>7/17/2024</a:t>
+              <a:t>7/18/2024</a:t>
             </a:fld>
             <a:endParaRPr lang="en-US"/>
           </a:p>
@@ -2972,7 +2971,7 @@
           <a:p>
             <a:fld id="{86A2FD0F-FA34-4173-943C-6FC12C2429A4}" type="datetimeFigureOut">
               <a:rPr lang="en-US" smtClean="0"/>
-              <a:t>7/17/2024</a:t>
+              <a:t>7/18/2024</a:t>
             </a:fld>
             <a:endParaRPr lang="en-US"/>
           </a:p>
@@ -3217,7 +3216,7 @@
           <a:p>
             <a:fld id="{86A2FD0F-FA34-4173-943C-6FC12C2429A4}" type="datetimeFigureOut">
               <a:rPr lang="en-US" smtClean="0"/>
-              <a:t>7/17/2024</a:t>
+              <a:t>7/18/2024</a:t>
             </a:fld>
             <a:endParaRPr lang="en-US"/>
           </a:p>
@@ -3446,7 +3445,7 @@
           <a:p>
             <a:fld id="{86A2FD0F-FA34-4173-943C-6FC12C2429A4}" type="datetimeFigureOut">
               <a:rPr lang="en-US" smtClean="0"/>
-              <a:t>7/17/2024</a:t>
+              <a:t>7/18/2024</a:t>
             </a:fld>
             <a:endParaRPr lang="en-US"/>
           </a:p>
@@ -3810,7 +3809,7 @@
           <a:p>
             <a:fld id="{86A2FD0F-FA34-4173-943C-6FC12C2429A4}" type="datetimeFigureOut">
               <a:rPr lang="en-US" smtClean="0"/>
-              <a:t>7/17/2024</a:t>
+              <a:t>7/18/2024</a:t>
             </a:fld>
             <a:endParaRPr lang="en-US"/>
           </a:p>
@@ -4497,7 +4496,7 @@
           <a:p>
             <a:fld id="{86A2FD0F-FA34-4173-943C-6FC12C2429A4}" type="datetimeFigureOut">
               <a:rPr lang="en-US" smtClean="0"/>
-              <a:t>7/17/2024</a:t>
+              <a:t>7/18/2024</a:t>
             </a:fld>
             <a:endParaRPr lang="en-US"/>
           </a:p>
@@ -4592,7 +4591,7 @@
           <a:p>
             <a:fld id="{86A2FD0F-FA34-4173-943C-6FC12C2429A4}" type="datetimeFigureOut">
               <a:rPr lang="en-US" smtClean="0"/>
-              <a:t>7/17/2024</a:t>
+              <a:t>7/18/2024</a:t>
             </a:fld>
             <a:endParaRPr lang="en-US"/>
           </a:p>
@@ -4867,7 +4866,7 @@
           <a:p>
             <a:fld id="{86A2FD0F-FA34-4173-943C-6FC12C2429A4}" type="datetimeFigureOut">
               <a:rPr lang="en-US" smtClean="0"/>
-              <a:t>7/17/2024</a:t>
+              <a:t>7/18/2024</a:t>
             </a:fld>
             <a:endParaRPr lang="en-US"/>
           </a:p>
@@ -5119,7 +5118,7 @@
           <a:p>
             <a:fld id="{86A2FD0F-FA34-4173-943C-6FC12C2429A4}" type="datetimeFigureOut">
               <a:rPr lang="en-US" smtClean="0"/>
-              <a:t>7/17/2024</a:t>
+              <a:t>7/18/2024</a:t>
             </a:fld>
             <a:endParaRPr lang="en-US"/>
           </a:p>
@@ -5287,7 +5286,7 @@
           <a:p>
             <a:fld id="{86A2FD0F-FA34-4173-943C-6FC12C2429A4}" type="datetimeFigureOut">
               <a:rPr lang="en-US" smtClean="0"/>
-              <a:t>7/17/2024</a:t>
+              <a:t>7/18/2024</a:t>
             </a:fld>
             <a:endParaRPr lang="en-US"/>
           </a:p>
@@ -5465,7 +5464,7 @@
           <a:p>
             <a:fld id="{86A2FD0F-FA34-4173-943C-6FC12C2429A4}" type="datetimeFigureOut">
               <a:rPr lang="en-US" smtClean="0"/>
-              <a:t>7/17/2024</a:t>
+              <a:t>7/18/2024</a:t>
             </a:fld>
             <a:endParaRPr lang="en-US"/>
           </a:p>
@@ -5792,7 +5791,7 @@
           <a:p>
             <a:fld id="{FB1E0AA7-3480-410A-94C7-48509DB7D868}" type="datetimeFigureOut">
               <a:rPr lang="en-US" smtClean="0"/>
-              <a:t>7/17/2024</a:t>
+              <a:t>7/18/2024</a:t>
             </a:fld>
             <a:endParaRPr lang="en-US"/>
           </a:p>
@@ -9953,7 +9952,7 @@
           <a:p>
             <a:fld id="{86A2FD0F-FA34-4173-943C-6FC12C2429A4}" type="datetimeFigureOut">
               <a:rPr lang="en-US" smtClean="0"/>
-              <a:t>7/17/2024</a:t>
+              <a:t>7/18/2024</a:t>
             </a:fld>
             <a:endParaRPr lang="en-US"/>
           </a:p>
@@ -10519,145 +10518,6 @@
       </p:grpSpPr>
       <p:sp>
         <p:nvSpPr>
-          <p:cNvPr id="2" name="Footer Placeholder 1"/>
-          <p:cNvSpPr>
-            <a:spLocks noGrp="1"/>
-          </p:cNvSpPr>
-          <p:nvPr>
-            <p:ph type="ftr" sz="quarter" idx="3"/>
-          </p:nvPr>
-        </p:nvSpPr>
-        <p:spPr/>
-        <p:txBody>
-          <a:bodyPr/>
-          <a:lstStyle/>
-          <a:p>
-            <a:r>
-              <a:rPr lang="en-US" kern="0"/>
-              <a:t>Northrop Grumman Proprietary Level I</a:t>
-            </a:r>
-            <a:endParaRPr lang="en-US"/>
-          </a:p>
-        </p:txBody>
-      </p:sp>
-      <p:sp>
-        <p:nvSpPr>
-          <p:cNvPr id="3" name="Slide Number Placeholder 2"/>
-          <p:cNvSpPr>
-            <a:spLocks noGrp="1"/>
-          </p:cNvSpPr>
-          <p:nvPr>
-            <p:ph type="sldNum" sz="quarter" idx="4"/>
-          </p:nvPr>
-        </p:nvSpPr>
-        <p:spPr/>
-        <p:txBody>
-          <a:bodyPr/>
-          <a:lstStyle/>
-          <a:p>
-            <a:fld id="{32A2F39E-E4DB-494E-AB40-38356C65078C}" type="slidenum">
-              <a:rPr lang="en-US" smtClean="0"/>
-              <a:pPr/>
-              <a:t>2</a:t>
-            </a:fld>
-            <a:endParaRPr lang="en-US"/>
-          </a:p>
-        </p:txBody>
-      </p:sp>
-      <p:sp>
-        <p:nvSpPr>
-          <p:cNvPr id="4" name="Title 3"/>
-          <p:cNvSpPr>
-            <a:spLocks noGrp="1"/>
-          </p:cNvSpPr>
-          <p:nvPr>
-            <p:ph type="title"/>
-          </p:nvPr>
-        </p:nvSpPr>
-        <p:spPr/>
-        <p:txBody>
-          <a:bodyPr/>
-          <a:lstStyle/>
-          <a:p>
-            <a:r>
-              <a:rPr lang="en-US"/>
-              <a:t>Agenda</a:t>
-            </a:r>
-          </a:p>
-        </p:txBody>
-      </p:sp>
-      <p:sp>
-        <p:nvSpPr>
-          <p:cNvPr id="5" name="Text Placeholder 4"/>
-          <p:cNvSpPr>
-            <a:spLocks noGrp="1"/>
-          </p:cNvSpPr>
-          <p:nvPr>
-            <p:ph type="body" sz="quarter" idx="11"/>
-          </p:nvPr>
-        </p:nvSpPr>
-        <p:spPr/>
-        <p:txBody>
-          <a:bodyPr/>
-          <a:lstStyle/>
-          <a:p>
-            <a:r>
-              <a:rPr lang="en-US"/>
-              <a:t>Introduction – 2 min</a:t>
-            </a:r>
-          </a:p>
-          <a:p>
-            <a:r>
-              <a:rPr lang="en-US"/>
-              <a:t>Intern Presentation – 6 min per person</a:t>
-            </a:r>
-          </a:p>
-          <a:p>
-            <a:r>
-              <a:rPr lang="en-US"/>
-              <a:t>Q&amp;A – 2 min</a:t>
-            </a:r>
-          </a:p>
-          <a:p>
-            <a:r>
-              <a:rPr lang="en-US"/>
-              <a:t>Leadership Comments – 3 min</a:t>
-            </a:r>
-          </a:p>
-        </p:txBody>
-      </p:sp>
-    </p:spTree>
-    <p:extLst>
-      <p:ext uri="{BB962C8B-B14F-4D97-AF65-F5344CB8AC3E}">
-        <p14:creationId xmlns:p14="http://schemas.microsoft.com/office/powerpoint/2010/main" val="1875389896"/>
-      </p:ext>
-    </p:extLst>
-  </p:cSld>
-  <p:clrMapOvr>
-    <a:masterClrMapping/>
-  </p:clrMapOvr>
-</p:sld>
-</file>
-
-<file path=ppt/slides/slide3.xml><?xml version="1.0" encoding="utf-8"?>
-<p:sld xmlns:a="http://schemas.openxmlformats.org/drawingml/2006/main" xmlns:r="http://schemas.openxmlformats.org/officeDocument/2006/relationships" xmlns:p="http://schemas.openxmlformats.org/presentationml/2006/main">
-  <p:cSld>
-    <p:spTree>
-      <p:nvGrpSpPr>
-        <p:cNvPr id="1" name=""/>
-        <p:cNvGrpSpPr/>
-        <p:nvPr/>
-      </p:nvGrpSpPr>
-      <p:grpSpPr>
-        <a:xfrm>
-          <a:off x="0" y="0"/>
-          <a:ext cx="0" cy="0"/>
-          <a:chOff x="0" y="0"/>
-          <a:chExt cx="0" cy="0"/>
-        </a:xfrm>
-      </p:grpSpPr>
-      <p:sp>
-        <p:nvSpPr>
           <p:cNvPr id="2" name="Title 1"/>
           <p:cNvSpPr>
             <a:spLocks noGrp="1"/>
@@ -10687,7 +10547,7 @@
           <p:nvPr>
             <p:extLst>
               <p:ext uri="{D42A27DB-BD31-4B8C-83A1-F6EECF244321}">
-                <p14:modId xmlns:p14="http://schemas.microsoft.com/office/powerpoint/2010/main" val="3832467205"/>
+                <p14:modId xmlns:p14="http://schemas.microsoft.com/office/powerpoint/2010/main" val="4047640428"/>
               </p:ext>
             </p:extLst>
           </p:nvPr>
@@ -11539,7 +11399,7 @@
                       </a:r>
                       <a:r>
                         <a:rPr lang="en-US" sz="1200" b="0" dirty="0"/>
-                        <a:t>SEARGANT</a:t>
+                        <a:t>SERGANT</a:t>
                       </a:r>
                     </a:p>
                   </a:txBody>
@@ -11635,7 +11495,7 @@
 </p:sld>
 </file>
 
-<file path=ppt/slides/slide4.xml><?xml version="1.0" encoding="utf-8"?>
+<file path=ppt/slides/slide3.xml><?xml version="1.0" encoding="utf-8"?>
 <p:sld xmlns:a="http://schemas.openxmlformats.org/drawingml/2006/main" xmlns:r="http://schemas.openxmlformats.org/officeDocument/2006/relationships" xmlns:p="http://schemas.openxmlformats.org/presentationml/2006/main">
   <p:cSld>
     <p:spTree>
@@ -11693,7 +11553,7 @@
             <a:fld id="{32A2F39E-E4DB-494E-AB40-38356C65078C}" type="slidenum">
               <a:rPr lang="en-US" smtClean="0"/>
               <a:pPr/>
-              <a:t>4</a:t>
+              <a:t>3</a:t>
             </a:fld>
             <a:endParaRPr lang="en-US"/>
           </a:p>
@@ -12252,7 +12112,7 @@
                     <a:schemeClr val="tx2"/>
                   </a:solidFill>
                 </a:rPr>
-                <a:t>SEARGANT Team One Note notebook consisting of ~800 files spread across ~200 folders</a:t>
+                <a:t>SERGANT Team One Note notebook consisting of ~800 files spread across ~200 folders</a:t>
               </a:r>
             </a:p>
           </p:txBody>
@@ -12361,7 +12221,7 @@
 </p:sld>
 </file>
 
-<file path=ppt/slides/slide5.xml><?xml version="1.0" encoding="utf-8"?>
+<file path=ppt/slides/slide4.xml><?xml version="1.0" encoding="utf-8"?>
 <p:sld xmlns:a="http://schemas.openxmlformats.org/drawingml/2006/main" xmlns:r="http://schemas.openxmlformats.org/officeDocument/2006/relationships" xmlns:p="http://schemas.openxmlformats.org/presentationml/2006/main">
   <p:cSld>
     <p:spTree>
@@ -12419,7 +12279,7 @@
             <a:fld id="{32A2F39E-E4DB-494E-AB40-38356C65078C}" type="slidenum">
               <a:rPr lang="en-US" smtClean="0"/>
               <a:pPr/>
-              <a:t>5</a:t>
+              <a:t>4</a:t>
             </a:fld>
             <a:endParaRPr lang="en-US"/>
           </a:p>
@@ -13007,7 +12867,7 @@
 </p:sld>
 </file>
 
-<file path=ppt/slides/slide6.xml><?xml version="1.0" encoding="utf-8"?>
+<file path=ppt/slides/slide5.xml><?xml version="1.0" encoding="utf-8"?>
 <p:sld xmlns:a="http://schemas.openxmlformats.org/drawingml/2006/main" xmlns:r="http://schemas.openxmlformats.org/officeDocument/2006/relationships" xmlns:p="http://schemas.openxmlformats.org/presentationml/2006/main">
   <p:cSld>
     <p:spTree>
@@ -13065,7 +12925,7 @@
             <a:fld id="{32A2F39E-E4DB-494E-AB40-38356C65078C}" type="slidenum">
               <a:rPr lang="en-US" smtClean="0"/>
               <a:pPr/>
-              <a:t>6</a:t>
+              <a:t>5</a:t>
             </a:fld>
             <a:endParaRPr lang="en-US"/>
           </a:p>
@@ -13595,7 +13455,7 @@
 </p:sld>
 </file>
 
-<file path=ppt/slides/slide7.xml><?xml version="1.0" encoding="utf-8"?>
+<file path=ppt/slides/slide6.xml><?xml version="1.0" encoding="utf-8"?>
 <p:sld xmlns:a="http://schemas.openxmlformats.org/drawingml/2006/main" xmlns:r="http://schemas.openxmlformats.org/officeDocument/2006/relationships" xmlns:p="http://schemas.openxmlformats.org/presentationml/2006/main">
   <p:cSld>
     <p:spTree>
@@ -13630,7 +13490,7 @@
             <a:fld id="{32A2F39E-E4DB-494E-AB40-38356C65078C}" type="slidenum">
               <a:rPr lang="en-US" smtClean="0"/>
               <a:pPr/>
-              <a:t>7</a:t>
+              <a:t>6</a:t>
             </a:fld>
             <a:endParaRPr lang="en-US"/>
           </a:p>
@@ -14581,7 +14441,7 @@
 </p:sld>
 </file>
 
-<file path=ppt/slides/slide8.xml><?xml version="1.0" encoding="utf-8"?>
+<file path=ppt/slides/slide7.xml><?xml version="1.0" encoding="utf-8"?>
 <p:sld xmlns:a="http://schemas.openxmlformats.org/drawingml/2006/main" xmlns:r="http://schemas.openxmlformats.org/officeDocument/2006/relationships" xmlns:p="http://schemas.openxmlformats.org/presentationml/2006/main">
   <p:cSld>
     <p:spTree>
@@ -14679,7 +14539,7 @@
             <a:fld id="{32A2F39E-E4DB-494E-AB40-38356C65078C}" type="slidenum">
               <a:rPr lang="en-US" smtClean="0"/>
               <a:pPr/>
-              <a:t>8</a:t>
+              <a:t>7</a:t>
             </a:fld>
             <a:endParaRPr lang="en-US"/>
           </a:p>
@@ -14743,7 +14603,7 @@
 </p:sld>
 </file>
 
-<file path=ppt/slides/slide9.xml><?xml version="1.0" encoding="utf-8"?>
+<file path=ppt/slides/slide8.xml><?xml version="1.0" encoding="utf-8"?>
 <p:sld xmlns:a="http://schemas.openxmlformats.org/drawingml/2006/main" xmlns:r="http://schemas.openxmlformats.org/officeDocument/2006/relationships" xmlns:p="http://schemas.openxmlformats.org/presentationml/2006/main">
   <p:cSld>
     <p:spTree>
@@ -15598,6 +15458,15 @@
 </file>
 
 <file path=customXml/item1.xml><?xml version="1.0" encoding="utf-8"?>
+<?mso-contentType ?>
+<FormTemplates xmlns="http://schemas.microsoft.com/sharepoint/v3/contenttype/forms">
+  <Display>DocumentLibraryForm</Display>
+  <Edit>DocumentLibraryForm</Edit>
+  <New>DocumentLibraryForm</New>
+</FormTemplates>
+</file>
+
+<file path=customXml/item2.xml><?xml version="1.0" encoding="utf-8"?>
 <p:properties xmlns:p="http://schemas.microsoft.com/office/2006/metadata/properties" xmlns:xsi="http://www.w3.org/2001/XMLSchema-instance" xmlns:pc="http://schemas.microsoft.com/office/infopath/2007/PartnerControls">
   <documentManagement>
     <_dlc_DocId xmlns="0ed01daf-a39b-4322-b336-464aa5091e31">FA43R63HSNSU-804741541-284</_dlc_DocId>
@@ -15609,16 +15478,57 @@
 </p:properties>
 </file>
 
-<file path=customXml/item2.xml><?xml version="1.0" encoding="utf-8"?>
+<file path=customXml/item3.xml><?xml version="1.0" encoding="utf-8"?>
 <?mso-contentType ?>
-<FormTemplates xmlns="http://schemas.microsoft.com/sharepoint/v3/contenttype/forms">
-  <Display>DocumentLibraryForm</Display>
-  <Edit>DocumentLibraryForm</Edit>
-  <New>DocumentLibraryForm</New>
-</FormTemplates>
+<spe:Receivers xmlns:spe="http://schemas.microsoft.com/sharepoint/events">
+  <Receiver>
+    <Name>Document ID Generator</Name>
+    <Synchronization>Synchronous</Synchronization>
+    <Type>10001</Type>
+    <SequenceNumber>1000</SequenceNumber>
+    <Url/>
+    <Assembly>Microsoft.Office.DocumentManagement, Version=16.0.0.0, Culture=neutral, PublicKeyToken=71e9bce111e9429c</Assembly>
+    <Class>Microsoft.Office.DocumentManagement.Internal.DocIdHandler</Class>
+    <Data/>
+    <Filter/>
+  </Receiver>
+  <Receiver>
+    <Name>Document ID Generator</Name>
+    <Synchronization>Synchronous</Synchronization>
+    <Type>10002</Type>
+    <SequenceNumber>1001</SequenceNumber>
+    <Url/>
+    <Assembly>Microsoft.Office.DocumentManagement, Version=16.0.0.0, Culture=neutral, PublicKeyToken=71e9bce111e9429c</Assembly>
+    <Class>Microsoft.Office.DocumentManagement.Internal.DocIdHandler</Class>
+    <Data/>
+    <Filter/>
+  </Receiver>
+  <Receiver>
+    <Name>Document ID Generator</Name>
+    <Synchronization>Synchronous</Synchronization>
+    <Type>10004</Type>
+    <SequenceNumber>1002</SequenceNumber>
+    <Url/>
+    <Assembly>Microsoft.Office.DocumentManagement, Version=16.0.0.0, Culture=neutral, PublicKeyToken=71e9bce111e9429c</Assembly>
+    <Class>Microsoft.Office.DocumentManagement.Internal.DocIdHandler</Class>
+    <Data/>
+    <Filter/>
+  </Receiver>
+  <Receiver>
+    <Name>Document ID Generator</Name>
+    <Synchronization>Synchronous</Synchronization>
+    <Type>10006</Type>
+    <SequenceNumber>1003</SequenceNumber>
+    <Url/>
+    <Assembly>Microsoft.Office.DocumentManagement, Version=16.0.0.0, Culture=neutral, PublicKeyToken=71e9bce111e9429c</Assembly>
+    <Class>Microsoft.Office.DocumentManagement.Internal.DocIdHandler</Class>
+    <Data/>
+    <Filter/>
+  </Receiver>
+</spe:Receivers>
 </file>
 
-<file path=customXml/item3.xml><?xml version="1.0" encoding="utf-8"?>
+<file path=customXml/item4.xml><?xml version="1.0" encoding="utf-8"?>
 <ct:contentTypeSchema xmlns:ct="http://schemas.microsoft.com/office/2006/metadata/contentType" xmlns:ma="http://schemas.microsoft.com/office/2006/metadata/properties/metaAttributes" ct:_="" ma:_="" ma:contentTypeName="Document" ma:contentTypeID="0x010100BB0B2F232D3C164BB1DBF11D49AFF6AC" ma:contentTypeVersion="4" ma:contentTypeDescription="Create a new document." ma:contentTypeScope="" ma:versionID="ace64b76c7fa238c7b43066bfd7f461b">
   <xsd:schema xmlns:xsd="http://www.w3.org/2001/XMLSchema" xmlns:xs="http://www.w3.org/2001/XMLSchema" xmlns:p="http://schemas.microsoft.com/office/2006/metadata/properties" xmlns:ns2="0ed01daf-a39b-4322-b336-464aa5091e31" xmlns:ns3="0a39b131-a25b-485f-89b0-b09e965fe171" targetNamespace="http://schemas.microsoft.com/office/2006/metadata/properties" ma:root="true" ma:fieldsID="2e8e5b7044fbd0fcc71de6236af0cdf4" ns2:_="" ns3:_="">
     <xsd:import namespace="0ed01daf-a39b-4322-b336-464aa5091e31"/>
@@ -15792,57 +15702,15 @@
 </ct:contentTypeSchema>
 </file>
 
-<file path=customXml/item4.xml><?xml version="1.0" encoding="utf-8"?>
-<?mso-contentType ?>
-<spe:Receivers xmlns:spe="http://schemas.microsoft.com/sharepoint/events">
-  <Receiver>
-    <Name>Document ID Generator</Name>
-    <Synchronization>Synchronous</Synchronization>
-    <Type>10001</Type>
-    <SequenceNumber>1000</SequenceNumber>
-    <Url/>
-    <Assembly>Microsoft.Office.DocumentManagement, Version=16.0.0.0, Culture=neutral, PublicKeyToken=71e9bce111e9429c</Assembly>
-    <Class>Microsoft.Office.DocumentManagement.Internal.DocIdHandler</Class>
-    <Data/>
-    <Filter/>
-  </Receiver>
-  <Receiver>
-    <Name>Document ID Generator</Name>
-    <Synchronization>Synchronous</Synchronization>
-    <Type>10002</Type>
-    <SequenceNumber>1001</SequenceNumber>
-    <Url/>
-    <Assembly>Microsoft.Office.DocumentManagement, Version=16.0.0.0, Culture=neutral, PublicKeyToken=71e9bce111e9429c</Assembly>
-    <Class>Microsoft.Office.DocumentManagement.Internal.DocIdHandler</Class>
-    <Data/>
-    <Filter/>
-  </Receiver>
-  <Receiver>
-    <Name>Document ID Generator</Name>
-    <Synchronization>Synchronous</Synchronization>
-    <Type>10004</Type>
-    <SequenceNumber>1002</SequenceNumber>
-    <Url/>
-    <Assembly>Microsoft.Office.DocumentManagement, Version=16.0.0.0, Culture=neutral, PublicKeyToken=71e9bce111e9429c</Assembly>
-    <Class>Microsoft.Office.DocumentManagement.Internal.DocIdHandler</Class>
-    <Data/>
-    <Filter/>
-  </Receiver>
-  <Receiver>
-    <Name>Document ID Generator</Name>
-    <Synchronization>Synchronous</Synchronization>
-    <Type>10006</Type>
-    <SequenceNumber>1003</SequenceNumber>
-    <Url/>
-    <Assembly>Microsoft.Office.DocumentManagement, Version=16.0.0.0, Culture=neutral, PublicKeyToken=71e9bce111e9429c</Assembly>
-    <Class>Microsoft.Office.DocumentManagement.Internal.DocIdHandler</Class>
-    <Data/>
-    <Filter/>
-  </Receiver>
-</spe:Receivers>
+<file path=customXml/itemProps1.xml><?xml version="1.0" encoding="utf-8"?>
+<ds:datastoreItem xmlns:ds="http://schemas.openxmlformats.org/officeDocument/2006/customXml" ds:itemID="{791386F8-E168-492C-B4C3-9A800EDC5964}">
+  <ds:schemaRefs>
+    <ds:schemaRef ds:uri="http://schemas.microsoft.com/sharepoint/v3/contenttype/forms"/>
+  </ds:schemaRefs>
+</ds:datastoreItem>
 </file>
 
-<file path=customXml/itemProps1.xml><?xml version="1.0" encoding="utf-8"?>
+<file path=customXml/itemProps2.xml><?xml version="1.0" encoding="utf-8"?>
 <ds:datastoreItem xmlns:ds="http://schemas.openxmlformats.org/officeDocument/2006/customXml" ds:itemID="{8CE2CDB4-3352-4150-919A-B30B39FD5827}">
   <ds:schemaRefs>
     <ds:schemaRef ds:uri="9d07426f-fcca-4a73-934d-5bf429f9e4a3"/>
@@ -15862,15 +15730,15 @@
 </ds:datastoreItem>
 </file>
 
-<file path=customXml/itemProps2.xml><?xml version="1.0" encoding="utf-8"?>
-<ds:datastoreItem xmlns:ds="http://schemas.openxmlformats.org/officeDocument/2006/customXml" ds:itemID="{791386F8-E168-492C-B4C3-9A800EDC5964}">
+<file path=customXml/itemProps3.xml><?xml version="1.0" encoding="utf-8"?>
+<ds:datastoreItem xmlns:ds="http://schemas.openxmlformats.org/officeDocument/2006/customXml" ds:itemID="{EDCF9B43-9EA7-493E-9556-9DC14AABE730}">
   <ds:schemaRefs>
-    <ds:schemaRef ds:uri="http://schemas.microsoft.com/sharepoint/v3/contenttype/forms"/>
+    <ds:schemaRef ds:uri="http://schemas.microsoft.com/sharepoint/events"/>
   </ds:schemaRefs>
 </ds:datastoreItem>
 </file>
 
-<file path=customXml/itemProps3.xml><?xml version="1.0" encoding="utf-8"?>
+<file path=customXml/itemProps4.xml><?xml version="1.0" encoding="utf-8"?>
 <ds:datastoreItem xmlns:ds="http://schemas.openxmlformats.org/officeDocument/2006/customXml" ds:itemID="{76093642-C416-49BE-8398-0DEB4CFE8FE9}">
   <ds:schemaRefs>
     <ds:schemaRef ds:uri="http://schemas.microsoft.com/office/2006/metadata/contentType"/>
@@ -15887,12 +15755,4 @@
     <ds:schemaRef ds:uri="http://schemas.microsoft.com/internal/obd"/>
   </ds:schemaRefs>
 </ds:datastoreItem>
-</file>
-
-<file path=customXml/itemProps4.xml><?xml version="1.0" encoding="utf-8"?>
-<ds:datastoreItem xmlns:ds="http://schemas.openxmlformats.org/officeDocument/2006/customXml" ds:itemID="{EDCF9B43-9EA7-493E-9556-9DC14AABE730}">
-  <ds:schemaRefs>
-    <ds:schemaRef ds:uri="http://schemas.microsoft.com/sharepoint/events"/>
-  </ds:schemaRefs>
-</ds:datastoreItem>
 </file>
--- a/docs/presentations/Intern_Showcase_Wei.pptx
+++ b/docs/presentations/Intern_Showcase_Wei.pptx
@@ -6,17 +6,19 @@
     <p:sldMasterId id="2147483712" r:id="rId6"/>
   </p:sldMasterIdLst>
   <p:notesMasterIdLst>
-    <p:notesMasterId r:id="rId15"/>
+    <p:notesMasterId r:id="rId17"/>
   </p:notesMasterIdLst>
   <p:sldIdLst>
     <p:sldId id="463" r:id="rId7"/>
     <p:sldId id="469" r:id="rId8"/>
     <p:sldId id="461" r:id="rId9"/>
-    <p:sldId id="464" r:id="rId10"/>
-    <p:sldId id="476" r:id="rId11"/>
-    <p:sldId id="473" r:id="rId12"/>
-    <p:sldId id="475" r:id="rId13"/>
-    <p:sldId id="325" r:id="rId14"/>
+    <p:sldId id="477" r:id="rId10"/>
+    <p:sldId id="479" r:id="rId11"/>
+    <p:sldId id="478" r:id="rId12"/>
+    <p:sldId id="476" r:id="rId13"/>
+    <p:sldId id="473" r:id="rId14"/>
+    <p:sldId id="475" r:id="rId15"/>
+    <p:sldId id="325" r:id="rId16"/>
   </p:sldIdLst>
   <p:sldSz cx="9144000" cy="5143500" type="screen16x9"/>
   <p:notesSz cx="6858000" cy="9144000"/>
@@ -225,7 +227,7 @@
           <a:p>
             <a:fld id="{C7319598-7378-4D06-855F-92B3953E18A9}" type="datetimeFigureOut">
               <a:rPr lang="en-US" smtClean="0"/>
-              <a:t>7/18/2024</a:t>
+              <a:t>7/22/2024</a:t>
             </a:fld>
             <a:endParaRPr lang="en-US"/>
           </a:p>
@@ -576,6 +578,362 @@
 </p:notes>
 </file>
 
+<file path=ppt/notesSlides/notesSlide2.xml><?xml version="1.0" encoding="utf-8"?>
+<p:notes xmlns:a="http://schemas.openxmlformats.org/drawingml/2006/main" xmlns:r="http://schemas.openxmlformats.org/officeDocument/2006/relationships" xmlns:p="http://schemas.openxmlformats.org/presentationml/2006/main">
+  <p:cSld>
+    <p:spTree>
+      <p:nvGrpSpPr>
+        <p:cNvPr id="1" name=""/>
+        <p:cNvGrpSpPr/>
+        <p:nvPr/>
+      </p:nvGrpSpPr>
+      <p:grpSpPr>
+        <a:xfrm>
+          <a:off x="0" y="0"/>
+          <a:ext cx="0" cy="0"/>
+          <a:chOff x="0" y="0"/>
+          <a:chExt cx="0" cy="0"/>
+        </a:xfrm>
+      </p:grpSpPr>
+      <p:sp>
+        <p:nvSpPr>
+          <p:cNvPr id="2" name="Slide Image Placeholder 1"/>
+          <p:cNvSpPr>
+            <a:spLocks noGrp="1" noRot="1" noChangeAspect="1"/>
+          </p:cNvSpPr>
+          <p:nvPr>
+            <p:ph type="sldImg"/>
+          </p:nvPr>
+        </p:nvSpPr>
+        <p:spPr/>
+      </p:sp>
+      <p:sp>
+        <p:nvSpPr>
+          <p:cNvPr id="3" name="Notes Placeholder 2"/>
+          <p:cNvSpPr>
+            <a:spLocks noGrp="1"/>
+          </p:cNvSpPr>
+          <p:nvPr>
+            <p:ph type="body" idx="1"/>
+          </p:nvPr>
+        </p:nvSpPr>
+        <p:spPr/>
+        <p:txBody>
+          <a:bodyPr/>
+          <a:lstStyle/>
+          <a:p>
+            <a:r>
+              <a:rPr lang="en-US" dirty="0"/>
+              <a:t>So, what is the goal of Database tools? The final goal is to centralize our knowledge bases to one place. Doing this will improve efficiency and save time by making automated synchronizations and making our documentation always consistent and up to date. Furthermore, By centralizing our data, we can increase collaboration by making data more accessible since engineers will only need to refer to one place to find all the data they need. By centralizing all our data, it also allows us to use semantic search algorithms which will help us find the info we need faster. Doing this will also make data management easier since we can make user classes which have certain permissions to certain parts of the knowledge base. And, by deploying on MongoDB we can increase scalability easily due to Mongo’s simplistic but powerful API. Lastly, this tool should help with quality control specifically regarding error reduction and standardization since it is simple to make controls to filter and vet uploaded data. </a:t>
+            </a:r>
+          </a:p>
+        </p:txBody>
+      </p:sp>
+      <p:sp>
+        <p:nvSpPr>
+          <p:cNvPr id="4" name="Slide Number Placeholder 3"/>
+          <p:cNvSpPr>
+            <a:spLocks noGrp="1"/>
+          </p:cNvSpPr>
+          <p:nvPr>
+            <p:ph type="sldNum" sz="quarter" idx="5"/>
+          </p:nvPr>
+        </p:nvSpPr>
+        <p:spPr/>
+        <p:txBody>
+          <a:bodyPr/>
+          <a:lstStyle/>
+          <a:p>
+            <a:fld id="{657C1899-0281-4675-B394-61ED49C54BA2}" type="slidenum">
+              <a:rPr lang="en-US" smtClean="0"/>
+              <a:t>3</a:t>
+            </a:fld>
+            <a:endParaRPr lang="en-US"/>
+          </a:p>
+        </p:txBody>
+      </p:sp>
+    </p:spTree>
+    <p:extLst>
+      <p:ext uri="{BB962C8B-B14F-4D97-AF65-F5344CB8AC3E}">
+        <p14:creationId xmlns:p14="http://schemas.microsoft.com/office/powerpoint/2010/main" val="1555953580"/>
+      </p:ext>
+    </p:extLst>
+  </p:cSld>
+  <p:clrMapOvr>
+    <a:masterClrMapping/>
+  </p:clrMapOvr>
+</p:notes>
+</file>
+
+<file path=ppt/notesSlides/notesSlide3.xml><?xml version="1.0" encoding="utf-8"?>
+<p:notes xmlns:a="http://schemas.openxmlformats.org/drawingml/2006/main" xmlns:r="http://schemas.openxmlformats.org/officeDocument/2006/relationships" xmlns:p="http://schemas.openxmlformats.org/presentationml/2006/main">
+  <p:cSld>
+    <p:spTree>
+      <p:nvGrpSpPr>
+        <p:cNvPr id="1" name=""/>
+        <p:cNvGrpSpPr/>
+        <p:nvPr/>
+      </p:nvGrpSpPr>
+      <p:grpSpPr>
+        <a:xfrm>
+          <a:off x="0" y="0"/>
+          <a:ext cx="0" cy="0"/>
+          <a:chOff x="0" y="0"/>
+          <a:chExt cx="0" cy="0"/>
+        </a:xfrm>
+      </p:grpSpPr>
+      <p:sp>
+        <p:nvSpPr>
+          <p:cNvPr id="2" name="Slide Image Placeholder 1"/>
+          <p:cNvSpPr>
+            <a:spLocks noGrp="1" noRot="1" noChangeAspect="1"/>
+          </p:cNvSpPr>
+          <p:nvPr>
+            <p:ph type="sldImg"/>
+          </p:nvPr>
+        </p:nvSpPr>
+        <p:spPr/>
+      </p:sp>
+      <p:sp>
+        <p:nvSpPr>
+          <p:cNvPr id="3" name="Notes Placeholder 2"/>
+          <p:cNvSpPr>
+            <a:spLocks noGrp="1"/>
+          </p:cNvSpPr>
+          <p:nvPr>
+            <p:ph type="body" idx="1"/>
+          </p:nvPr>
+        </p:nvSpPr>
+        <p:spPr/>
+        <p:txBody>
+          <a:bodyPr/>
+          <a:lstStyle/>
+          <a:p>
+            <a:r>
+              <a:rPr lang="en-US" dirty="0"/>
+              <a:t>Currently, I’ve been told that many of our teams work on One Note. However, One Note has many downsides such as allowing for chaotic structuring, poor discoverability amongst workspaces (e.g. can’t easily search between notebooks), and terrible API support limiting integration with custom software or applications. Because of these reasons, many inefficiencies arise. </a:t>
+            </a:r>
+          </a:p>
+        </p:txBody>
+      </p:sp>
+      <p:sp>
+        <p:nvSpPr>
+          <p:cNvPr id="4" name="Slide Number Placeholder 3"/>
+          <p:cNvSpPr>
+            <a:spLocks noGrp="1"/>
+          </p:cNvSpPr>
+          <p:nvPr>
+            <p:ph type="sldNum" sz="quarter" idx="5"/>
+          </p:nvPr>
+        </p:nvSpPr>
+        <p:spPr/>
+        <p:txBody>
+          <a:bodyPr/>
+          <a:lstStyle/>
+          <a:p>
+            <a:fld id="{657C1899-0281-4675-B394-61ED49C54BA2}" type="slidenum">
+              <a:rPr lang="en-US" smtClean="0"/>
+              <a:t>4</a:t>
+            </a:fld>
+            <a:endParaRPr lang="en-US"/>
+          </a:p>
+        </p:txBody>
+      </p:sp>
+    </p:spTree>
+    <p:extLst>
+      <p:ext uri="{BB962C8B-B14F-4D97-AF65-F5344CB8AC3E}">
+        <p14:creationId xmlns:p14="http://schemas.microsoft.com/office/powerpoint/2010/main" val="2658349477"/>
+      </p:ext>
+    </p:extLst>
+  </p:cSld>
+  <p:clrMapOvr>
+    <a:masterClrMapping/>
+  </p:clrMapOvr>
+</p:notes>
+</file>
+
+<file path=ppt/notesSlides/notesSlide4.xml><?xml version="1.0" encoding="utf-8"?>
+<p:notes xmlns:a="http://schemas.openxmlformats.org/drawingml/2006/main" xmlns:r="http://schemas.openxmlformats.org/officeDocument/2006/relationships" xmlns:p="http://schemas.openxmlformats.org/presentationml/2006/main">
+  <p:cSld>
+    <p:spTree>
+      <p:nvGrpSpPr>
+        <p:cNvPr id="1" name=""/>
+        <p:cNvGrpSpPr/>
+        <p:nvPr/>
+      </p:nvGrpSpPr>
+      <p:grpSpPr>
+        <a:xfrm>
+          <a:off x="0" y="0"/>
+          <a:ext cx="0" cy="0"/>
+          <a:chOff x="0" y="0"/>
+          <a:chExt cx="0" cy="0"/>
+        </a:xfrm>
+      </p:grpSpPr>
+      <p:sp>
+        <p:nvSpPr>
+          <p:cNvPr id="2" name="Slide Image Placeholder 1"/>
+          <p:cNvSpPr>
+            <a:spLocks noGrp="1" noRot="1" noChangeAspect="1"/>
+          </p:cNvSpPr>
+          <p:nvPr>
+            <p:ph type="sldImg"/>
+          </p:nvPr>
+        </p:nvSpPr>
+        <p:spPr/>
+      </p:sp>
+      <p:sp>
+        <p:nvSpPr>
+          <p:cNvPr id="3" name="Notes Placeholder 2"/>
+          <p:cNvSpPr>
+            <a:spLocks noGrp="1"/>
+          </p:cNvSpPr>
+          <p:nvPr>
+            <p:ph type="body" idx="1"/>
+          </p:nvPr>
+        </p:nvSpPr>
+        <p:spPr/>
+        <p:txBody>
+          <a:bodyPr/>
+          <a:lstStyle/>
+          <a:p>
+            <a:r>
+              <a:rPr lang="en-US" dirty="0"/>
+              <a:t>For example, if an engineer wants to add a design to one team’s notebook, they might notice that they need some documentation from another notebook. However, after opening said notebook, they might realize that one note can’t find the specific information they want. So, they might open another notebook and find the documentation, but then realize that it is difficult to export this data into a universal format. </a:t>
+            </a:r>
+          </a:p>
+        </p:txBody>
+      </p:sp>
+      <p:sp>
+        <p:nvSpPr>
+          <p:cNvPr id="4" name="Slide Number Placeholder 3"/>
+          <p:cNvSpPr>
+            <a:spLocks noGrp="1"/>
+          </p:cNvSpPr>
+          <p:nvPr>
+            <p:ph type="sldNum" sz="quarter" idx="5"/>
+          </p:nvPr>
+        </p:nvSpPr>
+        <p:spPr/>
+        <p:txBody>
+          <a:bodyPr/>
+          <a:lstStyle/>
+          <a:p>
+            <a:fld id="{657C1899-0281-4675-B394-61ED49C54BA2}" type="slidenum">
+              <a:rPr lang="en-US" smtClean="0"/>
+              <a:t>5</a:t>
+            </a:fld>
+            <a:endParaRPr lang="en-US"/>
+          </a:p>
+        </p:txBody>
+      </p:sp>
+    </p:spTree>
+    <p:extLst>
+      <p:ext uri="{BB962C8B-B14F-4D97-AF65-F5344CB8AC3E}">
+        <p14:creationId xmlns:p14="http://schemas.microsoft.com/office/powerpoint/2010/main" val="486353100"/>
+      </p:ext>
+    </p:extLst>
+  </p:cSld>
+  <p:clrMapOvr>
+    <a:masterClrMapping/>
+  </p:clrMapOvr>
+</p:notes>
+</file>
+
+<file path=ppt/notesSlides/notesSlide5.xml><?xml version="1.0" encoding="utf-8"?>
+<p:notes xmlns:a="http://schemas.openxmlformats.org/drawingml/2006/main" xmlns:r="http://schemas.openxmlformats.org/officeDocument/2006/relationships" xmlns:p="http://schemas.openxmlformats.org/presentationml/2006/main">
+  <p:cSld>
+    <p:spTree>
+      <p:nvGrpSpPr>
+        <p:cNvPr id="1" name=""/>
+        <p:cNvGrpSpPr/>
+        <p:nvPr/>
+      </p:nvGrpSpPr>
+      <p:grpSpPr>
+        <a:xfrm>
+          <a:off x="0" y="0"/>
+          <a:ext cx="0" cy="0"/>
+          <a:chOff x="0" y="0"/>
+          <a:chExt cx="0" cy="0"/>
+        </a:xfrm>
+      </p:grpSpPr>
+      <p:sp>
+        <p:nvSpPr>
+          <p:cNvPr id="2" name="Slide Image Placeholder 1"/>
+          <p:cNvSpPr>
+            <a:spLocks noGrp="1" noRot="1" noChangeAspect="1"/>
+          </p:cNvSpPr>
+          <p:nvPr>
+            <p:ph type="sldImg"/>
+          </p:nvPr>
+        </p:nvSpPr>
+        <p:spPr/>
+      </p:sp>
+      <p:sp>
+        <p:nvSpPr>
+          <p:cNvPr id="3" name="Notes Placeholder 2"/>
+          <p:cNvSpPr>
+            <a:spLocks noGrp="1"/>
+          </p:cNvSpPr>
+          <p:nvPr>
+            <p:ph type="body" idx="1"/>
+          </p:nvPr>
+        </p:nvSpPr>
+        <p:spPr/>
+        <p:txBody>
+          <a:bodyPr/>
+          <a:lstStyle/>
+          <a:p>
+            <a:r>
+              <a:rPr lang="en-US" dirty="0"/>
+              <a:t>To alleviate this problem, we plan to take our One Note notebooks, export and parse them into our MongoDB data-model, then upload these block data-models into confluence. By doing this, we have access to all the data allowing us make features such as semantic searches, mass formatting, etc. During this upload process, we hope to preserve all One Note formats and ordering that the engineers originally intended. This will help with making a seamless transition to confluence since engineers can just pick up where they left off but just on a different platform. We chose upload to confluence enterprise since it has a nice API to interact with, has structured formatting, and has many beta features that are coming to enterprise soon such as automatic page summaries, and a virtual agent to help with making SQL or JQL queries. We are also planning to develop integrations with Notion, </a:t>
+            </a:r>
+            <a:r>
+              <a:rPr lang="en-US" dirty="0" err="1"/>
+              <a:t>Github</a:t>
+            </a:r>
+            <a:r>
+              <a:rPr lang="en-US" dirty="0"/>
+              <a:t> and Jira to allow for more accessibility. </a:t>
+            </a:r>
+          </a:p>
+        </p:txBody>
+      </p:sp>
+      <p:sp>
+        <p:nvSpPr>
+          <p:cNvPr id="4" name="Slide Number Placeholder 3"/>
+          <p:cNvSpPr>
+            <a:spLocks noGrp="1"/>
+          </p:cNvSpPr>
+          <p:nvPr>
+            <p:ph type="sldNum" sz="quarter" idx="5"/>
+          </p:nvPr>
+        </p:nvSpPr>
+        <p:spPr/>
+        <p:txBody>
+          <a:bodyPr/>
+          <a:lstStyle/>
+          <a:p>
+            <a:fld id="{657C1899-0281-4675-B394-61ED49C54BA2}" type="slidenum">
+              <a:rPr lang="en-US" smtClean="0"/>
+              <a:t>6</a:t>
+            </a:fld>
+            <a:endParaRPr lang="en-US"/>
+          </a:p>
+        </p:txBody>
+      </p:sp>
+    </p:spTree>
+    <p:extLst>
+      <p:ext uri="{BB962C8B-B14F-4D97-AF65-F5344CB8AC3E}">
+        <p14:creationId xmlns:p14="http://schemas.microsoft.com/office/powerpoint/2010/main" val="2006838843"/>
+      </p:ext>
+    </p:extLst>
+  </p:cSld>
+  <p:clrMapOvr>
+    <a:masterClrMapping/>
+  </p:clrMapOvr>
+</p:notes>
+</file>
+
 <file path=ppt/slideLayouts/slideLayout1.xml><?xml version="1.0" encoding="utf-8"?>
 <p:sldLayout xmlns:a="http://schemas.openxmlformats.org/drawingml/2006/main" xmlns:r="http://schemas.openxmlformats.org/officeDocument/2006/relationships" xmlns:p="http://schemas.openxmlformats.org/presentationml/2006/main" preserve="1" userDrawn="1">
   <p:cSld name="Main Title Slide: Option A">
@@ -2803,7 +3161,7 @@
           <a:p>
             <a:fld id="{86A2FD0F-FA34-4173-943C-6FC12C2429A4}" type="datetimeFigureOut">
               <a:rPr lang="en-US" smtClean="0"/>
-              <a:t>7/18/2024</a:t>
+              <a:t>7/22/2024</a:t>
             </a:fld>
             <a:endParaRPr lang="en-US"/>
           </a:p>
@@ -2971,7 +3329,7 @@
           <a:p>
             <a:fld id="{86A2FD0F-FA34-4173-943C-6FC12C2429A4}" type="datetimeFigureOut">
               <a:rPr lang="en-US" smtClean="0"/>
-              <a:t>7/18/2024</a:t>
+              <a:t>7/22/2024</a:t>
             </a:fld>
             <a:endParaRPr lang="en-US"/>
           </a:p>
@@ -3216,7 +3574,7 @@
           <a:p>
             <a:fld id="{86A2FD0F-FA34-4173-943C-6FC12C2429A4}" type="datetimeFigureOut">
               <a:rPr lang="en-US" smtClean="0"/>
-              <a:t>7/18/2024</a:t>
+              <a:t>7/22/2024</a:t>
             </a:fld>
             <a:endParaRPr lang="en-US"/>
           </a:p>
@@ -3445,7 +3803,7 @@
           <a:p>
             <a:fld id="{86A2FD0F-FA34-4173-943C-6FC12C2429A4}" type="datetimeFigureOut">
               <a:rPr lang="en-US" smtClean="0"/>
-              <a:t>7/18/2024</a:t>
+              <a:t>7/22/2024</a:t>
             </a:fld>
             <a:endParaRPr lang="en-US"/>
           </a:p>
@@ -3809,7 +4167,7 @@
           <a:p>
             <a:fld id="{86A2FD0F-FA34-4173-943C-6FC12C2429A4}" type="datetimeFigureOut">
               <a:rPr lang="en-US" smtClean="0"/>
-              <a:t>7/18/2024</a:t>
+              <a:t>7/22/2024</a:t>
             </a:fld>
             <a:endParaRPr lang="en-US"/>
           </a:p>
@@ -4496,7 +4854,7 @@
           <a:p>
             <a:fld id="{86A2FD0F-FA34-4173-943C-6FC12C2429A4}" type="datetimeFigureOut">
               <a:rPr lang="en-US" smtClean="0"/>
-              <a:t>7/18/2024</a:t>
+              <a:t>7/22/2024</a:t>
             </a:fld>
             <a:endParaRPr lang="en-US"/>
           </a:p>
@@ -4591,7 +4949,7 @@
           <a:p>
             <a:fld id="{86A2FD0F-FA34-4173-943C-6FC12C2429A4}" type="datetimeFigureOut">
               <a:rPr lang="en-US" smtClean="0"/>
-              <a:t>7/18/2024</a:t>
+              <a:t>7/22/2024</a:t>
             </a:fld>
             <a:endParaRPr lang="en-US"/>
           </a:p>
@@ -4866,7 +5224,7 @@
           <a:p>
             <a:fld id="{86A2FD0F-FA34-4173-943C-6FC12C2429A4}" type="datetimeFigureOut">
               <a:rPr lang="en-US" smtClean="0"/>
-              <a:t>7/18/2024</a:t>
+              <a:t>7/22/2024</a:t>
             </a:fld>
             <a:endParaRPr lang="en-US"/>
           </a:p>
@@ -5118,7 +5476,7 @@
           <a:p>
             <a:fld id="{86A2FD0F-FA34-4173-943C-6FC12C2429A4}" type="datetimeFigureOut">
               <a:rPr lang="en-US" smtClean="0"/>
-              <a:t>7/18/2024</a:t>
+              <a:t>7/22/2024</a:t>
             </a:fld>
             <a:endParaRPr lang="en-US"/>
           </a:p>
@@ -5286,7 +5644,7 @@
           <a:p>
             <a:fld id="{86A2FD0F-FA34-4173-943C-6FC12C2429A4}" type="datetimeFigureOut">
               <a:rPr lang="en-US" smtClean="0"/>
-              <a:t>7/18/2024</a:t>
+              <a:t>7/22/2024</a:t>
             </a:fld>
             <a:endParaRPr lang="en-US"/>
           </a:p>
@@ -5464,7 +5822,7 @@
           <a:p>
             <a:fld id="{86A2FD0F-FA34-4173-943C-6FC12C2429A4}" type="datetimeFigureOut">
               <a:rPr lang="en-US" smtClean="0"/>
-              <a:t>7/18/2024</a:t>
+              <a:t>7/22/2024</a:t>
             </a:fld>
             <a:endParaRPr lang="en-US"/>
           </a:p>
@@ -5791,7 +6149,7 @@
           <a:p>
             <a:fld id="{FB1E0AA7-3480-410A-94C7-48509DB7D868}" type="datetimeFigureOut">
               <a:rPr lang="en-US" smtClean="0"/>
-              <a:t>7/18/2024</a:t>
+              <a:t>7/22/2024</a:t>
             </a:fld>
             <a:endParaRPr lang="en-US"/>
           </a:p>
@@ -9952,7 +10310,7 @@
           <a:p>
             <a:fld id="{86A2FD0F-FA34-4173-943C-6FC12C2429A4}" type="datetimeFigureOut">
               <a:rPr lang="en-US" smtClean="0"/>
-              <a:t>7/18/2024</a:t>
+              <a:t>7/22/2024</a:t>
             </a:fld>
             <a:endParaRPr lang="en-US"/>
           </a:p>
@@ -10496,6 +10854,77 @@
   <p:clrMapOvr>
     <a:masterClrMapping/>
   </p:clrMapOvr>
+</p:sld>
+</file>
+
+<file path=ppt/slides/slide10.xml><?xml version="1.0" encoding="utf-8"?>
+<p:sld xmlns:a="http://schemas.openxmlformats.org/drawingml/2006/main" xmlns:r="http://schemas.openxmlformats.org/officeDocument/2006/relationships" xmlns:p="http://schemas.openxmlformats.org/presentationml/2006/main">
+  <p:cSld>
+    <p:spTree>
+      <p:nvGrpSpPr>
+        <p:cNvPr id="1" name=""/>
+        <p:cNvGrpSpPr/>
+        <p:nvPr/>
+      </p:nvGrpSpPr>
+      <p:grpSpPr>
+        <a:xfrm>
+          <a:off x="0" y="0"/>
+          <a:ext cx="0" cy="0"/>
+          <a:chOff x="0" y="0"/>
+          <a:chExt cx="0" cy="0"/>
+        </a:xfrm>
+      </p:grpSpPr>
+      <p:sp>
+        <p:nvSpPr>
+          <p:cNvPr id="4" name="Footer Placeholder 3">
+            <a:extLst>
+              <a:ext uri="{FF2B5EF4-FFF2-40B4-BE49-F238E27FC236}">
+                <a16:creationId xmlns:a16="http://schemas.microsoft.com/office/drawing/2014/main" id="{C6006B98-46C6-8B46-A7B3-939B288B0465}"/>
+              </a:ext>
+            </a:extLst>
+          </p:cNvPr>
+          <p:cNvSpPr>
+            <a:spLocks noGrp="1"/>
+          </p:cNvSpPr>
+          <p:nvPr>
+            <p:ph type="ftr" sz="quarter" idx="3"/>
+          </p:nvPr>
+        </p:nvSpPr>
+        <p:spPr/>
+        <p:txBody>
+          <a:bodyPr anchor="t"/>
+          <a:lstStyle/>
+          <a:p>
+            <a:r>
+              <a:rPr lang="en-US" kern="0"/>
+              <a:t>Northrop Grumman Proprietary Level I</a:t>
+            </a:r>
+            <a:endParaRPr lang="en-US"/>
+          </a:p>
+        </p:txBody>
+      </p:sp>
+    </p:spTree>
+    <p:extLst>
+      <p:ext uri="{BB962C8B-B14F-4D97-AF65-F5344CB8AC3E}">
+        <p14:creationId xmlns:p14="http://schemas.microsoft.com/office/powerpoint/2010/main" val="1069660451"/>
+      </p:ext>
+    </p:extLst>
+  </p:cSld>
+  <p:clrMapOvr>
+    <a:masterClrMapping/>
+  </p:clrMapOvr>
+  <mc:AlternateContent xmlns:mc="http://schemas.openxmlformats.org/markup-compatibility/2006" xmlns:p14="http://schemas.microsoft.com/office/powerpoint/2010/main">
+    <mc:Choice Requires="p14">
+      <p:transition spd="med" p14:dur="700">
+        <p:fade/>
+      </p:transition>
+    </mc:Choice>
+    <mc:Fallback xmlns="">
+      <p:transition spd="med">
+        <p:fade/>
+      </p:transition>
+    </mc:Fallback>
+  </mc:AlternateContent>
 </p:sld>
 </file>
 
@@ -11593,8 +12022,8 @@
         </p:nvSpPr>
         <p:spPr>
           <a:xfrm>
-            <a:off x="340066" y="1000356"/>
-            <a:ext cx="3704201" cy="3343528"/>
+            <a:off x="397208" y="995317"/>
+            <a:ext cx="5210305" cy="3625127"/>
           </a:xfrm>
         </p:spPr>
         <p:txBody>
@@ -11602,8 +12031,8 @@
           <a:lstStyle/>
           <a:p>
             <a:r>
-              <a:rPr lang="en-US" sz="1400" b="1" dirty="0"/>
-              <a:t>Why do we need DB Tools?</a:t>
+              <a:rPr lang="en-US" sz="1600" b="1" dirty="0"/>
+              <a:t>What is the big idea of Database Tools?</a:t>
             </a:r>
           </a:p>
           <a:p>
@@ -11612,8 +12041,22 @@
               <a:buChar char="•"/>
             </a:pPr>
             <a:r>
-              <a:rPr lang="en-US" sz="1400" dirty="0"/>
-              <a:t>Consolidate</a:t>
+              <a:rPr lang="en-US" sz="1400" b="1" dirty="0"/>
+              <a:t>Improve Efficiency and Save Time</a:t>
+            </a:r>
+          </a:p>
+          <a:p>
+            <a:pPr marL="372902" lvl="1" indent="-285750"/>
+            <a:r>
+              <a:rPr lang="en-US" sz="1200" dirty="0"/>
+              <a:t>Automated Synchronization</a:t>
+            </a:r>
+          </a:p>
+          <a:p>
+            <a:pPr marL="372902" lvl="1" indent="-285750"/>
+            <a:r>
+              <a:rPr lang="en-US" sz="1200" dirty="0"/>
+              <a:t>Consistency between documentation</a:t>
             </a:r>
           </a:p>
           <a:p>
@@ -11622,8 +12065,15 @@
               <a:buChar char="•"/>
             </a:pPr>
             <a:r>
-              <a:rPr lang="en-US" sz="1400" dirty="0"/>
-              <a:t>Organize</a:t>
+              <a:rPr lang="en-US" sz="1400" b="1" dirty="0"/>
+              <a:t>Improve Collaboration</a:t>
+            </a:r>
+          </a:p>
+          <a:p>
+            <a:pPr marL="372902" lvl="1" indent="-285750"/>
+            <a:r>
+              <a:rPr lang="en-US" sz="1200" dirty="0"/>
+              <a:t>Increase Accessibility</a:t>
             </a:r>
           </a:p>
           <a:p>
@@ -11632,14 +12082,19 @@
               <a:buChar char="•"/>
             </a:pPr>
             <a:r>
-              <a:rPr lang="en-US" sz="1400" dirty="0"/>
-              <a:t>Standardize</a:t>
-            </a:r>
-          </a:p>
-          <a:p>
-            <a:r>
               <a:rPr lang="en-US" sz="1400" b="1" dirty="0"/>
-              <a:t>Tasking</a:t>
+              <a:t>Enhance Information Management</a:t>
+            </a:r>
+          </a:p>
+          <a:p>
+            <a:pPr marL="372902" lvl="1" indent="-285750"/>
+            <a:r>
+              <a:rPr lang="en-US" sz="1200" dirty="0"/>
+              <a:t>Allows for Scalability</a:t>
+            </a:r>
+            <a:r>
+              <a:rPr lang="en-US" sz="1200" b="1" dirty="0"/>
+              <a:t> </a:t>
             </a:r>
           </a:p>
           <a:p>
@@ -11648,185 +12103,24 @@
               <a:buChar char="•"/>
             </a:pPr>
             <a:r>
-              <a:rPr lang="en-US" sz="1400" dirty="0"/>
-              <a:t>Parsing Markdown documents into document blocks</a:t>
-            </a:r>
-          </a:p>
-          <a:p>
-            <a:pPr marL="285750" indent="-285750">
-              <a:buFont typeface="Arial" panose="020B0604020202020204" pitchFamily="34" charset="0"/>
-              <a:buChar char="•"/>
-            </a:pPr>
-            <a:r>
-              <a:rPr lang="en-US" sz="1400" dirty="0"/>
-              <a:t>Interfacing with MongoDB’s API to store and organize data</a:t>
-            </a:r>
-          </a:p>
-          <a:p>
-            <a:pPr marL="285750" indent="-285750">
-              <a:buFont typeface="Arial" panose="020B0604020202020204" pitchFamily="34" charset="0"/>
-              <a:buChar char="•"/>
-            </a:pPr>
-            <a:r>
-              <a:rPr lang="en-US" sz="1400" dirty="0"/>
-              <a:t>Interfacing with Confluence’s REST API to sync information from MongoDB to Confluence.</a:t>
-            </a:r>
-          </a:p>
-          <a:p>
-            <a:pPr marL="285750" indent="-285750">
-              <a:buFont typeface="Arial" panose="020B0604020202020204" pitchFamily="34" charset="0"/>
-              <a:buChar char="•"/>
-            </a:pPr>
-            <a:endParaRPr lang="en-US" sz="1800" b="1" dirty="0"/>
-          </a:p>
-          <a:p>
-            <a:pPr marL="285750" indent="-285750">
-              <a:buFont typeface="Arial" panose="020B0604020202020204" pitchFamily="34" charset="0"/>
-              <a:buChar char="•"/>
-            </a:pPr>
-            <a:endParaRPr lang="en-US" sz="1800" b="1" dirty="0"/>
-          </a:p>
-          <a:p>
-            <a:pPr marL="171450" indent="-171450">
-              <a:buFont typeface="Arial" panose="020B0604020202020204" pitchFamily="34" charset="0"/>
-              <a:buChar char="•"/>
-            </a:pPr>
-            <a:endParaRPr lang="en-US" sz="1800" b="1" dirty="0"/>
-          </a:p>
-          <a:p>
-            <a:pPr marL="171450" indent="-171450">
-              <a:buFont typeface="Arial" panose="020B0604020202020204" pitchFamily="34" charset="0"/>
-              <a:buChar char="•"/>
-            </a:pPr>
-            <a:endParaRPr lang="en-US" sz="1800" b="1" dirty="0"/>
-          </a:p>
-          <a:p>
-            <a:pPr marL="258602" lvl="1" indent="-171450"/>
-            <a:r>
               <a:rPr lang="en-US" sz="1400" b="1" dirty="0"/>
-              <a:t>Tox and </a:t>
-            </a:r>
-            <a:r>
-              <a:rPr lang="en-US" sz="1400" b="1" dirty="0" err="1"/>
-              <a:t>pytest</a:t>
-            </a:r>
-            <a:r>
-              <a:rPr lang="en-US" sz="1400" b="1" dirty="0"/>
-              <a:t> </a:t>
-            </a:r>
-            <a:r>
-              <a:rPr lang="en-US" sz="1400" b="1" dirty="0" err="1"/>
-              <a:t>unittesting</a:t>
-            </a:r>
-            <a:endParaRPr lang="en-US" sz="1400" b="1" dirty="0"/>
-          </a:p>
-          <a:p>
-            <a:pPr marL="258602" lvl="1" indent="-171450"/>
-            <a:r>
-              <a:rPr lang="en-US" sz="1400" b="1" dirty="0"/>
-              <a:t>Git and </a:t>
-            </a:r>
-            <a:r>
-              <a:rPr lang="en-US" sz="1400" b="1" dirty="0" err="1"/>
-              <a:t>Github</a:t>
-            </a:r>
-            <a:r>
-              <a:rPr lang="en-US" sz="1400" b="1" dirty="0"/>
-              <a:t> development</a:t>
-            </a:r>
-          </a:p>
-          <a:p>
-            <a:pPr marL="258602" lvl="1" indent="-171450"/>
-            <a:r>
-              <a:rPr lang="en-US" sz="1400" b="1" dirty="0"/>
-              <a:t>OOP concepts, typing, etc.</a:t>
-            </a:r>
-          </a:p>
-          <a:p>
-            <a:pPr marL="285750" indent="-285750">
-              <a:buFont typeface="Arial" panose="020B0604020202020204" pitchFamily="34" charset="0"/>
-              <a:buChar char="•"/>
-            </a:pPr>
-            <a:r>
-              <a:rPr lang="en-US" sz="1600" b="1" dirty="0"/>
-              <a:t>The main challenge has been getting up to speed with the project and learning a completely new programing language.</a:t>
-            </a:r>
-          </a:p>
-          <a:p>
-            <a:pPr marL="285750" indent="-285750">
-              <a:buFont typeface="Arial" panose="020B0604020202020204" pitchFamily="34" charset="0"/>
-              <a:buChar char="•"/>
-            </a:pPr>
-            <a:r>
-              <a:rPr lang="en-US" sz="1600" b="1" dirty="0"/>
-              <a:t>Furthermore, I have never done large scale development so </a:t>
-            </a:r>
-            <a:r>
-              <a:rPr lang="en-US" sz="1600" b="1" dirty="0" err="1"/>
-              <a:t>Github</a:t>
-            </a:r>
-            <a:r>
-              <a:rPr lang="en-US" sz="1600" b="1" dirty="0"/>
-              <a:t> was also new</a:t>
-            </a:r>
-          </a:p>
-          <a:p>
-            <a:pPr marL="171450" indent="-171450">
-              <a:buFont typeface="Arial" panose="020B0604020202020204" pitchFamily="34" charset="0"/>
-              <a:buChar char="•"/>
-            </a:pPr>
-            <a:r>
-              <a:rPr lang="en-US" sz="1800" b="1" dirty="0"/>
-              <a:t>Give an overview of the project(s) you worked on. Include:</a:t>
-            </a:r>
-          </a:p>
-          <a:p>
-            <a:pPr marL="258602" lvl="1" indent="-171450"/>
-            <a:r>
-              <a:rPr lang="en-US" sz="1800" dirty="0"/>
-              <a:t>Name of your project</a:t>
-            </a:r>
-          </a:p>
-          <a:p>
-            <a:pPr marL="258602" lvl="1" indent="-171450"/>
-            <a:r>
-              <a:rPr lang="en-US" sz="1800" dirty="0"/>
-              <a:t>What Challenge were you trying to solve? / What was the scope?</a:t>
-            </a:r>
-          </a:p>
-          <a:p>
-            <a:pPr marL="258602" lvl="1" indent="-171450"/>
-            <a:r>
-              <a:rPr lang="en-US" sz="1800" dirty="0"/>
-              <a:t>What approach did you take? What was your tasking (What did you do)?</a:t>
-            </a:r>
-          </a:p>
-          <a:p>
-            <a:pPr marL="258602" lvl="1" indent="-171450"/>
-            <a:r>
-              <a:rPr lang="en-US" sz="1800" dirty="0"/>
-              <a:t>What did you learn? (technical and/or soft-skills)</a:t>
-            </a:r>
-          </a:p>
-          <a:p>
-            <a:pPr marL="171450" indent="-171450">
-              <a:buFont typeface="Arial" panose="020B0604020202020204" pitchFamily="34" charset="0"/>
-              <a:buChar char="•"/>
-            </a:pPr>
-            <a:r>
-              <a:rPr lang="en-US" sz="1800" b="1" dirty="0"/>
-              <a:t>Keep any technical discussion at high-level, and include the bigger context of the technical application</a:t>
-            </a:r>
-          </a:p>
-          <a:p>
-            <a:pPr marL="171450" indent="-171450">
-              <a:buFont typeface="Arial" panose="020B0604020202020204" pitchFamily="34" charset="0"/>
-              <a:buChar char="•"/>
-            </a:pPr>
-            <a:r>
-              <a:rPr lang="en-US" sz="1800" b="1" dirty="0"/>
-              <a:t>Feel free to include any relevant diagrams/charts</a:t>
-            </a:r>
+              <a:t>Quality Control</a:t>
+            </a:r>
+          </a:p>
+          <a:p>
+            <a:pPr marL="372902" lvl="1" indent="-285750"/>
+            <a:r>
+              <a:rPr lang="en-US" sz="1200" dirty="0"/>
+              <a:t>Improves Error Reduction</a:t>
+            </a:r>
+          </a:p>
+          <a:p>
+            <a:pPr marL="372902" lvl="1" indent="-285750"/>
+            <a:r>
+              <a:rPr lang="en-US" sz="1200" dirty="0"/>
+              <a:t>Increases Standardization</a:t>
+            </a:r>
+            <a:endParaRPr lang="en-US" sz="1400" dirty="0"/>
           </a:p>
         </p:txBody>
       </p:sp>
@@ -12030,10 +12324,10 @@
       </p:sp>
       <p:grpSp>
         <p:nvGrpSpPr>
-          <p:cNvPr id="16" name="Group 15">
+          <p:cNvPr id="9" name="Group 8">
             <a:extLst>
               <a:ext uri="{FF2B5EF4-FFF2-40B4-BE49-F238E27FC236}">
-                <a16:creationId xmlns:a16="http://schemas.microsoft.com/office/drawing/2014/main" id="{08B86200-87EF-4CB6-EDC3-8B344E7D6E22}"/>
+                <a16:creationId xmlns:a16="http://schemas.microsoft.com/office/drawing/2014/main" id="{C88C79E1-7DA4-CD77-5B92-280FE2585762}"/>
               </a:ext>
             </a:extLst>
           </p:cNvPr>
@@ -12042,18 +12336,18 @@
         </p:nvGrpSpPr>
         <p:grpSpPr>
           <a:xfrm>
-            <a:off x="5157432" y="879816"/>
-            <a:ext cx="2280892" cy="1997839"/>
-            <a:chOff x="4522079" y="885401"/>
-            <a:chExt cx="2280892" cy="1997839"/>
+            <a:off x="4196553" y="2275280"/>
+            <a:ext cx="4452368" cy="2345164"/>
+            <a:chOff x="4971527" y="3076474"/>
+            <a:chExt cx="3420957" cy="1805329"/>
           </a:xfrm>
         </p:grpSpPr>
         <p:pic>
           <p:nvPicPr>
-            <p:cNvPr id="10" name="Picture 9">
+            <p:cNvPr id="12" name="Picture 11">
               <a:extLst>
                 <a:ext uri="{FF2B5EF4-FFF2-40B4-BE49-F238E27FC236}">
-                  <a16:creationId xmlns:a16="http://schemas.microsoft.com/office/drawing/2014/main" id="{AED19E34-8E82-22B6-AF4E-C16BD74F53CB}"/>
+                  <a16:creationId xmlns:a16="http://schemas.microsoft.com/office/drawing/2014/main" id="{32241949-3B97-9E49-8CA9-4200AA763C38}"/>
                 </a:ext>
               </a:extLst>
             </p:cNvPr>
@@ -12063,7 +12357,930 @@
             <p:nvPr/>
           </p:nvPicPr>
           <p:blipFill>
-            <a:blip r:embed="rId2"/>
+            <a:blip r:embed="rId3"/>
+            <a:stretch>
+              <a:fillRect/>
+            </a:stretch>
+          </p:blipFill>
+          <p:spPr>
+            <a:xfrm rot="1834408">
+              <a:off x="6148889" y="3470771"/>
+              <a:ext cx="323895" cy="314369"/>
+            </a:xfrm>
+            <a:prstGeom prst="rect">
+              <a:avLst/>
+            </a:prstGeom>
+          </p:spPr>
+        </p:pic>
+        <p:grpSp>
+          <p:nvGrpSpPr>
+            <p:cNvPr id="15" name="Group 14">
+              <a:extLst>
+                <a:ext uri="{FF2B5EF4-FFF2-40B4-BE49-F238E27FC236}">
+                  <a16:creationId xmlns:a16="http://schemas.microsoft.com/office/drawing/2014/main" id="{D18481BC-FBF2-F6F2-CB78-C1D4AC19E0BD}"/>
+                </a:ext>
+              </a:extLst>
+            </p:cNvPr>
+            <p:cNvGrpSpPr/>
+            <p:nvPr/>
+          </p:nvGrpSpPr>
+          <p:grpSpPr>
+            <a:xfrm>
+              <a:off x="4971527" y="3343662"/>
+              <a:ext cx="3184245" cy="1538141"/>
+              <a:chOff x="5035471" y="2805696"/>
+              <a:chExt cx="3184245" cy="1538141"/>
+            </a:xfrm>
+          </p:grpSpPr>
+          <p:grpSp>
+            <p:nvGrpSpPr>
+              <p:cNvPr id="21" name="Group 20">
+                <a:extLst>
+                  <a:ext uri="{FF2B5EF4-FFF2-40B4-BE49-F238E27FC236}">
+                    <a16:creationId xmlns:a16="http://schemas.microsoft.com/office/drawing/2014/main" id="{A17687B8-CD34-5A3E-AA50-CFFD620ADBF8}"/>
+                  </a:ext>
+                </a:extLst>
+              </p:cNvPr>
+              <p:cNvGrpSpPr/>
+              <p:nvPr/>
+            </p:nvGrpSpPr>
+            <p:grpSpPr>
+              <a:xfrm>
+                <a:off x="5035471" y="2913774"/>
+                <a:ext cx="3184245" cy="1430063"/>
+                <a:chOff x="4715750" y="2637158"/>
+                <a:chExt cx="3184245" cy="1430063"/>
+              </a:xfrm>
+            </p:grpSpPr>
+            <p:pic>
+              <p:nvPicPr>
+                <p:cNvPr id="23" name="Picture 22">
+                  <a:extLst>
+                    <a:ext uri="{FF2B5EF4-FFF2-40B4-BE49-F238E27FC236}">
+                      <a16:creationId xmlns:a16="http://schemas.microsoft.com/office/drawing/2014/main" id="{3E22DF8D-20D0-1CCC-1288-1DD59E28F308}"/>
+                    </a:ext>
+                  </a:extLst>
+                </p:cNvPr>
+                <p:cNvPicPr>
+                  <a:picLocks noChangeAspect="1"/>
+                </p:cNvPicPr>
+                <p:nvPr/>
+              </p:nvPicPr>
+              <p:blipFill>
+                <a:blip r:embed="rId4"/>
+                <a:stretch>
+                  <a:fillRect/>
+                </a:stretch>
+              </p:blipFill>
+              <p:spPr>
+                <a:xfrm rot="612348">
+                  <a:off x="5640998" y="3689961"/>
+                  <a:ext cx="610665" cy="335504"/>
+                </a:xfrm>
+                <a:prstGeom prst="rect">
+                  <a:avLst/>
+                </a:prstGeom>
+              </p:spPr>
+            </p:pic>
+            <p:pic>
+              <p:nvPicPr>
+                <p:cNvPr id="24" name="Picture 23">
+                  <a:extLst>
+                    <a:ext uri="{FF2B5EF4-FFF2-40B4-BE49-F238E27FC236}">
+                      <a16:creationId xmlns:a16="http://schemas.microsoft.com/office/drawing/2014/main" id="{A3C13787-DEC0-2346-4BDF-E4516731DA3E}"/>
+                    </a:ext>
+                  </a:extLst>
+                </p:cNvPr>
+                <p:cNvPicPr>
+                  <a:picLocks noChangeAspect="1"/>
+                </p:cNvPicPr>
+                <p:nvPr/>
+              </p:nvPicPr>
+              <p:blipFill>
+                <a:blip r:embed="rId5"/>
+                <a:stretch>
+                  <a:fillRect/>
+                </a:stretch>
+              </p:blipFill>
+              <p:spPr>
+                <a:xfrm>
+                  <a:off x="5995610" y="3366903"/>
+                  <a:ext cx="1216031" cy="415606"/>
+                </a:xfrm>
+                <a:prstGeom prst="rect">
+                  <a:avLst/>
+                </a:prstGeom>
+              </p:spPr>
+            </p:pic>
+            <p:pic>
+              <p:nvPicPr>
+                <p:cNvPr id="25" name="Picture 24">
+                  <a:extLst>
+                    <a:ext uri="{FF2B5EF4-FFF2-40B4-BE49-F238E27FC236}">
+                      <a16:creationId xmlns:a16="http://schemas.microsoft.com/office/drawing/2014/main" id="{FCE25662-34CA-791B-461D-9B6B0A3B2366}"/>
+                    </a:ext>
+                  </a:extLst>
+                </p:cNvPr>
+                <p:cNvPicPr>
+                  <a:picLocks noChangeAspect="1"/>
+                </p:cNvPicPr>
+                <p:nvPr/>
+              </p:nvPicPr>
+              <p:blipFill rotWithShape="1">
+                <a:blip r:embed="rId6"/>
+                <a:srcRect l="14052"/>
+                <a:stretch/>
+              </p:blipFill>
+              <p:spPr>
+                <a:xfrm rot="21192778">
+                  <a:off x="4829088" y="3331973"/>
+                  <a:ext cx="833356" cy="735248"/>
+                </a:xfrm>
+                <a:prstGeom prst="rect">
+                  <a:avLst/>
+                </a:prstGeom>
+              </p:spPr>
+            </p:pic>
+            <p:pic>
+              <p:nvPicPr>
+                <p:cNvPr id="26" name="Picture 25">
+                  <a:extLst>
+                    <a:ext uri="{FF2B5EF4-FFF2-40B4-BE49-F238E27FC236}">
+                      <a16:creationId xmlns:a16="http://schemas.microsoft.com/office/drawing/2014/main" id="{1FCC5E17-88F2-B0CC-922C-9EFC73FDEB62}"/>
+                    </a:ext>
+                  </a:extLst>
+                </p:cNvPr>
+                <p:cNvPicPr>
+                  <a:picLocks noChangeAspect="1"/>
+                </p:cNvPicPr>
+                <p:nvPr/>
+              </p:nvPicPr>
+              <p:blipFill>
+                <a:blip r:embed="rId7"/>
+                <a:stretch>
+                  <a:fillRect/>
+                </a:stretch>
+              </p:blipFill>
+              <p:spPr>
+                <a:xfrm rot="21003053">
+                  <a:off x="6319159" y="3750567"/>
+                  <a:ext cx="940899" cy="273844"/>
+                </a:xfrm>
+                <a:prstGeom prst="rect">
+                  <a:avLst/>
+                </a:prstGeom>
+              </p:spPr>
+            </p:pic>
+            <p:pic>
+              <p:nvPicPr>
+                <p:cNvPr id="27" name="Picture 26">
+                  <a:extLst>
+                    <a:ext uri="{FF2B5EF4-FFF2-40B4-BE49-F238E27FC236}">
+                      <a16:creationId xmlns:a16="http://schemas.microsoft.com/office/drawing/2014/main" id="{C2C94F54-9DF0-AE72-C75F-07B4D6DB8AEB}"/>
+                    </a:ext>
+                  </a:extLst>
+                </p:cNvPr>
+                <p:cNvPicPr>
+                  <a:picLocks noChangeAspect="1"/>
+                </p:cNvPicPr>
+                <p:nvPr/>
+              </p:nvPicPr>
+              <p:blipFill>
+                <a:blip r:embed="rId8"/>
+                <a:stretch>
+                  <a:fillRect/>
+                </a:stretch>
+              </p:blipFill>
+              <p:spPr>
+                <a:xfrm rot="20487328">
+                  <a:off x="4715750" y="2903352"/>
+                  <a:ext cx="1266910" cy="302045"/>
+                </a:xfrm>
+                <a:prstGeom prst="rect">
+                  <a:avLst/>
+                </a:prstGeom>
+              </p:spPr>
+            </p:pic>
+            <p:pic>
+              <p:nvPicPr>
+                <p:cNvPr id="28" name="Picture 27">
+                  <a:extLst>
+                    <a:ext uri="{FF2B5EF4-FFF2-40B4-BE49-F238E27FC236}">
+                      <a16:creationId xmlns:a16="http://schemas.microsoft.com/office/drawing/2014/main" id="{3F50A5E4-F81A-1A25-724C-911A052E7E5A}"/>
+                    </a:ext>
+                  </a:extLst>
+                </p:cNvPr>
+                <p:cNvPicPr>
+                  <a:picLocks noChangeAspect="1"/>
+                </p:cNvPicPr>
+                <p:nvPr/>
+              </p:nvPicPr>
+              <p:blipFill rotWithShape="1">
+                <a:blip r:embed="rId9"/>
+                <a:srcRect t="13288" b="24278"/>
+                <a:stretch/>
+              </p:blipFill>
+              <p:spPr>
+                <a:xfrm rot="482548">
+                  <a:off x="5958408" y="3151554"/>
+                  <a:ext cx="1371791" cy="291437"/>
+                </a:xfrm>
+                <a:prstGeom prst="rect">
+                  <a:avLst/>
+                </a:prstGeom>
+              </p:spPr>
+            </p:pic>
+            <p:pic>
+              <p:nvPicPr>
+                <p:cNvPr id="29" name="Picture 28">
+                  <a:extLst>
+                    <a:ext uri="{FF2B5EF4-FFF2-40B4-BE49-F238E27FC236}">
+                      <a16:creationId xmlns:a16="http://schemas.microsoft.com/office/drawing/2014/main" id="{AE0E4D5D-6D41-694B-0787-968A5A528843}"/>
+                    </a:ext>
+                  </a:extLst>
+                </p:cNvPr>
+                <p:cNvPicPr>
+                  <a:picLocks noChangeAspect="1"/>
+                </p:cNvPicPr>
+                <p:nvPr/>
+              </p:nvPicPr>
+              <p:blipFill>
+                <a:blip r:embed="rId10"/>
+                <a:stretch>
+                  <a:fillRect/>
+                </a:stretch>
+              </p:blipFill>
+              <p:spPr>
+                <a:xfrm rot="19660407">
+                  <a:off x="7383482" y="3259916"/>
+                  <a:ext cx="516513" cy="679012"/>
+                </a:xfrm>
+                <a:prstGeom prst="rect">
+                  <a:avLst/>
+                </a:prstGeom>
+              </p:spPr>
+            </p:pic>
+            <p:pic>
+              <p:nvPicPr>
+                <p:cNvPr id="30" name="Picture 29">
+                  <a:extLst>
+                    <a:ext uri="{FF2B5EF4-FFF2-40B4-BE49-F238E27FC236}">
+                      <a16:creationId xmlns:a16="http://schemas.microsoft.com/office/drawing/2014/main" id="{2503BFBF-CE71-8BBF-474A-E55AD3421256}"/>
+                    </a:ext>
+                  </a:extLst>
+                </p:cNvPr>
+                <p:cNvPicPr>
+                  <a:picLocks noChangeAspect="1"/>
+                </p:cNvPicPr>
+                <p:nvPr/>
+              </p:nvPicPr>
+              <p:blipFill rotWithShape="1">
+                <a:blip r:embed="rId11"/>
+                <a:srcRect l="11964"/>
+                <a:stretch/>
+              </p:blipFill>
+              <p:spPr>
+                <a:xfrm rot="17106332">
+                  <a:off x="6254405" y="2598205"/>
+                  <a:ext cx="503200" cy="581106"/>
+                </a:xfrm>
+                <a:prstGeom prst="rect">
+                  <a:avLst/>
+                </a:prstGeom>
+              </p:spPr>
+            </p:pic>
+            <p:pic>
+              <p:nvPicPr>
+                <p:cNvPr id="31" name="Picture 30">
+                  <a:extLst>
+                    <a:ext uri="{FF2B5EF4-FFF2-40B4-BE49-F238E27FC236}">
+                      <a16:creationId xmlns:a16="http://schemas.microsoft.com/office/drawing/2014/main" id="{5C9E8354-EAAC-0BC5-55A4-85AD572BA724}"/>
+                    </a:ext>
+                  </a:extLst>
+                </p:cNvPr>
+                <p:cNvPicPr>
+                  <a:picLocks noChangeAspect="1"/>
+                </p:cNvPicPr>
+                <p:nvPr/>
+              </p:nvPicPr>
+              <p:blipFill>
+                <a:blip r:embed="rId12"/>
+                <a:stretch>
+                  <a:fillRect/>
+                </a:stretch>
+              </p:blipFill>
+              <p:spPr>
+                <a:xfrm rot="20569413">
+                  <a:off x="5538249" y="3181129"/>
+                  <a:ext cx="447737" cy="447737"/>
+                </a:xfrm>
+                <a:prstGeom prst="rect">
+                  <a:avLst/>
+                </a:prstGeom>
+              </p:spPr>
+            </p:pic>
+          </p:grpSp>
+          <p:pic>
+            <p:nvPicPr>
+              <p:cNvPr id="22" name="Picture 2" descr="How to Setup Windows for Development: An experiment in using WSL2 -  Bendyworks">
+                <a:extLst>
+                  <a:ext uri="{FF2B5EF4-FFF2-40B4-BE49-F238E27FC236}">
+                    <a16:creationId xmlns:a16="http://schemas.microsoft.com/office/drawing/2014/main" id="{1191213C-BF32-7DDA-380F-3CB2B929EDB3}"/>
+                  </a:ext>
+                </a:extLst>
+              </p:cNvPr>
+              <p:cNvPicPr>
+                <a:picLocks noChangeAspect="1" noChangeArrowheads="1"/>
+              </p:cNvPicPr>
+              <p:nvPr/>
+            </p:nvPicPr>
+            <p:blipFill>
+              <a:blip r:embed="rId13">
+                <a:extLst>
+                  <a:ext uri="{28A0092B-C50C-407E-A947-70E740481C1C}">
+                    <a14:useLocalDpi xmlns:a14="http://schemas.microsoft.com/office/drawing/2010/main" val="0"/>
+                  </a:ext>
+                </a:extLst>
+              </a:blip>
+              <a:srcRect/>
+              <a:stretch>
+                <a:fillRect/>
+              </a:stretch>
+            </p:blipFill>
+            <p:spPr bwMode="auto">
+              <a:xfrm rot="1095803">
+                <a:off x="7139784" y="2805696"/>
+                <a:ext cx="845249" cy="845249"/>
+              </a:xfrm>
+              <a:prstGeom prst="rect">
+                <a:avLst/>
+              </a:prstGeom>
+              <a:noFill/>
+              <a:extLst>
+                <a:ext uri="{909E8E84-426E-40DD-AFC4-6F175D3DCCD1}">
+                  <a14:hiddenFill xmlns:a14="http://schemas.microsoft.com/office/drawing/2010/main">
+                    <a:solidFill>
+                      <a:srgbClr val="FFFFFF"/>
+                    </a:solidFill>
+                  </a14:hiddenFill>
+                </a:ext>
+              </a:extLst>
+            </p:spPr>
+          </p:pic>
+        </p:grpSp>
+        <p:pic>
+          <p:nvPicPr>
+            <p:cNvPr id="18" name="Picture 17">
+              <a:extLst>
+                <a:ext uri="{FF2B5EF4-FFF2-40B4-BE49-F238E27FC236}">
+                  <a16:creationId xmlns:a16="http://schemas.microsoft.com/office/drawing/2014/main" id="{1C1D40CB-1337-E029-1175-CADD9874EED1}"/>
+                </a:ext>
+              </a:extLst>
+            </p:cNvPr>
+            <p:cNvPicPr>
+              <a:picLocks noChangeAspect="1"/>
+            </p:cNvPicPr>
+            <p:nvPr/>
+          </p:nvPicPr>
+          <p:blipFill>
+            <a:blip r:embed="rId14"/>
+            <a:stretch>
+              <a:fillRect/>
+            </a:stretch>
+          </p:blipFill>
+          <p:spPr>
+            <a:xfrm rot="4250206">
+              <a:off x="7695686" y="4178951"/>
+              <a:ext cx="1185152" cy="208444"/>
+            </a:xfrm>
+            <a:prstGeom prst="rect">
+              <a:avLst/>
+            </a:prstGeom>
+          </p:spPr>
+        </p:pic>
+        <p:pic>
+          <p:nvPicPr>
+            <p:cNvPr id="19" name="Picture 4" descr="upload.wikimedia.org/wikipedia/commons/4/45/Notion...">
+              <a:extLst>
+                <a:ext uri="{FF2B5EF4-FFF2-40B4-BE49-F238E27FC236}">
+                  <a16:creationId xmlns:a16="http://schemas.microsoft.com/office/drawing/2014/main" id="{BBD9EBF1-3691-338A-D6AC-6CDD9B23E5F2}"/>
+                </a:ext>
+              </a:extLst>
+            </p:cNvPr>
+            <p:cNvPicPr>
+              <a:picLocks noChangeAspect="1" noChangeArrowheads="1"/>
+            </p:cNvPicPr>
+            <p:nvPr/>
+          </p:nvPicPr>
+          <p:blipFill>
+            <a:blip r:embed="rId15">
+              <a:extLst>
+                <a:ext uri="{28A0092B-C50C-407E-A947-70E740481C1C}">
+                  <a14:useLocalDpi xmlns:a14="http://schemas.microsoft.com/office/drawing/2010/main" val="0"/>
+                </a:ext>
+              </a:extLst>
+            </a:blip>
+            <a:srcRect/>
+            <a:stretch>
+              <a:fillRect/>
+            </a:stretch>
+          </p:blipFill>
+          <p:spPr bwMode="auto">
+            <a:xfrm rot="20586337">
+              <a:off x="5604981" y="3076474"/>
+              <a:ext cx="473371" cy="473371"/>
+            </a:xfrm>
+            <a:prstGeom prst="rect">
+              <a:avLst/>
+            </a:prstGeom>
+            <a:noFill/>
+            <a:extLst>
+              <a:ext uri="{909E8E84-426E-40DD-AFC4-6F175D3DCCD1}">
+                <a14:hiddenFill xmlns:a14="http://schemas.microsoft.com/office/drawing/2010/main">
+                  <a:solidFill>
+                    <a:srgbClr val="FFFFFF"/>
+                  </a:solidFill>
+                </a14:hiddenFill>
+              </a:ext>
+            </a:extLst>
+          </p:spPr>
+        </p:pic>
+        <p:pic>
+          <p:nvPicPr>
+            <p:cNvPr id="20" name="Picture 19">
+              <a:extLst>
+                <a:ext uri="{FF2B5EF4-FFF2-40B4-BE49-F238E27FC236}">
+                  <a16:creationId xmlns:a16="http://schemas.microsoft.com/office/drawing/2014/main" id="{528FA685-5A96-C660-4915-A0067CB43532}"/>
+                </a:ext>
+              </a:extLst>
+            </p:cNvPr>
+            <p:cNvPicPr>
+              <a:picLocks noChangeAspect="1"/>
+            </p:cNvPicPr>
+            <p:nvPr/>
+          </p:nvPicPr>
+          <p:blipFill>
+            <a:blip r:embed="rId16"/>
+            <a:stretch>
+              <a:fillRect/>
+            </a:stretch>
+          </p:blipFill>
+          <p:spPr>
+            <a:xfrm rot="793357">
+              <a:off x="6260519" y="3209264"/>
+              <a:ext cx="1103886" cy="207791"/>
+            </a:xfrm>
+            <a:prstGeom prst="rect">
+              <a:avLst/>
+            </a:prstGeom>
+          </p:spPr>
+        </p:pic>
+      </p:grpSp>
+    </p:spTree>
+    <p:extLst>
+      <p:ext uri="{BB962C8B-B14F-4D97-AF65-F5344CB8AC3E}">
+        <p14:creationId xmlns:p14="http://schemas.microsoft.com/office/powerpoint/2010/main" val="1975388560"/>
+      </p:ext>
+    </p:extLst>
+  </p:cSld>
+  <p:clrMapOvr>
+    <a:masterClrMapping/>
+  </p:clrMapOvr>
+</p:sld>
+</file>
+
+<file path=ppt/slides/slide4.xml><?xml version="1.0" encoding="utf-8"?>
+<p:sld xmlns:a="http://schemas.openxmlformats.org/drawingml/2006/main" xmlns:r="http://schemas.openxmlformats.org/officeDocument/2006/relationships" xmlns:p="http://schemas.openxmlformats.org/presentationml/2006/main">
+  <p:cSld>
+    <p:spTree>
+      <p:nvGrpSpPr>
+        <p:cNvPr id="1" name=""/>
+        <p:cNvGrpSpPr/>
+        <p:nvPr/>
+      </p:nvGrpSpPr>
+      <p:grpSpPr>
+        <a:xfrm>
+          <a:off x="0" y="0"/>
+          <a:ext cx="0" cy="0"/>
+          <a:chOff x="0" y="0"/>
+          <a:chExt cx="0" cy="0"/>
+        </a:xfrm>
+      </p:grpSpPr>
+      <p:sp>
+        <p:nvSpPr>
+          <p:cNvPr id="2" name="Footer Placeholder 1">
+            <a:extLst>
+              <a:ext uri="{FF2B5EF4-FFF2-40B4-BE49-F238E27FC236}">
+                <a16:creationId xmlns:a16="http://schemas.microsoft.com/office/drawing/2014/main" id="{56E5EDEA-9590-E025-D063-68E3B898B940}"/>
+              </a:ext>
+            </a:extLst>
+          </p:cNvPr>
+          <p:cNvSpPr>
+            <a:spLocks noGrp="1"/>
+          </p:cNvSpPr>
+          <p:nvPr>
+            <p:ph type="ftr" sz="quarter" idx="3"/>
+          </p:nvPr>
+        </p:nvSpPr>
+        <p:spPr/>
+        <p:txBody>
+          <a:bodyPr/>
+          <a:lstStyle/>
+          <a:p>
+            <a:r>
+              <a:rPr lang="en-US" kern="0"/>
+              <a:t>Northrop Grumman Proprietary Level I</a:t>
+            </a:r>
+            <a:endParaRPr lang="en-US"/>
+          </a:p>
+        </p:txBody>
+      </p:sp>
+      <p:sp>
+        <p:nvSpPr>
+          <p:cNvPr id="3" name="Slide Number Placeholder 2">
+            <a:extLst>
+              <a:ext uri="{FF2B5EF4-FFF2-40B4-BE49-F238E27FC236}">
+                <a16:creationId xmlns:a16="http://schemas.microsoft.com/office/drawing/2014/main" id="{06A31DC3-F07F-DB51-D034-207A2AFCB32E}"/>
+              </a:ext>
+            </a:extLst>
+          </p:cNvPr>
+          <p:cNvSpPr>
+            <a:spLocks noGrp="1"/>
+          </p:cNvSpPr>
+          <p:nvPr>
+            <p:ph type="sldNum" sz="quarter" idx="4"/>
+          </p:nvPr>
+        </p:nvSpPr>
+        <p:spPr/>
+        <p:txBody>
+          <a:bodyPr/>
+          <a:lstStyle/>
+          <a:p>
+            <a:fld id="{32A2F39E-E4DB-494E-AB40-38356C65078C}" type="slidenum">
+              <a:rPr lang="en-US" smtClean="0"/>
+              <a:pPr/>
+              <a:t>4</a:t>
+            </a:fld>
+            <a:endParaRPr lang="en-US"/>
+          </a:p>
+        </p:txBody>
+      </p:sp>
+      <p:sp>
+        <p:nvSpPr>
+          <p:cNvPr id="4" name="Title 3">
+            <a:extLst>
+              <a:ext uri="{FF2B5EF4-FFF2-40B4-BE49-F238E27FC236}">
+                <a16:creationId xmlns:a16="http://schemas.microsoft.com/office/drawing/2014/main" id="{11AA6D49-FB5B-DB53-D21B-30BC4F7CA81E}"/>
+              </a:ext>
+            </a:extLst>
+          </p:cNvPr>
+          <p:cNvSpPr>
+            <a:spLocks noGrp="1"/>
+          </p:cNvSpPr>
+          <p:nvPr>
+            <p:ph type="title"/>
+          </p:nvPr>
+        </p:nvSpPr>
+        <p:spPr/>
+        <p:txBody>
+          <a:bodyPr/>
+          <a:lstStyle/>
+          <a:p>
+            <a:r>
+              <a:rPr lang="en-US" dirty="0"/>
+              <a:t>Database Tools – Current Configuration</a:t>
+            </a:r>
+          </a:p>
+        </p:txBody>
+      </p:sp>
+      <p:sp>
+        <p:nvSpPr>
+          <p:cNvPr id="11" name="Text Placeholder 10">
+            <a:extLst>
+              <a:ext uri="{FF2B5EF4-FFF2-40B4-BE49-F238E27FC236}">
+                <a16:creationId xmlns:a16="http://schemas.microsoft.com/office/drawing/2014/main" id="{6FBCEF0C-6E36-1D11-6730-204321DB6FA2}"/>
+              </a:ext>
+            </a:extLst>
+          </p:cNvPr>
+          <p:cNvSpPr>
+            <a:spLocks noGrp="1"/>
+          </p:cNvSpPr>
+          <p:nvPr>
+            <p:ph type="body" sz="quarter" idx="11"/>
+          </p:nvPr>
+        </p:nvSpPr>
+        <p:spPr>
+          <a:xfrm>
+            <a:off x="340067" y="1010766"/>
+            <a:ext cx="4023360" cy="3121967"/>
+          </a:xfrm>
+        </p:spPr>
+        <p:txBody>
+          <a:bodyPr/>
+          <a:lstStyle/>
+          <a:p>
+            <a:pPr marL="0" indent="0">
+              <a:buNone/>
+            </a:pPr>
+            <a:r>
+              <a:rPr lang="en-US" dirty="0"/>
+              <a:t>Cons of One Note:</a:t>
+            </a:r>
+          </a:p>
+          <a:p>
+            <a:r>
+              <a:rPr lang="en-US" dirty="0"/>
+              <a:t>Allows for chaotic structuring</a:t>
+            </a:r>
+          </a:p>
+          <a:p>
+            <a:r>
+              <a:rPr lang="en-US" dirty="0"/>
+              <a:t>Poor discoverability amongst workspaces</a:t>
+            </a:r>
+          </a:p>
+          <a:p>
+            <a:r>
+              <a:rPr lang="en-US" dirty="0"/>
+              <a:t>Terrible API support</a:t>
+            </a:r>
+          </a:p>
+        </p:txBody>
+      </p:sp>
+      <p:grpSp>
+        <p:nvGrpSpPr>
+          <p:cNvPr id="14" name="Group 13">
+            <a:extLst>
+              <a:ext uri="{FF2B5EF4-FFF2-40B4-BE49-F238E27FC236}">
+                <a16:creationId xmlns:a16="http://schemas.microsoft.com/office/drawing/2014/main" id="{7506AE2D-97A3-6907-823F-E321A84AA62E}"/>
+              </a:ext>
+            </a:extLst>
+          </p:cNvPr>
+          <p:cNvGrpSpPr/>
+          <p:nvPr/>
+        </p:nvGrpSpPr>
+        <p:grpSpPr>
+          <a:xfrm>
+            <a:off x="520846" y="2664477"/>
+            <a:ext cx="6086475" cy="2009775"/>
+            <a:chOff x="1320189" y="2282972"/>
+            <a:chExt cx="6086475" cy="2009775"/>
+          </a:xfrm>
+        </p:grpSpPr>
+        <p:pic>
+          <p:nvPicPr>
+            <p:cNvPr id="1025" name="Picture 1" descr="Writing I Love - Philosophy from Calvin (and Hobbes!) - Tom McCallum">
+              <a:extLst>
+                <a:ext uri="{FF2B5EF4-FFF2-40B4-BE49-F238E27FC236}">
+                  <a16:creationId xmlns:a16="http://schemas.microsoft.com/office/drawing/2014/main" id="{C2D6D8E1-D1BE-AD81-36F7-D9EBF02125AF}"/>
+                </a:ext>
+              </a:extLst>
+            </p:cNvPr>
+            <p:cNvPicPr>
+              <a:picLocks noChangeAspect="1" noChangeArrowheads="1"/>
+            </p:cNvPicPr>
+            <p:nvPr/>
+          </p:nvPicPr>
+          <p:blipFill>
+            <a:blip r:embed="rId3">
+              <a:extLst>
+                <a:ext uri="{28A0092B-C50C-407E-A947-70E740481C1C}">
+                  <a14:useLocalDpi xmlns:a14="http://schemas.microsoft.com/office/drawing/2010/main" val="0"/>
+                </a:ext>
+              </a:extLst>
+            </a:blip>
+            <a:srcRect/>
+            <a:stretch>
+              <a:fillRect/>
+            </a:stretch>
+          </p:blipFill>
+          <p:spPr bwMode="auto">
+            <a:xfrm>
+              <a:off x="1320189" y="2282972"/>
+              <a:ext cx="6086475" cy="2009775"/>
+            </a:xfrm>
+            <a:prstGeom prst="rect">
+              <a:avLst/>
+            </a:prstGeom>
+            <a:noFill/>
+            <a:extLst>
+              <a:ext uri="{909E8E84-426E-40DD-AFC4-6F175D3DCCD1}">
+                <a14:hiddenFill xmlns:a14="http://schemas.microsoft.com/office/drawing/2010/main">
+                  <a:solidFill>
+                    <a:srgbClr val="FFFFFF"/>
+                  </a:solidFill>
+                </a14:hiddenFill>
+              </a:ext>
+            </a:extLst>
+          </p:spPr>
+        </p:pic>
+        <p:sp>
+          <p:nvSpPr>
+            <p:cNvPr id="12" name="TextBox 11">
+              <a:extLst>
+                <a:ext uri="{FF2B5EF4-FFF2-40B4-BE49-F238E27FC236}">
+                  <a16:creationId xmlns:a16="http://schemas.microsoft.com/office/drawing/2014/main" id="{E30C97E3-7832-8021-4722-E0D5E4D53CE0}"/>
+                </a:ext>
+              </a:extLst>
+            </p:cNvPr>
+            <p:cNvSpPr txBox="1"/>
+            <p:nvPr/>
+          </p:nvSpPr>
+          <p:spPr>
+            <a:xfrm>
+              <a:off x="5274455" y="3963456"/>
+              <a:ext cx="466282" cy="169277"/>
+            </a:xfrm>
+            <a:prstGeom prst="rect">
+              <a:avLst/>
+            </a:prstGeom>
+            <a:solidFill>
+              <a:schemeClr val="bg1"/>
+            </a:solidFill>
+            <a:ln w="19050">
+              <a:solidFill>
+                <a:srgbClr val="00B050"/>
+              </a:solidFill>
+            </a:ln>
+          </p:spPr>
+          <p:txBody>
+            <a:bodyPr wrap="square" rtlCol="0">
+              <a:spAutoFit/>
+            </a:bodyPr>
+            <a:lstStyle/>
+            <a:p>
+              <a:r>
+                <a:rPr lang="en-US" sz="500" dirty="0"/>
+                <a:t>One Note</a:t>
+              </a:r>
+            </a:p>
+          </p:txBody>
+        </p:sp>
+        <p:sp>
+          <p:nvSpPr>
+            <p:cNvPr id="13" name="TextBox 12">
+              <a:extLst>
+                <a:ext uri="{FF2B5EF4-FFF2-40B4-BE49-F238E27FC236}">
+                  <a16:creationId xmlns:a16="http://schemas.microsoft.com/office/drawing/2014/main" id="{9DE45D0B-D930-F09E-0B4A-EB76844240CA}"/>
+                </a:ext>
+              </a:extLst>
+            </p:cNvPr>
+            <p:cNvSpPr txBox="1"/>
+            <p:nvPr/>
+          </p:nvSpPr>
+          <p:spPr>
+            <a:xfrm>
+              <a:off x="6583479" y="3751228"/>
+              <a:ext cx="489496" cy="169277"/>
+            </a:xfrm>
+            <a:prstGeom prst="rect">
+              <a:avLst/>
+            </a:prstGeom>
+            <a:solidFill>
+              <a:schemeClr val="bg1"/>
+            </a:solidFill>
+            <a:ln w="19050">
+              <a:solidFill>
+                <a:srgbClr val="00B050"/>
+              </a:solidFill>
+            </a:ln>
+          </p:spPr>
+          <p:txBody>
+            <a:bodyPr wrap="square" rtlCol="0">
+              <a:spAutoFit/>
+            </a:bodyPr>
+            <a:lstStyle/>
+            <a:p>
+              <a:r>
+                <a:rPr lang="en-US" sz="500" dirty="0"/>
+                <a:t>One Note</a:t>
+              </a:r>
+            </a:p>
+          </p:txBody>
+        </p:sp>
+      </p:grpSp>
+      <p:grpSp>
+        <p:nvGrpSpPr>
+          <p:cNvPr id="18" name="Group 17">
+            <a:extLst>
+              <a:ext uri="{FF2B5EF4-FFF2-40B4-BE49-F238E27FC236}">
+                <a16:creationId xmlns:a16="http://schemas.microsoft.com/office/drawing/2014/main" id="{9B4F8239-97EE-7504-D472-4C65865D2BDC}"/>
+              </a:ext>
+            </a:extLst>
+          </p:cNvPr>
+          <p:cNvGrpSpPr/>
+          <p:nvPr/>
+        </p:nvGrpSpPr>
+        <p:grpSpPr>
+          <a:xfrm>
+            <a:off x="4259675" y="948264"/>
+            <a:ext cx="2758800" cy="1564745"/>
+            <a:chOff x="5325465" y="914278"/>
+            <a:chExt cx="2758800" cy="1564745"/>
+          </a:xfrm>
+        </p:grpSpPr>
+        <p:pic>
+          <p:nvPicPr>
+            <p:cNvPr id="16" name="Picture 15">
+              <a:extLst>
+                <a:ext uri="{FF2B5EF4-FFF2-40B4-BE49-F238E27FC236}">
+                  <a16:creationId xmlns:a16="http://schemas.microsoft.com/office/drawing/2014/main" id="{C92B305A-868E-7E76-CEEA-530C96F73320}"/>
+                </a:ext>
+              </a:extLst>
+            </p:cNvPr>
+            <p:cNvPicPr>
+              <a:picLocks noChangeAspect="1"/>
+            </p:cNvPicPr>
+            <p:nvPr/>
+          </p:nvPicPr>
+          <p:blipFill>
+            <a:blip r:embed="rId4"/>
+            <a:stretch>
+              <a:fillRect/>
+            </a:stretch>
+          </p:blipFill>
+          <p:spPr>
+            <a:xfrm>
+              <a:off x="5705413" y="914278"/>
+              <a:ext cx="2135435" cy="1302177"/>
+            </a:xfrm>
+            <a:prstGeom prst="rect">
+              <a:avLst/>
+            </a:prstGeom>
+          </p:spPr>
+        </p:pic>
+        <p:sp>
+          <p:nvSpPr>
+            <p:cNvPr id="17" name="TextBox 16">
+              <a:extLst>
+                <a:ext uri="{FF2B5EF4-FFF2-40B4-BE49-F238E27FC236}">
+                  <a16:creationId xmlns:a16="http://schemas.microsoft.com/office/drawing/2014/main" id="{4AC63DA5-14EA-8B50-3E13-B836ED29A216}"/>
+                </a:ext>
+              </a:extLst>
+            </p:cNvPr>
+            <p:cNvSpPr txBox="1"/>
+            <p:nvPr/>
+          </p:nvSpPr>
+          <p:spPr>
+            <a:xfrm>
+              <a:off x="5325465" y="2109691"/>
+              <a:ext cx="2758800" cy="369332"/>
+            </a:xfrm>
+            <a:prstGeom prst="rect">
+              <a:avLst/>
+            </a:prstGeom>
+            <a:noFill/>
+          </p:spPr>
+          <p:txBody>
+            <a:bodyPr wrap="square" rtlCol="0">
+              <a:spAutoFit/>
+            </a:bodyPr>
+            <a:lstStyle/>
+            <a:p>
+              <a:r>
+                <a:rPr lang="en-US" sz="600" dirty="0"/>
+                <a:t>No enforcement of structure to pages and order allows for chaos amongst documents leading to many issues such as difficulty when exporting pages, searching for specific information, linking blocks or other notebooks, etc.</a:t>
+              </a:r>
+            </a:p>
+          </p:txBody>
+        </p:sp>
+      </p:grpSp>
+      <p:grpSp>
+        <p:nvGrpSpPr>
+          <p:cNvPr id="19" name="Group 18">
+            <a:extLst>
+              <a:ext uri="{FF2B5EF4-FFF2-40B4-BE49-F238E27FC236}">
+                <a16:creationId xmlns:a16="http://schemas.microsoft.com/office/drawing/2014/main" id="{10BC39C3-D7FB-64C5-DB69-77EFB9AEE414}"/>
+              </a:ext>
+            </a:extLst>
+          </p:cNvPr>
+          <p:cNvGrpSpPr/>
+          <p:nvPr/>
+        </p:nvGrpSpPr>
+        <p:grpSpPr>
+          <a:xfrm>
+            <a:off x="7124691" y="2567158"/>
+            <a:ext cx="1806678" cy="1650213"/>
+            <a:chOff x="4522079" y="885401"/>
+            <a:chExt cx="2280892" cy="1997839"/>
+          </a:xfrm>
+        </p:grpSpPr>
+        <p:pic>
+          <p:nvPicPr>
+            <p:cNvPr id="20" name="Picture 19">
+              <a:extLst>
+                <a:ext uri="{FF2B5EF4-FFF2-40B4-BE49-F238E27FC236}">
+                  <a16:creationId xmlns:a16="http://schemas.microsoft.com/office/drawing/2014/main" id="{B732D5DA-8EA7-B564-5320-5E2E411F7E00}"/>
+                </a:ext>
+              </a:extLst>
+            </p:cNvPr>
+            <p:cNvPicPr>
+              <a:picLocks noChangeAspect="1"/>
+            </p:cNvPicPr>
+            <p:nvPr/>
+          </p:nvPicPr>
+          <p:blipFill>
+            <a:blip r:embed="rId5"/>
             <a:stretch>
               <a:fillRect/>
             </a:stretch>
@@ -12080,10 +13297,10 @@
         </p:pic>
         <p:sp>
           <p:nvSpPr>
-            <p:cNvPr id="11" name="TextBox 10">
+            <p:cNvPr id="21" name="TextBox 20">
               <a:extLst>
                 <a:ext uri="{FF2B5EF4-FFF2-40B4-BE49-F238E27FC236}">
-                  <a16:creationId xmlns:a16="http://schemas.microsoft.com/office/drawing/2014/main" id="{88EAC287-2184-16D0-0150-0AB52816AE64}"/>
+                  <a16:creationId xmlns:a16="http://schemas.microsoft.com/office/drawing/2014/main" id="{5B019C77-F5B6-99A3-7944-C5E7EF5FBF2C}"/>
                 </a:ext>
               </a:extLst>
             </p:cNvPr>
@@ -12118,259 +13335,12 @@
           </p:txBody>
         </p:sp>
       </p:grpSp>
-      <p:grpSp>
-        <p:nvGrpSpPr>
-          <p:cNvPr id="17" name="Group 16">
+      <p:sp>
+        <p:nvSpPr>
+          <p:cNvPr id="22" name="Text Placeholder 3">
             <a:extLst>
               <a:ext uri="{FF2B5EF4-FFF2-40B4-BE49-F238E27FC236}">
-                <a16:creationId xmlns:a16="http://schemas.microsoft.com/office/drawing/2014/main" id="{F27E18C1-B22F-0AB6-3024-47A408BD3476}"/>
-              </a:ext>
-            </a:extLst>
-          </p:cNvPr>
-          <p:cNvGrpSpPr/>
-          <p:nvPr/>
-        </p:nvGrpSpPr>
-        <p:grpSpPr>
-          <a:xfrm>
-            <a:off x="4825664" y="3082332"/>
-            <a:ext cx="3208864" cy="1821871"/>
-            <a:chOff x="5666571" y="2823878"/>
-            <a:chExt cx="3208864" cy="1821871"/>
-          </a:xfrm>
-        </p:grpSpPr>
-        <p:pic>
-          <p:nvPicPr>
-            <p:cNvPr id="13" name="Picture 12">
-              <a:extLst>
-                <a:ext uri="{FF2B5EF4-FFF2-40B4-BE49-F238E27FC236}">
-                  <a16:creationId xmlns:a16="http://schemas.microsoft.com/office/drawing/2014/main" id="{D2D259E2-B96B-5EC3-B5EC-EC08695B4BB8}"/>
-                </a:ext>
-              </a:extLst>
-            </p:cNvPr>
-            <p:cNvPicPr>
-              <a:picLocks noChangeAspect="1"/>
-            </p:cNvPicPr>
-            <p:nvPr/>
-          </p:nvPicPr>
-          <p:blipFill>
-            <a:blip r:embed="rId3"/>
-            <a:stretch>
-              <a:fillRect/>
-            </a:stretch>
-          </p:blipFill>
-          <p:spPr>
-            <a:xfrm>
-              <a:off x="5666571" y="2823878"/>
-              <a:ext cx="3059527" cy="1637205"/>
-            </a:xfrm>
-            <a:prstGeom prst="rect">
-              <a:avLst/>
-            </a:prstGeom>
-          </p:spPr>
-        </p:pic>
-        <p:sp>
-          <p:nvSpPr>
-            <p:cNvPr id="14" name="TextBox 13">
-              <a:extLst>
-                <a:ext uri="{FF2B5EF4-FFF2-40B4-BE49-F238E27FC236}">
-                  <a16:creationId xmlns:a16="http://schemas.microsoft.com/office/drawing/2014/main" id="{6F7CA1C4-F346-36EE-0725-BC7A6822D949}"/>
-                </a:ext>
-              </a:extLst>
-            </p:cNvPr>
-            <p:cNvSpPr txBox="1"/>
-            <p:nvPr/>
-          </p:nvSpPr>
-          <p:spPr>
-            <a:xfrm>
-              <a:off x="5964846" y="4461083"/>
-              <a:ext cx="2910589" cy="184666"/>
-            </a:xfrm>
-            <a:prstGeom prst="rect">
-              <a:avLst/>
-            </a:prstGeom>
-            <a:noFill/>
-          </p:spPr>
-          <p:txBody>
-            <a:bodyPr wrap="square" rtlCol="0">
-              <a:spAutoFit/>
-            </a:bodyPr>
-            <a:lstStyle/>
-            <a:p>
-              <a:r>
-                <a:rPr lang="en-US" sz="600" dirty="0">
-                  <a:solidFill>
-                    <a:schemeClr val="tx2"/>
-                  </a:solidFill>
-                </a:rPr>
-                <a:t>Mongo and Mongo Express instance running in a local Docker container. </a:t>
-              </a:r>
-            </a:p>
-          </p:txBody>
-        </p:sp>
-      </p:grpSp>
-    </p:spTree>
-    <p:extLst>
-      <p:ext uri="{BB962C8B-B14F-4D97-AF65-F5344CB8AC3E}">
-        <p14:creationId xmlns:p14="http://schemas.microsoft.com/office/powerpoint/2010/main" val="1975388560"/>
-      </p:ext>
-    </p:extLst>
-  </p:cSld>
-  <p:clrMapOvr>
-    <a:masterClrMapping/>
-  </p:clrMapOvr>
-</p:sld>
-</file>
-
-<file path=ppt/slides/slide4.xml><?xml version="1.0" encoding="utf-8"?>
-<p:sld xmlns:a="http://schemas.openxmlformats.org/drawingml/2006/main" xmlns:r="http://schemas.openxmlformats.org/officeDocument/2006/relationships" xmlns:p="http://schemas.openxmlformats.org/presentationml/2006/main">
-  <p:cSld>
-    <p:spTree>
-      <p:nvGrpSpPr>
-        <p:cNvPr id="1" name=""/>
-        <p:cNvGrpSpPr/>
-        <p:nvPr/>
-      </p:nvGrpSpPr>
-      <p:grpSpPr>
-        <a:xfrm>
-          <a:off x="0" y="0"/>
-          <a:ext cx="0" cy="0"/>
-          <a:chOff x="0" y="0"/>
-          <a:chExt cx="0" cy="0"/>
-        </a:xfrm>
-      </p:grpSpPr>
-      <p:sp>
-        <p:nvSpPr>
-          <p:cNvPr id="2" name="Footer Placeholder 1"/>
-          <p:cNvSpPr>
-            <a:spLocks noGrp="1"/>
-          </p:cNvSpPr>
-          <p:nvPr>
-            <p:ph type="ftr" sz="quarter" idx="3"/>
-          </p:nvPr>
-        </p:nvSpPr>
-        <p:spPr/>
-        <p:txBody>
-          <a:bodyPr/>
-          <a:lstStyle/>
-          <a:p>
-            <a:r>
-              <a:rPr lang="en-US" kern="0"/>
-              <a:t>Northrop Grumman Proprietary Level I</a:t>
-            </a:r>
-            <a:endParaRPr lang="en-US"/>
-          </a:p>
-        </p:txBody>
-      </p:sp>
-      <p:sp>
-        <p:nvSpPr>
-          <p:cNvPr id="3" name="Slide Number Placeholder 2"/>
-          <p:cNvSpPr>
-            <a:spLocks noGrp="1"/>
-          </p:cNvSpPr>
-          <p:nvPr>
-            <p:ph type="sldNum" sz="quarter" idx="4"/>
-          </p:nvPr>
-        </p:nvSpPr>
-        <p:spPr/>
-        <p:txBody>
-          <a:bodyPr/>
-          <a:lstStyle/>
-          <a:p>
-            <a:fld id="{32A2F39E-E4DB-494E-AB40-38356C65078C}" type="slidenum">
-              <a:rPr lang="en-US" smtClean="0"/>
-              <a:pPr/>
-              <a:t>4</a:t>
-            </a:fld>
-            <a:endParaRPr lang="en-US"/>
-          </a:p>
-        </p:txBody>
-      </p:sp>
-      <p:sp>
-        <p:nvSpPr>
-          <p:cNvPr id="4" name="Title 3"/>
-          <p:cNvSpPr>
-            <a:spLocks noGrp="1"/>
-          </p:cNvSpPr>
-          <p:nvPr>
-            <p:ph type="title"/>
-          </p:nvPr>
-        </p:nvSpPr>
-        <p:spPr/>
-        <p:txBody>
-          <a:bodyPr/>
-          <a:lstStyle/>
-          <a:p>
-            <a:r>
-              <a:rPr lang="en-US" dirty="0"/>
-              <a:t>Database Tools - Overview </a:t>
-            </a:r>
-            <a:r>
-              <a:rPr lang="en-US" dirty="0" err="1"/>
-              <a:t>con’t</a:t>
-            </a:r>
-            <a:r>
-              <a:rPr lang="en-US" dirty="0"/>
-              <a:t>.</a:t>
-            </a:r>
-          </a:p>
-        </p:txBody>
-      </p:sp>
-      <p:sp>
-        <p:nvSpPr>
-          <p:cNvPr id="5" name="Text Placeholder 4"/>
-          <p:cNvSpPr>
-            <a:spLocks noGrp="1"/>
-          </p:cNvSpPr>
-          <p:nvPr>
-            <p:ph type="body" sz="quarter" idx="11"/>
-          </p:nvPr>
-        </p:nvSpPr>
-        <p:spPr/>
-        <p:txBody>
-          <a:bodyPr/>
-          <a:lstStyle/>
-          <a:p>
-            <a:r>
-              <a:rPr lang="en-US" sz="1800" b="1" dirty="0"/>
-              <a:t>Challenges</a:t>
-            </a:r>
-          </a:p>
-          <a:p>
-            <a:pPr marL="372902" lvl="1" indent="-285750"/>
-            <a:r>
-              <a:rPr lang="en-US" sz="1600" dirty="0"/>
-              <a:t>Local Environment setup</a:t>
-            </a:r>
-          </a:p>
-          <a:p>
-            <a:pPr marL="434333" lvl="2" indent="-171450"/>
-            <a:r>
-              <a:rPr lang="en-US" sz="1500" dirty="0"/>
-              <a:t>SSL Certificate issues</a:t>
-            </a:r>
-          </a:p>
-          <a:p>
-            <a:pPr marL="434333" lvl="2" indent="-171450"/>
-            <a:r>
-              <a:rPr lang="en-US" sz="1500" dirty="0"/>
-              <a:t>HTTP and HTTPS Proxy environment variables</a:t>
-            </a:r>
-          </a:p>
-          <a:p>
-            <a:pPr marL="434333" lvl="2" indent="-171450"/>
-            <a:r>
-              <a:rPr lang="en-US" sz="1500" dirty="0"/>
-              <a:t>MongoDB and Mongo Express </a:t>
-            </a:r>
-          </a:p>
-        </p:txBody>
-      </p:sp>
-      <p:sp>
-        <p:nvSpPr>
-          <p:cNvPr id="7" name="Text Placeholder 3">
-            <a:extLst>
-              <a:ext uri="{FF2B5EF4-FFF2-40B4-BE49-F238E27FC236}">
-                <a16:creationId xmlns:a16="http://schemas.microsoft.com/office/drawing/2014/main" id="{24132D91-FC5B-30C1-BE11-1C029B0124E3}"/>
+                <a16:creationId xmlns:a16="http://schemas.microsoft.com/office/drawing/2014/main" id="{B715FEE5-E77F-1EA1-5989-482CAA3D2585}"/>
               </a:ext>
             </a:extLst>
           </p:cNvPr>
@@ -12569,295 +13539,10 @@
           </a:p>
         </p:txBody>
       </p:sp>
-      <p:grpSp>
-        <p:nvGrpSpPr>
-          <p:cNvPr id="19" name="Group 18">
-            <a:extLst>
-              <a:ext uri="{FF2B5EF4-FFF2-40B4-BE49-F238E27FC236}">
-                <a16:creationId xmlns:a16="http://schemas.microsoft.com/office/drawing/2014/main" id="{79686D4C-6A69-A09A-128C-683C4F0376DE}"/>
-              </a:ext>
-            </a:extLst>
-          </p:cNvPr>
-          <p:cNvGrpSpPr/>
-          <p:nvPr/>
-        </p:nvGrpSpPr>
-        <p:grpSpPr>
-          <a:xfrm>
-            <a:off x="5143425" y="1084516"/>
-            <a:ext cx="3751724" cy="845833"/>
-            <a:chOff x="4401673" y="944558"/>
-            <a:chExt cx="3751724" cy="845833"/>
-          </a:xfrm>
-        </p:grpSpPr>
-        <p:pic>
-          <p:nvPicPr>
-            <p:cNvPr id="9" name="Picture 8">
-              <a:extLst>
-                <a:ext uri="{FF2B5EF4-FFF2-40B4-BE49-F238E27FC236}">
-                  <a16:creationId xmlns:a16="http://schemas.microsoft.com/office/drawing/2014/main" id="{6E4F5F1D-6B77-9B6A-B0AE-EC39BAFEDF89}"/>
-                </a:ext>
-              </a:extLst>
-            </p:cNvPr>
-            <p:cNvPicPr>
-              <a:picLocks noChangeAspect="1"/>
-            </p:cNvPicPr>
-            <p:nvPr/>
-          </p:nvPicPr>
-          <p:blipFill rotWithShape="1">
-            <a:blip r:embed="rId2"/>
-            <a:srcRect b="47432"/>
-            <a:stretch/>
-          </p:blipFill>
-          <p:spPr>
-            <a:xfrm>
-              <a:off x="4401673" y="944558"/>
-              <a:ext cx="3751724" cy="691286"/>
-            </a:xfrm>
-            <a:prstGeom prst="rect">
-              <a:avLst/>
-            </a:prstGeom>
-          </p:spPr>
-        </p:pic>
-        <p:sp>
-          <p:nvSpPr>
-            <p:cNvPr id="10" name="TextBox 9">
-              <a:extLst>
-                <a:ext uri="{FF2B5EF4-FFF2-40B4-BE49-F238E27FC236}">
-                  <a16:creationId xmlns:a16="http://schemas.microsoft.com/office/drawing/2014/main" id="{46D68F1D-E519-3DDB-41C3-34AE001B3822}"/>
-                </a:ext>
-              </a:extLst>
-            </p:cNvPr>
-            <p:cNvSpPr txBox="1"/>
-            <p:nvPr/>
-          </p:nvSpPr>
-          <p:spPr>
-            <a:xfrm>
-              <a:off x="4438629" y="1513392"/>
-              <a:ext cx="2980041" cy="276999"/>
-            </a:xfrm>
-            <a:prstGeom prst="rect">
-              <a:avLst/>
-            </a:prstGeom>
-            <a:noFill/>
-          </p:spPr>
-          <p:txBody>
-            <a:bodyPr wrap="square" rtlCol="0">
-              <a:spAutoFit/>
-            </a:bodyPr>
-            <a:lstStyle/>
-            <a:p>
-              <a:r>
-                <a:rPr lang="en-US" sz="600" dirty="0">
-                  <a:solidFill>
-                    <a:schemeClr val="tx2"/>
-                  </a:solidFill>
-                </a:rPr>
-                <a:t>Mongo Express blocking access due to restrictions on usage of </a:t>
-              </a:r>
-              <a:r>
-                <a:rPr lang="en-US" sz="600" dirty="0" err="1">
-                  <a:solidFill>
-                    <a:schemeClr val="tx2"/>
-                  </a:solidFill>
-                </a:rPr>
-                <a:t>basicAuth</a:t>
-              </a:r>
-              <a:r>
-                <a:rPr lang="en-US" sz="600" dirty="0">
-                  <a:solidFill>
-                    <a:schemeClr val="tx2"/>
-                  </a:solidFill>
-                </a:rPr>
-                <a:t> in our Microsoft Edge browsers.</a:t>
-              </a:r>
-            </a:p>
-          </p:txBody>
-        </p:sp>
-      </p:grpSp>
-      <p:grpSp>
-        <p:nvGrpSpPr>
-          <p:cNvPr id="20" name="Group 19">
-            <a:extLst>
-              <a:ext uri="{FF2B5EF4-FFF2-40B4-BE49-F238E27FC236}">
-                <a16:creationId xmlns:a16="http://schemas.microsoft.com/office/drawing/2014/main" id="{958A8F6B-67DC-762B-6081-038E7C028924}"/>
-              </a:ext>
-            </a:extLst>
-          </p:cNvPr>
-          <p:cNvGrpSpPr/>
-          <p:nvPr/>
-        </p:nvGrpSpPr>
-        <p:grpSpPr>
-          <a:xfrm>
-            <a:off x="4937438" y="2703465"/>
-            <a:ext cx="3957711" cy="1986168"/>
-            <a:chOff x="5269670" y="2559403"/>
-            <a:chExt cx="3957711" cy="1986168"/>
-          </a:xfrm>
-        </p:grpSpPr>
-        <p:pic>
-          <p:nvPicPr>
-            <p:cNvPr id="12" name="Picture 11">
-              <a:extLst>
-                <a:ext uri="{FF2B5EF4-FFF2-40B4-BE49-F238E27FC236}">
-                  <a16:creationId xmlns:a16="http://schemas.microsoft.com/office/drawing/2014/main" id="{18564838-A8AC-1B7C-AC7F-8EDDA72AE301}"/>
-                </a:ext>
-              </a:extLst>
-            </p:cNvPr>
-            <p:cNvPicPr>
-              <a:picLocks noChangeAspect="1"/>
-            </p:cNvPicPr>
-            <p:nvPr/>
-          </p:nvPicPr>
-          <p:blipFill>
-            <a:blip r:embed="rId3"/>
-            <a:stretch>
-              <a:fillRect/>
-            </a:stretch>
-          </p:blipFill>
-          <p:spPr>
-            <a:xfrm>
-              <a:off x="5269670" y="2559403"/>
-              <a:ext cx="3811053" cy="1825813"/>
-            </a:xfrm>
-            <a:prstGeom prst="rect">
-              <a:avLst/>
-            </a:prstGeom>
-          </p:spPr>
-        </p:pic>
-        <p:sp>
-          <p:nvSpPr>
-            <p:cNvPr id="13" name="TextBox 12">
-              <a:extLst>
-                <a:ext uri="{FF2B5EF4-FFF2-40B4-BE49-F238E27FC236}">
-                  <a16:creationId xmlns:a16="http://schemas.microsoft.com/office/drawing/2014/main" id="{1CF1C707-0B2D-AF85-76CE-CE17BA8A8EA6}"/>
-                </a:ext>
-              </a:extLst>
-            </p:cNvPr>
-            <p:cNvSpPr txBox="1"/>
-            <p:nvPr/>
-          </p:nvSpPr>
-          <p:spPr>
-            <a:xfrm>
-              <a:off x="5692751" y="4360905"/>
-              <a:ext cx="3534630" cy="184666"/>
-            </a:xfrm>
-            <a:prstGeom prst="rect">
-              <a:avLst/>
-            </a:prstGeom>
-            <a:noFill/>
-          </p:spPr>
-          <p:txBody>
-            <a:bodyPr wrap="square" rtlCol="0">
-              <a:spAutoFit/>
-            </a:bodyPr>
-            <a:lstStyle/>
-            <a:p>
-              <a:r>
-                <a:rPr lang="en-US" sz="600" dirty="0">
-                  <a:solidFill>
-                    <a:schemeClr val="tx2"/>
-                  </a:solidFill>
-                </a:rPr>
-                <a:t>We love SSL Certificate Errors (we actually don’t)</a:t>
-              </a:r>
-            </a:p>
-          </p:txBody>
-        </p:sp>
-      </p:grpSp>
-      <p:grpSp>
-        <p:nvGrpSpPr>
-          <p:cNvPr id="21" name="Group 20">
-            <a:extLst>
-              <a:ext uri="{FF2B5EF4-FFF2-40B4-BE49-F238E27FC236}">
-                <a16:creationId xmlns:a16="http://schemas.microsoft.com/office/drawing/2014/main" id="{B7B66113-F20B-BBC2-C101-4C485A25F7D0}"/>
-              </a:ext>
-            </a:extLst>
-          </p:cNvPr>
-          <p:cNvGrpSpPr/>
-          <p:nvPr/>
-        </p:nvGrpSpPr>
-        <p:grpSpPr>
-          <a:xfrm>
-            <a:off x="737970" y="2892827"/>
-            <a:ext cx="3700659" cy="2159359"/>
-            <a:chOff x="737970" y="2892827"/>
-            <a:chExt cx="3700659" cy="2159359"/>
-          </a:xfrm>
-        </p:grpSpPr>
-        <p:pic>
-          <p:nvPicPr>
-            <p:cNvPr id="15" name="Picture 14">
-              <a:extLst>
-                <a:ext uri="{FF2B5EF4-FFF2-40B4-BE49-F238E27FC236}">
-                  <a16:creationId xmlns:a16="http://schemas.microsoft.com/office/drawing/2014/main" id="{2E6B5D4D-2EC9-534C-8BBA-FBA4A5747814}"/>
-                </a:ext>
-              </a:extLst>
-            </p:cNvPr>
-            <p:cNvPicPr>
-              <a:picLocks noChangeAspect="1"/>
-            </p:cNvPicPr>
-            <p:nvPr/>
-          </p:nvPicPr>
-          <p:blipFill>
-            <a:blip r:embed="rId4"/>
-            <a:stretch>
-              <a:fillRect/>
-            </a:stretch>
-          </p:blipFill>
-          <p:spPr>
-            <a:xfrm>
-              <a:off x="737970" y="2892827"/>
-              <a:ext cx="3309389" cy="1974693"/>
-            </a:xfrm>
-            <a:prstGeom prst="rect">
-              <a:avLst/>
-            </a:prstGeom>
-          </p:spPr>
-        </p:pic>
-        <p:sp>
-          <p:nvSpPr>
-            <p:cNvPr id="16" name="TextBox 15">
-              <a:extLst>
-                <a:ext uri="{FF2B5EF4-FFF2-40B4-BE49-F238E27FC236}">
-                  <a16:creationId xmlns:a16="http://schemas.microsoft.com/office/drawing/2014/main" id="{7B833A8B-45A2-030F-2108-B6ED94DAA13E}"/>
-                </a:ext>
-              </a:extLst>
-            </p:cNvPr>
-            <p:cNvSpPr txBox="1"/>
-            <p:nvPr/>
-          </p:nvSpPr>
-          <p:spPr>
-            <a:xfrm>
-              <a:off x="1458588" y="4867520"/>
-              <a:ext cx="2980041" cy="184666"/>
-            </a:xfrm>
-            <a:prstGeom prst="rect">
-              <a:avLst/>
-            </a:prstGeom>
-            <a:noFill/>
-          </p:spPr>
-          <p:txBody>
-            <a:bodyPr wrap="square" rtlCol="0">
-              <a:spAutoFit/>
-            </a:bodyPr>
-            <a:lstStyle/>
-            <a:p>
-              <a:r>
-                <a:rPr lang="en-US" sz="600" dirty="0">
-                  <a:solidFill>
-                    <a:schemeClr val="tx2"/>
-                  </a:solidFill>
-                </a:rPr>
-                <a:t>So many tox errors, all in red…</a:t>
-              </a:r>
-            </a:p>
-          </p:txBody>
-        </p:sp>
-      </p:grpSp>
     </p:spTree>
     <p:extLst>
       <p:ext uri="{BB962C8B-B14F-4D97-AF65-F5344CB8AC3E}">
-        <p14:creationId xmlns:p14="http://schemas.microsoft.com/office/powerpoint/2010/main" val="3646978974"/>
+        <p14:creationId xmlns:p14="http://schemas.microsoft.com/office/powerpoint/2010/main" val="3936965330"/>
       </p:ext>
     </p:extLst>
   </p:cSld>
@@ -12886,7 +13571,13 @@
       </p:grpSpPr>
       <p:sp>
         <p:nvSpPr>
-          <p:cNvPr id="2" name="Footer Placeholder 1"/>
+          <p:cNvPr id="2" name="Footer Placeholder 1">
+            <a:extLst>
+              <a:ext uri="{FF2B5EF4-FFF2-40B4-BE49-F238E27FC236}">
+                <a16:creationId xmlns:a16="http://schemas.microsoft.com/office/drawing/2014/main" id="{468E6A04-F51C-E97E-30D8-F39377F1C516}"/>
+              </a:ext>
+            </a:extLst>
+          </p:cNvPr>
           <p:cNvSpPr>
             <a:spLocks noGrp="1"/>
           </p:cNvSpPr>
@@ -12909,7 +13600,13 @@
       </p:sp>
       <p:sp>
         <p:nvSpPr>
-          <p:cNvPr id="3" name="Slide Number Placeholder 2"/>
+          <p:cNvPr id="3" name="Slide Number Placeholder 2">
+            <a:extLst>
+              <a:ext uri="{FF2B5EF4-FFF2-40B4-BE49-F238E27FC236}">
+                <a16:creationId xmlns:a16="http://schemas.microsoft.com/office/drawing/2014/main" id="{966E8A43-72C5-1E53-7B76-E18FD1D544F6}"/>
+              </a:ext>
+            </a:extLst>
+          </p:cNvPr>
           <p:cNvSpPr>
             <a:spLocks noGrp="1"/>
           </p:cNvSpPr>
@@ -12933,7 +13630,13 @@
       </p:sp>
       <p:sp>
         <p:nvSpPr>
-          <p:cNvPr id="4" name="Title 3"/>
+          <p:cNvPr id="4" name="Title 3">
+            <a:extLst>
+              <a:ext uri="{FF2B5EF4-FFF2-40B4-BE49-F238E27FC236}">
+                <a16:creationId xmlns:a16="http://schemas.microsoft.com/office/drawing/2014/main" id="{01460458-6CFB-F148-FB6B-49629EBECA83}"/>
+              </a:ext>
+            </a:extLst>
+          </p:cNvPr>
           <p:cNvSpPr>
             <a:spLocks noGrp="1"/>
           </p:cNvSpPr>
@@ -12948,76 +13651,1172 @@
           <a:p>
             <a:r>
               <a:rPr lang="en-US" dirty="0"/>
-              <a:t>Database Tools - Overview </a:t>
-            </a:r>
-            <a:r>
-              <a:rPr lang="en-US" dirty="0" err="1"/>
-              <a:t>con’t</a:t>
-            </a:r>
-            <a:r>
-              <a:rPr lang="en-US" dirty="0"/>
-              <a:t>.</a:t>
-            </a:r>
-          </a:p>
-        </p:txBody>
-      </p:sp>
-      <p:sp>
-        <p:nvSpPr>
-          <p:cNvPr id="5" name="Text Placeholder 4"/>
-          <p:cNvSpPr>
-            <a:spLocks noGrp="1"/>
-          </p:cNvSpPr>
-          <p:nvPr>
-            <p:ph type="body" sz="quarter" idx="11"/>
-          </p:nvPr>
-        </p:nvSpPr>
-        <p:spPr/>
-        <p:txBody>
-          <a:bodyPr/>
-          <a:lstStyle/>
-          <a:p>
-            <a:pPr marL="171450" indent="-171450"/>
-            <a:r>
-              <a:rPr lang="en-US" sz="1800" b="1" dirty="0"/>
-              <a:t>Accomplishments</a:t>
-            </a:r>
-            <a:endParaRPr lang="en-US" sz="1500" b="1" dirty="0"/>
-          </a:p>
-          <a:p>
-            <a:pPr marL="285750" indent="-285750">
-              <a:lnSpc>
-                <a:spcPct val="100000"/>
-              </a:lnSpc>
-              <a:buFont typeface="Arial" panose="020B0604020202020204" pitchFamily="34" charset="0"/>
-              <a:buChar char="•"/>
-            </a:pPr>
-            <a:r>
-              <a:rPr lang="en-US" sz="1500" dirty="0"/>
-              <a:t>Markdown to Mongo Document Block Parser</a:t>
-            </a:r>
-          </a:p>
-          <a:p>
-            <a:pPr marL="285750" indent="-285750">
-              <a:lnSpc>
-                <a:spcPct val="100000"/>
-              </a:lnSpc>
-              <a:buFont typeface="Arial" panose="020B0604020202020204" pitchFamily="34" charset="0"/>
-              <a:buChar char="•"/>
-            </a:pPr>
-            <a:r>
-              <a:rPr lang="en-US" sz="1500" dirty="0"/>
-              <a:t>One Note Export uploader</a:t>
-            </a:r>
-            <a:endParaRPr lang="en-US" sz="1800" dirty="0"/>
-          </a:p>
-        </p:txBody>
-      </p:sp>
-      <p:sp>
-        <p:nvSpPr>
-          <p:cNvPr id="7" name="Text Placeholder 3">
+              <a:t>Database Tools – Current Configuration</a:t>
+            </a:r>
+          </a:p>
+        </p:txBody>
+      </p:sp>
+      <p:sp>
+        <p:nvSpPr>
+          <p:cNvPr id="6" name="Rectangle 5">
             <a:extLst>
               <a:ext uri="{FF2B5EF4-FFF2-40B4-BE49-F238E27FC236}">
-                <a16:creationId xmlns:a16="http://schemas.microsoft.com/office/drawing/2014/main" id="{24132D91-FC5B-30C1-BE11-1C029B0124E3}"/>
+                <a16:creationId xmlns:a16="http://schemas.microsoft.com/office/drawing/2014/main" id="{02FE84F2-9555-6DC8-F18F-AAD6550FF31A}"/>
+              </a:ext>
+            </a:extLst>
+          </p:cNvPr>
+          <p:cNvSpPr/>
+          <p:nvPr/>
+        </p:nvSpPr>
+        <p:spPr>
+          <a:xfrm>
+            <a:off x="773723" y="2002243"/>
+            <a:ext cx="1266092" cy="594680"/>
+          </a:xfrm>
+          <a:prstGeom prst="rect">
+            <a:avLst/>
+          </a:prstGeom>
+        </p:spPr>
+        <p:style>
+          <a:lnRef idx="2">
+            <a:schemeClr val="accent1">
+              <a:shade val="15000"/>
+            </a:schemeClr>
+          </a:lnRef>
+          <a:fillRef idx="1">
+            <a:schemeClr val="accent1"/>
+          </a:fillRef>
+          <a:effectRef idx="0">
+            <a:schemeClr val="accent1"/>
+          </a:effectRef>
+          <a:fontRef idx="minor">
+            <a:schemeClr val="lt1"/>
+          </a:fontRef>
+        </p:style>
+        <p:txBody>
+          <a:bodyPr rtlCol="0" anchor="ctr"/>
+          <a:lstStyle/>
+          <a:p>
+            <a:pPr algn="ctr"/>
+            <a:r>
+              <a:rPr lang="en-US" dirty="0"/>
+              <a:t>One Note Notebook 1</a:t>
+            </a:r>
+          </a:p>
+        </p:txBody>
+      </p:sp>
+      <p:grpSp>
+        <p:nvGrpSpPr>
+          <p:cNvPr id="28" name="Group 27">
+            <a:extLst>
+              <a:ext uri="{FF2B5EF4-FFF2-40B4-BE49-F238E27FC236}">
+                <a16:creationId xmlns:a16="http://schemas.microsoft.com/office/drawing/2014/main" id="{817AE6CA-4349-19AE-72FC-0C7A1A06762C}"/>
+              </a:ext>
+            </a:extLst>
+          </p:cNvPr>
+          <p:cNvGrpSpPr/>
+          <p:nvPr/>
+        </p:nvGrpSpPr>
+        <p:grpSpPr>
+          <a:xfrm>
+            <a:off x="3926616" y="3305110"/>
+            <a:ext cx="900764" cy="1599094"/>
+            <a:chOff x="3926615" y="2932304"/>
+            <a:chExt cx="1035444" cy="1971899"/>
+          </a:xfrm>
+        </p:grpSpPr>
+        <p:sp>
+          <p:nvSpPr>
+            <p:cNvPr id="11" name="Rectangle 10">
+              <a:extLst>
+                <a:ext uri="{FF2B5EF4-FFF2-40B4-BE49-F238E27FC236}">
+                  <a16:creationId xmlns:a16="http://schemas.microsoft.com/office/drawing/2014/main" id="{A017E3D0-2B37-E1E5-E161-3EE2109364A6}"/>
+                </a:ext>
+              </a:extLst>
+            </p:cNvPr>
+            <p:cNvSpPr/>
+            <p:nvPr/>
+          </p:nvSpPr>
+          <p:spPr>
+            <a:xfrm>
+              <a:off x="4316223" y="3759910"/>
+              <a:ext cx="306932" cy="802750"/>
+            </a:xfrm>
+            <a:prstGeom prst="rect">
+              <a:avLst/>
+            </a:prstGeom>
+          </p:spPr>
+          <p:style>
+            <a:lnRef idx="2">
+              <a:schemeClr val="accent1">
+                <a:shade val="15000"/>
+              </a:schemeClr>
+            </a:lnRef>
+            <a:fillRef idx="1">
+              <a:schemeClr val="accent1"/>
+            </a:fillRef>
+            <a:effectRef idx="0">
+              <a:schemeClr val="accent1"/>
+            </a:effectRef>
+            <a:fontRef idx="minor">
+              <a:schemeClr val="lt1"/>
+            </a:fontRef>
+          </p:style>
+          <p:txBody>
+            <a:bodyPr rtlCol="0" anchor="ctr"/>
+            <a:lstStyle/>
+            <a:p>
+              <a:pPr algn="ctr"/>
+              <a:endParaRPr lang="en-US"/>
+            </a:p>
+          </p:txBody>
+        </p:sp>
+        <p:sp>
+          <p:nvSpPr>
+            <p:cNvPr id="10" name="Smiley Face 9">
+              <a:extLst>
+                <a:ext uri="{FF2B5EF4-FFF2-40B4-BE49-F238E27FC236}">
+                  <a16:creationId xmlns:a16="http://schemas.microsoft.com/office/drawing/2014/main" id="{3EA8DEE3-2A52-5536-886E-040E60372899}"/>
+                </a:ext>
+              </a:extLst>
+            </p:cNvPr>
+            <p:cNvSpPr/>
+            <p:nvPr/>
+          </p:nvSpPr>
+          <p:spPr>
+            <a:xfrm>
+              <a:off x="4143575" y="3273936"/>
+              <a:ext cx="652229" cy="594680"/>
+            </a:xfrm>
+            <a:prstGeom prst="smileyFace">
+              <a:avLst>
+                <a:gd name="adj" fmla="val -4653"/>
+              </a:avLst>
+            </a:prstGeom>
+          </p:spPr>
+          <p:style>
+            <a:lnRef idx="2">
+              <a:schemeClr val="accent1">
+                <a:shade val="15000"/>
+              </a:schemeClr>
+            </a:lnRef>
+            <a:fillRef idx="1">
+              <a:schemeClr val="accent1"/>
+            </a:fillRef>
+            <a:effectRef idx="0">
+              <a:schemeClr val="accent1"/>
+            </a:effectRef>
+            <a:fontRef idx="minor">
+              <a:schemeClr val="lt1"/>
+            </a:fontRef>
+          </p:style>
+          <p:txBody>
+            <a:bodyPr rtlCol="0" anchor="ctr"/>
+            <a:lstStyle/>
+            <a:p>
+              <a:pPr algn="ctr"/>
+              <a:endParaRPr lang="en-US"/>
+            </a:p>
+          </p:txBody>
+        </p:sp>
+        <p:cxnSp>
+          <p:nvCxnSpPr>
+            <p:cNvPr id="13" name="Straight Connector 12">
+              <a:extLst>
+                <a:ext uri="{FF2B5EF4-FFF2-40B4-BE49-F238E27FC236}">
+                  <a16:creationId xmlns:a16="http://schemas.microsoft.com/office/drawing/2014/main" id="{BD8AD691-70C7-6D2D-C087-5463F96E736C}"/>
+                </a:ext>
+              </a:extLst>
+            </p:cNvPr>
+            <p:cNvCxnSpPr>
+              <a:cxnSpLocks/>
+            </p:cNvCxnSpPr>
+            <p:nvPr/>
+          </p:nvCxnSpPr>
+          <p:spPr>
+            <a:xfrm flipH="1">
+              <a:off x="4309829" y="4562660"/>
+              <a:ext cx="45477" cy="341543"/>
+            </a:xfrm>
+            <a:prstGeom prst="line">
+              <a:avLst/>
+            </a:prstGeom>
+          </p:spPr>
+          <p:style>
+            <a:lnRef idx="1">
+              <a:schemeClr val="accent1"/>
+            </a:lnRef>
+            <a:fillRef idx="0">
+              <a:schemeClr val="accent1"/>
+            </a:fillRef>
+            <a:effectRef idx="0">
+              <a:schemeClr val="accent1"/>
+            </a:effectRef>
+            <a:fontRef idx="minor">
+              <a:schemeClr val="tx1"/>
+            </a:fontRef>
+          </p:style>
+        </p:cxnSp>
+        <p:cxnSp>
+          <p:nvCxnSpPr>
+            <p:cNvPr id="15" name="Straight Connector 14">
+              <a:extLst>
+                <a:ext uri="{FF2B5EF4-FFF2-40B4-BE49-F238E27FC236}">
+                  <a16:creationId xmlns:a16="http://schemas.microsoft.com/office/drawing/2014/main" id="{2F85B81E-B6AE-9012-3565-3B96274FF759}"/>
+                </a:ext>
+              </a:extLst>
+            </p:cNvPr>
+            <p:cNvCxnSpPr>
+              <a:cxnSpLocks/>
+            </p:cNvCxnSpPr>
+            <p:nvPr/>
+          </p:nvCxnSpPr>
+          <p:spPr>
+            <a:xfrm>
+              <a:off x="4572000" y="4562660"/>
+              <a:ext cx="51155" cy="341543"/>
+            </a:xfrm>
+            <a:prstGeom prst="line">
+              <a:avLst/>
+            </a:prstGeom>
+          </p:spPr>
+          <p:style>
+            <a:lnRef idx="1">
+              <a:schemeClr val="accent1"/>
+            </a:lnRef>
+            <a:fillRef idx="0">
+              <a:schemeClr val="accent1"/>
+            </a:fillRef>
+            <a:effectRef idx="0">
+              <a:schemeClr val="accent1"/>
+            </a:effectRef>
+            <a:fontRef idx="minor">
+              <a:schemeClr val="tx1"/>
+            </a:fontRef>
+          </p:style>
+        </p:cxnSp>
+        <p:cxnSp>
+          <p:nvCxnSpPr>
+            <p:cNvPr id="17" name="Straight Connector 16">
+              <a:extLst>
+                <a:ext uri="{FF2B5EF4-FFF2-40B4-BE49-F238E27FC236}">
+                  <a16:creationId xmlns:a16="http://schemas.microsoft.com/office/drawing/2014/main" id="{C8DFD31D-AECC-ED0A-86B5-0C7AD4954977}"/>
+                </a:ext>
+              </a:extLst>
+            </p:cNvPr>
+            <p:cNvCxnSpPr/>
+            <p:nvPr/>
+          </p:nvCxnSpPr>
+          <p:spPr>
+            <a:xfrm flipH="1">
+              <a:off x="3926615" y="3983715"/>
+              <a:ext cx="383214" cy="268565"/>
+            </a:xfrm>
+            <a:prstGeom prst="line">
+              <a:avLst/>
+            </a:prstGeom>
+          </p:spPr>
+          <p:style>
+            <a:lnRef idx="1">
+              <a:schemeClr val="accent1"/>
+            </a:lnRef>
+            <a:fillRef idx="0">
+              <a:schemeClr val="accent1"/>
+            </a:fillRef>
+            <a:effectRef idx="0">
+              <a:schemeClr val="accent1"/>
+            </a:effectRef>
+            <a:fontRef idx="minor">
+              <a:schemeClr val="tx1"/>
+            </a:fontRef>
+          </p:style>
+        </p:cxnSp>
+        <p:cxnSp>
+          <p:nvCxnSpPr>
+            <p:cNvPr id="18" name="Straight Connector 17">
+              <a:extLst>
+                <a:ext uri="{FF2B5EF4-FFF2-40B4-BE49-F238E27FC236}">
+                  <a16:creationId xmlns:a16="http://schemas.microsoft.com/office/drawing/2014/main" id="{FFC9BA5D-FA9C-F1CE-77A1-304BF839F68E}"/>
+                </a:ext>
+              </a:extLst>
+            </p:cNvPr>
+            <p:cNvCxnSpPr>
+              <a:cxnSpLocks/>
+            </p:cNvCxnSpPr>
+            <p:nvPr/>
+          </p:nvCxnSpPr>
+          <p:spPr>
+            <a:xfrm>
+              <a:off x="4629549" y="3983715"/>
+              <a:ext cx="332510" cy="268565"/>
+            </a:xfrm>
+            <a:prstGeom prst="line">
+              <a:avLst/>
+            </a:prstGeom>
+          </p:spPr>
+          <p:style>
+            <a:lnRef idx="1">
+              <a:schemeClr val="accent1"/>
+            </a:lnRef>
+            <a:fillRef idx="0">
+              <a:schemeClr val="accent1"/>
+            </a:fillRef>
+            <a:effectRef idx="0">
+              <a:schemeClr val="accent1"/>
+            </a:effectRef>
+            <a:fontRef idx="minor">
+              <a:schemeClr val="tx1"/>
+            </a:fontRef>
+          </p:style>
+        </p:cxnSp>
+        <p:sp>
+          <p:nvSpPr>
+            <p:cNvPr id="27" name="TextBox 26">
+              <a:extLst>
+                <a:ext uri="{FF2B5EF4-FFF2-40B4-BE49-F238E27FC236}">
+                  <a16:creationId xmlns:a16="http://schemas.microsoft.com/office/drawing/2014/main" id="{8929977E-66A0-E7E9-48D2-DD130EF4D5C6}"/>
+                </a:ext>
+              </a:extLst>
+            </p:cNvPr>
+            <p:cNvSpPr txBox="1"/>
+            <p:nvPr/>
+          </p:nvSpPr>
+          <p:spPr>
+            <a:xfrm>
+              <a:off x="3926615" y="2932304"/>
+              <a:ext cx="1004629" cy="341577"/>
+            </a:xfrm>
+            <a:prstGeom prst="rect">
+              <a:avLst/>
+            </a:prstGeom>
+            <a:noFill/>
+          </p:spPr>
+          <p:txBody>
+            <a:bodyPr wrap="none" rtlCol="0">
+              <a:spAutoFit/>
+            </a:bodyPr>
+            <a:lstStyle/>
+            <a:p>
+              <a:r>
+                <a:rPr lang="en-US" sz="1200" dirty="0"/>
+                <a:t>Engineers</a:t>
+              </a:r>
+              <a:endParaRPr lang="en-US" dirty="0"/>
+            </a:p>
+          </p:txBody>
+        </p:sp>
+      </p:grpSp>
+      <p:sp>
+        <p:nvSpPr>
+          <p:cNvPr id="5" name="Rectangle 4">
+            <a:extLst>
+              <a:ext uri="{FF2B5EF4-FFF2-40B4-BE49-F238E27FC236}">
+                <a16:creationId xmlns:a16="http://schemas.microsoft.com/office/drawing/2014/main" id="{D85D0285-85A4-4043-FAC2-14D9EC46CCBD}"/>
+              </a:ext>
+            </a:extLst>
+          </p:cNvPr>
+          <p:cNvSpPr/>
+          <p:nvPr/>
+        </p:nvSpPr>
+        <p:spPr>
+          <a:xfrm>
+            <a:off x="2743200" y="1158933"/>
+            <a:ext cx="1266092" cy="594680"/>
+          </a:xfrm>
+          <a:prstGeom prst="rect">
+            <a:avLst/>
+          </a:prstGeom>
+        </p:spPr>
+        <p:style>
+          <a:lnRef idx="2">
+            <a:schemeClr val="accent1">
+              <a:shade val="15000"/>
+            </a:schemeClr>
+          </a:lnRef>
+          <a:fillRef idx="1">
+            <a:schemeClr val="accent1"/>
+          </a:fillRef>
+          <a:effectRef idx="0">
+            <a:schemeClr val="accent1"/>
+          </a:effectRef>
+          <a:fontRef idx="minor">
+            <a:schemeClr val="lt1"/>
+          </a:fontRef>
+        </p:style>
+        <p:txBody>
+          <a:bodyPr rtlCol="0" anchor="ctr"/>
+          <a:lstStyle/>
+          <a:p>
+            <a:pPr algn="ctr"/>
+            <a:r>
+              <a:rPr lang="en-US" dirty="0"/>
+              <a:t>One Note Notebook 2</a:t>
+            </a:r>
+          </a:p>
+        </p:txBody>
+      </p:sp>
+      <p:sp>
+        <p:nvSpPr>
+          <p:cNvPr id="7" name="Rectangle 6">
+            <a:extLst>
+              <a:ext uri="{FF2B5EF4-FFF2-40B4-BE49-F238E27FC236}">
+                <a16:creationId xmlns:a16="http://schemas.microsoft.com/office/drawing/2014/main" id="{EABCCF49-4087-67BD-9E4E-18CA69C72C2A}"/>
+              </a:ext>
+            </a:extLst>
+          </p:cNvPr>
+          <p:cNvSpPr/>
+          <p:nvPr/>
+        </p:nvSpPr>
+        <p:spPr>
+          <a:xfrm>
+            <a:off x="4837019" y="1168111"/>
+            <a:ext cx="1266092" cy="594680"/>
+          </a:xfrm>
+          <a:prstGeom prst="rect">
+            <a:avLst/>
+          </a:prstGeom>
+        </p:spPr>
+        <p:style>
+          <a:lnRef idx="2">
+            <a:schemeClr val="accent1">
+              <a:shade val="15000"/>
+            </a:schemeClr>
+          </a:lnRef>
+          <a:fillRef idx="1">
+            <a:schemeClr val="accent1"/>
+          </a:fillRef>
+          <a:effectRef idx="0">
+            <a:schemeClr val="accent1"/>
+          </a:effectRef>
+          <a:fontRef idx="minor">
+            <a:schemeClr val="lt1"/>
+          </a:fontRef>
+        </p:style>
+        <p:txBody>
+          <a:bodyPr rtlCol="0" anchor="ctr"/>
+          <a:lstStyle/>
+          <a:p>
+            <a:pPr algn="ctr"/>
+            <a:r>
+              <a:rPr lang="en-US" dirty="0"/>
+              <a:t>One Note Notebook 3</a:t>
+            </a:r>
+          </a:p>
+        </p:txBody>
+      </p:sp>
+      <p:sp>
+        <p:nvSpPr>
+          <p:cNvPr id="12" name="Rectangle 11">
+            <a:extLst>
+              <a:ext uri="{FF2B5EF4-FFF2-40B4-BE49-F238E27FC236}">
+                <a16:creationId xmlns:a16="http://schemas.microsoft.com/office/drawing/2014/main" id="{C33090A0-6C01-EB45-78C6-EE19E96E8F68}"/>
+              </a:ext>
+            </a:extLst>
+          </p:cNvPr>
+          <p:cNvSpPr/>
+          <p:nvPr/>
+        </p:nvSpPr>
+        <p:spPr>
+          <a:xfrm>
+            <a:off x="6783313" y="2054442"/>
+            <a:ext cx="1266092" cy="594680"/>
+          </a:xfrm>
+          <a:prstGeom prst="rect">
+            <a:avLst/>
+          </a:prstGeom>
+        </p:spPr>
+        <p:style>
+          <a:lnRef idx="2">
+            <a:schemeClr val="accent1">
+              <a:shade val="15000"/>
+            </a:schemeClr>
+          </a:lnRef>
+          <a:fillRef idx="1">
+            <a:schemeClr val="accent1"/>
+          </a:fillRef>
+          <a:effectRef idx="0">
+            <a:schemeClr val="accent1"/>
+          </a:effectRef>
+          <a:fontRef idx="minor">
+            <a:schemeClr val="lt1"/>
+          </a:fontRef>
+        </p:style>
+        <p:txBody>
+          <a:bodyPr rtlCol="0" anchor="ctr"/>
+          <a:lstStyle/>
+          <a:p>
+            <a:pPr algn="ctr"/>
+            <a:r>
+              <a:rPr lang="en-US" dirty="0"/>
+              <a:t>One Note Notebook 4</a:t>
+            </a:r>
+          </a:p>
+        </p:txBody>
+      </p:sp>
+      <p:grpSp>
+        <p:nvGrpSpPr>
+          <p:cNvPr id="54" name="Group 53">
+            <a:extLst>
+              <a:ext uri="{FF2B5EF4-FFF2-40B4-BE49-F238E27FC236}">
+                <a16:creationId xmlns:a16="http://schemas.microsoft.com/office/drawing/2014/main" id="{52FF8AAF-5221-D293-CCB1-1022490D4B96}"/>
+              </a:ext>
+            </a:extLst>
+          </p:cNvPr>
+          <p:cNvGrpSpPr/>
+          <p:nvPr/>
+        </p:nvGrpSpPr>
+        <p:grpSpPr>
+          <a:xfrm>
+            <a:off x="980483" y="2731089"/>
+            <a:ext cx="2946132" cy="1289849"/>
+            <a:chOff x="980483" y="2731089"/>
+            <a:chExt cx="2946132" cy="1289849"/>
+          </a:xfrm>
+        </p:grpSpPr>
+        <p:grpSp>
+          <p:nvGrpSpPr>
+            <p:cNvPr id="24" name="Group 23">
+              <a:extLst>
+                <a:ext uri="{FF2B5EF4-FFF2-40B4-BE49-F238E27FC236}">
+                  <a16:creationId xmlns:a16="http://schemas.microsoft.com/office/drawing/2014/main" id="{234E9692-0DF9-CC23-109C-E2E412F6EF75}"/>
+                </a:ext>
+              </a:extLst>
+            </p:cNvPr>
+            <p:cNvGrpSpPr/>
+            <p:nvPr/>
+          </p:nvGrpSpPr>
+          <p:grpSpPr>
+            <a:xfrm>
+              <a:off x="980483" y="2731089"/>
+              <a:ext cx="2946132" cy="1289849"/>
+              <a:chOff x="980483" y="2731089"/>
+              <a:chExt cx="2946132" cy="1289849"/>
+            </a:xfrm>
+          </p:grpSpPr>
+          <p:cxnSp>
+            <p:nvCxnSpPr>
+              <p:cNvPr id="22" name="Straight Arrow Connector 21">
+                <a:extLst>
+                  <a:ext uri="{FF2B5EF4-FFF2-40B4-BE49-F238E27FC236}">
+                    <a16:creationId xmlns:a16="http://schemas.microsoft.com/office/drawing/2014/main" id="{462970AB-4C2C-62DF-3A59-F6C1EC53FE43}"/>
+                  </a:ext>
+                </a:extLst>
+              </p:cNvPr>
+              <p:cNvCxnSpPr/>
+              <p:nvPr/>
+            </p:nvCxnSpPr>
+            <p:spPr>
+              <a:xfrm flipH="1" flipV="1">
+                <a:off x="2173971" y="2731089"/>
+                <a:ext cx="1752644" cy="1289849"/>
+              </a:xfrm>
+              <a:prstGeom prst="straightConnector1">
+                <a:avLst/>
+              </a:prstGeom>
+              <a:ln>
+                <a:tailEnd type="triangle"/>
+              </a:ln>
+            </p:spPr>
+            <p:style>
+              <a:lnRef idx="1">
+                <a:schemeClr val="accent1"/>
+              </a:lnRef>
+              <a:fillRef idx="0">
+                <a:schemeClr val="accent1"/>
+              </a:fillRef>
+              <a:effectRef idx="0">
+                <a:schemeClr val="accent1"/>
+              </a:effectRef>
+              <a:fontRef idx="minor">
+                <a:schemeClr val="tx1"/>
+              </a:fontRef>
+            </p:style>
+          </p:cxnSp>
+          <p:sp>
+            <p:nvSpPr>
+              <p:cNvPr id="23" name="TextBox 22">
+                <a:extLst>
+                  <a:ext uri="{FF2B5EF4-FFF2-40B4-BE49-F238E27FC236}">
+                    <a16:creationId xmlns:a16="http://schemas.microsoft.com/office/drawing/2014/main" id="{31663E39-41B2-A34F-D109-3638EA6EEACD}"/>
+                  </a:ext>
+                </a:extLst>
+              </p:cNvPr>
+              <p:cNvSpPr txBox="1"/>
+              <p:nvPr/>
+            </p:nvSpPr>
+            <p:spPr>
+              <a:xfrm>
+                <a:off x="980483" y="2898362"/>
+                <a:ext cx="1511952" cy="276999"/>
+              </a:xfrm>
+              <a:prstGeom prst="rect">
+                <a:avLst/>
+              </a:prstGeom>
+              <a:noFill/>
+            </p:spPr>
+            <p:txBody>
+              <a:bodyPr wrap="none" rtlCol="0">
+                <a:spAutoFit/>
+              </a:bodyPr>
+              <a:lstStyle/>
+              <a:p>
+                <a:r>
+                  <a:rPr lang="en-US" sz="600" dirty="0"/>
+                  <a:t>Step 1:</a:t>
+                </a:r>
+              </a:p>
+              <a:p>
+                <a:r>
+                  <a:rPr lang="en-US" sz="600" dirty="0"/>
+                  <a:t>Open notebook 1 to add a new design.</a:t>
+                </a:r>
+              </a:p>
+            </p:txBody>
+          </p:sp>
+        </p:grpSp>
+        <p:sp>
+          <p:nvSpPr>
+            <p:cNvPr id="35" name="TextBox 34">
+              <a:extLst>
+                <a:ext uri="{FF2B5EF4-FFF2-40B4-BE49-F238E27FC236}">
+                  <a16:creationId xmlns:a16="http://schemas.microsoft.com/office/drawing/2014/main" id="{247436DD-8981-77E4-7123-5A5CDC8C9B63}"/>
+                </a:ext>
+              </a:extLst>
+            </p:cNvPr>
+            <p:cNvSpPr txBox="1"/>
+            <p:nvPr/>
+          </p:nvSpPr>
+          <p:spPr>
+            <a:xfrm>
+              <a:off x="1169225" y="3113887"/>
+              <a:ext cx="1323210" cy="400110"/>
+            </a:xfrm>
+            <a:prstGeom prst="rect">
+              <a:avLst/>
+            </a:prstGeom>
+            <a:noFill/>
+          </p:spPr>
+          <p:txBody>
+            <a:bodyPr wrap="square" rtlCol="0">
+              <a:spAutoFit/>
+            </a:bodyPr>
+            <a:lstStyle/>
+            <a:p>
+              <a:r>
+                <a:rPr lang="en-US" sz="500" dirty="0"/>
+                <a:t>Realization:</a:t>
+              </a:r>
+            </a:p>
+            <a:p>
+              <a:r>
+                <a:rPr lang="en-US" sz="500" dirty="0"/>
+                <a:t>We need to reference a specific documentation page in another notebook!</a:t>
+              </a:r>
+            </a:p>
+          </p:txBody>
+        </p:sp>
+      </p:grpSp>
+      <p:grpSp>
+        <p:nvGrpSpPr>
+          <p:cNvPr id="37" name="Group 36">
+            <a:extLst>
+              <a:ext uri="{FF2B5EF4-FFF2-40B4-BE49-F238E27FC236}">
+                <a16:creationId xmlns:a16="http://schemas.microsoft.com/office/drawing/2014/main" id="{F1003DA2-DB75-FD30-6FDC-2A4D9FE673A8}"/>
+              </a:ext>
+            </a:extLst>
+          </p:cNvPr>
+          <p:cNvGrpSpPr/>
+          <p:nvPr/>
+        </p:nvGrpSpPr>
+        <p:grpSpPr>
+          <a:xfrm>
+            <a:off x="2112046" y="1875209"/>
+            <a:ext cx="1920148" cy="1406660"/>
+            <a:chOff x="2112046" y="1875209"/>
+            <a:chExt cx="1920148" cy="1406660"/>
+          </a:xfrm>
+        </p:grpSpPr>
+        <p:grpSp>
+          <p:nvGrpSpPr>
+            <p:cNvPr id="25" name="Group 24">
+              <a:extLst>
+                <a:ext uri="{FF2B5EF4-FFF2-40B4-BE49-F238E27FC236}">
+                  <a16:creationId xmlns:a16="http://schemas.microsoft.com/office/drawing/2014/main" id="{6FD0ECB7-AE4B-D570-A141-EFA6B3FF2766}"/>
+                </a:ext>
+              </a:extLst>
+            </p:cNvPr>
+            <p:cNvGrpSpPr/>
+            <p:nvPr/>
+          </p:nvGrpSpPr>
+          <p:grpSpPr>
+            <a:xfrm>
+              <a:off x="2112046" y="1875209"/>
+              <a:ext cx="1920148" cy="1406660"/>
+              <a:chOff x="1371766" y="2580414"/>
+              <a:chExt cx="1920148" cy="1406660"/>
+            </a:xfrm>
+          </p:grpSpPr>
+          <p:cxnSp>
+            <p:nvCxnSpPr>
+              <p:cNvPr id="26" name="Straight Arrow Connector 25">
+                <a:extLst>
+                  <a:ext uri="{FF2B5EF4-FFF2-40B4-BE49-F238E27FC236}">
+                    <a16:creationId xmlns:a16="http://schemas.microsoft.com/office/drawing/2014/main" id="{8979FEA3-9CB8-8EB2-A1F6-4A742B48FEF9}"/>
+                  </a:ext>
+                </a:extLst>
+              </p:cNvPr>
+              <p:cNvCxnSpPr>
+                <a:cxnSpLocks/>
+              </p:cNvCxnSpPr>
+              <p:nvPr/>
+            </p:nvCxnSpPr>
+            <p:spPr>
+              <a:xfrm flipH="1" flipV="1">
+                <a:off x="2768652" y="2580414"/>
+                <a:ext cx="523262" cy="1406660"/>
+              </a:xfrm>
+              <a:prstGeom prst="straightConnector1">
+                <a:avLst/>
+              </a:prstGeom>
+              <a:ln>
+                <a:tailEnd type="triangle"/>
+              </a:ln>
+            </p:spPr>
+            <p:style>
+              <a:lnRef idx="1">
+                <a:schemeClr val="accent1"/>
+              </a:lnRef>
+              <a:fillRef idx="0">
+                <a:schemeClr val="accent1"/>
+              </a:fillRef>
+              <a:effectRef idx="0">
+                <a:schemeClr val="accent1"/>
+              </a:effectRef>
+              <a:fontRef idx="minor">
+                <a:schemeClr val="tx1"/>
+              </a:fontRef>
+            </p:style>
+          </p:cxnSp>
+          <p:sp>
+            <p:nvSpPr>
+              <p:cNvPr id="29" name="TextBox 28">
+                <a:extLst>
+                  <a:ext uri="{FF2B5EF4-FFF2-40B4-BE49-F238E27FC236}">
+                    <a16:creationId xmlns:a16="http://schemas.microsoft.com/office/drawing/2014/main" id="{90011088-9D53-B0B1-925B-15272E368E54}"/>
+                  </a:ext>
+                </a:extLst>
+              </p:cNvPr>
+              <p:cNvSpPr txBox="1"/>
+              <p:nvPr/>
+            </p:nvSpPr>
+            <p:spPr>
+              <a:xfrm>
+                <a:off x="1371766" y="2770675"/>
+                <a:ext cx="1596720" cy="276999"/>
+              </a:xfrm>
+              <a:prstGeom prst="rect">
+                <a:avLst/>
+              </a:prstGeom>
+              <a:noFill/>
+            </p:spPr>
+            <p:txBody>
+              <a:bodyPr wrap="square" rtlCol="0">
+                <a:spAutoFit/>
+              </a:bodyPr>
+              <a:lstStyle/>
+              <a:p>
+                <a:r>
+                  <a:rPr lang="en-US" sz="600" dirty="0"/>
+                  <a:t>Step 2:</a:t>
+                </a:r>
+              </a:p>
+              <a:p>
+                <a:r>
+                  <a:rPr lang="en-US" sz="600" dirty="0"/>
+                  <a:t>Open notebook 2 to find the datasheet.</a:t>
+                </a:r>
+              </a:p>
+            </p:txBody>
+          </p:sp>
+        </p:grpSp>
+        <p:sp>
+          <p:nvSpPr>
+            <p:cNvPr id="36" name="TextBox 35">
+              <a:extLst>
+                <a:ext uri="{FF2B5EF4-FFF2-40B4-BE49-F238E27FC236}">
+                  <a16:creationId xmlns:a16="http://schemas.microsoft.com/office/drawing/2014/main" id="{9EA8DDEE-52CD-4D5C-B4C6-A6CAB3D085EA}"/>
+                </a:ext>
+              </a:extLst>
+            </p:cNvPr>
+            <p:cNvSpPr txBox="1"/>
+            <p:nvPr/>
+          </p:nvSpPr>
+          <p:spPr>
+            <a:xfrm>
+              <a:off x="2334992" y="2309961"/>
+              <a:ext cx="1441954" cy="323165"/>
+            </a:xfrm>
+            <a:prstGeom prst="rect">
+              <a:avLst/>
+            </a:prstGeom>
+            <a:noFill/>
+          </p:spPr>
+          <p:txBody>
+            <a:bodyPr wrap="square" rtlCol="0">
+              <a:spAutoFit/>
+            </a:bodyPr>
+            <a:lstStyle/>
+            <a:p>
+              <a:r>
+                <a:rPr lang="en-US" sz="500" dirty="0"/>
+                <a:t>Realization:</a:t>
+              </a:r>
+            </a:p>
+            <a:p>
+              <a:r>
+                <a:rPr lang="en-US" sz="500" dirty="0"/>
+                <a:t>Can’t find the documentation using the One Note search bar. Maybe it’s in notebook 3?</a:t>
+              </a:r>
+            </a:p>
+          </p:txBody>
+        </p:sp>
+      </p:grpSp>
+      <p:grpSp>
+        <p:nvGrpSpPr>
+          <p:cNvPr id="38" name="Group 37">
+            <a:extLst>
+              <a:ext uri="{FF2B5EF4-FFF2-40B4-BE49-F238E27FC236}">
+                <a16:creationId xmlns:a16="http://schemas.microsoft.com/office/drawing/2014/main" id="{33BC0596-0A60-7425-E94E-8EB9C7992B8A}"/>
+              </a:ext>
+            </a:extLst>
+          </p:cNvPr>
+          <p:cNvGrpSpPr/>
+          <p:nvPr/>
+        </p:nvGrpSpPr>
+        <p:grpSpPr>
+          <a:xfrm>
+            <a:off x="4130414" y="1875209"/>
+            <a:ext cx="1596720" cy="1406660"/>
+            <a:chOff x="2070109" y="1724271"/>
+            <a:chExt cx="1596720" cy="1406660"/>
+          </a:xfrm>
+        </p:grpSpPr>
+        <p:grpSp>
+          <p:nvGrpSpPr>
+            <p:cNvPr id="39" name="Group 38">
+              <a:extLst>
+                <a:ext uri="{FF2B5EF4-FFF2-40B4-BE49-F238E27FC236}">
+                  <a16:creationId xmlns:a16="http://schemas.microsoft.com/office/drawing/2014/main" id="{C918E96A-1F4A-DB2A-4C5A-1AA0F656B4BD}"/>
+                </a:ext>
+              </a:extLst>
+            </p:cNvPr>
+            <p:cNvGrpSpPr/>
+            <p:nvPr/>
+          </p:nvGrpSpPr>
+          <p:grpSpPr>
+            <a:xfrm>
+              <a:off x="2070109" y="1724271"/>
+              <a:ext cx="1596720" cy="1406660"/>
+              <a:chOff x="1329829" y="2429476"/>
+              <a:chExt cx="1596720" cy="1406660"/>
+            </a:xfrm>
+          </p:grpSpPr>
+          <p:cxnSp>
+            <p:nvCxnSpPr>
+              <p:cNvPr id="41" name="Straight Arrow Connector 40">
+                <a:extLst>
+                  <a:ext uri="{FF2B5EF4-FFF2-40B4-BE49-F238E27FC236}">
+                    <a16:creationId xmlns:a16="http://schemas.microsoft.com/office/drawing/2014/main" id="{4CD83403-8C95-81FC-CEE9-AA5BB3B1295C}"/>
+                  </a:ext>
+                </a:extLst>
+              </p:cNvPr>
+              <p:cNvCxnSpPr>
+                <a:cxnSpLocks/>
+              </p:cNvCxnSpPr>
+              <p:nvPr/>
+            </p:nvCxnSpPr>
+            <p:spPr>
+              <a:xfrm flipV="1">
+                <a:off x="2072092" y="2429476"/>
+                <a:ext cx="722724" cy="1406660"/>
+              </a:xfrm>
+              <a:prstGeom prst="straightConnector1">
+                <a:avLst/>
+              </a:prstGeom>
+              <a:ln>
+                <a:tailEnd type="triangle"/>
+              </a:ln>
+            </p:spPr>
+            <p:style>
+              <a:lnRef idx="1">
+                <a:schemeClr val="accent1"/>
+              </a:lnRef>
+              <a:fillRef idx="0">
+                <a:schemeClr val="accent1"/>
+              </a:fillRef>
+              <a:effectRef idx="0">
+                <a:schemeClr val="accent1"/>
+              </a:effectRef>
+              <a:fontRef idx="minor">
+                <a:schemeClr val="tx1"/>
+              </a:fontRef>
+            </p:style>
+          </p:cxnSp>
+          <p:sp>
+            <p:nvSpPr>
+              <p:cNvPr id="42" name="TextBox 41">
+                <a:extLst>
+                  <a:ext uri="{FF2B5EF4-FFF2-40B4-BE49-F238E27FC236}">
+                    <a16:creationId xmlns:a16="http://schemas.microsoft.com/office/drawing/2014/main" id="{15B2DE82-CB52-7F99-B097-CA1B1FA00A38}"/>
+                  </a:ext>
+                </a:extLst>
+              </p:cNvPr>
+              <p:cNvSpPr txBox="1"/>
+              <p:nvPr/>
+            </p:nvSpPr>
+            <p:spPr>
+              <a:xfrm>
+                <a:off x="1329829" y="2481237"/>
+                <a:ext cx="1596720" cy="276999"/>
+              </a:xfrm>
+              <a:prstGeom prst="rect">
+                <a:avLst/>
+              </a:prstGeom>
+              <a:noFill/>
+            </p:spPr>
+            <p:txBody>
+              <a:bodyPr wrap="square" rtlCol="0">
+                <a:spAutoFit/>
+              </a:bodyPr>
+              <a:lstStyle/>
+              <a:p>
+                <a:r>
+                  <a:rPr lang="en-US" sz="600" dirty="0"/>
+                  <a:t>Step 3:</a:t>
+                </a:r>
+              </a:p>
+              <a:p>
+                <a:r>
+                  <a:rPr lang="en-US" sz="600" dirty="0"/>
+                  <a:t>Open Notebook 3.</a:t>
+                </a:r>
+              </a:p>
+            </p:txBody>
+          </p:sp>
+        </p:grpSp>
+        <p:sp>
+          <p:nvSpPr>
+            <p:cNvPr id="40" name="TextBox 39">
+              <a:extLst>
+                <a:ext uri="{FF2B5EF4-FFF2-40B4-BE49-F238E27FC236}">
+                  <a16:creationId xmlns:a16="http://schemas.microsoft.com/office/drawing/2014/main" id="{2EF74AEA-091A-86E4-1E03-F32272195CAB}"/>
+                </a:ext>
+              </a:extLst>
+            </p:cNvPr>
+            <p:cNvSpPr txBox="1"/>
+            <p:nvPr/>
+          </p:nvSpPr>
+          <p:spPr>
+            <a:xfrm>
+              <a:off x="2239242" y="2038803"/>
+              <a:ext cx="1067608" cy="400110"/>
+            </a:xfrm>
+            <a:prstGeom prst="rect">
+              <a:avLst/>
+            </a:prstGeom>
+            <a:noFill/>
+          </p:spPr>
+          <p:txBody>
+            <a:bodyPr wrap="square" rtlCol="0">
+              <a:spAutoFit/>
+            </a:bodyPr>
+            <a:lstStyle/>
+            <a:p>
+              <a:r>
+                <a:rPr lang="en-US" sz="500" dirty="0"/>
+                <a:t>Realization:</a:t>
+              </a:r>
+            </a:p>
+            <a:p>
+              <a:r>
+                <a:rPr lang="en-US" sz="500" dirty="0"/>
+                <a:t>Found the documentation, but I am unable to export it easily into any format I want. </a:t>
+              </a:r>
+            </a:p>
+          </p:txBody>
+        </p:sp>
+      </p:grpSp>
+      <p:grpSp>
+        <p:nvGrpSpPr>
+          <p:cNvPr id="47" name="Group 46">
+            <a:extLst>
+              <a:ext uri="{FF2B5EF4-FFF2-40B4-BE49-F238E27FC236}">
+                <a16:creationId xmlns:a16="http://schemas.microsoft.com/office/drawing/2014/main" id="{2272AF2F-ED23-FFC9-A58A-84F92059F57A}"/>
+              </a:ext>
+            </a:extLst>
+          </p:cNvPr>
+          <p:cNvGrpSpPr/>
+          <p:nvPr/>
+        </p:nvGrpSpPr>
+        <p:grpSpPr>
+          <a:xfrm>
+            <a:off x="4898767" y="2785589"/>
+            <a:ext cx="2277154" cy="1372153"/>
+            <a:chOff x="2089049" y="1616896"/>
+            <a:chExt cx="2277154" cy="1372153"/>
+          </a:xfrm>
+        </p:grpSpPr>
+        <p:grpSp>
+          <p:nvGrpSpPr>
+            <p:cNvPr id="48" name="Group 47">
+              <a:extLst>
+                <a:ext uri="{FF2B5EF4-FFF2-40B4-BE49-F238E27FC236}">
+                  <a16:creationId xmlns:a16="http://schemas.microsoft.com/office/drawing/2014/main" id="{EACDCD25-A41A-578B-0EAD-449E3C9F912D}"/>
+                </a:ext>
+              </a:extLst>
+            </p:cNvPr>
+            <p:cNvGrpSpPr/>
+            <p:nvPr/>
+          </p:nvGrpSpPr>
+          <p:grpSpPr>
+            <a:xfrm>
+              <a:off x="2089049" y="1616896"/>
+              <a:ext cx="2277154" cy="1372153"/>
+              <a:chOff x="1348769" y="2322101"/>
+              <a:chExt cx="2277154" cy="1372153"/>
+            </a:xfrm>
+          </p:grpSpPr>
+          <p:cxnSp>
+            <p:nvCxnSpPr>
+              <p:cNvPr id="50" name="Straight Arrow Connector 49">
+                <a:extLst>
+                  <a:ext uri="{FF2B5EF4-FFF2-40B4-BE49-F238E27FC236}">
+                    <a16:creationId xmlns:a16="http://schemas.microsoft.com/office/drawing/2014/main" id="{0EB12DB3-58D3-506E-C1FB-2EFCD7A0D456}"/>
+                  </a:ext>
+                </a:extLst>
+              </p:cNvPr>
+              <p:cNvCxnSpPr>
+                <a:cxnSpLocks/>
+              </p:cNvCxnSpPr>
+              <p:nvPr/>
+            </p:nvCxnSpPr>
+            <p:spPr>
+              <a:xfrm flipV="1">
+                <a:off x="1348769" y="2322101"/>
+                <a:ext cx="2277154" cy="1372153"/>
+              </a:xfrm>
+              <a:prstGeom prst="straightConnector1">
+                <a:avLst/>
+              </a:prstGeom>
+              <a:ln>
+                <a:tailEnd type="triangle"/>
+              </a:ln>
+            </p:spPr>
+            <p:style>
+              <a:lnRef idx="1">
+                <a:schemeClr val="accent1"/>
+              </a:lnRef>
+              <a:fillRef idx="0">
+                <a:schemeClr val="accent1"/>
+              </a:fillRef>
+              <a:effectRef idx="0">
+                <a:schemeClr val="accent1"/>
+              </a:effectRef>
+              <a:fontRef idx="minor">
+                <a:schemeClr val="tx1"/>
+              </a:fontRef>
+            </p:style>
+          </p:cxnSp>
+          <p:sp>
+            <p:nvSpPr>
+              <p:cNvPr id="51" name="TextBox 50">
+                <a:extLst>
+                  <a:ext uri="{FF2B5EF4-FFF2-40B4-BE49-F238E27FC236}">
+                    <a16:creationId xmlns:a16="http://schemas.microsoft.com/office/drawing/2014/main" id="{589F6402-838D-99C7-E8A9-46A88B196339}"/>
+                  </a:ext>
+                </a:extLst>
+              </p:cNvPr>
+              <p:cNvSpPr txBox="1"/>
+              <p:nvPr/>
+            </p:nvSpPr>
+            <p:spPr>
+              <a:xfrm>
+                <a:off x="1799593" y="2363859"/>
+                <a:ext cx="1596720" cy="369332"/>
+              </a:xfrm>
+              <a:prstGeom prst="rect">
+                <a:avLst/>
+              </a:prstGeom>
+              <a:noFill/>
+            </p:spPr>
+            <p:txBody>
+              <a:bodyPr wrap="square" rtlCol="0">
+                <a:spAutoFit/>
+              </a:bodyPr>
+              <a:lstStyle/>
+              <a:p>
+                <a:r>
+                  <a:rPr lang="en-US" sz="600" dirty="0"/>
+                  <a:t>Step 4:</a:t>
+                </a:r>
+              </a:p>
+              <a:p>
+                <a:r>
+                  <a:rPr lang="en-US" sz="600" dirty="0"/>
+                  <a:t>Potentially rinse and repeat with other notebooks.</a:t>
+                </a:r>
+              </a:p>
+            </p:txBody>
+          </p:sp>
+        </p:grpSp>
+        <p:sp>
+          <p:nvSpPr>
+            <p:cNvPr id="49" name="TextBox 48">
+              <a:extLst>
+                <a:ext uri="{FF2B5EF4-FFF2-40B4-BE49-F238E27FC236}">
+                  <a16:creationId xmlns:a16="http://schemas.microsoft.com/office/drawing/2014/main" id="{4ADB8C89-057E-981B-C990-D4E5EC52DD1E}"/>
+                </a:ext>
+              </a:extLst>
+            </p:cNvPr>
+            <p:cNvSpPr txBox="1"/>
+            <p:nvPr/>
+          </p:nvSpPr>
+          <p:spPr>
+            <a:xfrm>
+              <a:off x="2396416" y="2022139"/>
+              <a:ext cx="1067608" cy="323165"/>
+            </a:xfrm>
+            <a:prstGeom prst="rect">
+              <a:avLst/>
+            </a:prstGeom>
+            <a:noFill/>
+          </p:spPr>
+          <p:txBody>
+            <a:bodyPr wrap="square" rtlCol="0">
+              <a:spAutoFit/>
+            </a:bodyPr>
+            <a:lstStyle/>
+            <a:p>
+              <a:r>
+                <a:rPr lang="en-US" sz="500" dirty="0"/>
+                <a:t>Realization:</a:t>
+              </a:r>
+            </a:p>
+            <a:p>
+              <a:r>
+                <a:rPr lang="en-US" sz="500" dirty="0"/>
+                <a:t>Maybe there is a better way to do this... </a:t>
+              </a:r>
+            </a:p>
+          </p:txBody>
+        </p:sp>
+      </p:grpSp>
+      <p:sp>
+        <p:nvSpPr>
+          <p:cNvPr id="55" name="Text Placeholder 3">
+            <a:extLst>
+              <a:ext uri="{FF2B5EF4-FFF2-40B4-BE49-F238E27FC236}">
+                <a16:creationId xmlns:a16="http://schemas.microsoft.com/office/drawing/2014/main" id="{43C4DDE7-DB22-9ACD-093C-025CBA74363E}"/>
               </a:ext>
             </a:extLst>
           </p:cNvPr>
@@ -13216,6 +15015,2012 @@
           </a:p>
         </p:txBody>
       </p:sp>
+    </p:spTree>
+    <p:extLst>
+      <p:ext uri="{BB962C8B-B14F-4D97-AF65-F5344CB8AC3E}">
+        <p14:creationId xmlns:p14="http://schemas.microsoft.com/office/powerpoint/2010/main" val="3747928038"/>
+      </p:ext>
+    </p:extLst>
+  </p:cSld>
+  <p:clrMapOvr>
+    <a:masterClrMapping/>
+  </p:clrMapOvr>
+</p:sld>
+</file>
+
+<file path=ppt/slides/slide6.xml><?xml version="1.0" encoding="utf-8"?>
+<p:sld xmlns:a="http://schemas.openxmlformats.org/drawingml/2006/main" xmlns:r="http://schemas.openxmlformats.org/officeDocument/2006/relationships" xmlns:p="http://schemas.openxmlformats.org/presentationml/2006/main">
+  <p:cSld>
+    <p:spTree>
+      <p:nvGrpSpPr>
+        <p:cNvPr id="1" name=""/>
+        <p:cNvGrpSpPr/>
+        <p:nvPr/>
+      </p:nvGrpSpPr>
+      <p:grpSpPr>
+        <a:xfrm>
+          <a:off x="0" y="0"/>
+          <a:ext cx="0" cy="0"/>
+          <a:chOff x="0" y="0"/>
+          <a:chExt cx="0" cy="0"/>
+        </a:xfrm>
+      </p:grpSpPr>
+      <p:sp>
+        <p:nvSpPr>
+          <p:cNvPr id="51" name="Rectangle 50">
+            <a:extLst>
+              <a:ext uri="{FF2B5EF4-FFF2-40B4-BE49-F238E27FC236}">
+                <a16:creationId xmlns:a16="http://schemas.microsoft.com/office/drawing/2014/main" id="{9498C07D-CBA9-4250-FE18-115F6E4BBA40}"/>
+              </a:ext>
+            </a:extLst>
+          </p:cNvPr>
+          <p:cNvSpPr/>
+          <p:nvPr/>
+        </p:nvSpPr>
+        <p:spPr>
+          <a:xfrm>
+            <a:off x="690342" y="2800379"/>
+            <a:ext cx="1476512" cy="1966902"/>
+          </a:xfrm>
+          <a:prstGeom prst="rect">
+            <a:avLst/>
+          </a:prstGeom>
+        </p:spPr>
+        <p:style>
+          <a:lnRef idx="2">
+            <a:schemeClr val="dk1">
+              <a:shade val="15000"/>
+            </a:schemeClr>
+          </a:lnRef>
+          <a:fillRef idx="1">
+            <a:schemeClr val="dk1"/>
+          </a:fillRef>
+          <a:effectRef idx="0">
+            <a:schemeClr val="dk1"/>
+          </a:effectRef>
+          <a:fontRef idx="minor">
+            <a:schemeClr val="lt1"/>
+          </a:fontRef>
+        </p:style>
+        <p:txBody>
+          <a:bodyPr rtlCol="0" anchor="ctr"/>
+          <a:lstStyle/>
+          <a:p>
+            <a:pPr algn="ctr"/>
+            <a:endParaRPr lang="en-US"/>
+          </a:p>
+        </p:txBody>
+      </p:sp>
+      <p:sp>
+        <p:nvSpPr>
+          <p:cNvPr id="2" name="Footer Placeholder 1">
+            <a:extLst>
+              <a:ext uri="{FF2B5EF4-FFF2-40B4-BE49-F238E27FC236}">
+                <a16:creationId xmlns:a16="http://schemas.microsoft.com/office/drawing/2014/main" id="{468E6A04-F51C-E97E-30D8-F39377F1C516}"/>
+              </a:ext>
+            </a:extLst>
+          </p:cNvPr>
+          <p:cNvSpPr>
+            <a:spLocks noGrp="1"/>
+          </p:cNvSpPr>
+          <p:nvPr>
+            <p:ph type="ftr" sz="quarter" idx="3"/>
+          </p:nvPr>
+        </p:nvSpPr>
+        <p:spPr/>
+        <p:txBody>
+          <a:bodyPr/>
+          <a:lstStyle/>
+          <a:p>
+            <a:r>
+              <a:rPr lang="en-US" kern="0"/>
+              <a:t>Northrop Grumman Proprietary Level I</a:t>
+            </a:r>
+            <a:endParaRPr lang="en-US"/>
+          </a:p>
+        </p:txBody>
+      </p:sp>
+      <p:sp>
+        <p:nvSpPr>
+          <p:cNvPr id="3" name="Slide Number Placeholder 2">
+            <a:extLst>
+              <a:ext uri="{FF2B5EF4-FFF2-40B4-BE49-F238E27FC236}">
+                <a16:creationId xmlns:a16="http://schemas.microsoft.com/office/drawing/2014/main" id="{966E8A43-72C5-1E53-7B76-E18FD1D544F6}"/>
+              </a:ext>
+            </a:extLst>
+          </p:cNvPr>
+          <p:cNvSpPr>
+            <a:spLocks noGrp="1"/>
+          </p:cNvSpPr>
+          <p:nvPr>
+            <p:ph type="sldNum" sz="quarter" idx="4"/>
+          </p:nvPr>
+        </p:nvSpPr>
+        <p:spPr/>
+        <p:txBody>
+          <a:bodyPr/>
+          <a:lstStyle/>
+          <a:p>
+            <a:fld id="{32A2F39E-E4DB-494E-AB40-38356C65078C}" type="slidenum">
+              <a:rPr lang="en-US" smtClean="0"/>
+              <a:pPr/>
+              <a:t>6</a:t>
+            </a:fld>
+            <a:endParaRPr lang="en-US"/>
+          </a:p>
+        </p:txBody>
+      </p:sp>
+      <p:sp>
+        <p:nvSpPr>
+          <p:cNvPr id="4" name="Title 3">
+            <a:extLst>
+              <a:ext uri="{FF2B5EF4-FFF2-40B4-BE49-F238E27FC236}">
+                <a16:creationId xmlns:a16="http://schemas.microsoft.com/office/drawing/2014/main" id="{01460458-6CFB-F148-FB6B-49629EBECA83}"/>
+              </a:ext>
+            </a:extLst>
+          </p:cNvPr>
+          <p:cNvSpPr>
+            <a:spLocks noGrp="1"/>
+          </p:cNvSpPr>
+          <p:nvPr>
+            <p:ph type="title"/>
+          </p:nvPr>
+        </p:nvSpPr>
+        <p:spPr/>
+        <p:txBody>
+          <a:bodyPr/>
+          <a:lstStyle/>
+          <a:p>
+            <a:r>
+              <a:rPr lang="en-US" dirty="0"/>
+              <a:t>Database Tools – The Idea</a:t>
+            </a:r>
+          </a:p>
+        </p:txBody>
+      </p:sp>
+      <p:sp>
+        <p:nvSpPr>
+          <p:cNvPr id="6" name="Rectangle 5">
+            <a:extLst>
+              <a:ext uri="{FF2B5EF4-FFF2-40B4-BE49-F238E27FC236}">
+                <a16:creationId xmlns:a16="http://schemas.microsoft.com/office/drawing/2014/main" id="{02FE84F2-9555-6DC8-F18F-AAD6550FF31A}"/>
+              </a:ext>
+            </a:extLst>
+          </p:cNvPr>
+          <p:cNvSpPr/>
+          <p:nvPr/>
+        </p:nvSpPr>
+        <p:spPr>
+          <a:xfrm>
+            <a:off x="773723" y="2002243"/>
+            <a:ext cx="1266092" cy="594680"/>
+          </a:xfrm>
+          <a:prstGeom prst="rect">
+            <a:avLst/>
+          </a:prstGeom>
+          <a:ln w="38100">
+            <a:solidFill>
+              <a:schemeClr val="accent4">
+                <a:lumMod val="60000"/>
+                <a:lumOff val="40000"/>
+              </a:schemeClr>
+            </a:solidFill>
+          </a:ln>
+        </p:spPr>
+        <p:style>
+          <a:lnRef idx="2">
+            <a:schemeClr val="accent1">
+              <a:shade val="15000"/>
+            </a:schemeClr>
+          </a:lnRef>
+          <a:fillRef idx="1">
+            <a:schemeClr val="accent1"/>
+          </a:fillRef>
+          <a:effectRef idx="0">
+            <a:schemeClr val="accent1"/>
+          </a:effectRef>
+          <a:fontRef idx="minor">
+            <a:schemeClr val="lt1"/>
+          </a:fontRef>
+        </p:style>
+        <p:txBody>
+          <a:bodyPr rtlCol="0" anchor="ctr"/>
+          <a:lstStyle/>
+          <a:p>
+            <a:pPr algn="ctr"/>
+            <a:r>
+              <a:rPr lang="en-US" dirty="0"/>
+              <a:t>One Note</a:t>
+            </a:r>
+          </a:p>
+        </p:txBody>
+      </p:sp>
+      <p:sp>
+        <p:nvSpPr>
+          <p:cNvPr id="8" name="Flowchart: Magnetic Disk 7">
+            <a:extLst>
+              <a:ext uri="{FF2B5EF4-FFF2-40B4-BE49-F238E27FC236}">
+                <a16:creationId xmlns:a16="http://schemas.microsoft.com/office/drawing/2014/main" id="{222D7D92-E314-F9F1-C32A-A8B5BEAD5F16}"/>
+              </a:ext>
+            </a:extLst>
+          </p:cNvPr>
+          <p:cNvSpPr/>
+          <p:nvPr/>
+        </p:nvSpPr>
+        <p:spPr>
+          <a:xfrm>
+            <a:off x="3734333" y="1243712"/>
+            <a:ext cx="1150993" cy="594680"/>
+          </a:xfrm>
+          <a:prstGeom prst="flowChartMagneticDisk">
+            <a:avLst/>
+          </a:prstGeom>
+          <a:ln w="38100">
+            <a:solidFill>
+              <a:srgbClr val="FF0000"/>
+            </a:solidFill>
+          </a:ln>
+        </p:spPr>
+        <p:style>
+          <a:lnRef idx="2">
+            <a:schemeClr val="accent1">
+              <a:shade val="15000"/>
+            </a:schemeClr>
+          </a:lnRef>
+          <a:fillRef idx="1">
+            <a:schemeClr val="accent1"/>
+          </a:fillRef>
+          <a:effectRef idx="0">
+            <a:schemeClr val="accent1"/>
+          </a:effectRef>
+          <a:fontRef idx="minor">
+            <a:schemeClr val="lt1"/>
+          </a:fontRef>
+        </p:style>
+        <p:txBody>
+          <a:bodyPr rtlCol="0" anchor="ctr"/>
+          <a:lstStyle/>
+          <a:p>
+            <a:pPr algn="ctr"/>
+            <a:r>
+              <a:rPr lang="en-US" dirty="0"/>
+              <a:t>MongoDB</a:t>
+            </a:r>
+          </a:p>
+        </p:txBody>
+      </p:sp>
+      <p:sp>
+        <p:nvSpPr>
+          <p:cNvPr id="9" name="Rectangle 8">
+            <a:extLst>
+              <a:ext uri="{FF2B5EF4-FFF2-40B4-BE49-F238E27FC236}">
+                <a16:creationId xmlns:a16="http://schemas.microsoft.com/office/drawing/2014/main" id="{7300CF2E-F2CF-6542-19E8-331322D7E45A}"/>
+              </a:ext>
+            </a:extLst>
+          </p:cNvPr>
+          <p:cNvSpPr/>
+          <p:nvPr/>
+        </p:nvSpPr>
+        <p:spPr>
+          <a:xfrm>
+            <a:off x="6899564" y="1688123"/>
+            <a:ext cx="1393980" cy="691286"/>
+          </a:xfrm>
+          <a:prstGeom prst="rect">
+            <a:avLst/>
+          </a:prstGeom>
+          <a:ln w="38100">
+            <a:solidFill>
+              <a:srgbClr val="FF0000"/>
+            </a:solidFill>
+          </a:ln>
+        </p:spPr>
+        <p:style>
+          <a:lnRef idx="2">
+            <a:schemeClr val="accent1">
+              <a:shade val="15000"/>
+            </a:schemeClr>
+          </a:lnRef>
+          <a:fillRef idx="1">
+            <a:schemeClr val="accent1"/>
+          </a:fillRef>
+          <a:effectRef idx="0">
+            <a:schemeClr val="accent1"/>
+          </a:effectRef>
+          <a:fontRef idx="minor">
+            <a:schemeClr val="lt1"/>
+          </a:fontRef>
+        </p:style>
+        <p:txBody>
+          <a:bodyPr rtlCol="0" anchor="ctr"/>
+          <a:lstStyle/>
+          <a:p>
+            <a:pPr algn="ctr"/>
+            <a:r>
+              <a:rPr lang="en-US" dirty="0"/>
+              <a:t>Confluence</a:t>
+            </a:r>
+          </a:p>
+        </p:txBody>
+      </p:sp>
+      <p:grpSp>
+        <p:nvGrpSpPr>
+          <p:cNvPr id="28" name="Group 27">
+            <a:extLst>
+              <a:ext uri="{FF2B5EF4-FFF2-40B4-BE49-F238E27FC236}">
+                <a16:creationId xmlns:a16="http://schemas.microsoft.com/office/drawing/2014/main" id="{817AE6CA-4349-19AE-72FC-0C7A1A06762C}"/>
+              </a:ext>
+            </a:extLst>
+          </p:cNvPr>
+          <p:cNvGrpSpPr/>
+          <p:nvPr/>
+        </p:nvGrpSpPr>
+        <p:grpSpPr>
+          <a:xfrm>
+            <a:off x="3926616" y="3305110"/>
+            <a:ext cx="900764" cy="1599094"/>
+            <a:chOff x="3926615" y="2932304"/>
+            <a:chExt cx="1035444" cy="1971899"/>
+          </a:xfrm>
+        </p:grpSpPr>
+        <p:sp>
+          <p:nvSpPr>
+            <p:cNvPr id="11" name="Rectangle 10">
+              <a:extLst>
+                <a:ext uri="{FF2B5EF4-FFF2-40B4-BE49-F238E27FC236}">
+                  <a16:creationId xmlns:a16="http://schemas.microsoft.com/office/drawing/2014/main" id="{A017E3D0-2B37-E1E5-E161-3EE2109364A6}"/>
+                </a:ext>
+              </a:extLst>
+            </p:cNvPr>
+            <p:cNvSpPr/>
+            <p:nvPr/>
+          </p:nvSpPr>
+          <p:spPr>
+            <a:xfrm>
+              <a:off x="4316223" y="3759910"/>
+              <a:ext cx="306932" cy="802750"/>
+            </a:xfrm>
+            <a:prstGeom prst="rect">
+              <a:avLst/>
+            </a:prstGeom>
+          </p:spPr>
+          <p:style>
+            <a:lnRef idx="2">
+              <a:schemeClr val="accent1">
+                <a:shade val="15000"/>
+              </a:schemeClr>
+            </a:lnRef>
+            <a:fillRef idx="1">
+              <a:schemeClr val="accent1"/>
+            </a:fillRef>
+            <a:effectRef idx="0">
+              <a:schemeClr val="accent1"/>
+            </a:effectRef>
+            <a:fontRef idx="minor">
+              <a:schemeClr val="lt1"/>
+            </a:fontRef>
+          </p:style>
+          <p:txBody>
+            <a:bodyPr rtlCol="0" anchor="ctr"/>
+            <a:lstStyle/>
+            <a:p>
+              <a:pPr algn="ctr"/>
+              <a:endParaRPr lang="en-US"/>
+            </a:p>
+          </p:txBody>
+        </p:sp>
+        <p:sp>
+          <p:nvSpPr>
+            <p:cNvPr id="10" name="Smiley Face 9">
+              <a:extLst>
+                <a:ext uri="{FF2B5EF4-FFF2-40B4-BE49-F238E27FC236}">
+                  <a16:creationId xmlns:a16="http://schemas.microsoft.com/office/drawing/2014/main" id="{3EA8DEE3-2A52-5536-886E-040E60372899}"/>
+                </a:ext>
+              </a:extLst>
+            </p:cNvPr>
+            <p:cNvSpPr/>
+            <p:nvPr/>
+          </p:nvSpPr>
+          <p:spPr>
+            <a:xfrm>
+              <a:off x="4143575" y="3273936"/>
+              <a:ext cx="652229" cy="594680"/>
+            </a:xfrm>
+            <a:prstGeom prst="smileyFace">
+              <a:avLst>
+                <a:gd name="adj" fmla="val 4653"/>
+              </a:avLst>
+            </a:prstGeom>
+          </p:spPr>
+          <p:style>
+            <a:lnRef idx="2">
+              <a:schemeClr val="accent1">
+                <a:shade val="15000"/>
+              </a:schemeClr>
+            </a:lnRef>
+            <a:fillRef idx="1">
+              <a:schemeClr val="accent1"/>
+            </a:fillRef>
+            <a:effectRef idx="0">
+              <a:schemeClr val="accent1"/>
+            </a:effectRef>
+            <a:fontRef idx="minor">
+              <a:schemeClr val="lt1"/>
+            </a:fontRef>
+          </p:style>
+          <p:txBody>
+            <a:bodyPr rtlCol="0" anchor="ctr"/>
+            <a:lstStyle/>
+            <a:p>
+              <a:pPr algn="ctr"/>
+              <a:endParaRPr lang="en-US"/>
+            </a:p>
+          </p:txBody>
+        </p:sp>
+        <p:cxnSp>
+          <p:nvCxnSpPr>
+            <p:cNvPr id="13" name="Straight Connector 12">
+              <a:extLst>
+                <a:ext uri="{FF2B5EF4-FFF2-40B4-BE49-F238E27FC236}">
+                  <a16:creationId xmlns:a16="http://schemas.microsoft.com/office/drawing/2014/main" id="{BD8AD691-70C7-6D2D-C087-5463F96E736C}"/>
+                </a:ext>
+              </a:extLst>
+            </p:cNvPr>
+            <p:cNvCxnSpPr>
+              <a:cxnSpLocks/>
+            </p:cNvCxnSpPr>
+            <p:nvPr/>
+          </p:nvCxnSpPr>
+          <p:spPr>
+            <a:xfrm flipH="1">
+              <a:off x="4309829" y="4562660"/>
+              <a:ext cx="45477" cy="341543"/>
+            </a:xfrm>
+            <a:prstGeom prst="line">
+              <a:avLst/>
+            </a:prstGeom>
+          </p:spPr>
+          <p:style>
+            <a:lnRef idx="1">
+              <a:schemeClr val="accent1"/>
+            </a:lnRef>
+            <a:fillRef idx="0">
+              <a:schemeClr val="accent1"/>
+            </a:fillRef>
+            <a:effectRef idx="0">
+              <a:schemeClr val="accent1"/>
+            </a:effectRef>
+            <a:fontRef idx="minor">
+              <a:schemeClr val="tx1"/>
+            </a:fontRef>
+          </p:style>
+        </p:cxnSp>
+        <p:cxnSp>
+          <p:nvCxnSpPr>
+            <p:cNvPr id="15" name="Straight Connector 14">
+              <a:extLst>
+                <a:ext uri="{FF2B5EF4-FFF2-40B4-BE49-F238E27FC236}">
+                  <a16:creationId xmlns:a16="http://schemas.microsoft.com/office/drawing/2014/main" id="{2F85B81E-B6AE-9012-3565-3B96274FF759}"/>
+                </a:ext>
+              </a:extLst>
+            </p:cNvPr>
+            <p:cNvCxnSpPr>
+              <a:cxnSpLocks/>
+            </p:cNvCxnSpPr>
+            <p:nvPr/>
+          </p:nvCxnSpPr>
+          <p:spPr>
+            <a:xfrm>
+              <a:off x="4572000" y="4562660"/>
+              <a:ext cx="51155" cy="341543"/>
+            </a:xfrm>
+            <a:prstGeom prst="line">
+              <a:avLst/>
+            </a:prstGeom>
+          </p:spPr>
+          <p:style>
+            <a:lnRef idx="1">
+              <a:schemeClr val="accent1"/>
+            </a:lnRef>
+            <a:fillRef idx="0">
+              <a:schemeClr val="accent1"/>
+            </a:fillRef>
+            <a:effectRef idx="0">
+              <a:schemeClr val="accent1"/>
+            </a:effectRef>
+            <a:fontRef idx="minor">
+              <a:schemeClr val="tx1"/>
+            </a:fontRef>
+          </p:style>
+        </p:cxnSp>
+        <p:cxnSp>
+          <p:nvCxnSpPr>
+            <p:cNvPr id="17" name="Straight Connector 16">
+              <a:extLst>
+                <a:ext uri="{FF2B5EF4-FFF2-40B4-BE49-F238E27FC236}">
+                  <a16:creationId xmlns:a16="http://schemas.microsoft.com/office/drawing/2014/main" id="{C8DFD31D-AECC-ED0A-86B5-0C7AD4954977}"/>
+                </a:ext>
+              </a:extLst>
+            </p:cNvPr>
+            <p:cNvCxnSpPr/>
+            <p:nvPr/>
+          </p:nvCxnSpPr>
+          <p:spPr>
+            <a:xfrm flipH="1">
+              <a:off x="3926615" y="3983715"/>
+              <a:ext cx="383214" cy="268565"/>
+            </a:xfrm>
+            <a:prstGeom prst="line">
+              <a:avLst/>
+            </a:prstGeom>
+          </p:spPr>
+          <p:style>
+            <a:lnRef idx="1">
+              <a:schemeClr val="accent1"/>
+            </a:lnRef>
+            <a:fillRef idx="0">
+              <a:schemeClr val="accent1"/>
+            </a:fillRef>
+            <a:effectRef idx="0">
+              <a:schemeClr val="accent1"/>
+            </a:effectRef>
+            <a:fontRef idx="minor">
+              <a:schemeClr val="tx1"/>
+            </a:fontRef>
+          </p:style>
+        </p:cxnSp>
+        <p:cxnSp>
+          <p:nvCxnSpPr>
+            <p:cNvPr id="18" name="Straight Connector 17">
+              <a:extLst>
+                <a:ext uri="{FF2B5EF4-FFF2-40B4-BE49-F238E27FC236}">
+                  <a16:creationId xmlns:a16="http://schemas.microsoft.com/office/drawing/2014/main" id="{FFC9BA5D-FA9C-F1CE-77A1-304BF839F68E}"/>
+                </a:ext>
+              </a:extLst>
+            </p:cNvPr>
+            <p:cNvCxnSpPr>
+              <a:cxnSpLocks/>
+            </p:cNvCxnSpPr>
+            <p:nvPr/>
+          </p:nvCxnSpPr>
+          <p:spPr>
+            <a:xfrm>
+              <a:off x="4629549" y="3983715"/>
+              <a:ext cx="332510" cy="268565"/>
+            </a:xfrm>
+            <a:prstGeom prst="line">
+              <a:avLst/>
+            </a:prstGeom>
+          </p:spPr>
+          <p:style>
+            <a:lnRef idx="1">
+              <a:schemeClr val="accent1"/>
+            </a:lnRef>
+            <a:fillRef idx="0">
+              <a:schemeClr val="accent1"/>
+            </a:fillRef>
+            <a:effectRef idx="0">
+              <a:schemeClr val="accent1"/>
+            </a:effectRef>
+            <a:fontRef idx="minor">
+              <a:schemeClr val="tx1"/>
+            </a:fontRef>
+          </p:style>
+        </p:cxnSp>
+        <p:sp>
+          <p:nvSpPr>
+            <p:cNvPr id="27" name="TextBox 26">
+              <a:extLst>
+                <a:ext uri="{FF2B5EF4-FFF2-40B4-BE49-F238E27FC236}">
+                  <a16:creationId xmlns:a16="http://schemas.microsoft.com/office/drawing/2014/main" id="{8929977E-66A0-E7E9-48D2-DD130EF4D5C6}"/>
+                </a:ext>
+              </a:extLst>
+            </p:cNvPr>
+            <p:cNvSpPr txBox="1"/>
+            <p:nvPr/>
+          </p:nvSpPr>
+          <p:spPr>
+            <a:xfrm>
+              <a:off x="3926615" y="2932304"/>
+              <a:ext cx="1004629" cy="341577"/>
+            </a:xfrm>
+            <a:prstGeom prst="rect">
+              <a:avLst/>
+            </a:prstGeom>
+            <a:noFill/>
+          </p:spPr>
+          <p:txBody>
+            <a:bodyPr wrap="none" rtlCol="0">
+              <a:spAutoFit/>
+            </a:bodyPr>
+            <a:lstStyle/>
+            <a:p>
+              <a:r>
+                <a:rPr lang="en-US" sz="1200" dirty="0"/>
+                <a:t>Engineers</a:t>
+              </a:r>
+              <a:endParaRPr lang="en-US" dirty="0"/>
+            </a:p>
+          </p:txBody>
+        </p:sp>
+      </p:grpSp>
+      <p:cxnSp>
+        <p:nvCxnSpPr>
+          <p:cNvPr id="35" name="Straight Arrow Connector 34">
+            <a:extLst>
+              <a:ext uri="{FF2B5EF4-FFF2-40B4-BE49-F238E27FC236}">
+                <a16:creationId xmlns:a16="http://schemas.microsoft.com/office/drawing/2014/main" id="{0A19A559-CDE8-59D4-3715-D281361228B1}"/>
+              </a:ext>
+            </a:extLst>
+          </p:cNvPr>
+          <p:cNvCxnSpPr/>
+          <p:nvPr/>
+        </p:nvCxnSpPr>
+        <p:spPr>
+          <a:xfrm flipV="1">
+            <a:off x="5008005" y="2476752"/>
+            <a:ext cx="2264806" cy="1587651"/>
+          </a:xfrm>
+          <a:prstGeom prst="straightConnector1">
+            <a:avLst/>
+          </a:prstGeom>
+          <a:ln>
+            <a:tailEnd type="triangle"/>
+          </a:ln>
+        </p:spPr>
+        <p:style>
+          <a:lnRef idx="1">
+            <a:schemeClr val="accent1"/>
+          </a:lnRef>
+          <a:fillRef idx="0">
+            <a:schemeClr val="accent1"/>
+          </a:fillRef>
+          <a:effectRef idx="0">
+            <a:schemeClr val="accent1"/>
+          </a:effectRef>
+          <a:fontRef idx="minor">
+            <a:schemeClr val="tx1"/>
+          </a:fontRef>
+        </p:style>
+      </p:cxnSp>
+      <p:cxnSp>
+        <p:nvCxnSpPr>
+          <p:cNvPr id="37" name="Straight Arrow Connector 36">
+            <a:extLst>
+              <a:ext uri="{FF2B5EF4-FFF2-40B4-BE49-F238E27FC236}">
+                <a16:creationId xmlns:a16="http://schemas.microsoft.com/office/drawing/2014/main" id="{200249D1-3A45-AFF3-D7E2-727DEA0B48D6}"/>
+              </a:ext>
+            </a:extLst>
+          </p:cNvPr>
+          <p:cNvCxnSpPr/>
+          <p:nvPr/>
+        </p:nvCxnSpPr>
+        <p:spPr>
+          <a:xfrm flipV="1">
+            <a:off x="2180026" y="1688123"/>
+            <a:ext cx="1447296" cy="485848"/>
+          </a:xfrm>
+          <a:prstGeom prst="straightConnector1">
+            <a:avLst/>
+          </a:prstGeom>
+          <a:ln>
+            <a:tailEnd type="triangle"/>
+          </a:ln>
+        </p:spPr>
+        <p:style>
+          <a:lnRef idx="1">
+            <a:schemeClr val="accent1"/>
+          </a:lnRef>
+          <a:fillRef idx="0">
+            <a:schemeClr val="accent1"/>
+          </a:fillRef>
+          <a:effectRef idx="0">
+            <a:schemeClr val="accent1"/>
+          </a:effectRef>
+          <a:fontRef idx="minor">
+            <a:schemeClr val="tx1"/>
+          </a:fontRef>
+        </p:style>
+      </p:cxnSp>
+      <p:cxnSp>
+        <p:nvCxnSpPr>
+          <p:cNvPr id="39" name="Straight Arrow Connector 38">
+            <a:extLst>
+              <a:ext uri="{FF2B5EF4-FFF2-40B4-BE49-F238E27FC236}">
+                <a16:creationId xmlns:a16="http://schemas.microsoft.com/office/drawing/2014/main" id="{CCF5B251-7B9F-F80B-69FB-497C51864AB0}"/>
+              </a:ext>
+            </a:extLst>
+          </p:cNvPr>
+          <p:cNvCxnSpPr/>
+          <p:nvPr/>
+        </p:nvCxnSpPr>
+        <p:spPr>
+          <a:xfrm>
+            <a:off x="5008005" y="1574464"/>
+            <a:ext cx="1822745" cy="427779"/>
+          </a:xfrm>
+          <a:prstGeom prst="straightConnector1">
+            <a:avLst/>
+          </a:prstGeom>
+          <a:ln>
+            <a:tailEnd type="triangle"/>
+          </a:ln>
+        </p:spPr>
+        <p:style>
+          <a:lnRef idx="1">
+            <a:schemeClr val="accent1"/>
+          </a:lnRef>
+          <a:fillRef idx="0">
+            <a:schemeClr val="accent1"/>
+          </a:fillRef>
+          <a:effectRef idx="0">
+            <a:schemeClr val="accent1"/>
+          </a:effectRef>
+          <a:fontRef idx="minor">
+            <a:schemeClr val="tx1"/>
+          </a:fontRef>
+        </p:style>
+      </p:cxnSp>
+      <p:sp>
+        <p:nvSpPr>
+          <p:cNvPr id="40" name="TextBox 39">
+            <a:extLst>
+              <a:ext uri="{FF2B5EF4-FFF2-40B4-BE49-F238E27FC236}">
+                <a16:creationId xmlns:a16="http://schemas.microsoft.com/office/drawing/2014/main" id="{51A9B03D-7A19-9DC4-FF16-92582C0E224E}"/>
+              </a:ext>
+            </a:extLst>
+          </p:cNvPr>
+          <p:cNvSpPr txBox="1"/>
+          <p:nvPr/>
+        </p:nvSpPr>
+        <p:spPr>
+          <a:xfrm>
+            <a:off x="1775164" y="1475116"/>
+            <a:ext cx="1596720" cy="369332"/>
+          </a:xfrm>
+          <a:prstGeom prst="rect">
+            <a:avLst/>
+          </a:prstGeom>
+          <a:noFill/>
+        </p:spPr>
+        <p:txBody>
+          <a:bodyPr wrap="square" rtlCol="0">
+            <a:spAutoFit/>
+          </a:bodyPr>
+          <a:lstStyle/>
+          <a:p>
+            <a:r>
+              <a:rPr lang="en-US" sz="600" dirty="0"/>
+              <a:t>Export One Note notebooks to MongoDB, preserving the intentional structure and order made by the engineers</a:t>
+            </a:r>
+          </a:p>
+        </p:txBody>
+      </p:sp>
+      <p:sp>
+        <p:nvSpPr>
+          <p:cNvPr id="42" name="TextBox 41">
+            <a:extLst>
+              <a:ext uri="{FF2B5EF4-FFF2-40B4-BE49-F238E27FC236}">
+                <a16:creationId xmlns:a16="http://schemas.microsoft.com/office/drawing/2014/main" id="{B4611D6E-7838-88CC-1423-3E56EDA23B30}"/>
+              </a:ext>
+            </a:extLst>
+          </p:cNvPr>
+          <p:cNvSpPr txBox="1"/>
+          <p:nvPr/>
+        </p:nvSpPr>
+        <p:spPr>
+          <a:xfrm>
+            <a:off x="3600692" y="951519"/>
+            <a:ext cx="1596720" cy="276999"/>
+          </a:xfrm>
+          <a:prstGeom prst="rect">
+            <a:avLst/>
+          </a:prstGeom>
+          <a:noFill/>
+        </p:spPr>
+        <p:txBody>
+          <a:bodyPr wrap="square" rtlCol="0">
+            <a:spAutoFit/>
+          </a:bodyPr>
+          <a:lstStyle/>
+          <a:p>
+            <a:r>
+              <a:rPr lang="en-US" sz="600" dirty="0"/>
+              <a:t>Use MongoDB to store our own platform specific data-model.</a:t>
+            </a:r>
+          </a:p>
+        </p:txBody>
+      </p:sp>
+      <p:sp>
+        <p:nvSpPr>
+          <p:cNvPr id="43" name="TextBox 42">
+            <a:extLst>
+              <a:ext uri="{FF2B5EF4-FFF2-40B4-BE49-F238E27FC236}">
+                <a16:creationId xmlns:a16="http://schemas.microsoft.com/office/drawing/2014/main" id="{CAFCE1E0-0197-AB77-FCEE-7701853C33A9}"/>
+              </a:ext>
+            </a:extLst>
+          </p:cNvPr>
+          <p:cNvSpPr txBox="1"/>
+          <p:nvPr/>
+        </p:nvSpPr>
+        <p:spPr>
+          <a:xfrm>
+            <a:off x="5189789" y="1359775"/>
+            <a:ext cx="1596720" cy="276999"/>
+          </a:xfrm>
+          <a:prstGeom prst="rect">
+            <a:avLst/>
+          </a:prstGeom>
+          <a:noFill/>
+        </p:spPr>
+        <p:txBody>
+          <a:bodyPr wrap="square" rtlCol="0">
+            <a:spAutoFit/>
+          </a:bodyPr>
+          <a:lstStyle/>
+          <a:p>
+            <a:r>
+              <a:rPr lang="en-US" sz="600" dirty="0"/>
+              <a:t>Use an adapter to transform our data-models into confluence data-models.</a:t>
+            </a:r>
+          </a:p>
+        </p:txBody>
+      </p:sp>
+      <p:sp>
+        <p:nvSpPr>
+          <p:cNvPr id="45" name="TextBox 44">
+            <a:extLst>
+              <a:ext uri="{FF2B5EF4-FFF2-40B4-BE49-F238E27FC236}">
+                <a16:creationId xmlns:a16="http://schemas.microsoft.com/office/drawing/2014/main" id="{3D84CB4B-999E-2CA4-1BF9-A7AB8E5581C1}"/>
+              </a:ext>
+            </a:extLst>
+          </p:cNvPr>
+          <p:cNvSpPr txBox="1"/>
+          <p:nvPr/>
+        </p:nvSpPr>
+        <p:spPr>
+          <a:xfrm>
+            <a:off x="4785510" y="3006974"/>
+            <a:ext cx="1596720" cy="369332"/>
+          </a:xfrm>
+          <a:prstGeom prst="rect">
+            <a:avLst/>
+          </a:prstGeom>
+          <a:noFill/>
+        </p:spPr>
+        <p:txBody>
+          <a:bodyPr wrap="square" rtlCol="0">
+            <a:spAutoFit/>
+          </a:bodyPr>
+          <a:lstStyle/>
+          <a:p>
+            <a:r>
+              <a:rPr lang="en-US" sz="600" dirty="0"/>
+              <a:t>Near seamless transition to confluence, allowing engineers to use Confluence’s tools.</a:t>
+            </a:r>
+          </a:p>
+        </p:txBody>
+      </p:sp>
+      <p:sp>
+        <p:nvSpPr>
+          <p:cNvPr id="46" name="Rectangle 45">
+            <a:extLst>
+              <a:ext uri="{FF2B5EF4-FFF2-40B4-BE49-F238E27FC236}">
+                <a16:creationId xmlns:a16="http://schemas.microsoft.com/office/drawing/2014/main" id="{9CF6BDFD-004F-591B-E86F-A23D59982283}"/>
+              </a:ext>
+            </a:extLst>
+          </p:cNvPr>
+          <p:cNvSpPr/>
+          <p:nvPr/>
+        </p:nvSpPr>
+        <p:spPr>
+          <a:xfrm>
+            <a:off x="786699" y="2822678"/>
+            <a:ext cx="1266092" cy="594680"/>
+          </a:xfrm>
+          <a:prstGeom prst="rect">
+            <a:avLst/>
+          </a:prstGeom>
+          <a:ln w="38100">
+            <a:solidFill>
+              <a:srgbClr val="FF0000"/>
+            </a:solidFill>
+          </a:ln>
+        </p:spPr>
+        <p:style>
+          <a:lnRef idx="2">
+            <a:schemeClr val="accent1">
+              <a:shade val="15000"/>
+            </a:schemeClr>
+          </a:lnRef>
+          <a:fillRef idx="1">
+            <a:schemeClr val="accent1"/>
+          </a:fillRef>
+          <a:effectRef idx="0">
+            <a:schemeClr val="accent1"/>
+          </a:effectRef>
+          <a:fontRef idx="minor">
+            <a:schemeClr val="lt1"/>
+          </a:fontRef>
+        </p:style>
+        <p:txBody>
+          <a:bodyPr rtlCol="0" anchor="ctr"/>
+          <a:lstStyle/>
+          <a:p>
+            <a:pPr algn="ctr"/>
+            <a:r>
+              <a:rPr lang="en-US" dirty="0"/>
+              <a:t>Notion</a:t>
+            </a:r>
+          </a:p>
+        </p:txBody>
+      </p:sp>
+      <p:sp>
+        <p:nvSpPr>
+          <p:cNvPr id="47" name="Rectangle 46">
+            <a:extLst>
+              <a:ext uri="{FF2B5EF4-FFF2-40B4-BE49-F238E27FC236}">
+                <a16:creationId xmlns:a16="http://schemas.microsoft.com/office/drawing/2014/main" id="{59CA912F-BA44-A4C5-296C-53A6D55A674D}"/>
+              </a:ext>
+            </a:extLst>
+          </p:cNvPr>
+          <p:cNvSpPr/>
+          <p:nvPr/>
+        </p:nvSpPr>
+        <p:spPr>
+          <a:xfrm>
+            <a:off x="773723" y="3469723"/>
+            <a:ext cx="1266092" cy="594680"/>
+          </a:xfrm>
+          <a:prstGeom prst="rect">
+            <a:avLst/>
+          </a:prstGeom>
+          <a:ln w="38100">
+            <a:solidFill>
+              <a:srgbClr val="FFFF00"/>
+            </a:solidFill>
+          </a:ln>
+        </p:spPr>
+        <p:style>
+          <a:lnRef idx="2">
+            <a:schemeClr val="accent1">
+              <a:shade val="15000"/>
+            </a:schemeClr>
+          </a:lnRef>
+          <a:fillRef idx="1">
+            <a:schemeClr val="accent1"/>
+          </a:fillRef>
+          <a:effectRef idx="0">
+            <a:schemeClr val="accent1"/>
+          </a:effectRef>
+          <a:fontRef idx="minor">
+            <a:schemeClr val="lt1"/>
+          </a:fontRef>
+        </p:style>
+        <p:txBody>
+          <a:bodyPr rtlCol="0" anchor="ctr"/>
+          <a:lstStyle/>
+          <a:p>
+            <a:pPr algn="ctr"/>
+            <a:r>
+              <a:rPr lang="en-US" dirty="0" err="1"/>
+              <a:t>Github</a:t>
+            </a:r>
+            <a:endParaRPr lang="en-US" dirty="0"/>
+          </a:p>
+        </p:txBody>
+      </p:sp>
+      <p:sp>
+        <p:nvSpPr>
+          <p:cNvPr id="48" name="Rectangle 47">
+            <a:extLst>
+              <a:ext uri="{FF2B5EF4-FFF2-40B4-BE49-F238E27FC236}">
+                <a16:creationId xmlns:a16="http://schemas.microsoft.com/office/drawing/2014/main" id="{D8DEF009-FA52-00B6-6F3C-CA7A6BCCB350}"/>
+              </a:ext>
+            </a:extLst>
+          </p:cNvPr>
+          <p:cNvSpPr/>
+          <p:nvPr/>
+        </p:nvSpPr>
+        <p:spPr>
+          <a:xfrm>
+            <a:off x="786699" y="4116768"/>
+            <a:ext cx="1266092" cy="594680"/>
+          </a:xfrm>
+          <a:prstGeom prst="rect">
+            <a:avLst/>
+          </a:prstGeom>
+          <a:ln w="38100">
+            <a:solidFill>
+              <a:srgbClr val="FFFF00"/>
+            </a:solidFill>
+          </a:ln>
+        </p:spPr>
+        <p:style>
+          <a:lnRef idx="2">
+            <a:schemeClr val="accent1">
+              <a:shade val="15000"/>
+            </a:schemeClr>
+          </a:lnRef>
+          <a:fillRef idx="1">
+            <a:schemeClr val="accent1"/>
+          </a:fillRef>
+          <a:effectRef idx="0">
+            <a:schemeClr val="accent1"/>
+          </a:effectRef>
+          <a:fontRef idx="minor">
+            <a:schemeClr val="lt1"/>
+          </a:fontRef>
+        </p:style>
+        <p:txBody>
+          <a:bodyPr rtlCol="0" anchor="ctr"/>
+          <a:lstStyle/>
+          <a:p>
+            <a:pPr algn="ctr"/>
+            <a:r>
+              <a:rPr lang="en-US" dirty="0"/>
+              <a:t>Jira</a:t>
+            </a:r>
+          </a:p>
+        </p:txBody>
+      </p:sp>
+      <p:cxnSp>
+        <p:nvCxnSpPr>
+          <p:cNvPr id="50" name="Straight Arrow Connector 49">
+            <a:extLst>
+              <a:ext uri="{FF2B5EF4-FFF2-40B4-BE49-F238E27FC236}">
+                <a16:creationId xmlns:a16="http://schemas.microsoft.com/office/drawing/2014/main" id="{3836D6B1-7EEC-A4FA-43EA-E0B9CD8E7FB0}"/>
+              </a:ext>
+            </a:extLst>
+          </p:cNvPr>
+          <p:cNvCxnSpPr/>
+          <p:nvPr/>
+        </p:nvCxnSpPr>
+        <p:spPr>
+          <a:xfrm flipV="1">
+            <a:off x="2331417" y="1931047"/>
+            <a:ext cx="1595198" cy="1738664"/>
+          </a:xfrm>
+          <a:prstGeom prst="straightConnector1">
+            <a:avLst/>
+          </a:prstGeom>
+          <a:ln>
+            <a:tailEnd type="triangle"/>
+          </a:ln>
+        </p:spPr>
+        <p:style>
+          <a:lnRef idx="1">
+            <a:schemeClr val="accent1"/>
+          </a:lnRef>
+          <a:fillRef idx="0">
+            <a:schemeClr val="accent1"/>
+          </a:fillRef>
+          <a:effectRef idx="0">
+            <a:schemeClr val="accent1"/>
+          </a:effectRef>
+          <a:fontRef idx="minor">
+            <a:schemeClr val="tx1"/>
+          </a:fontRef>
+        </p:style>
+      </p:cxnSp>
+      <p:sp>
+        <p:nvSpPr>
+          <p:cNvPr id="53" name="TextBox 52">
+            <a:extLst>
+              <a:ext uri="{FF2B5EF4-FFF2-40B4-BE49-F238E27FC236}">
+                <a16:creationId xmlns:a16="http://schemas.microsoft.com/office/drawing/2014/main" id="{8D13FEDC-2572-38F4-B7A2-029174FB1EC3}"/>
+              </a:ext>
+            </a:extLst>
+          </p:cNvPr>
+          <p:cNvSpPr txBox="1"/>
+          <p:nvPr/>
+        </p:nvSpPr>
+        <p:spPr>
+          <a:xfrm>
+            <a:off x="2247247" y="2592673"/>
+            <a:ext cx="1596720" cy="184666"/>
+          </a:xfrm>
+          <a:prstGeom prst="rect">
+            <a:avLst/>
+          </a:prstGeom>
+          <a:noFill/>
+        </p:spPr>
+        <p:txBody>
+          <a:bodyPr wrap="square" rtlCol="0">
+            <a:spAutoFit/>
+          </a:bodyPr>
+          <a:lstStyle/>
+          <a:p>
+            <a:r>
+              <a:rPr lang="en-US" sz="600" dirty="0"/>
+              <a:t>Prospective integrations</a:t>
+            </a:r>
+          </a:p>
+        </p:txBody>
+      </p:sp>
+      <p:sp>
+        <p:nvSpPr>
+          <p:cNvPr id="54" name="Rectangle 53">
+            <a:extLst>
+              <a:ext uri="{FF2B5EF4-FFF2-40B4-BE49-F238E27FC236}">
+                <a16:creationId xmlns:a16="http://schemas.microsoft.com/office/drawing/2014/main" id="{E551CFEC-056D-A59A-CB56-BDBBBCCBA184}"/>
+              </a:ext>
+            </a:extLst>
+          </p:cNvPr>
+          <p:cNvSpPr/>
+          <p:nvPr/>
+        </p:nvSpPr>
+        <p:spPr>
+          <a:xfrm>
+            <a:off x="7596554" y="4141741"/>
+            <a:ext cx="201699" cy="160000"/>
+          </a:xfrm>
+          <a:prstGeom prst="rect">
+            <a:avLst/>
+          </a:prstGeom>
+          <a:ln w="38100">
+            <a:solidFill>
+              <a:schemeClr val="accent4">
+                <a:lumMod val="60000"/>
+                <a:lumOff val="40000"/>
+              </a:schemeClr>
+            </a:solidFill>
+          </a:ln>
+        </p:spPr>
+        <p:style>
+          <a:lnRef idx="2">
+            <a:schemeClr val="accent1">
+              <a:shade val="15000"/>
+            </a:schemeClr>
+          </a:lnRef>
+          <a:fillRef idx="1">
+            <a:schemeClr val="accent1"/>
+          </a:fillRef>
+          <a:effectRef idx="0">
+            <a:schemeClr val="accent1"/>
+          </a:effectRef>
+          <a:fontRef idx="minor">
+            <a:schemeClr val="lt1"/>
+          </a:fontRef>
+        </p:style>
+        <p:txBody>
+          <a:bodyPr rtlCol="0" anchor="ctr"/>
+          <a:lstStyle/>
+          <a:p>
+            <a:pPr algn="ctr"/>
+            <a:endParaRPr lang="en-US" dirty="0"/>
+          </a:p>
+        </p:txBody>
+      </p:sp>
+      <p:sp>
+        <p:nvSpPr>
+          <p:cNvPr id="55" name="Rectangle 54">
+            <a:extLst>
+              <a:ext uri="{FF2B5EF4-FFF2-40B4-BE49-F238E27FC236}">
+                <a16:creationId xmlns:a16="http://schemas.microsoft.com/office/drawing/2014/main" id="{24B9F011-5FA8-FB79-D9E5-D148A1FCAE32}"/>
+              </a:ext>
+            </a:extLst>
+          </p:cNvPr>
+          <p:cNvSpPr/>
+          <p:nvPr/>
+        </p:nvSpPr>
+        <p:spPr>
+          <a:xfrm>
+            <a:off x="7596554" y="4371370"/>
+            <a:ext cx="201699" cy="160000"/>
+          </a:xfrm>
+          <a:prstGeom prst="rect">
+            <a:avLst/>
+          </a:prstGeom>
+          <a:ln w="38100">
+            <a:solidFill>
+              <a:srgbClr val="FFFF00"/>
+            </a:solidFill>
+          </a:ln>
+        </p:spPr>
+        <p:style>
+          <a:lnRef idx="2">
+            <a:schemeClr val="accent1">
+              <a:shade val="15000"/>
+            </a:schemeClr>
+          </a:lnRef>
+          <a:fillRef idx="1">
+            <a:schemeClr val="accent1"/>
+          </a:fillRef>
+          <a:effectRef idx="0">
+            <a:schemeClr val="accent1"/>
+          </a:effectRef>
+          <a:fontRef idx="minor">
+            <a:schemeClr val="lt1"/>
+          </a:fontRef>
+        </p:style>
+        <p:txBody>
+          <a:bodyPr rtlCol="0" anchor="ctr"/>
+          <a:lstStyle/>
+          <a:p>
+            <a:pPr algn="ctr"/>
+            <a:endParaRPr lang="en-US" dirty="0"/>
+          </a:p>
+        </p:txBody>
+      </p:sp>
+      <p:sp>
+        <p:nvSpPr>
+          <p:cNvPr id="56" name="TextBox 55">
+            <a:extLst>
+              <a:ext uri="{FF2B5EF4-FFF2-40B4-BE49-F238E27FC236}">
+                <a16:creationId xmlns:a16="http://schemas.microsoft.com/office/drawing/2014/main" id="{F2D6AEA5-E973-D132-F9BD-CA0853A52671}"/>
+              </a:ext>
+            </a:extLst>
+          </p:cNvPr>
+          <p:cNvSpPr txBox="1"/>
+          <p:nvPr/>
+        </p:nvSpPr>
+        <p:spPr>
+          <a:xfrm>
+            <a:off x="7798253" y="4146006"/>
+            <a:ext cx="1030854" cy="184666"/>
+          </a:xfrm>
+          <a:prstGeom prst="rect">
+            <a:avLst/>
+          </a:prstGeom>
+          <a:noFill/>
+        </p:spPr>
+        <p:txBody>
+          <a:bodyPr wrap="square" rtlCol="0">
+            <a:spAutoFit/>
+          </a:bodyPr>
+          <a:lstStyle/>
+          <a:p>
+            <a:r>
+              <a:rPr lang="en-US" sz="600" dirty="0"/>
+              <a:t>= Under development</a:t>
+            </a:r>
+          </a:p>
+        </p:txBody>
+      </p:sp>
+      <p:sp>
+        <p:nvSpPr>
+          <p:cNvPr id="57" name="TextBox 56">
+            <a:extLst>
+              <a:ext uri="{FF2B5EF4-FFF2-40B4-BE49-F238E27FC236}">
+                <a16:creationId xmlns:a16="http://schemas.microsoft.com/office/drawing/2014/main" id="{A7926DE3-B8DD-2FDB-1148-55532AD840C4}"/>
+              </a:ext>
+            </a:extLst>
+          </p:cNvPr>
+          <p:cNvSpPr txBox="1"/>
+          <p:nvPr/>
+        </p:nvSpPr>
+        <p:spPr>
+          <a:xfrm>
+            <a:off x="7798253" y="4359037"/>
+            <a:ext cx="1030854" cy="184666"/>
+          </a:xfrm>
+          <a:prstGeom prst="rect">
+            <a:avLst/>
+          </a:prstGeom>
+          <a:noFill/>
+        </p:spPr>
+        <p:txBody>
+          <a:bodyPr wrap="square" rtlCol="0">
+            <a:spAutoFit/>
+          </a:bodyPr>
+          <a:lstStyle/>
+          <a:p>
+            <a:r>
+              <a:rPr lang="en-US" sz="600" dirty="0"/>
+              <a:t>= Planned integrations</a:t>
+            </a:r>
+          </a:p>
+        </p:txBody>
+      </p:sp>
+      <p:sp>
+        <p:nvSpPr>
+          <p:cNvPr id="58" name="TextBox 57">
+            <a:extLst>
+              <a:ext uri="{FF2B5EF4-FFF2-40B4-BE49-F238E27FC236}">
+                <a16:creationId xmlns:a16="http://schemas.microsoft.com/office/drawing/2014/main" id="{DD370A88-4B0D-248E-E56E-6C4441236A66}"/>
+              </a:ext>
+            </a:extLst>
+          </p:cNvPr>
+          <p:cNvSpPr txBox="1"/>
+          <p:nvPr/>
+        </p:nvSpPr>
+        <p:spPr>
+          <a:xfrm>
+            <a:off x="7285603" y="2527587"/>
+            <a:ext cx="1798925" cy="738664"/>
+          </a:xfrm>
+          <a:prstGeom prst="rect">
+            <a:avLst/>
+          </a:prstGeom>
+          <a:noFill/>
+        </p:spPr>
+        <p:txBody>
+          <a:bodyPr wrap="square" rtlCol="0">
+            <a:spAutoFit/>
+          </a:bodyPr>
+          <a:lstStyle/>
+          <a:p>
+            <a:r>
+              <a:rPr lang="en-US" sz="600" dirty="0"/>
+              <a:t>Confluence Pros:</a:t>
+            </a:r>
+          </a:p>
+          <a:p>
+            <a:pPr marL="171450" indent="-171450">
+              <a:buFont typeface="Arial" panose="020B0604020202020204" pitchFamily="34" charset="0"/>
+              <a:buChar char="•"/>
+            </a:pPr>
+            <a:r>
+              <a:rPr lang="en-US" sz="600" dirty="0"/>
+              <a:t>Nice API to interact with.</a:t>
+            </a:r>
+          </a:p>
+          <a:p>
+            <a:pPr marL="171450" indent="-171450">
+              <a:buFont typeface="Arial" panose="020B0604020202020204" pitchFamily="34" charset="0"/>
+              <a:buChar char="•"/>
+            </a:pPr>
+            <a:r>
+              <a:rPr lang="en-US" sz="600" dirty="0"/>
+              <a:t>Beta features </a:t>
+            </a:r>
+          </a:p>
+          <a:p>
+            <a:pPr marL="582920" lvl="1" indent="-171450">
+              <a:buFont typeface="Arial" panose="020B0604020202020204" pitchFamily="34" charset="0"/>
+              <a:buChar char="•"/>
+            </a:pPr>
+            <a:r>
+              <a:rPr lang="en-US" sz="600" dirty="0"/>
+              <a:t>Automatic page summaries</a:t>
+            </a:r>
+          </a:p>
+          <a:p>
+            <a:pPr marL="582920" lvl="1" indent="-171450">
+              <a:buFont typeface="Arial" panose="020B0604020202020204" pitchFamily="34" charset="0"/>
+              <a:buChar char="•"/>
+            </a:pPr>
+            <a:r>
+              <a:rPr lang="en-US" sz="600" dirty="0"/>
+              <a:t>Virtual agent for making SQL, JQL queries</a:t>
+            </a:r>
+          </a:p>
+          <a:p>
+            <a:pPr marL="171450" indent="-171450">
+              <a:buFont typeface="Arial" panose="020B0604020202020204" pitchFamily="34" charset="0"/>
+              <a:buChar char="•"/>
+            </a:pPr>
+            <a:r>
+              <a:rPr lang="en-US" sz="600" dirty="0"/>
+              <a:t>Structured formatting</a:t>
+            </a:r>
+          </a:p>
+        </p:txBody>
+      </p:sp>
+      <p:sp>
+        <p:nvSpPr>
+          <p:cNvPr id="59" name="Text Placeholder 3">
+            <a:extLst>
+              <a:ext uri="{FF2B5EF4-FFF2-40B4-BE49-F238E27FC236}">
+                <a16:creationId xmlns:a16="http://schemas.microsoft.com/office/drawing/2014/main" id="{E30C5A80-B4B2-737C-CFF9-C46C8BD86634}"/>
+              </a:ext>
+            </a:extLst>
+          </p:cNvPr>
+          <p:cNvSpPr txBox="1">
+            <a:spLocks/>
+          </p:cNvSpPr>
+          <p:nvPr/>
+        </p:nvSpPr>
+        <p:spPr>
+          <a:xfrm>
+            <a:off x="6869430" y="453867"/>
+            <a:ext cx="2215098" cy="369752"/>
+          </a:xfrm>
+          <a:prstGeom prst="rect">
+            <a:avLst/>
+          </a:prstGeom>
+        </p:spPr>
+        <p:txBody>
+          <a:bodyPr/>
+          <a:lstStyle>
+            <a:lvl1pPr marL="154289" indent="-154289" algn="l" defTabSz="617162" rtl="0" eaLnBrk="1" latinLnBrk="0" hangingPunct="1">
+              <a:lnSpc>
+                <a:spcPct val="90000"/>
+              </a:lnSpc>
+              <a:spcBef>
+                <a:spcPts val="675"/>
+              </a:spcBef>
+              <a:buFont typeface="Arial" panose="020B0604020202020204" pitchFamily="34" charset="0"/>
+              <a:buChar char="•"/>
+              <a:defRPr sz="2000" kern="1200">
+                <a:solidFill>
+                  <a:schemeClr val="tx2"/>
+                </a:solidFill>
+                <a:latin typeface="+mn-lt"/>
+                <a:ea typeface="+mn-ea"/>
+                <a:cs typeface="+mn-cs"/>
+              </a:defRPr>
+            </a:lvl1pPr>
+            <a:lvl2pPr marL="462872" indent="-154289" algn="l" defTabSz="617162" rtl="0" eaLnBrk="1" latinLnBrk="0" hangingPunct="1">
+              <a:lnSpc>
+                <a:spcPct val="90000"/>
+              </a:lnSpc>
+              <a:spcBef>
+                <a:spcPts val="337"/>
+              </a:spcBef>
+              <a:buFont typeface="Arial" panose="020B0604020202020204" pitchFamily="34" charset="0"/>
+              <a:buChar char="•"/>
+              <a:defRPr sz="1800" kern="1200">
+                <a:solidFill>
+                  <a:schemeClr val="tx2"/>
+                </a:solidFill>
+                <a:latin typeface="+mn-lt"/>
+                <a:ea typeface="+mn-ea"/>
+                <a:cs typeface="+mn-cs"/>
+              </a:defRPr>
+            </a:lvl2pPr>
+            <a:lvl3pPr marL="771451" indent="-154289" algn="l" defTabSz="617162" rtl="0" eaLnBrk="1" latinLnBrk="0" hangingPunct="1">
+              <a:lnSpc>
+                <a:spcPct val="90000"/>
+              </a:lnSpc>
+              <a:spcBef>
+                <a:spcPts val="337"/>
+              </a:spcBef>
+              <a:buFont typeface="Arial" panose="020B0604020202020204" pitchFamily="34" charset="0"/>
+              <a:buChar char="•"/>
+              <a:defRPr sz="1400" kern="1200">
+                <a:solidFill>
+                  <a:schemeClr val="tx2"/>
+                </a:solidFill>
+                <a:latin typeface="+mn-lt"/>
+                <a:ea typeface="+mn-ea"/>
+                <a:cs typeface="+mn-cs"/>
+              </a:defRPr>
+            </a:lvl3pPr>
+            <a:lvl4pPr marL="1080032" indent="-154289" algn="l" defTabSz="617162" rtl="0" eaLnBrk="1" latinLnBrk="0" hangingPunct="1">
+              <a:lnSpc>
+                <a:spcPct val="90000"/>
+              </a:lnSpc>
+              <a:spcBef>
+                <a:spcPts val="337"/>
+              </a:spcBef>
+              <a:buFont typeface="Arial" panose="020B0604020202020204" pitchFamily="34" charset="0"/>
+              <a:buChar char="•"/>
+              <a:defRPr sz="1400" kern="1200">
+                <a:solidFill>
+                  <a:schemeClr val="tx2"/>
+                </a:solidFill>
+                <a:latin typeface="+mn-lt"/>
+                <a:ea typeface="+mn-ea"/>
+                <a:cs typeface="+mn-cs"/>
+              </a:defRPr>
+            </a:lvl4pPr>
+            <a:lvl5pPr marL="1388615" indent="-154289" algn="l" defTabSz="617162" rtl="0" eaLnBrk="1" latinLnBrk="0" hangingPunct="1">
+              <a:lnSpc>
+                <a:spcPct val="90000"/>
+              </a:lnSpc>
+              <a:spcBef>
+                <a:spcPts val="337"/>
+              </a:spcBef>
+              <a:buFont typeface="Arial" panose="020B0604020202020204" pitchFamily="34" charset="0"/>
+              <a:buChar char="•"/>
+              <a:defRPr sz="1400" kern="1200">
+                <a:solidFill>
+                  <a:schemeClr val="tx2"/>
+                </a:solidFill>
+                <a:latin typeface="+mn-lt"/>
+                <a:ea typeface="+mn-ea"/>
+                <a:cs typeface="+mn-cs"/>
+              </a:defRPr>
+            </a:lvl5pPr>
+            <a:lvl6pPr marL="1697192" indent="-154289" algn="l" defTabSz="617162" rtl="0" eaLnBrk="1" latinLnBrk="0" hangingPunct="1">
+              <a:lnSpc>
+                <a:spcPct val="90000"/>
+              </a:lnSpc>
+              <a:spcBef>
+                <a:spcPts val="337"/>
+              </a:spcBef>
+              <a:buFont typeface="Arial" panose="020B0604020202020204" pitchFamily="34" charset="0"/>
+              <a:buChar char="•"/>
+              <a:defRPr sz="1215" kern="1200">
+                <a:solidFill>
+                  <a:schemeClr val="tx1"/>
+                </a:solidFill>
+                <a:latin typeface="+mn-lt"/>
+                <a:ea typeface="+mn-ea"/>
+                <a:cs typeface="+mn-cs"/>
+              </a:defRPr>
+            </a:lvl6pPr>
+            <a:lvl7pPr marL="2005775" indent="-154289" algn="l" defTabSz="617162" rtl="0" eaLnBrk="1" latinLnBrk="0" hangingPunct="1">
+              <a:lnSpc>
+                <a:spcPct val="90000"/>
+              </a:lnSpc>
+              <a:spcBef>
+                <a:spcPts val="337"/>
+              </a:spcBef>
+              <a:buFont typeface="Arial" panose="020B0604020202020204" pitchFamily="34" charset="0"/>
+              <a:buChar char="•"/>
+              <a:defRPr sz="1215" kern="1200">
+                <a:solidFill>
+                  <a:schemeClr val="tx1"/>
+                </a:solidFill>
+                <a:latin typeface="+mn-lt"/>
+                <a:ea typeface="+mn-ea"/>
+                <a:cs typeface="+mn-cs"/>
+              </a:defRPr>
+            </a:lvl7pPr>
+            <a:lvl8pPr marL="2314355" indent="-154289" algn="l" defTabSz="617162" rtl="0" eaLnBrk="1" latinLnBrk="0" hangingPunct="1">
+              <a:lnSpc>
+                <a:spcPct val="90000"/>
+              </a:lnSpc>
+              <a:spcBef>
+                <a:spcPts val="337"/>
+              </a:spcBef>
+              <a:buFont typeface="Arial" panose="020B0604020202020204" pitchFamily="34" charset="0"/>
+              <a:buChar char="•"/>
+              <a:defRPr sz="1215" kern="1200">
+                <a:solidFill>
+                  <a:schemeClr val="tx1"/>
+                </a:solidFill>
+                <a:latin typeface="+mn-lt"/>
+                <a:ea typeface="+mn-ea"/>
+                <a:cs typeface="+mn-cs"/>
+              </a:defRPr>
+            </a:lvl8pPr>
+            <a:lvl9pPr marL="2622937" indent="-154289" algn="l" defTabSz="617162" rtl="0" eaLnBrk="1" latinLnBrk="0" hangingPunct="1">
+              <a:lnSpc>
+                <a:spcPct val="90000"/>
+              </a:lnSpc>
+              <a:spcBef>
+                <a:spcPts val="337"/>
+              </a:spcBef>
+              <a:buFont typeface="Arial" panose="020B0604020202020204" pitchFamily="34" charset="0"/>
+              <a:buChar char="•"/>
+              <a:defRPr sz="1215" kern="1200">
+                <a:solidFill>
+                  <a:schemeClr val="tx1"/>
+                </a:solidFill>
+                <a:latin typeface="+mn-lt"/>
+                <a:ea typeface="+mn-ea"/>
+                <a:cs typeface="+mn-cs"/>
+              </a:defRPr>
+            </a:lvl9pPr>
+          </a:lstStyle>
+          <a:p>
+            <a:pPr marL="0" indent="0" algn="r">
+              <a:buNone/>
+            </a:pPr>
+            <a:r>
+              <a:rPr lang="en-US" dirty="0">
+                <a:solidFill>
+                  <a:schemeClr val="tx1"/>
+                </a:solidFill>
+              </a:rPr>
+              <a:t>Jeremy Wei</a:t>
+            </a:r>
+          </a:p>
+        </p:txBody>
+      </p:sp>
+      <p:cxnSp>
+        <p:nvCxnSpPr>
+          <p:cNvPr id="63" name="Straight Arrow Connector 62">
+            <a:extLst>
+              <a:ext uri="{FF2B5EF4-FFF2-40B4-BE49-F238E27FC236}">
+                <a16:creationId xmlns:a16="http://schemas.microsoft.com/office/drawing/2014/main" id="{D48F21BC-C0CF-566D-7FF7-C66C732533C9}"/>
+              </a:ext>
+            </a:extLst>
+          </p:cNvPr>
+          <p:cNvCxnSpPr/>
+          <p:nvPr/>
+        </p:nvCxnSpPr>
+        <p:spPr>
+          <a:xfrm flipH="1" flipV="1">
+            <a:off x="4365523" y="2002243"/>
+            <a:ext cx="122533" cy="1302867"/>
+          </a:xfrm>
+          <a:prstGeom prst="straightConnector1">
+            <a:avLst/>
+          </a:prstGeom>
+          <a:ln>
+            <a:tailEnd type="triangle"/>
+          </a:ln>
+        </p:spPr>
+        <p:style>
+          <a:lnRef idx="1">
+            <a:schemeClr val="accent1"/>
+          </a:lnRef>
+          <a:fillRef idx="0">
+            <a:schemeClr val="accent1"/>
+          </a:fillRef>
+          <a:effectRef idx="0">
+            <a:schemeClr val="accent1"/>
+          </a:effectRef>
+          <a:fontRef idx="minor">
+            <a:schemeClr val="tx1"/>
+          </a:fontRef>
+        </p:style>
+      </p:cxnSp>
+      <p:sp>
+        <p:nvSpPr>
+          <p:cNvPr id="64" name="TextBox 63">
+            <a:extLst>
+              <a:ext uri="{FF2B5EF4-FFF2-40B4-BE49-F238E27FC236}">
+                <a16:creationId xmlns:a16="http://schemas.microsoft.com/office/drawing/2014/main" id="{F73AA4C9-F7A4-00B5-9ECF-BFAECFECAEB7}"/>
+              </a:ext>
+            </a:extLst>
+          </p:cNvPr>
+          <p:cNvSpPr txBox="1"/>
+          <p:nvPr/>
+        </p:nvSpPr>
+        <p:spPr>
+          <a:xfrm>
+            <a:off x="4446564" y="2253944"/>
+            <a:ext cx="1596720" cy="184666"/>
+          </a:xfrm>
+          <a:prstGeom prst="rect">
+            <a:avLst/>
+          </a:prstGeom>
+          <a:noFill/>
+        </p:spPr>
+        <p:txBody>
+          <a:bodyPr wrap="square" rtlCol="0">
+            <a:spAutoFit/>
+          </a:bodyPr>
+          <a:lstStyle/>
+          <a:p>
+            <a:r>
+              <a:rPr lang="en-US" sz="600" dirty="0"/>
+              <a:t>Queries</a:t>
+            </a:r>
+          </a:p>
+        </p:txBody>
+      </p:sp>
+    </p:spTree>
+    <p:extLst>
+      <p:ext uri="{BB962C8B-B14F-4D97-AF65-F5344CB8AC3E}">
+        <p14:creationId xmlns:p14="http://schemas.microsoft.com/office/powerpoint/2010/main" val="2988861588"/>
+      </p:ext>
+    </p:extLst>
+  </p:cSld>
+  <p:clrMapOvr>
+    <a:masterClrMapping/>
+  </p:clrMapOvr>
+</p:sld>
+</file>
+
+<file path=ppt/slides/slide7.xml><?xml version="1.0" encoding="utf-8"?>
+<p:sld xmlns:a="http://schemas.openxmlformats.org/drawingml/2006/main" xmlns:r="http://schemas.openxmlformats.org/officeDocument/2006/relationships" xmlns:p="http://schemas.openxmlformats.org/presentationml/2006/main">
+  <p:cSld>
+    <p:spTree>
+      <p:nvGrpSpPr>
+        <p:cNvPr id="1" name=""/>
+        <p:cNvGrpSpPr/>
+        <p:nvPr/>
+      </p:nvGrpSpPr>
+      <p:grpSpPr>
+        <a:xfrm>
+          <a:off x="0" y="0"/>
+          <a:ext cx="0" cy="0"/>
+          <a:chOff x="0" y="0"/>
+          <a:chExt cx="0" cy="0"/>
+        </a:xfrm>
+      </p:grpSpPr>
+      <p:sp>
+        <p:nvSpPr>
+          <p:cNvPr id="2" name="Footer Placeholder 1"/>
+          <p:cNvSpPr>
+            <a:spLocks noGrp="1"/>
+          </p:cNvSpPr>
+          <p:nvPr>
+            <p:ph type="ftr" sz="quarter" idx="3"/>
+          </p:nvPr>
+        </p:nvSpPr>
+        <p:spPr/>
+        <p:txBody>
+          <a:bodyPr/>
+          <a:lstStyle/>
+          <a:p>
+            <a:r>
+              <a:rPr lang="en-US" kern="0"/>
+              <a:t>Northrop Grumman Proprietary Level I</a:t>
+            </a:r>
+            <a:endParaRPr lang="en-US"/>
+          </a:p>
+        </p:txBody>
+      </p:sp>
+      <p:sp>
+        <p:nvSpPr>
+          <p:cNvPr id="3" name="Slide Number Placeholder 2"/>
+          <p:cNvSpPr>
+            <a:spLocks noGrp="1"/>
+          </p:cNvSpPr>
+          <p:nvPr>
+            <p:ph type="sldNum" sz="quarter" idx="4"/>
+          </p:nvPr>
+        </p:nvSpPr>
+        <p:spPr/>
+        <p:txBody>
+          <a:bodyPr/>
+          <a:lstStyle/>
+          <a:p>
+            <a:fld id="{32A2F39E-E4DB-494E-AB40-38356C65078C}" type="slidenum">
+              <a:rPr lang="en-US" smtClean="0"/>
+              <a:pPr/>
+              <a:t>7</a:t>
+            </a:fld>
+            <a:endParaRPr lang="en-US"/>
+          </a:p>
+        </p:txBody>
+      </p:sp>
+      <p:sp>
+        <p:nvSpPr>
+          <p:cNvPr id="4" name="Title 3"/>
+          <p:cNvSpPr>
+            <a:spLocks noGrp="1"/>
+          </p:cNvSpPr>
+          <p:nvPr>
+            <p:ph type="title"/>
+          </p:nvPr>
+        </p:nvSpPr>
+        <p:spPr/>
+        <p:txBody>
+          <a:bodyPr/>
+          <a:lstStyle/>
+          <a:p>
+            <a:r>
+              <a:rPr lang="en-US" dirty="0"/>
+              <a:t>Database Tools - Progress</a:t>
+            </a:r>
+          </a:p>
+        </p:txBody>
+      </p:sp>
+      <p:sp>
+        <p:nvSpPr>
+          <p:cNvPr id="5" name="Text Placeholder 4"/>
+          <p:cNvSpPr>
+            <a:spLocks noGrp="1"/>
+          </p:cNvSpPr>
+          <p:nvPr>
+            <p:ph type="body" sz="quarter" idx="11"/>
+          </p:nvPr>
+        </p:nvSpPr>
+        <p:spPr/>
+        <p:txBody>
+          <a:bodyPr/>
+          <a:lstStyle/>
+          <a:p>
+            <a:pPr marL="285750" indent="-285750">
+              <a:lnSpc>
+                <a:spcPct val="100000"/>
+              </a:lnSpc>
+              <a:buFont typeface="Arial" panose="020B0604020202020204" pitchFamily="34" charset="0"/>
+              <a:buChar char="•"/>
+            </a:pPr>
+            <a:r>
+              <a:rPr lang="en-US" sz="1500" dirty="0"/>
+              <a:t>Markdown to Mongo Document Block Parser</a:t>
+            </a:r>
+          </a:p>
+          <a:p>
+            <a:pPr marL="285750" indent="-285750">
+              <a:lnSpc>
+                <a:spcPct val="100000"/>
+              </a:lnSpc>
+              <a:buFont typeface="Arial" panose="020B0604020202020204" pitchFamily="34" charset="0"/>
+              <a:buChar char="•"/>
+            </a:pPr>
+            <a:r>
+              <a:rPr lang="en-US" sz="1500" dirty="0"/>
+              <a:t>One Note Export uploader</a:t>
+            </a:r>
+          </a:p>
+        </p:txBody>
+      </p:sp>
+      <p:sp>
+        <p:nvSpPr>
+          <p:cNvPr id="7" name="Text Placeholder 3">
+            <a:extLst>
+              <a:ext uri="{FF2B5EF4-FFF2-40B4-BE49-F238E27FC236}">
+                <a16:creationId xmlns:a16="http://schemas.microsoft.com/office/drawing/2014/main" id="{24132D91-FC5B-30C1-BE11-1C029B0124E3}"/>
+              </a:ext>
+            </a:extLst>
+          </p:cNvPr>
+          <p:cNvSpPr txBox="1">
+            <a:spLocks/>
+          </p:cNvSpPr>
+          <p:nvPr/>
+        </p:nvSpPr>
+        <p:spPr>
+          <a:xfrm>
+            <a:off x="6869430" y="453867"/>
+            <a:ext cx="2215098" cy="369752"/>
+          </a:xfrm>
+          <a:prstGeom prst="rect">
+            <a:avLst/>
+          </a:prstGeom>
+        </p:spPr>
+        <p:txBody>
+          <a:bodyPr/>
+          <a:lstStyle>
+            <a:lvl1pPr marL="154289" indent="-154289" algn="l" defTabSz="617162" rtl="0" eaLnBrk="1" latinLnBrk="0" hangingPunct="1">
+              <a:lnSpc>
+                <a:spcPct val="90000"/>
+              </a:lnSpc>
+              <a:spcBef>
+                <a:spcPts val="675"/>
+              </a:spcBef>
+              <a:buFont typeface="Arial" panose="020B0604020202020204" pitchFamily="34" charset="0"/>
+              <a:buChar char="•"/>
+              <a:defRPr sz="2000" kern="1200">
+                <a:solidFill>
+                  <a:schemeClr val="tx2"/>
+                </a:solidFill>
+                <a:latin typeface="+mn-lt"/>
+                <a:ea typeface="+mn-ea"/>
+                <a:cs typeface="+mn-cs"/>
+              </a:defRPr>
+            </a:lvl1pPr>
+            <a:lvl2pPr marL="462872" indent="-154289" algn="l" defTabSz="617162" rtl="0" eaLnBrk="1" latinLnBrk="0" hangingPunct="1">
+              <a:lnSpc>
+                <a:spcPct val="90000"/>
+              </a:lnSpc>
+              <a:spcBef>
+                <a:spcPts val="337"/>
+              </a:spcBef>
+              <a:buFont typeface="Arial" panose="020B0604020202020204" pitchFamily="34" charset="0"/>
+              <a:buChar char="•"/>
+              <a:defRPr sz="1800" kern="1200">
+                <a:solidFill>
+                  <a:schemeClr val="tx2"/>
+                </a:solidFill>
+                <a:latin typeface="+mn-lt"/>
+                <a:ea typeface="+mn-ea"/>
+                <a:cs typeface="+mn-cs"/>
+              </a:defRPr>
+            </a:lvl2pPr>
+            <a:lvl3pPr marL="771451" indent="-154289" algn="l" defTabSz="617162" rtl="0" eaLnBrk="1" latinLnBrk="0" hangingPunct="1">
+              <a:lnSpc>
+                <a:spcPct val="90000"/>
+              </a:lnSpc>
+              <a:spcBef>
+                <a:spcPts val="337"/>
+              </a:spcBef>
+              <a:buFont typeface="Arial" panose="020B0604020202020204" pitchFamily="34" charset="0"/>
+              <a:buChar char="•"/>
+              <a:defRPr sz="1400" kern="1200">
+                <a:solidFill>
+                  <a:schemeClr val="tx2"/>
+                </a:solidFill>
+                <a:latin typeface="+mn-lt"/>
+                <a:ea typeface="+mn-ea"/>
+                <a:cs typeface="+mn-cs"/>
+              </a:defRPr>
+            </a:lvl3pPr>
+            <a:lvl4pPr marL="1080032" indent="-154289" algn="l" defTabSz="617162" rtl="0" eaLnBrk="1" latinLnBrk="0" hangingPunct="1">
+              <a:lnSpc>
+                <a:spcPct val="90000"/>
+              </a:lnSpc>
+              <a:spcBef>
+                <a:spcPts val="337"/>
+              </a:spcBef>
+              <a:buFont typeface="Arial" panose="020B0604020202020204" pitchFamily="34" charset="0"/>
+              <a:buChar char="•"/>
+              <a:defRPr sz="1400" kern="1200">
+                <a:solidFill>
+                  <a:schemeClr val="tx2"/>
+                </a:solidFill>
+                <a:latin typeface="+mn-lt"/>
+                <a:ea typeface="+mn-ea"/>
+                <a:cs typeface="+mn-cs"/>
+              </a:defRPr>
+            </a:lvl4pPr>
+            <a:lvl5pPr marL="1388615" indent="-154289" algn="l" defTabSz="617162" rtl="0" eaLnBrk="1" latinLnBrk="0" hangingPunct="1">
+              <a:lnSpc>
+                <a:spcPct val="90000"/>
+              </a:lnSpc>
+              <a:spcBef>
+                <a:spcPts val="337"/>
+              </a:spcBef>
+              <a:buFont typeface="Arial" panose="020B0604020202020204" pitchFamily="34" charset="0"/>
+              <a:buChar char="•"/>
+              <a:defRPr sz="1400" kern="1200">
+                <a:solidFill>
+                  <a:schemeClr val="tx2"/>
+                </a:solidFill>
+                <a:latin typeface="+mn-lt"/>
+                <a:ea typeface="+mn-ea"/>
+                <a:cs typeface="+mn-cs"/>
+              </a:defRPr>
+            </a:lvl5pPr>
+            <a:lvl6pPr marL="1697192" indent="-154289" algn="l" defTabSz="617162" rtl="0" eaLnBrk="1" latinLnBrk="0" hangingPunct="1">
+              <a:lnSpc>
+                <a:spcPct val="90000"/>
+              </a:lnSpc>
+              <a:spcBef>
+                <a:spcPts val="337"/>
+              </a:spcBef>
+              <a:buFont typeface="Arial" panose="020B0604020202020204" pitchFamily="34" charset="0"/>
+              <a:buChar char="•"/>
+              <a:defRPr sz="1215" kern="1200">
+                <a:solidFill>
+                  <a:schemeClr val="tx1"/>
+                </a:solidFill>
+                <a:latin typeface="+mn-lt"/>
+                <a:ea typeface="+mn-ea"/>
+                <a:cs typeface="+mn-cs"/>
+              </a:defRPr>
+            </a:lvl6pPr>
+            <a:lvl7pPr marL="2005775" indent="-154289" algn="l" defTabSz="617162" rtl="0" eaLnBrk="1" latinLnBrk="0" hangingPunct="1">
+              <a:lnSpc>
+                <a:spcPct val="90000"/>
+              </a:lnSpc>
+              <a:spcBef>
+                <a:spcPts val="337"/>
+              </a:spcBef>
+              <a:buFont typeface="Arial" panose="020B0604020202020204" pitchFamily="34" charset="0"/>
+              <a:buChar char="•"/>
+              <a:defRPr sz="1215" kern="1200">
+                <a:solidFill>
+                  <a:schemeClr val="tx1"/>
+                </a:solidFill>
+                <a:latin typeface="+mn-lt"/>
+                <a:ea typeface="+mn-ea"/>
+                <a:cs typeface="+mn-cs"/>
+              </a:defRPr>
+            </a:lvl7pPr>
+            <a:lvl8pPr marL="2314355" indent="-154289" algn="l" defTabSz="617162" rtl="0" eaLnBrk="1" latinLnBrk="0" hangingPunct="1">
+              <a:lnSpc>
+                <a:spcPct val="90000"/>
+              </a:lnSpc>
+              <a:spcBef>
+                <a:spcPts val="337"/>
+              </a:spcBef>
+              <a:buFont typeface="Arial" panose="020B0604020202020204" pitchFamily="34" charset="0"/>
+              <a:buChar char="•"/>
+              <a:defRPr sz="1215" kern="1200">
+                <a:solidFill>
+                  <a:schemeClr val="tx1"/>
+                </a:solidFill>
+                <a:latin typeface="+mn-lt"/>
+                <a:ea typeface="+mn-ea"/>
+                <a:cs typeface="+mn-cs"/>
+              </a:defRPr>
+            </a:lvl8pPr>
+            <a:lvl9pPr marL="2622937" indent="-154289" algn="l" defTabSz="617162" rtl="0" eaLnBrk="1" latinLnBrk="0" hangingPunct="1">
+              <a:lnSpc>
+                <a:spcPct val="90000"/>
+              </a:lnSpc>
+              <a:spcBef>
+                <a:spcPts val="337"/>
+              </a:spcBef>
+              <a:buFont typeface="Arial" panose="020B0604020202020204" pitchFamily="34" charset="0"/>
+              <a:buChar char="•"/>
+              <a:defRPr sz="1215" kern="1200">
+                <a:solidFill>
+                  <a:schemeClr val="tx1"/>
+                </a:solidFill>
+                <a:latin typeface="+mn-lt"/>
+                <a:ea typeface="+mn-ea"/>
+                <a:cs typeface="+mn-cs"/>
+              </a:defRPr>
+            </a:lvl9pPr>
+          </a:lstStyle>
+          <a:p>
+            <a:pPr marL="0" indent="0" algn="r">
+              <a:buNone/>
+            </a:pPr>
+            <a:r>
+              <a:rPr lang="en-US" dirty="0">
+                <a:solidFill>
+                  <a:schemeClr val="tx1"/>
+                </a:solidFill>
+              </a:rPr>
+              <a:t>Jeremy Wei</a:t>
+            </a:r>
+          </a:p>
+        </p:txBody>
+      </p:sp>
       <p:pic>
         <p:nvPicPr>
           <p:cNvPr id="18" name="Picture 17">
@@ -13238,7 +17043,7 @@
         </p:blipFill>
         <p:spPr>
           <a:xfrm>
-            <a:off x="4836970" y="1930161"/>
+            <a:off x="4706802" y="1909933"/>
             <a:ext cx="3796355" cy="2155531"/>
           </a:xfrm>
           <a:prstGeom prst="rect">
@@ -13315,8 +17120,8 @@
         </p:nvGrpSpPr>
         <p:grpSpPr>
           <a:xfrm>
-            <a:off x="889155" y="2323887"/>
-            <a:ext cx="3066867" cy="2443394"/>
+            <a:off x="680720" y="2027903"/>
+            <a:ext cx="3453464" cy="2647278"/>
             <a:chOff x="376393" y="2057749"/>
             <a:chExt cx="3814773" cy="3042568"/>
           </a:xfrm>
@@ -13455,7 +17260,7 @@
 </p:sld>
 </file>
 
-<file path=ppt/slides/slide6.xml><?xml version="1.0" encoding="utf-8"?>
+<file path=ppt/slides/slide8.xml><?xml version="1.0" encoding="utf-8"?>
 <p:sld xmlns:a="http://schemas.openxmlformats.org/drawingml/2006/main" xmlns:r="http://schemas.openxmlformats.org/officeDocument/2006/relationships" xmlns:p="http://schemas.openxmlformats.org/presentationml/2006/main">
   <p:cSld>
     <p:spTree>
@@ -13490,7 +17295,7 @@
             <a:fld id="{32A2F39E-E4DB-494E-AB40-38356C65078C}" type="slidenum">
               <a:rPr lang="en-US" smtClean="0"/>
               <a:pPr/>
-              <a:t>6</a:t>
+              <a:t>8</a:t>
             </a:fld>
             <a:endParaRPr lang="en-US"/>
           </a:p>
@@ -13552,15 +17357,9 @@
             </a:pPr>
             <a:r>
               <a:rPr lang="en-US" sz="1800" b="1" dirty="0"/>
-              <a:t>My takeaways (Where can I improve/grow)?</a:t>
-            </a:r>
-          </a:p>
-          <a:p>
-            <a:pPr marL="372902" lvl="1" indent="-285750"/>
-            <a:r>
-              <a:rPr lang="en-US" sz="1600" dirty="0"/>
-              <a:t>Proper use of Object-Oriented Programing Concepts.</a:t>
-            </a:r>
+              <a:t>My takeaways?</a:t>
+            </a:r>
+            <a:endParaRPr lang="en-US" sz="1600" dirty="0"/>
           </a:p>
           <a:p>
             <a:pPr marL="372902" lvl="1" indent="-285750"/>
@@ -14441,7 +18240,7 @@
 </p:sld>
 </file>
 
-<file path=ppt/slides/slide7.xml><?xml version="1.0" encoding="utf-8"?>
+<file path=ppt/slides/slide9.xml><?xml version="1.0" encoding="utf-8"?>
 <p:sld xmlns:a="http://schemas.openxmlformats.org/drawingml/2006/main" xmlns:r="http://schemas.openxmlformats.org/officeDocument/2006/relationships" xmlns:p="http://schemas.openxmlformats.org/presentationml/2006/main">
   <p:cSld>
     <p:spTree>
@@ -14539,7 +18338,7 @@
             <a:fld id="{32A2F39E-E4DB-494E-AB40-38356C65078C}" type="slidenum">
               <a:rPr lang="en-US" smtClean="0"/>
               <a:pPr/>
-              <a:t>7</a:t>
+              <a:t>9</a:t>
             </a:fld>
             <a:endParaRPr lang="en-US"/>
           </a:p>
@@ -14600,77 +18399,6 @@
   <p:clrMapOvr>
     <a:masterClrMapping/>
   </p:clrMapOvr>
-</p:sld>
-</file>
-
-<file path=ppt/slides/slide8.xml><?xml version="1.0" encoding="utf-8"?>
-<p:sld xmlns:a="http://schemas.openxmlformats.org/drawingml/2006/main" xmlns:r="http://schemas.openxmlformats.org/officeDocument/2006/relationships" xmlns:p="http://schemas.openxmlformats.org/presentationml/2006/main">
-  <p:cSld>
-    <p:spTree>
-      <p:nvGrpSpPr>
-        <p:cNvPr id="1" name=""/>
-        <p:cNvGrpSpPr/>
-        <p:nvPr/>
-      </p:nvGrpSpPr>
-      <p:grpSpPr>
-        <a:xfrm>
-          <a:off x="0" y="0"/>
-          <a:ext cx="0" cy="0"/>
-          <a:chOff x="0" y="0"/>
-          <a:chExt cx="0" cy="0"/>
-        </a:xfrm>
-      </p:grpSpPr>
-      <p:sp>
-        <p:nvSpPr>
-          <p:cNvPr id="4" name="Footer Placeholder 3">
-            <a:extLst>
-              <a:ext uri="{FF2B5EF4-FFF2-40B4-BE49-F238E27FC236}">
-                <a16:creationId xmlns:a16="http://schemas.microsoft.com/office/drawing/2014/main" id="{C6006B98-46C6-8B46-A7B3-939B288B0465}"/>
-              </a:ext>
-            </a:extLst>
-          </p:cNvPr>
-          <p:cNvSpPr>
-            <a:spLocks noGrp="1"/>
-          </p:cNvSpPr>
-          <p:nvPr>
-            <p:ph type="ftr" sz="quarter" idx="3"/>
-          </p:nvPr>
-        </p:nvSpPr>
-        <p:spPr/>
-        <p:txBody>
-          <a:bodyPr anchor="t"/>
-          <a:lstStyle/>
-          <a:p>
-            <a:r>
-              <a:rPr lang="en-US" kern="0"/>
-              <a:t>Northrop Grumman Proprietary Level I</a:t>
-            </a:r>
-            <a:endParaRPr lang="en-US"/>
-          </a:p>
-        </p:txBody>
-      </p:sp>
-    </p:spTree>
-    <p:extLst>
-      <p:ext uri="{BB962C8B-B14F-4D97-AF65-F5344CB8AC3E}">
-        <p14:creationId xmlns:p14="http://schemas.microsoft.com/office/powerpoint/2010/main" val="1069660451"/>
-      </p:ext>
-    </p:extLst>
-  </p:cSld>
-  <p:clrMapOvr>
-    <a:masterClrMapping/>
-  </p:clrMapOvr>
-  <mc:AlternateContent xmlns:mc="http://schemas.openxmlformats.org/markup-compatibility/2006" xmlns:p14="http://schemas.microsoft.com/office/powerpoint/2010/main">
-    <mc:Choice Requires="p14">
-      <p:transition spd="med" p14:dur="700">
-        <p:fade/>
-      </p:transition>
-    </mc:Choice>
-    <mc:Fallback xmlns="">
-      <p:transition spd="med">
-        <p:fade/>
-      </p:transition>
-    </mc:Fallback>
-  </mc:AlternateContent>
 </p:sld>
 </file>
 
@@ -15458,15 +19186,6 @@
 </file>
 
 <file path=customXml/item1.xml><?xml version="1.0" encoding="utf-8"?>
-<?mso-contentType ?>
-<FormTemplates xmlns="http://schemas.microsoft.com/sharepoint/v3/contenttype/forms">
-  <Display>DocumentLibraryForm</Display>
-  <Edit>DocumentLibraryForm</Edit>
-  <New>DocumentLibraryForm</New>
-</FormTemplates>
-</file>
-
-<file path=customXml/item2.xml><?xml version="1.0" encoding="utf-8"?>
 <p:properties xmlns:p="http://schemas.microsoft.com/office/2006/metadata/properties" xmlns:xsi="http://www.w3.org/2001/XMLSchema-instance" xmlns:pc="http://schemas.microsoft.com/office/infopath/2007/PartnerControls">
   <documentManagement>
     <_dlc_DocId xmlns="0ed01daf-a39b-4322-b336-464aa5091e31">FA43R63HSNSU-804741541-284</_dlc_DocId>
@@ -15478,57 +19197,16 @@
 </p:properties>
 </file>
 
-<file path=customXml/item3.xml><?xml version="1.0" encoding="utf-8"?>
+<file path=customXml/item2.xml><?xml version="1.0" encoding="utf-8"?>
 <?mso-contentType ?>
-<spe:Receivers xmlns:spe="http://schemas.microsoft.com/sharepoint/events">
-  <Receiver>
-    <Name>Document ID Generator</Name>
-    <Synchronization>Synchronous</Synchronization>
-    <Type>10001</Type>
-    <SequenceNumber>1000</SequenceNumber>
-    <Url/>
-    <Assembly>Microsoft.Office.DocumentManagement, Version=16.0.0.0, Culture=neutral, PublicKeyToken=71e9bce111e9429c</Assembly>
-    <Class>Microsoft.Office.DocumentManagement.Internal.DocIdHandler</Class>
-    <Data/>
-    <Filter/>
-  </Receiver>
-  <Receiver>
-    <Name>Document ID Generator</Name>
-    <Synchronization>Synchronous</Synchronization>
-    <Type>10002</Type>
-    <SequenceNumber>1001</SequenceNumber>
-    <Url/>
-    <Assembly>Microsoft.Office.DocumentManagement, Version=16.0.0.0, Culture=neutral, PublicKeyToken=71e9bce111e9429c</Assembly>
-    <Class>Microsoft.Office.DocumentManagement.Internal.DocIdHandler</Class>
-    <Data/>
-    <Filter/>
-  </Receiver>
-  <Receiver>
-    <Name>Document ID Generator</Name>
-    <Synchronization>Synchronous</Synchronization>
-    <Type>10004</Type>
-    <SequenceNumber>1002</SequenceNumber>
-    <Url/>
-    <Assembly>Microsoft.Office.DocumentManagement, Version=16.0.0.0, Culture=neutral, PublicKeyToken=71e9bce111e9429c</Assembly>
-    <Class>Microsoft.Office.DocumentManagement.Internal.DocIdHandler</Class>
-    <Data/>
-    <Filter/>
-  </Receiver>
-  <Receiver>
-    <Name>Document ID Generator</Name>
-    <Synchronization>Synchronous</Synchronization>
-    <Type>10006</Type>
-    <SequenceNumber>1003</SequenceNumber>
-    <Url/>
-    <Assembly>Microsoft.Office.DocumentManagement, Version=16.0.0.0, Culture=neutral, PublicKeyToken=71e9bce111e9429c</Assembly>
-    <Class>Microsoft.Office.DocumentManagement.Internal.DocIdHandler</Class>
-    <Data/>
-    <Filter/>
-  </Receiver>
-</spe:Receivers>
+<FormTemplates xmlns="http://schemas.microsoft.com/sharepoint/v3/contenttype/forms">
+  <Display>DocumentLibraryForm</Display>
+  <Edit>DocumentLibraryForm</Edit>
+  <New>DocumentLibraryForm</New>
+</FormTemplates>
 </file>
 
-<file path=customXml/item4.xml><?xml version="1.0" encoding="utf-8"?>
+<file path=customXml/item3.xml><?xml version="1.0" encoding="utf-8"?>
 <ct:contentTypeSchema xmlns:ct="http://schemas.microsoft.com/office/2006/metadata/contentType" xmlns:ma="http://schemas.microsoft.com/office/2006/metadata/properties/metaAttributes" ct:_="" ma:_="" ma:contentTypeName="Document" ma:contentTypeID="0x010100BB0B2F232D3C164BB1DBF11D49AFF6AC" ma:contentTypeVersion="4" ma:contentTypeDescription="Create a new document." ma:contentTypeScope="" ma:versionID="ace64b76c7fa238c7b43066bfd7f461b">
   <xsd:schema xmlns:xsd="http://www.w3.org/2001/XMLSchema" xmlns:xs="http://www.w3.org/2001/XMLSchema" xmlns:p="http://schemas.microsoft.com/office/2006/metadata/properties" xmlns:ns2="0ed01daf-a39b-4322-b336-464aa5091e31" xmlns:ns3="0a39b131-a25b-485f-89b0-b09e965fe171" targetNamespace="http://schemas.microsoft.com/office/2006/metadata/properties" ma:root="true" ma:fieldsID="2e8e5b7044fbd0fcc71de6236af0cdf4" ns2:_="" ns3:_="">
     <xsd:import namespace="0ed01daf-a39b-4322-b336-464aa5091e31"/>
@@ -15702,15 +19380,57 @@
 </ct:contentTypeSchema>
 </file>
 
-<file path=customXml/itemProps1.xml><?xml version="1.0" encoding="utf-8"?>
-<ds:datastoreItem xmlns:ds="http://schemas.openxmlformats.org/officeDocument/2006/customXml" ds:itemID="{791386F8-E168-492C-B4C3-9A800EDC5964}">
-  <ds:schemaRefs>
-    <ds:schemaRef ds:uri="http://schemas.microsoft.com/sharepoint/v3/contenttype/forms"/>
-  </ds:schemaRefs>
-</ds:datastoreItem>
+<file path=customXml/item4.xml><?xml version="1.0" encoding="utf-8"?>
+<?mso-contentType ?>
+<spe:Receivers xmlns:spe="http://schemas.microsoft.com/sharepoint/events">
+  <Receiver>
+    <Name>Document ID Generator</Name>
+    <Synchronization>Synchronous</Synchronization>
+    <Type>10001</Type>
+    <SequenceNumber>1000</SequenceNumber>
+    <Url/>
+    <Assembly>Microsoft.Office.DocumentManagement, Version=16.0.0.0, Culture=neutral, PublicKeyToken=71e9bce111e9429c</Assembly>
+    <Class>Microsoft.Office.DocumentManagement.Internal.DocIdHandler</Class>
+    <Data/>
+    <Filter/>
+  </Receiver>
+  <Receiver>
+    <Name>Document ID Generator</Name>
+    <Synchronization>Synchronous</Synchronization>
+    <Type>10002</Type>
+    <SequenceNumber>1001</SequenceNumber>
+    <Url/>
+    <Assembly>Microsoft.Office.DocumentManagement, Version=16.0.0.0, Culture=neutral, PublicKeyToken=71e9bce111e9429c</Assembly>
+    <Class>Microsoft.Office.DocumentManagement.Internal.DocIdHandler</Class>
+    <Data/>
+    <Filter/>
+  </Receiver>
+  <Receiver>
+    <Name>Document ID Generator</Name>
+    <Synchronization>Synchronous</Synchronization>
+    <Type>10004</Type>
+    <SequenceNumber>1002</SequenceNumber>
+    <Url/>
+    <Assembly>Microsoft.Office.DocumentManagement, Version=16.0.0.0, Culture=neutral, PublicKeyToken=71e9bce111e9429c</Assembly>
+    <Class>Microsoft.Office.DocumentManagement.Internal.DocIdHandler</Class>
+    <Data/>
+    <Filter/>
+  </Receiver>
+  <Receiver>
+    <Name>Document ID Generator</Name>
+    <Synchronization>Synchronous</Synchronization>
+    <Type>10006</Type>
+    <SequenceNumber>1003</SequenceNumber>
+    <Url/>
+    <Assembly>Microsoft.Office.DocumentManagement, Version=16.0.0.0, Culture=neutral, PublicKeyToken=71e9bce111e9429c</Assembly>
+    <Class>Microsoft.Office.DocumentManagement.Internal.DocIdHandler</Class>
+    <Data/>
+    <Filter/>
+  </Receiver>
+</spe:Receivers>
 </file>
 
-<file path=customXml/itemProps2.xml><?xml version="1.0" encoding="utf-8"?>
+<file path=customXml/itemProps1.xml><?xml version="1.0" encoding="utf-8"?>
 <ds:datastoreItem xmlns:ds="http://schemas.openxmlformats.org/officeDocument/2006/customXml" ds:itemID="{8CE2CDB4-3352-4150-919A-B30B39FD5827}">
   <ds:schemaRefs>
     <ds:schemaRef ds:uri="9d07426f-fcca-4a73-934d-5bf429f9e4a3"/>
@@ -15730,15 +19450,15 @@
 </ds:datastoreItem>
 </file>
 
-<file path=customXml/itemProps3.xml><?xml version="1.0" encoding="utf-8"?>
-<ds:datastoreItem xmlns:ds="http://schemas.openxmlformats.org/officeDocument/2006/customXml" ds:itemID="{EDCF9B43-9EA7-493E-9556-9DC14AABE730}">
+<file path=customXml/itemProps2.xml><?xml version="1.0" encoding="utf-8"?>
+<ds:datastoreItem xmlns:ds="http://schemas.openxmlformats.org/officeDocument/2006/customXml" ds:itemID="{791386F8-E168-492C-B4C3-9A800EDC5964}">
   <ds:schemaRefs>
-    <ds:schemaRef ds:uri="http://schemas.microsoft.com/sharepoint/events"/>
+    <ds:schemaRef ds:uri="http://schemas.microsoft.com/sharepoint/v3/contenttype/forms"/>
   </ds:schemaRefs>
 </ds:datastoreItem>
 </file>
 
-<file path=customXml/itemProps4.xml><?xml version="1.0" encoding="utf-8"?>
+<file path=customXml/itemProps3.xml><?xml version="1.0" encoding="utf-8"?>
 <ds:datastoreItem xmlns:ds="http://schemas.openxmlformats.org/officeDocument/2006/customXml" ds:itemID="{76093642-C416-49BE-8398-0DEB4CFE8FE9}">
   <ds:schemaRefs>
     <ds:schemaRef ds:uri="http://schemas.microsoft.com/office/2006/metadata/contentType"/>
@@ -15755,4 +19475,12 @@
     <ds:schemaRef ds:uri="http://schemas.microsoft.com/internal/obd"/>
   </ds:schemaRefs>
 </ds:datastoreItem>
+</file>
+
+<file path=customXml/itemProps4.xml><?xml version="1.0" encoding="utf-8"?>
+<ds:datastoreItem xmlns:ds="http://schemas.openxmlformats.org/officeDocument/2006/customXml" ds:itemID="{EDCF9B43-9EA7-493E-9556-9DC14AABE730}">
+  <ds:schemaRefs>
+    <ds:schemaRef ds:uri="http://schemas.microsoft.com/sharepoint/events"/>
+  </ds:schemaRefs>
+</ds:datastoreItem>
 </file>
--- a/docs/presentations/Intern_Showcase_Wei.pptx
+++ b/docs/presentations/Intern_Showcase_Wei.pptx
@@ -13007,158 +13007,53 @@
           </a:p>
         </p:txBody>
       </p:sp>
-      <p:grpSp>
-        <p:nvGrpSpPr>
-          <p:cNvPr id="14" name="Group 13">
+      <p:pic>
+        <p:nvPicPr>
+          <p:cNvPr id="1025" name="Picture 1" descr="Writing I Love - Philosophy from Calvin (and Hobbes!) - Tom McCallum">
             <a:extLst>
               <a:ext uri="{FF2B5EF4-FFF2-40B4-BE49-F238E27FC236}">
-                <a16:creationId xmlns:a16="http://schemas.microsoft.com/office/drawing/2014/main" id="{7506AE2D-97A3-6907-823F-E321A84AA62E}"/>
+                <a16:creationId xmlns:a16="http://schemas.microsoft.com/office/drawing/2014/main" id="{C2D6D8E1-D1BE-AD81-36F7-D9EBF02125AF}"/>
               </a:ext>
             </a:extLst>
           </p:cNvPr>
-          <p:cNvGrpSpPr/>
+          <p:cNvPicPr>
+            <a:picLocks noChangeAspect="1" noChangeArrowheads="1"/>
+          </p:cNvPicPr>
           <p:nvPr/>
-        </p:nvGrpSpPr>
-        <p:grpSpPr>
+        </p:nvPicPr>
+        <p:blipFill>
+          <a:blip r:embed="rId3">
+            <a:extLst>
+              <a:ext uri="{28A0092B-C50C-407E-A947-70E740481C1C}">
+                <a14:useLocalDpi xmlns:a14="http://schemas.microsoft.com/office/drawing/2010/main" val="0"/>
+              </a:ext>
+            </a:extLst>
+          </a:blip>
+          <a:srcRect/>
+          <a:stretch>
+            <a:fillRect/>
+          </a:stretch>
+        </p:blipFill>
+        <p:spPr bwMode="auto">
           <a:xfrm>
             <a:off x="520846" y="2664477"/>
             <a:ext cx="6086475" cy="2009775"/>
-            <a:chOff x="1320189" y="2282972"/>
-            <a:chExt cx="6086475" cy="2009775"/>
-          </a:xfrm>
-        </p:grpSpPr>
-        <p:pic>
-          <p:nvPicPr>
-            <p:cNvPr id="1025" name="Picture 1" descr="Writing I Love - Philosophy from Calvin (and Hobbes!) - Tom McCallum">
-              <a:extLst>
-                <a:ext uri="{FF2B5EF4-FFF2-40B4-BE49-F238E27FC236}">
-                  <a16:creationId xmlns:a16="http://schemas.microsoft.com/office/drawing/2014/main" id="{C2D6D8E1-D1BE-AD81-36F7-D9EBF02125AF}"/>
-                </a:ext>
-              </a:extLst>
-            </p:cNvPr>
-            <p:cNvPicPr>
-              <a:picLocks noChangeAspect="1" noChangeArrowheads="1"/>
-            </p:cNvPicPr>
-            <p:nvPr/>
-          </p:nvPicPr>
-          <p:blipFill>
-            <a:blip r:embed="rId3">
-              <a:extLst>
-                <a:ext uri="{28A0092B-C50C-407E-A947-70E740481C1C}">
-                  <a14:useLocalDpi xmlns:a14="http://schemas.microsoft.com/office/drawing/2010/main" val="0"/>
-                </a:ext>
-              </a:extLst>
-            </a:blip>
-            <a:srcRect/>
-            <a:stretch>
-              <a:fillRect/>
-            </a:stretch>
-          </p:blipFill>
-          <p:spPr bwMode="auto">
-            <a:xfrm>
-              <a:off x="1320189" y="2282972"/>
-              <a:ext cx="6086475" cy="2009775"/>
-            </a:xfrm>
-            <a:prstGeom prst="rect">
-              <a:avLst/>
-            </a:prstGeom>
-            <a:noFill/>
-            <a:extLst>
-              <a:ext uri="{909E8E84-426E-40DD-AFC4-6F175D3DCCD1}">
-                <a14:hiddenFill xmlns:a14="http://schemas.microsoft.com/office/drawing/2010/main">
-                  <a:solidFill>
-                    <a:srgbClr val="FFFFFF"/>
-                  </a:solidFill>
-                </a14:hiddenFill>
-              </a:ext>
-            </a:extLst>
-          </p:spPr>
-        </p:pic>
-        <p:sp>
-          <p:nvSpPr>
-            <p:cNvPr id="12" name="TextBox 11">
-              <a:extLst>
-                <a:ext uri="{FF2B5EF4-FFF2-40B4-BE49-F238E27FC236}">
-                  <a16:creationId xmlns:a16="http://schemas.microsoft.com/office/drawing/2014/main" id="{E30C97E3-7832-8021-4722-E0D5E4D53CE0}"/>
-                </a:ext>
-              </a:extLst>
-            </p:cNvPr>
-            <p:cNvSpPr txBox="1"/>
-            <p:nvPr/>
-          </p:nvSpPr>
-          <p:spPr>
-            <a:xfrm>
-              <a:off x="5274455" y="3963456"/>
-              <a:ext cx="466282" cy="169277"/>
-            </a:xfrm>
-            <a:prstGeom prst="rect">
-              <a:avLst/>
-            </a:prstGeom>
-            <a:solidFill>
-              <a:schemeClr val="bg1"/>
-            </a:solidFill>
-            <a:ln w="19050">
-              <a:solidFill>
-                <a:srgbClr val="00B050"/>
-              </a:solidFill>
-            </a:ln>
-          </p:spPr>
-          <p:txBody>
-            <a:bodyPr wrap="square" rtlCol="0">
-              <a:spAutoFit/>
-            </a:bodyPr>
-            <a:lstStyle/>
-            <a:p>
-              <a:r>
-                <a:rPr lang="en-US" sz="500" dirty="0"/>
-                <a:t>One Note</a:t>
-              </a:r>
-            </a:p>
-          </p:txBody>
-        </p:sp>
-        <p:sp>
-          <p:nvSpPr>
-            <p:cNvPr id="13" name="TextBox 12">
-              <a:extLst>
-                <a:ext uri="{FF2B5EF4-FFF2-40B4-BE49-F238E27FC236}">
-                  <a16:creationId xmlns:a16="http://schemas.microsoft.com/office/drawing/2014/main" id="{9DE45D0B-D930-F09E-0B4A-EB76844240CA}"/>
-                </a:ext>
-              </a:extLst>
-            </p:cNvPr>
-            <p:cNvSpPr txBox="1"/>
-            <p:nvPr/>
-          </p:nvSpPr>
-          <p:spPr>
-            <a:xfrm>
-              <a:off x="6583479" y="3751228"/>
-              <a:ext cx="489496" cy="169277"/>
-            </a:xfrm>
-            <a:prstGeom prst="rect">
-              <a:avLst/>
-            </a:prstGeom>
-            <a:solidFill>
-              <a:schemeClr val="bg1"/>
-            </a:solidFill>
-            <a:ln w="19050">
-              <a:solidFill>
-                <a:srgbClr val="00B050"/>
-              </a:solidFill>
-            </a:ln>
-          </p:spPr>
-          <p:txBody>
-            <a:bodyPr wrap="square" rtlCol="0">
-              <a:spAutoFit/>
-            </a:bodyPr>
-            <a:lstStyle/>
-            <a:p>
-              <a:r>
-                <a:rPr lang="en-US" sz="500" dirty="0"/>
-                <a:t>One Note</a:t>
-              </a:r>
-            </a:p>
-          </p:txBody>
-        </p:sp>
-      </p:grpSp>
+          </a:xfrm>
+          <a:prstGeom prst="rect">
+            <a:avLst/>
+          </a:prstGeom>
+          <a:noFill/>
+          <a:extLst>
+            <a:ext uri="{909E8E84-426E-40DD-AFC4-6F175D3DCCD1}">
+              <a14:hiddenFill xmlns:a14="http://schemas.microsoft.com/office/drawing/2010/main">
+                <a:solidFill>
+                  <a:srgbClr val="FFFFFF"/>
+                </a:solidFill>
+              </a14:hiddenFill>
+            </a:ext>
+          </a:extLst>
+        </p:spPr>
+      </p:pic>
       <p:grpSp>
         <p:nvGrpSpPr>
           <p:cNvPr id="18" name="Group 17">
@@ -13539,6 +13434,100 @@
           </a:p>
         </p:txBody>
       </p:sp>
+      <p:pic>
+        <p:nvPicPr>
+          <p:cNvPr id="1026" name="Picture 2">
+            <a:extLst>
+              <a:ext uri="{FF2B5EF4-FFF2-40B4-BE49-F238E27FC236}">
+                <a16:creationId xmlns:a16="http://schemas.microsoft.com/office/drawing/2014/main" id="{D2F627D1-8AA5-6111-92ED-C6944440F1B9}"/>
+              </a:ext>
+            </a:extLst>
+          </p:cNvPr>
+          <p:cNvPicPr>
+            <a:picLocks noChangeAspect="1" noChangeArrowheads="1"/>
+          </p:cNvPicPr>
+          <p:nvPr/>
+        </p:nvPicPr>
+        <p:blipFill>
+          <a:blip r:embed="rId6">
+            <a:extLst>
+              <a:ext uri="{28A0092B-C50C-407E-A947-70E740481C1C}">
+                <a14:useLocalDpi xmlns:a14="http://schemas.microsoft.com/office/drawing/2010/main" val="0"/>
+              </a:ext>
+            </a:extLst>
+          </a:blip>
+          <a:srcRect/>
+          <a:stretch>
+            <a:fillRect/>
+          </a:stretch>
+        </p:blipFill>
+        <p:spPr bwMode="auto">
+          <a:xfrm>
+            <a:off x="4390811" y="4135676"/>
+            <a:ext cx="545306" cy="545306"/>
+          </a:xfrm>
+          <a:prstGeom prst="rect">
+            <a:avLst/>
+          </a:prstGeom>
+          <a:noFill/>
+          <a:extLst>
+            <a:ext uri="{909E8E84-426E-40DD-AFC4-6F175D3DCCD1}">
+              <a14:hiddenFill xmlns:a14="http://schemas.microsoft.com/office/drawing/2010/main">
+                <a:solidFill>
+                  <a:srgbClr val="FFFFFF"/>
+                </a:solidFill>
+              </a14:hiddenFill>
+            </a:ext>
+          </a:extLst>
+        </p:spPr>
+      </p:pic>
+      <p:pic>
+        <p:nvPicPr>
+          <p:cNvPr id="5" name="Picture 2">
+            <a:extLst>
+              <a:ext uri="{FF2B5EF4-FFF2-40B4-BE49-F238E27FC236}">
+                <a16:creationId xmlns:a16="http://schemas.microsoft.com/office/drawing/2014/main" id="{19B1167C-87A3-5163-A80C-291BCF455B0A}"/>
+              </a:ext>
+            </a:extLst>
+          </p:cNvPr>
+          <p:cNvPicPr>
+            <a:picLocks noChangeAspect="1" noChangeArrowheads="1"/>
+          </p:cNvPicPr>
+          <p:nvPr/>
+        </p:nvPicPr>
+        <p:blipFill>
+          <a:blip r:embed="rId6">
+            <a:extLst>
+              <a:ext uri="{28A0092B-C50C-407E-A947-70E740481C1C}">
+                <a14:useLocalDpi xmlns:a14="http://schemas.microsoft.com/office/drawing/2010/main" val="0"/>
+              </a:ext>
+            </a:extLst>
+          </a:blip>
+          <a:srcRect/>
+          <a:stretch>
+            <a:fillRect/>
+          </a:stretch>
+        </p:blipFill>
+        <p:spPr bwMode="auto">
+          <a:xfrm>
+            <a:off x="5772150" y="3988570"/>
+            <a:ext cx="545306" cy="545306"/>
+          </a:xfrm>
+          <a:prstGeom prst="rect">
+            <a:avLst/>
+          </a:prstGeom>
+          <a:noFill/>
+          <a:extLst>
+            <a:ext uri="{909E8E84-426E-40DD-AFC4-6F175D3DCCD1}">
+              <a14:hiddenFill xmlns:a14="http://schemas.microsoft.com/office/drawing/2010/main">
+                <a:solidFill>
+                  <a:srgbClr val="FFFFFF"/>
+                </a:solidFill>
+              </a14:hiddenFill>
+            </a:ext>
+          </a:extLst>
+        </p:spPr>
+      </p:pic>
     </p:spTree>
     <p:extLst>
       <p:ext uri="{BB962C8B-B14F-4D97-AF65-F5344CB8AC3E}">
@@ -19186,6 +19175,15 @@
 </file>
 
 <file path=customXml/item1.xml><?xml version="1.0" encoding="utf-8"?>
+<?mso-contentType ?>
+<FormTemplates xmlns="http://schemas.microsoft.com/sharepoint/v3/contenttype/forms">
+  <Display>DocumentLibraryForm</Display>
+  <Edit>DocumentLibraryForm</Edit>
+  <New>DocumentLibraryForm</New>
+</FormTemplates>
+</file>
+
+<file path=customXml/item2.xml><?xml version="1.0" encoding="utf-8"?>
 <p:properties xmlns:p="http://schemas.microsoft.com/office/2006/metadata/properties" xmlns:xsi="http://www.w3.org/2001/XMLSchema-instance" xmlns:pc="http://schemas.microsoft.com/office/infopath/2007/PartnerControls">
   <documentManagement>
     <_dlc_DocId xmlns="0ed01daf-a39b-4322-b336-464aa5091e31">FA43R63HSNSU-804741541-284</_dlc_DocId>
@@ -19197,16 +19195,57 @@
 </p:properties>
 </file>
 
-<file path=customXml/item2.xml><?xml version="1.0" encoding="utf-8"?>
+<file path=customXml/item3.xml><?xml version="1.0" encoding="utf-8"?>
 <?mso-contentType ?>
-<FormTemplates xmlns="http://schemas.microsoft.com/sharepoint/v3/contenttype/forms">
-  <Display>DocumentLibraryForm</Display>
-  <Edit>DocumentLibraryForm</Edit>
-  <New>DocumentLibraryForm</New>
-</FormTemplates>
+<spe:Receivers xmlns:spe="http://schemas.microsoft.com/sharepoint/events">
+  <Receiver>
+    <Name>Document ID Generator</Name>
+    <Synchronization>Synchronous</Synchronization>
+    <Type>10001</Type>
+    <SequenceNumber>1000</SequenceNumber>
+    <Url/>
+    <Assembly>Microsoft.Office.DocumentManagement, Version=16.0.0.0, Culture=neutral, PublicKeyToken=71e9bce111e9429c</Assembly>
+    <Class>Microsoft.Office.DocumentManagement.Internal.DocIdHandler</Class>
+    <Data/>
+    <Filter/>
+  </Receiver>
+  <Receiver>
+    <Name>Document ID Generator</Name>
+    <Synchronization>Synchronous</Synchronization>
+    <Type>10002</Type>
+    <SequenceNumber>1001</SequenceNumber>
+    <Url/>
+    <Assembly>Microsoft.Office.DocumentManagement, Version=16.0.0.0, Culture=neutral, PublicKeyToken=71e9bce111e9429c</Assembly>
+    <Class>Microsoft.Office.DocumentManagement.Internal.DocIdHandler</Class>
+    <Data/>
+    <Filter/>
+  </Receiver>
+  <Receiver>
+    <Name>Document ID Generator</Name>
+    <Synchronization>Synchronous</Synchronization>
+    <Type>10004</Type>
+    <SequenceNumber>1002</SequenceNumber>
+    <Url/>
+    <Assembly>Microsoft.Office.DocumentManagement, Version=16.0.0.0, Culture=neutral, PublicKeyToken=71e9bce111e9429c</Assembly>
+    <Class>Microsoft.Office.DocumentManagement.Internal.DocIdHandler</Class>
+    <Data/>
+    <Filter/>
+  </Receiver>
+  <Receiver>
+    <Name>Document ID Generator</Name>
+    <Synchronization>Synchronous</Synchronization>
+    <Type>10006</Type>
+    <SequenceNumber>1003</SequenceNumber>
+    <Url/>
+    <Assembly>Microsoft.Office.DocumentManagement, Version=16.0.0.0, Culture=neutral, PublicKeyToken=71e9bce111e9429c</Assembly>
+    <Class>Microsoft.Office.DocumentManagement.Internal.DocIdHandler</Class>
+    <Data/>
+    <Filter/>
+  </Receiver>
+</spe:Receivers>
 </file>
 
-<file path=customXml/item3.xml><?xml version="1.0" encoding="utf-8"?>
+<file path=customXml/item4.xml><?xml version="1.0" encoding="utf-8"?>
 <ct:contentTypeSchema xmlns:ct="http://schemas.microsoft.com/office/2006/metadata/contentType" xmlns:ma="http://schemas.microsoft.com/office/2006/metadata/properties/metaAttributes" ct:_="" ma:_="" ma:contentTypeName="Document" ma:contentTypeID="0x010100BB0B2F232D3C164BB1DBF11D49AFF6AC" ma:contentTypeVersion="4" ma:contentTypeDescription="Create a new document." ma:contentTypeScope="" ma:versionID="ace64b76c7fa238c7b43066bfd7f461b">
   <xsd:schema xmlns:xsd="http://www.w3.org/2001/XMLSchema" xmlns:xs="http://www.w3.org/2001/XMLSchema" xmlns:p="http://schemas.microsoft.com/office/2006/metadata/properties" xmlns:ns2="0ed01daf-a39b-4322-b336-464aa5091e31" xmlns:ns3="0a39b131-a25b-485f-89b0-b09e965fe171" targetNamespace="http://schemas.microsoft.com/office/2006/metadata/properties" ma:root="true" ma:fieldsID="2e8e5b7044fbd0fcc71de6236af0cdf4" ns2:_="" ns3:_="">
     <xsd:import namespace="0ed01daf-a39b-4322-b336-464aa5091e31"/>
@@ -19380,57 +19419,15 @@
 </ct:contentTypeSchema>
 </file>
 
-<file path=customXml/item4.xml><?xml version="1.0" encoding="utf-8"?>
-<?mso-contentType ?>
-<spe:Receivers xmlns:spe="http://schemas.microsoft.com/sharepoint/events">
-  <Receiver>
-    <Name>Document ID Generator</Name>
-    <Synchronization>Synchronous</Synchronization>
-    <Type>10001</Type>
-    <SequenceNumber>1000</SequenceNumber>
-    <Url/>
-    <Assembly>Microsoft.Office.DocumentManagement, Version=16.0.0.0, Culture=neutral, PublicKeyToken=71e9bce111e9429c</Assembly>
-    <Class>Microsoft.Office.DocumentManagement.Internal.DocIdHandler</Class>
-    <Data/>
-    <Filter/>
-  </Receiver>
-  <Receiver>
-    <Name>Document ID Generator</Name>
-    <Synchronization>Synchronous</Synchronization>
-    <Type>10002</Type>
-    <SequenceNumber>1001</SequenceNumber>
-    <Url/>
-    <Assembly>Microsoft.Office.DocumentManagement, Version=16.0.0.0, Culture=neutral, PublicKeyToken=71e9bce111e9429c</Assembly>
-    <Class>Microsoft.Office.DocumentManagement.Internal.DocIdHandler</Class>
-    <Data/>
-    <Filter/>
-  </Receiver>
-  <Receiver>
-    <Name>Document ID Generator</Name>
-    <Synchronization>Synchronous</Synchronization>
-    <Type>10004</Type>
-    <SequenceNumber>1002</SequenceNumber>
-    <Url/>
-    <Assembly>Microsoft.Office.DocumentManagement, Version=16.0.0.0, Culture=neutral, PublicKeyToken=71e9bce111e9429c</Assembly>
-    <Class>Microsoft.Office.DocumentManagement.Internal.DocIdHandler</Class>
-    <Data/>
-    <Filter/>
-  </Receiver>
-  <Receiver>
-    <Name>Document ID Generator</Name>
-    <Synchronization>Synchronous</Synchronization>
-    <Type>10006</Type>
-    <SequenceNumber>1003</SequenceNumber>
-    <Url/>
-    <Assembly>Microsoft.Office.DocumentManagement, Version=16.0.0.0, Culture=neutral, PublicKeyToken=71e9bce111e9429c</Assembly>
-    <Class>Microsoft.Office.DocumentManagement.Internal.DocIdHandler</Class>
-    <Data/>
-    <Filter/>
-  </Receiver>
-</spe:Receivers>
+<file path=customXml/itemProps1.xml><?xml version="1.0" encoding="utf-8"?>
+<ds:datastoreItem xmlns:ds="http://schemas.openxmlformats.org/officeDocument/2006/customXml" ds:itemID="{791386F8-E168-492C-B4C3-9A800EDC5964}">
+  <ds:schemaRefs>
+    <ds:schemaRef ds:uri="http://schemas.microsoft.com/sharepoint/v3/contenttype/forms"/>
+  </ds:schemaRefs>
+</ds:datastoreItem>
 </file>
 
-<file path=customXml/itemProps1.xml><?xml version="1.0" encoding="utf-8"?>
+<file path=customXml/itemProps2.xml><?xml version="1.0" encoding="utf-8"?>
 <ds:datastoreItem xmlns:ds="http://schemas.openxmlformats.org/officeDocument/2006/customXml" ds:itemID="{8CE2CDB4-3352-4150-919A-B30B39FD5827}">
   <ds:schemaRefs>
     <ds:schemaRef ds:uri="9d07426f-fcca-4a73-934d-5bf429f9e4a3"/>
@@ -19450,15 +19447,15 @@
 </ds:datastoreItem>
 </file>
 
-<file path=customXml/itemProps2.xml><?xml version="1.0" encoding="utf-8"?>
-<ds:datastoreItem xmlns:ds="http://schemas.openxmlformats.org/officeDocument/2006/customXml" ds:itemID="{791386F8-E168-492C-B4C3-9A800EDC5964}">
+<file path=customXml/itemProps3.xml><?xml version="1.0" encoding="utf-8"?>
+<ds:datastoreItem xmlns:ds="http://schemas.openxmlformats.org/officeDocument/2006/customXml" ds:itemID="{EDCF9B43-9EA7-493E-9556-9DC14AABE730}">
   <ds:schemaRefs>
-    <ds:schemaRef ds:uri="http://schemas.microsoft.com/sharepoint/v3/contenttype/forms"/>
+    <ds:schemaRef ds:uri="http://schemas.microsoft.com/sharepoint/events"/>
   </ds:schemaRefs>
 </ds:datastoreItem>
 </file>
 
-<file path=customXml/itemProps3.xml><?xml version="1.0" encoding="utf-8"?>
+<file path=customXml/itemProps4.xml><?xml version="1.0" encoding="utf-8"?>
 <ds:datastoreItem xmlns:ds="http://schemas.openxmlformats.org/officeDocument/2006/customXml" ds:itemID="{76093642-C416-49BE-8398-0DEB4CFE8FE9}">
   <ds:schemaRefs>
     <ds:schemaRef ds:uri="http://schemas.microsoft.com/office/2006/metadata/contentType"/>
@@ -19475,12 +19472,4 @@
     <ds:schemaRef ds:uri="http://schemas.microsoft.com/internal/obd"/>
   </ds:schemaRefs>
 </ds:datastoreItem>
-</file>
-
-<file path=customXml/itemProps4.xml><?xml version="1.0" encoding="utf-8"?>
-<ds:datastoreItem xmlns:ds="http://schemas.openxmlformats.org/officeDocument/2006/customXml" ds:itemID="{EDCF9B43-9EA7-493E-9556-9DC14AABE730}">
-  <ds:schemaRefs>
-    <ds:schemaRef ds:uri="http://schemas.microsoft.com/sharepoint/events"/>
-  </ds:schemaRefs>
-</ds:datastoreItem>
 </file>
--- a/docs/presentations/Intern_Showcase_Wei.pptx
+++ b/docs/presentations/Intern_Showcase_Wei.pptx
@@ -11,12 +11,12 @@
   <p:sldIdLst>
     <p:sldId id="463" r:id="rId7"/>
     <p:sldId id="469" r:id="rId8"/>
-    <p:sldId id="461" r:id="rId9"/>
+    <p:sldId id="538" r:id="rId9"/>
     <p:sldId id="477" r:id="rId10"/>
-    <p:sldId id="479" r:id="rId11"/>
-    <p:sldId id="478" r:id="rId12"/>
+    <p:sldId id="540" r:id="rId11"/>
+    <p:sldId id="557" r:id="rId12"/>
     <p:sldId id="476" r:id="rId13"/>
-    <p:sldId id="473" r:id="rId14"/>
+    <p:sldId id="541" r:id="rId14"/>
     <p:sldId id="475" r:id="rId15"/>
     <p:sldId id="325" r:id="rId16"/>
   </p:sldIdLst>
@@ -227,7 +227,7 @@
           <a:p>
             <a:fld id="{C7319598-7378-4D06-855F-92B3953E18A9}" type="datetimeFigureOut">
               <a:rPr lang="en-US" smtClean="0"/>
-              <a:t>7/22/2024</a:t>
+              <a:t>7/24/2024</a:t>
             </a:fld>
             <a:endParaRPr lang="en-US"/>
           </a:p>
@@ -623,7 +623,7 @@
           <a:lstStyle/>
           <a:p>
             <a:r>
-              <a:rPr lang="en-US" dirty="0"/>
+              <a:rPr lang="en-US"/>
               <a:t>So, what is the goal of Database tools? The final goal is to centralize our knowledge bases to one place. Doing this will improve efficiency and save time by making automated synchronizations and making our documentation always consistent and up to date. Furthermore, By centralizing our data, we can increase collaboration by making data more accessible since engineers will only need to refer to one place to find all the data they need. By centralizing all our data, it also allows us to use semantic search algorithms which will help us find the info we need faster. Doing this will also make data management easier since we can make user classes which have certain permissions to certain parts of the knowledge base. And, by deploying on MongoDB we can increase scalability easily due to Mongo’s simplistic but powerful API. Lastly, this tool should help with quality control specifically regarding error reduction and standardization since it is simple to make controls to filter and vet uploaded data. </a:t>
             </a:r>
           </a:p>
@@ -710,7 +710,7 @@
           <a:lstStyle/>
           <a:p>
             <a:r>
-              <a:rPr lang="en-US" dirty="0"/>
+              <a:rPr lang="en-US"/>
               <a:t>Currently, I’ve been told that many of our teams work on One Note. However, One Note has many downsides such as allowing for chaotic structuring, poor discoverability amongst workspaces (e.g. can’t easily search between notebooks), and terrible API support limiting integration with custom software or applications. Because of these reasons, many inefficiencies arise. </a:t>
             </a:r>
           </a:p>
@@ -797,8 +797,16 @@
           <a:lstStyle/>
           <a:p>
             <a:r>
-              <a:rPr lang="en-US" dirty="0"/>
-              <a:t>For example, if an engineer wants to add a design to one team’s notebook, they might notice that they need some documentation from another notebook. However, after opening said notebook, they might realize that one note can’t find the specific information they want. So, they might open another notebook and find the documentation, but then realize that it is difficult to export this data into a universal format. </a:t>
+              <a:rPr lang="en-US"/>
+              <a:t>To alleviate this problem, we plan to take our One Note notebooks, export and parse them into our MongoDB data-model, then upload these block data-models into confluence. By doing this, we have access to all the data allowing us make features such as semantic searches, mass formatting, etc. During this upload process, we hope to preserve all One Note formats and ordering that the engineers originally intended. This will help with making a seamless transition to confluence since engineers can just pick up where they left off but just on a different platform. We chose upload to confluence enterprise since it has a nice API to interact with, has structured formatting, and has many beta features that are coming to enterprise soon such as automatic page summaries, and a virtual agent to help with making SQL or JQL queries. We are also planning to develop integrations with Notion, </a:t>
+            </a:r>
+            <a:r>
+              <a:rPr lang="en-US" err="1"/>
+              <a:t>Github</a:t>
+            </a:r>
+            <a:r>
+              <a:rPr lang="en-US"/>
+              <a:t> and Jira to allow for more accessibility. </a:t>
             </a:r>
           </a:p>
         </p:txBody>
@@ -821,101 +829,6 @@
             <a:fld id="{657C1899-0281-4675-B394-61ED49C54BA2}" type="slidenum">
               <a:rPr lang="en-US" smtClean="0"/>
               <a:t>5</a:t>
-            </a:fld>
-            <a:endParaRPr lang="en-US"/>
-          </a:p>
-        </p:txBody>
-      </p:sp>
-    </p:spTree>
-    <p:extLst>
-      <p:ext uri="{BB962C8B-B14F-4D97-AF65-F5344CB8AC3E}">
-        <p14:creationId xmlns:p14="http://schemas.microsoft.com/office/powerpoint/2010/main" val="486353100"/>
-      </p:ext>
-    </p:extLst>
-  </p:cSld>
-  <p:clrMapOvr>
-    <a:masterClrMapping/>
-  </p:clrMapOvr>
-</p:notes>
-</file>
-
-<file path=ppt/notesSlides/notesSlide5.xml><?xml version="1.0" encoding="utf-8"?>
-<p:notes xmlns:a="http://schemas.openxmlformats.org/drawingml/2006/main" xmlns:r="http://schemas.openxmlformats.org/officeDocument/2006/relationships" xmlns:p="http://schemas.openxmlformats.org/presentationml/2006/main">
-  <p:cSld>
-    <p:spTree>
-      <p:nvGrpSpPr>
-        <p:cNvPr id="1" name=""/>
-        <p:cNvGrpSpPr/>
-        <p:nvPr/>
-      </p:nvGrpSpPr>
-      <p:grpSpPr>
-        <a:xfrm>
-          <a:off x="0" y="0"/>
-          <a:ext cx="0" cy="0"/>
-          <a:chOff x="0" y="0"/>
-          <a:chExt cx="0" cy="0"/>
-        </a:xfrm>
-      </p:grpSpPr>
-      <p:sp>
-        <p:nvSpPr>
-          <p:cNvPr id="2" name="Slide Image Placeholder 1"/>
-          <p:cNvSpPr>
-            <a:spLocks noGrp="1" noRot="1" noChangeAspect="1"/>
-          </p:cNvSpPr>
-          <p:nvPr>
-            <p:ph type="sldImg"/>
-          </p:nvPr>
-        </p:nvSpPr>
-        <p:spPr/>
-      </p:sp>
-      <p:sp>
-        <p:nvSpPr>
-          <p:cNvPr id="3" name="Notes Placeholder 2"/>
-          <p:cNvSpPr>
-            <a:spLocks noGrp="1"/>
-          </p:cNvSpPr>
-          <p:nvPr>
-            <p:ph type="body" idx="1"/>
-          </p:nvPr>
-        </p:nvSpPr>
-        <p:spPr/>
-        <p:txBody>
-          <a:bodyPr/>
-          <a:lstStyle/>
-          <a:p>
-            <a:r>
-              <a:rPr lang="en-US" dirty="0"/>
-              <a:t>To alleviate this problem, we plan to take our One Note notebooks, export and parse them into our MongoDB data-model, then upload these block data-models into confluence. By doing this, we have access to all the data allowing us make features such as semantic searches, mass formatting, etc. During this upload process, we hope to preserve all One Note formats and ordering that the engineers originally intended. This will help with making a seamless transition to confluence since engineers can just pick up where they left off but just on a different platform. We chose upload to confluence enterprise since it has a nice API to interact with, has structured formatting, and has many beta features that are coming to enterprise soon such as automatic page summaries, and a virtual agent to help with making SQL or JQL queries. We are also planning to develop integrations with Notion, </a:t>
-            </a:r>
-            <a:r>
-              <a:rPr lang="en-US" dirty="0" err="1"/>
-              <a:t>Github</a:t>
-            </a:r>
-            <a:r>
-              <a:rPr lang="en-US" dirty="0"/>
-              <a:t> and Jira to allow for more accessibility. </a:t>
-            </a:r>
-          </a:p>
-        </p:txBody>
-      </p:sp>
-      <p:sp>
-        <p:nvSpPr>
-          <p:cNvPr id="4" name="Slide Number Placeholder 3"/>
-          <p:cNvSpPr>
-            <a:spLocks noGrp="1"/>
-          </p:cNvSpPr>
-          <p:nvPr>
-            <p:ph type="sldNum" sz="quarter" idx="5"/>
-          </p:nvPr>
-        </p:nvSpPr>
-        <p:spPr/>
-        <p:txBody>
-          <a:bodyPr/>
-          <a:lstStyle/>
-          <a:p>
-            <a:fld id="{657C1899-0281-4675-B394-61ED49C54BA2}" type="slidenum">
-              <a:rPr lang="en-US" smtClean="0"/>
-              <a:t>6</a:t>
             </a:fld>
             <a:endParaRPr lang="en-US"/>
           </a:p>
@@ -3161,7 +3074,7 @@
           <a:p>
             <a:fld id="{86A2FD0F-FA34-4173-943C-6FC12C2429A4}" type="datetimeFigureOut">
               <a:rPr lang="en-US" smtClean="0"/>
-              <a:t>7/22/2024</a:t>
+              <a:t>7/24/2024</a:t>
             </a:fld>
             <a:endParaRPr lang="en-US"/>
           </a:p>
@@ -3329,7 +3242,7 @@
           <a:p>
             <a:fld id="{86A2FD0F-FA34-4173-943C-6FC12C2429A4}" type="datetimeFigureOut">
               <a:rPr lang="en-US" smtClean="0"/>
-              <a:t>7/22/2024</a:t>
+              <a:t>7/24/2024</a:t>
             </a:fld>
             <a:endParaRPr lang="en-US"/>
           </a:p>
@@ -3574,7 +3487,7 @@
           <a:p>
             <a:fld id="{86A2FD0F-FA34-4173-943C-6FC12C2429A4}" type="datetimeFigureOut">
               <a:rPr lang="en-US" smtClean="0"/>
-              <a:t>7/22/2024</a:t>
+              <a:t>7/24/2024</a:t>
             </a:fld>
             <a:endParaRPr lang="en-US"/>
           </a:p>
@@ -3803,7 +3716,7 @@
           <a:p>
             <a:fld id="{86A2FD0F-FA34-4173-943C-6FC12C2429A4}" type="datetimeFigureOut">
               <a:rPr lang="en-US" smtClean="0"/>
-              <a:t>7/22/2024</a:t>
+              <a:t>7/24/2024</a:t>
             </a:fld>
             <a:endParaRPr lang="en-US"/>
           </a:p>
@@ -4167,7 +4080,7 @@
           <a:p>
             <a:fld id="{86A2FD0F-FA34-4173-943C-6FC12C2429A4}" type="datetimeFigureOut">
               <a:rPr lang="en-US" smtClean="0"/>
-              <a:t>7/22/2024</a:t>
+              <a:t>7/24/2024</a:t>
             </a:fld>
             <a:endParaRPr lang="en-US"/>
           </a:p>
@@ -4854,7 +4767,7 @@
           <a:p>
             <a:fld id="{86A2FD0F-FA34-4173-943C-6FC12C2429A4}" type="datetimeFigureOut">
               <a:rPr lang="en-US" smtClean="0"/>
-              <a:t>7/22/2024</a:t>
+              <a:t>7/24/2024</a:t>
             </a:fld>
             <a:endParaRPr lang="en-US"/>
           </a:p>
@@ -4949,7 +4862,7 @@
           <a:p>
             <a:fld id="{86A2FD0F-FA34-4173-943C-6FC12C2429A4}" type="datetimeFigureOut">
               <a:rPr lang="en-US" smtClean="0"/>
-              <a:t>7/22/2024</a:t>
+              <a:t>7/24/2024</a:t>
             </a:fld>
             <a:endParaRPr lang="en-US"/>
           </a:p>
@@ -5224,7 +5137,7 @@
           <a:p>
             <a:fld id="{86A2FD0F-FA34-4173-943C-6FC12C2429A4}" type="datetimeFigureOut">
               <a:rPr lang="en-US" smtClean="0"/>
-              <a:t>7/22/2024</a:t>
+              <a:t>7/24/2024</a:t>
             </a:fld>
             <a:endParaRPr lang="en-US"/>
           </a:p>
@@ -5476,7 +5389,7 @@
           <a:p>
             <a:fld id="{86A2FD0F-FA34-4173-943C-6FC12C2429A4}" type="datetimeFigureOut">
               <a:rPr lang="en-US" smtClean="0"/>
-              <a:t>7/22/2024</a:t>
+              <a:t>7/24/2024</a:t>
             </a:fld>
             <a:endParaRPr lang="en-US"/>
           </a:p>
@@ -5644,7 +5557,7 @@
           <a:p>
             <a:fld id="{86A2FD0F-FA34-4173-943C-6FC12C2429A4}" type="datetimeFigureOut">
               <a:rPr lang="en-US" smtClean="0"/>
-              <a:t>7/22/2024</a:t>
+              <a:t>7/24/2024</a:t>
             </a:fld>
             <a:endParaRPr lang="en-US"/>
           </a:p>
@@ -5822,7 +5735,7 @@
           <a:p>
             <a:fld id="{86A2FD0F-FA34-4173-943C-6FC12C2429A4}" type="datetimeFigureOut">
               <a:rPr lang="en-US" smtClean="0"/>
-              <a:t>7/22/2024</a:t>
+              <a:t>7/24/2024</a:t>
             </a:fld>
             <a:endParaRPr lang="en-US"/>
           </a:p>
@@ -6149,7 +6062,7 @@
           <a:p>
             <a:fld id="{FB1E0AA7-3480-410A-94C7-48509DB7D868}" type="datetimeFigureOut">
               <a:rPr lang="en-US" smtClean="0"/>
-              <a:t>7/22/2024</a:t>
+              <a:t>7/24/2024</a:t>
             </a:fld>
             <a:endParaRPr lang="en-US"/>
           </a:p>
@@ -10310,7 +10223,7 @@
           <a:p>
             <a:fld id="{86A2FD0F-FA34-4173-943C-6FC12C2429A4}" type="datetimeFigureOut">
               <a:rPr lang="en-US" smtClean="0"/>
-              <a:t>7/22/2024</a:t>
+              <a:t>7/24/2024</a:t>
             </a:fld>
             <a:endParaRPr lang="en-US"/>
           </a:p>
@@ -10976,7 +10889,7 @@
           <p:nvPr>
             <p:extLst>
               <p:ext uri="{D42A27DB-BD31-4B8C-83A1-F6EECF244321}">
-                <p14:modId xmlns:p14="http://schemas.microsoft.com/office/powerpoint/2010/main" val="4047640428"/>
+                <p14:modId xmlns:p14="http://schemas.microsoft.com/office/powerpoint/2010/main" val="3426734180"/>
               </p:ext>
             </p:extLst>
           </p:nvPr>
@@ -11828,7 +11741,7 @@
                       </a:r>
                       <a:r>
                         <a:rPr lang="en-US" sz="1200" b="0" dirty="0"/>
-                        <a:t>SERGANT</a:t>
+                        <a:t>SERGEANT</a:t>
                       </a:r>
                     </a:p>
                   </a:txBody>
@@ -12004,7 +11917,7 @@
           <a:lstStyle/>
           <a:p>
             <a:r>
-              <a:rPr lang="en-US" dirty="0"/>
+              <a:rPr lang="en-US"/>
               <a:t>Database Tools - Overview</a:t>
             </a:r>
           </a:p>
@@ -12031,7 +11944,7 @@
           <a:lstStyle/>
           <a:p>
             <a:r>
-              <a:rPr lang="en-US" sz="1600" b="1" dirty="0"/>
+              <a:rPr lang="en-US" sz="1600" b="1"/>
               <a:t>What is the big idea of Database Tools?</a:t>
             </a:r>
           </a:p>
@@ -12041,21 +11954,21 @@
               <a:buChar char="•"/>
             </a:pPr>
             <a:r>
-              <a:rPr lang="en-US" sz="1400" b="1" dirty="0"/>
+              <a:rPr lang="en-US" sz="1400" b="1"/>
               <a:t>Improve Efficiency and Save Time</a:t>
             </a:r>
           </a:p>
           <a:p>
             <a:pPr marL="372902" lvl="1" indent="-285750"/>
             <a:r>
-              <a:rPr lang="en-US" sz="1200" dirty="0"/>
+              <a:rPr lang="en-US" sz="1200"/>
               <a:t>Automated Synchronization</a:t>
             </a:r>
           </a:p>
           <a:p>
             <a:pPr marL="372902" lvl="1" indent="-285750"/>
             <a:r>
-              <a:rPr lang="en-US" sz="1200" dirty="0"/>
+              <a:rPr lang="en-US" sz="1200"/>
               <a:t>Consistency between documentation</a:t>
             </a:r>
           </a:p>
@@ -12065,14 +11978,14 @@
               <a:buChar char="•"/>
             </a:pPr>
             <a:r>
-              <a:rPr lang="en-US" sz="1400" b="1" dirty="0"/>
+              <a:rPr lang="en-US" sz="1400" b="1"/>
               <a:t>Improve Collaboration</a:t>
             </a:r>
           </a:p>
           <a:p>
             <a:pPr marL="372902" lvl="1" indent="-285750"/>
             <a:r>
-              <a:rPr lang="en-US" sz="1200" dirty="0"/>
+              <a:rPr lang="en-US" sz="1200"/>
               <a:t>Increase Accessibility</a:t>
             </a:r>
           </a:p>
@@ -12082,18 +11995,18 @@
               <a:buChar char="•"/>
             </a:pPr>
             <a:r>
-              <a:rPr lang="en-US" sz="1400" b="1" dirty="0"/>
+              <a:rPr lang="en-US" sz="1400" b="1"/>
               <a:t>Enhance Information Management</a:t>
             </a:r>
           </a:p>
           <a:p>
             <a:pPr marL="372902" lvl="1" indent="-285750"/>
             <a:r>
-              <a:rPr lang="en-US" sz="1200" dirty="0"/>
+              <a:rPr lang="en-US" sz="1200"/>
               <a:t>Allows for Scalability</a:t>
             </a:r>
             <a:r>
-              <a:rPr lang="en-US" sz="1200" b="1" dirty="0"/>
+              <a:rPr lang="en-US" sz="1200" b="1"/>
               <a:t> </a:t>
             </a:r>
           </a:p>
@@ -12103,24 +12016,24 @@
               <a:buChar char="•"/>
             </a:pPr>
             <a:r>
-              <a:rPr lang="en-US" sz="1400" b="1" dirty="0"/>
+              <a:rPr lang="en-US" sz="1400" b="1"/>
               <a:t>Quality Control</a:t>
             </a:r>
           </a:p>
           <a:p>
             <a:pPr marL="372902" lvl="1" indent="-285750"/>
             <a:r>
-              <a:rPr lang="en-US" sz="1200" dirty="0"/>
+              <a:rPr lang="en-US" sz="1200"/>
               <a:t>Improves Error Reduction</a:t>
             </a:r>
           </a:p>
           <a:p>
             <a:pPr marL="372902" lvl="1" indent="-285750"/>
             <a:r>
-              <a:rPr lang="en-US" sz="1200" dirty="0"/>
+              <a:rPr lang="en-US" sz="1200"/>
               <a:t>Increases Standardization</a:t>
             </a:r>
-            <a:endParaRPr lang="en-US" sz="1400" dirty="0"/>
+            <a:endParaRPr lang="en-US" sz="1400"/>
           </a:p>
         </p:txBody>
       </p:sp>
@@ -12312,7 +12225,7 @@
               <a:buNone/>
             </a:pPr>
             <a:r>
-              <a:rPr lang="en-US" dirty="0">
+              <a:rPr lang="en-US">
                 <a:solidFill>
                   <a:schemeClr val="tx1"/>
                 </a:solidFill>
@@ -12839,7 +12752,7 @@
     </p:spTree>
     <p:extLst>
       <p:ext uri="{BB962C8B-B14F-4D97-AF65-F5344CB8AC3E}">
-        <p14:creationId xmlns:p14="http://schemas.microsoft.com/office/powerpoint/2010/main" val="1975388560"/>
+        <p14:creationId xmlns:p14="http://schemas.microsoft.com/office/powerpoint/2010/main" val="1312305644"/>
       </p:ext>
     </p:extLst>
   </p:cSld>
@@ -12947,7 +12860,7 @@
           <a:lstStyle/>
           <a:p>
             <a:r>
-              <a:rPr lang="en-US" dirty="0"/>
+              <a:rPr lang="en-US"/>
               <a:t>Database Tools – Current Configuration</a:t>
             </a:r>
           </a:p>
@@ -12976,7 +12889,9 @@
           </a:xfrm>
         </p:spPr>
         <p:txBody>
-          <a:bodyPr/>
+          <a:bodyPr vert="horz" lIns="91440" tIns="45720" rIns="91440" bIns="45720" rtlCol="0" anchor="t">
+            <a:noAutofit/>
+          </a:bodyPr>
           <a:lstStyle/>
           <a:p>
             <a:pPr marL="0" indent="0">
@@ -12988,72 +12903,51 @@
             </a:r>
           </a:p>
           <a:p>
+            <a:pPr marL="152400" indent="-152400"/>
             <a:r>
               <a:rPr lang="en-US" dirty="0"/>
               <a:t>Allows for chaotic structuring</a:t>
             </a:r>
-          </a:p>
-          <a:p>
+            <a:endParaRPr lang="en-US" dirty="0">
+              <a:cs typeface="Arial" panose="020B0604020202020204"/>
+            </a:endParaRPr>
+          </a:p>
+          <a:p>
+            <a:pPr marL="152400" indent="-152400"/>
             <a:r>
               <a:rPr lang="en-US" dirty="0"/>
               <a:t>Poor discoverability amongst workspaces</a:t>
             </a:r>
-          </a:p>
-          <a:p>
-            <a:r>
-              <a:rPr lang="en-US" dirty="0"/>
-              <a:t>Terrible API support</a:t>
-            </a:r>
-          </a:p>
-        </p:txBody>
-      </p:sp>
-      <p:pic>
-        <p:nvPicPr>
-          <p:cNvPr id="1025" name="Picture 1" descr="Writing I Love - Philosophy from Calvin (and Hobbes!) - Tom McCallum">
-            <a:extLst>
-              <a:ext uri="{FF2B5EF4-FFF2-40B4-BE49-F238E27FC236}">
-                <a16:creationId xmlns:a16="http://schemas.microsoft.com/office/drawing/2014/main" id="{C2D6D8E1-D1BE-AD81-36F7-D9EBF02125AF}"/>
-              </a:ext>
-            </a:extLst>
-          </p:cNvPr>
-          <p:cNvPicPr>
-            <a:picLocks noChangeAspect="1" noChangeArrowheads="1"/>
-          </p:cNvPicPr>
-          <p:nvPr/>
-        </p:nvPicPr>
-        <p:blipFill>
-          <a:blip r:embed="rId3">
-            <a:extLst>
-              <a:ext uri="{28A0092B-C50C-407E-A947-70E740481C1C}">
-                <a14:useLocalDpi xmlns:a14="http://schemas.microsoft.com/office/drawing/2010/main" val="0"/>
-              </a:ext>
-            </a:extLst>
-          </a:blip>
-          <a:srcRect/>
-          <a:stretch>
-            <a:fillRect/>
-          </a:stretch>
-        </p:blipFill>
-        <p:spPr bwMode="auto">
-          <a:xfrm>
-            <a:off x="520846" y="2664477"/>
-            <a:ext cx="6086475" cy="2009775"/>
-          </a:xfrm>
-          <a:prstGeom prst="rect">
-            <a:avLst/>
-          </a:prstGeom>
-          <a:noFill/>
-          <a:extLst>
-            <a:ext uri="{909E8E84-426E-40DD-AFC4-6F175D3DCCD1}">
-              <a14:hiddenFill xmlns:a14="http://schemas.microsoft.com/office/drawing/2010/main">
-                <a:solidFill>
-                  <a:srgbClr val="FFFFFF"/>
-                </a:solidFill>
-              </a14:hiddenFill>
-            </a:ext>
-          </a:extLst>
-        </p:spPr>
-      </p:pic>
+            <a:endParaRPr lang="en-US" dirty="0">
+              <a:cs typeface="Arial"/>
+            </a:endParaRPr>
+          </a:p>
+          <a:p>
+            <a:pPr marL="152400" indent="-152400"/>
+            <a:r>
+              <a:rPr lang="en-US" dirty="0">
+                <a:cs typeface="Arial"/>
+              </a:rPr>
+              <a:t>As notebooks grow, they take up more and more disk space. Side effect of user-side data caching</a:t>
+            </a:r>
+          </a:p>
+          <a:p>
+            <a:pPr marL="152400" indent="-152400"/>
+            <a:r>
+              <a:rPr lang="en-US" dirty="0">
+                <a:cs typeface="Arial"/>
+              </a:rPr>
+              <a:t>Inaccessible API in our enterprise setting</a:t>
+            </a:r>
+          </a:p>
+          <a:p>
+            <a:pPr marL="152400" indent="-152400"/>
+            <a:endParaRPr lang="en-US" dirty="0">
+              <a:cs typeface="Arial"/>
+            </a:endParaRPr>
+          </a:p>
+        </p:txBody>
+      </p:sp>
       <p:grpSp>
         <p:nvGrpSpPr>
           <p:cNvPr id="18" name="Group 17">
@@ -13068,7 +12962,7 @@
         </p:nvGrpSpPr>
         <p:grpSpPr>
           <a:xfrm>
-            <a:off x="4259675" y="948264"/>
+            <a:off x="4373700" y="1024835"/>
             <a:ext cx="2758800" cy="1564745"/>
             <a:chOff x="5325465" y="914278"/>
             <a:chExt cx="2758800" cy="1564745"/>
@@ -13089,7 +12983,7 @@
             <p:nvPr/>
           </p:nvPicPr>
           <p:blipFill>
-            <a:blip r:embed="rId4"/>
+            <a:blip r:embed="rId3"/>
             <a:stretch>
               <a:fillRect/>
             </a:stretch>
@@ -13133,7 +13027,7 @@
             <a:lstStyle/>
             <a:p>
               <a:r>
-                <a:rPr lang="en-US" sz="600" dirty="0"/>
+                <a:rPr lang="en-US" sz="600"/>
                 <a:t>No enforcement of structure to pages and order allows for chaos amongst documents leading to many issues such as difficulty when exporting pages, searching for specific information, linking blocks or other notebooks, etc.</a:t>
               </a:r>
             </a:p>
@@ -13175,7 +13069,7 @@
             <p:nvPr/>
           </p:nvPicPr>
           <p:blipFill>
-            <a:blip r:embed="rId5"/>
+            <a:blip r:embed="rId4"/>
             <a:stretch>
               <a:fillRect/>
             </a:stretch>
@@ -13219,7 +13113,7 @@
             <a:lstStyle/>
             <a:p>
               <a:r>
-                <a:rPr lang="en-US" sz="600" dirty="0">
+                <a:rPr lang="en-US" sz="600">
                   <a:solidFill>
                     <a:schemeClr val="tx2"/>
                   </a:solidFill>
@@ -13424,7 +13318,7 @@
               <a:buNone/>
             </a:pPr>
             <a:r>
-              <a:rPr lang="en-US" dirty="0">
+              <a:rPr lang="en-US">
                 <a:solidFill>
                   <a:schemeClr val="tx1"/>
                 </a:solidFill>
@@ -13434,100 +13328,134 @@
           </a:p>
         </p:txBody>
       </p:sp>
-      <p:pic>
-        <p:nvPicPr>
-          <p:cNvPr id="1026" name="Picture 2">
+      <p:grpSp>
+        <p:nvGrpSpPr>
+          <p:cNvPr id="7" name="Group 6">
             <a:extLst>
               <a:ext uri="{FF2B5EF4-FFF2-40B4-BE49-F238E27FC236}">
-                <a16:creationId xmlns:a16="http://schemas.microsoft.com/office/drawing/2014/main" id="{D2F627D1-8AA5-6111-92ED-C6944440F1B9}"/>
+                <a16:creationId xmlns:a16="http://schemas.microsoft.com/office/drawing/2014/main" id="{F7924DEE-9B20-94BE-6242-AFC4402B1174}"/>
               </a:ext>
             </a:extLst>
           </p:cNvPr>
-          <p:cNvPicPr>
-            <a:picLocks noChangeAspect="1" noChangeArrowheads="1"/>
-          </p:cNvPicPr>
+          <p:cNvGrpSpPr/>
           <p:nvPr/>
-        </p:nvPicPr>
-        <p:blipFill>
-          <a:blip r:embed="rId6">
+        </p:nvGrpSpPr>
+        <p:grpSpPr>
+          <a:xfrm>
+            <a:off x="520846" y="2753377"/>
+            <a:ext cx="5826125" cy="1920875"/>
+            <a:chOff x="520846" y="2753377"/>
+            <a:chExt cx="5826125" cy="1920875"/>
+          </a:xfrm>
+        </p:grpSpPr>
+        <p:pic>
+          <p:nvPicPr>
+            <p:cNvPr id="1025" name="Picture 1" descr="Writing I Love - Philosophy from Calvin (and Hobbes!) - Tom McCallum">
+              <a:extLst>
+                <a:ext uri="{FF2B5EF4-FFF2-40B4-BE49-F238E27FC236}">
+                  <a16:creationId xmlns:a16="http://schemas.microsoft.com/office/drawing/2014/main" id="{C2D6D8E1-D1BE-AD81-36F7-D9EBF02125AF}"/>
+                </a:ext>
+              </a:extLst>
+            </p:cNvPr>
+            <p:cNvPicPr>
+              <a:picLocks noChangeAspect="1" noChangeArrowheads="1"/>
+            </p:cNvPicPr>
+            <p:nvPr/>
+          </p:nvPicPr>
+          <p:blipFill>
+            <a:blip r:embed="rId5">
+              <a:extLst>
+                <a:ext uri="{28A0092B-C50C-407E-A947-70E740481C1C}">
+                  <a14:useLocalDpi xmlns:a14="http://schemas.microsoft.com/office/drawing/2010/main" val="0"/>
+                </a:ext>
+              </a:extLst>
+            </a:blip>
+            <a:srcRect/>
+            <a:stretch>
+              <a:fillRect/>
+            </a:stretch>
+          </p:blipFill>
+          <p:spPr bwMode="auto">
+            <a:xfrm>
+              <a:off x="520846" y="2753377"/>
+              <a:ext cx="5826125" cy="1920875"/>
+            </a:xfrm>
+            <a:prstGeom prst="rect">
+              <a:avLst/>
+            </a:prstGeom>
+            <a:noFill/>
             <a:extLst>
-              <a:ext uri="{28A0092B-C50C-407E-A947-70E740481C1C}">
-                <a14:useLocalDpi xmlns:a14="http://schemas.microsoft.com/office/drawing/2010/main" val="0"/>
+              <a:ext uri="{909E8E84-426E-40DD-AFC4-6F175D3DCCD1}">
+                <a14:hiddenFill xmlns:a14="http://schemas.microsoft.com/office/drawing/2010/main">
+                  <a:solidFill>
+                    <a:srgbClr val="FFFFFF"/>
+                  </a:solidFill>
+                </a14:hiddenFill>
               </a:ext>
             </a:extLst>
-          </a:blip>
-          <a:srcRect/>
-          <a:stretch>
-            <a:fillRect/>
-          </a:stretch>
-        </p:blipFill>
-        <p:spPr bwMode="auto">
-          <a:xfrm>
-            <a:off x="4390811" y="4135676"/>
-            <a:ext cx="545306" cy="545306"/>
-          </a:xfrm>
-          <a:prstGeom prst="rect">
-            <a:avLst/>
-          </a:prstGeom>
-          <a:noFill/>
-          <a:extLst>
-            <a:ext uri="{909E8E84-426E-40DD-AFC4-6F175D3DCCD1}">
-              <a14:hiddenFill xmlns:a14="http://schemas.microsoft.com/office/drawing/2010/main">
-                <a:solidFill>
-                  <a:srgbClr val="FFFFFF"/>
-                </a:solidFill>
-              </a14:hiddenFill>
-            </a:ext>
-          </a:extLst>
-        </p:spPr>
-      </p:pic>
-      <p:pic>
-        <p:nvPicPr>
-          <p:cNvPr id="5" name="Picture 2">
-            <a:extLst>
-              <a:ext uri="{FF2B5EF4-FFF2-40B4-BE49-F238E27FC236}">
-                <a16:creationId xmlns:a16="http://schemas.microsoft.com/office/drawing/2014/main" id="{19B1167C-87A3-5163-A80C-291BCF455B0A}"/>
-              </a:ext>
-            </a:extLst>
-          </p:cNvPr>
-          <p:cNvPicPr>
-            <a:picLocks noChangeAspect="1" noChangeArrowheads="1"/>
-          </p:cNvPicPr>
-          <p:nvPr/>
-        </p:nvPicPr>
-        <p:blipFill>
-          <a:blip r:embed="rId6">
-            <a:extLst>
-              <a:ext uri="{28A0092B-C50C-407E-A947-70E740481C1C}">
-                <a14:useLocalDpi xmlns:a14="http://schemas.microsoft.com/office/drawing/2010/main" val="0"/>
-              </a:ext>
-            </a:extLst>
-          </a:blip>
-          <a:srcRect/>
-          <a:stretch>
-            <a:fillRect/>
-          </a:stretch>
-        </p:blipFill>
-        <p:spPr bwMode="auto">
-          <a:xfrm>
-            <a:off x="5772150" y="3988570"/>
-            <a:ext cx="545306" cy="545306"/>
-          </a:xfrm>
-          <a:prstGeom prst="rect">
-            <a:avLst/>
-          </a:prstGeom>
-          <a:noFill/>
-          <a:extLst>
-            <a:ext uri="{909E8E84-426E-40DD-AFC4-6F175D3DCCD1}">
-              <a14:hiddenFill xmlns:a14="http://schemas.microsoft.com/office/drawing/2010/main">
-                <a:solidFill>
-                  <a:srgbClr val="FFFFFF"/>
-                </a:solidFill>
-              </a14:hiddenFill>
-            </a:ext>
-          </a:extLst>
-        </p:spPr>
-      </p:pic>
+          </p:spPr>
+        </p:pic>
+        <p:pic>
+          <p:nvPicPr>
+            <p:cNvPr id="5" name="Picture 4" descr="Download Microsoft OneNote Logo in SVG Vector or PNG File Format - Logo.wine">
+              <a:extLst>
+                <a:ext uri="{FF2B5EF4-FFF2-40B4-BE49-F238E27FC236}">
+                  <a16:creationId xmlns:a16="http://schemas.microsoft.com/office/drawing/2014/main" id="{CADDEEF3-0409-50DB-7ED7-26143F8C2363}"/>
+                </a:ext>
+              </a:extLst>
+            </p:cNvPr>
+            <p:cNvPicPr>
+              <a:picLocks noChangeAspect="1"/>
+            </p:cNvPicPr>
+            <p:nvPr/>
+          </p:nvPicPr>
+          <p:blipFill>
+            <a:blip r:embed="rId6"/>
+            <a:stretch>
+              <a:fillRect/>
+            </a:stretch>
+          </p:blipFill>
+          <p:spPr>
+            <a:xfrm>
+              <a:off x="5454650" y="4019550"/>
+              <a:ext cx="596900" cy="400050"/>
+            </a:xfrm>
+            <a:prstGeom prst="rect">
+              <a:avLst/>
+            </a:prstGeom>
+          </p:spPr>
+        </p:pic>
+        <p:pic>
+          <p:nvPicPr>
+            <p:cNvPr id="6" name="Picture 5" descr="Download Microsoft OneNote Logo in SVG Vector or PNG File Format - Logo.wine">
+              <a:extLst>
+                <a:ext uri="{FF2B5EF4-FFF2-40B4-BE49-F238E27FC236}">
+                  <a16:creationId xmlns:a16="http://schemas.microsoft.com/office/drawing/2014/main" id="{EF0BD291-B315-4931-4983-7AC150C1E11D}"/>
+                </a:ext>
+              </a:extLst>
+            </p:cNvPr>
+            <p:cNvPicPr>
+              <a:picLocks noChangeAspect="1"/>
+            </p:cNvPicPr>
+            <p:nvPr/>
+          </p:nvPicPr>
+          <p:blipFill>
+            <a:blip r:embed="rId6"/>
+            <a:stretch>
+              <a:fillRect/>
+            </a:stretch>
+          </p:blipFill>
+          <p:spPr>
+            <a:xfrm>
+              <a:off x="4184650" y="4222750"/>
+              <a:ext cx="596900" cy="400050"/>
+            </a:xfrm>
+            <a:prstGeom prst="rect">
+              <a:avLst/>
+            </a:prstGeom>
+          </p:spPr>
+        </p:pic>
+      </p:grpSp>
     </p:spTree>
     <p:extLst>
       <p:ext uri="{BB962C8B-B14F-4D97-AF65-F5344CB8AC3E}">
@@ -13558,6 +13486,446 @@
           <a:chExt cx="0" cy="0"/>
         </a:xfrm>
       </p:grpSpPr>
+      <p:cxnSp>
+        <p:nvCxnSpPr>
+          <p:cNvPr id="145" name="Straight Arrow Connector 144">
+            <a:extLst>
+              <a:ext uri="{FF2B5EF4-FFF2-40B4-BE49-F238E27FC236}">
+                <a16:creationId xmlns:a16="http://schemas.microsoft.com/office/drawing/2014/main" id="{63D7F09E-D3F6-BD4F-E2DC-5DECEA54F3AC}"/>
+              </a:ext>
+            </a:extLst>
+          </p:cNvPr>
+          <p:cNvCxnSpPr>
+            <a:cxnSpLocks/>
+          </p:cNvCxnSpPr>
+          <p:nvPr/>
+        </p:nvCxnSpPr>
+        <p:spPr>
+          <a:xfrm>
+            <a:off x="3703987" y="1601738"/>
+            <a:ext cx="2641895" cy="8679"/>
+          </a:xfrm>
+          <a:prstGeom prst="straightConnector1">
+            <a:avLst/>
+          </a:prstGeom>
+          <a:ln w="28575">
+            <a:solidFill>
+              <a:srgbClr val="FF0000"/>
+            </a:solidFill>
+            <a:tailEnd type="triangle"/>
+          </a:ln>
+        </p:spPr>
+        <p:style>
+          <a:lnRef idx="1">
+            <a:schemeClr val="accent1"/>
+          </a:lnRef>
+          <a:fillRef idx="0">
+            <a:schemeClr val="accent1"/>
+          </a:fillRef>
+          <a:effectRef idx="0">
+            <a:schemeClr val="accent1"/>
+          </a:effectRef>
+          <a:fontRef idx="minor">
+            <a:schemeClr val="tx1"/>
+          </a:fontRef>
+        </p:style>
+      </p:cxnSp>
+      <p:cxnSp>
+        <p:nvCxnSpPr>
+          <p:cNvPr id="146" name="Straight Arrow Connector 145">
+            <a:extLst>
+              <a:ext uri="{FF2B5EF4-FFF2-40B4-BE49-F238E27FC236}">
+                <a16:creationId xmlns:a16="http://schemas.microsoft.com/office/drawing/2014/main" id="{59F60D79-2ED2-E983-AC74-3C155D5AA14F}"/>
+              </a:ext>
+            </a:extLst>
+          </p:cNvPr>
+          <p:cNvCxnSpPr>
+            <a:cxnSpLocks/>
+          </p:cNvCxnSpPr>
+          <p:nvPr/>
+        </p:nvCxnSpPr>
+        <p:spPr>
+          <a:xfrm>
+            <a:off x="3710337" y="1595387"/>
+            <a:ext cx="1067095" cy="129329"/>
+          </a:xfrm>
+          <a:prstGeom prst="straightConnector1">
+            <a:avLst/>
+          </a:prstGeom>
+          <a:ln w="28575">
+            <a:solidFill>
+              <a:srgbClr val="FF0000"/>
+            </a:solidFill>
+            <a:tailEnd type="triangle"/>
+          </a:ln>
+        </p:spPr>
+        <p:style>
+          <a:lnRef idx="1">
+            <a:schemeClr val="accent1"/>
+          </a:lnRef>
+          <a:fillRef idx="0">
+            <a:schemeClr val="accent1"/>
+          </a:fillRef>
+          <a:effectRef idx="0">
+            <a:schemeClr val="accent1"/>
+          </a:effectRef>
+          <a:fontRef idx="minor">
+            <a:schemeClr val="tx1"/>
+          </a:fontRef>
+        </p:style>
+      </p:cxnSp>
+      <p:cxnSp>
+        <p:nvCxnSpPr>
+          <p:cNvPr id="147" name="Straight Arrow Connector 146">
+            <a:extLst>
+              <a:ext uri="{FF2B5EF4-FFF2-40B4-BE49-F238E27FC236}">
+                <a16:creationId xmlns:a16="http://schemas.microsoft.com/office/drawing/2014/main" id="{8EB51FDA-DD4D-D622-468A-50782A6C7D54}"/>
+              </a:ext>
+            </a:extLst>
+          </p:cNvPr>
+          <p:cNvCxnSpPr>
+            <a:cxnSpLocks/>
+          </p:cNvCxnSpPr>
+          <p:nvPr/>
+        </p:nvCxnSpPr>
+        <p:spPr>
+          <a:xfrm flipH="1" flipV="1">
+            <a:off x="1430982" y="1591367"/>
+            <a:ext cx="2273005" cy="23071"/>
+          </a:xfrm>
+          <a:prstGeom prst="straightConnector1">
+            <a:avLst/>
+          </a:prstGeom>
+          <a:ln w="28575">
+            <a:solidFill>
+              <a:srgbClr val="FF0000"/>
+            </a:solidFill>
+            <a:tailEnd type="triangle"/>
+          </a:ln>
+        </p:spPr>
+        <p:style>
+          <a:lnRef idx="1">
+            <a:schemeClr val="accent1"/>
+          </a:lnRef>
+          <a:fillRef idx="0">
+            <a:schemeClr val="accent1"/>
+          </a:fillRef>
+          <a:effectRef idx="0">
+            <a:schemeClr val="accent1"/>
+          </a:effectRef>
+          <a:fontRef idx="minor">
+            <a:schemeClr val="tx1"/>
+          </a:fontRef>
+        </p:style>
+      </p:cxnSp>
+      <p:cxnSp>
+        <p:nvCxnSpPr>
+          <p:cNvPr id="125" name="Straight Arrow Connector 124">
+            <a:extLst>
+              <a:ext uri="{FF2B5EF4-FFF2-40B4-BE49-F238E27FC236}">
+                <a16:creationId xmlns:a16="http://schemas.microsoft.com/office/drawing/2014/main" id="{9FF56B71-8D33-5A26-A21A-FBCCCD572817}"/>
+              </a:ext>
+            </a:extLst>
+          </p:cNvPr>
+          <p:cNvCxnSpPr>
+            <a:cxnSpLocks/>
+          </p:cNvCxnSpPr>
+          <p:nvPr/>
+        </p:nvCxnSpPr>
+        <p:spPr>
+          <a:xfrm flipH="1">
+            <a:off x="5323532" y="3398788"/>
+            <a:ext cx="1822155" cy="1158029"/>
+          </a:xfrm>
+          <a:prstGeom prst="straightConnector1">
+            <a:avLst/>
+          </a:prstGeom>
+          <a:ln w="28575">
+            <a:solidFill>
+              <a:srgbClr val="7030A0"/>
+            </a:solidFill>
+            <a:tailEnd type="triangle"/>
+          </a:ln>
+        </p:spPr>
+        <p:style>
+          <a:lnRef idx="1">
+            <a:schemeClr val="accent1"/>
+          </a:lnRef>
+          <a:fillRef idx="0">
+            <a:schemeClr val="accent1"/>
+          </a:fillRef>
+          <a:effectRef idx="0">
+            <a:schemeClr val="accent1"/>
+          </a:effectRef>
+          <a:fontRef idx="minor">
+            <a:schemeClr val="tx1"/>
+          </a:fontRef>
+        </p:style>
+      </p:cxnSp>
+      <p:cxnSp>
+        <p:nvCxnSpPr>
+          <p:cNvPr id="127" name="Straight Arrow Connector 126">
+            <a:extLst>
+              <a:ext uri="{FF2B5EF4-FFF2-40B4-BE49-F238E27FC236}">
+                <a16:creationId xmlns:a16="http://schemas.microsoft.com/office/drawing/2014/main" id="{F3F72955-FC70-923C-0667-6FC47CD4003B}"/>
+              </a:ext>
+            </a:extLst>
+          </p:cNvPr>
+          <p:cNvCxnSpPr>
+            <a:cxnSpLocks/>
+          </p:cNvCxnSpPr>
+          <p:nvPr/>
+        </p:nvCxnSpPr>
+        <p:spPr>
+          <a:xfrm>
+            <a:off x="2865787" y="3398787"/>
+            <a:ext cx="1105195" cy="1024679"/>
+          </a:xfrm>
+          <a:prstGeom prst="straightConnector1">
+            <a:avLst/>
+          </a:prstGeom>
+          <a:ln w="28575">
+            <a:solidFill>
+              <a:srgbClr val="7030A0"/>
+            </a:solidFill>
+            <a:tailEnd type="triangle"/>
+          </a:ln>
+        </p:spPr>
+        <p:style>
+          <a:lnRef idx="1">
+            <a:schemeClr val="accent1"/>
+          </a:lnRef>
+          <a:fillRef idx="0">
+            <a:schemeClr val="accent1"/>
+          </a:fillRef>
+          <a:effectRef idx="0">
+            <a:schemeClr val="accent1"/>
+          </a:effectRef>
+          <a:fontRef idx="minor">
+            <a:schemeClr val="tx1"/>
+          </a:fontRef>
+        </p:style>
+      </p:cxnSp>
+      <p:cxnSp>
+        <p:nvCxnSpPr>
+          <p:cNvPr id="128" name="Straight Arrow Connector 127">
+            <a:extLst>
+              <a:ext uri="{FF2B5EF4-FFF2-40B4-BE49-F238E27FC236}">
+                <a16:creationId xmlns:a16="http://schemas.microsoft.com/office/drawing/2014/main" id="{84DAA49E-AD35-3349-7386-03D045D7C675}"/>
+              </a:ext>
+            </a:extLst>
+          </p:cNvPr>
+          <p:cNvCxnSpPr>
+            <a:cxnSpLocks/>
+          </p:cNvCxnSpPr>
+          <p:nvPr/>
+        </p:nvCxnSpPr>
+        <p:spPr>
+          <a:xfrm flipV="1">
+            <a:off x="1805337" y="3553516"/>
+            <a:ext cx="451145" cy="943821"/>
+          </a:xfrm>
+          <a:prstGeom prst="straightConnector1">
+            <a:avLst/>
+          </a:prstGeom>
+          <a:ln w="28575">
+            <a:solidFill>
+              <a:srgbClr val="7030A0"/>
+            </a:solidFill>
+            <a:tailEnd type="triangle"/>
+          </a:ln>
+        </p:spPr>
+        <p:style>
+          <a:lnRef idx="1">
+            <a:schemeClr val="accent1"/>
+          </a:lnRef>
+          <a:fillRef idx="0">
+            <a:schemeClr val="accent1"/>
+          </a:fillRef>
+          <a:effectRef idx="0">
+            <a:schemeClr val="accent1"/>
+          </a:effectRef>
+          <a:fontRef idx="minor">
+            <a:schemeClr val="tx1"/>
+          </a:fontRef>
+        </p:style>
+      </p:cxnSp>
+      <p:cxnSp>
+        <p:nvCxnSpPr>
+          <p:cNvPr id="129" name="Straight Arrow Connector 128">
+            <a:extLst>
+              <a:ext uri="{FF2B5EF4-FFF2-40B4-BE49-F238E27FC236}">
+                <a16:creationId xmlns:a16="http://schemas.microsoft.com/office/drawing/2014/main" id="{4C254074-D235-4117-0D9D-7401F03AF025}"/>
+              </a:ext>
+            </a:extLst>
+          </p:cNvPr>
+          <p:cNvCxnSpPr>
+            <a:cxnSpLocks/>
+          </p:cNvCxnSpPr>
+          <p:nvPr/>
+        </p:nvCxnSpPr>
+        <p:spPr>
+          <a:xfrm>
+            <a:off x="694087" y="3608337"/>
+            <a:ext cx="235245" cy="884979"/>
+          </a:xfrm>
+          <a:prstGeom prst="straightConnector1">
+            <a:avLst/>
+          </a:prstGeom>
+          <a:ln w="28575">
+            <a:solidFill>
+              <a:srgbClr val="7030A0"/>
+            </a:solidFill>
+            <a:tailEnd type="triangle"/>
+          </a:ln>
+        </p:spPr>
+        <p:style>
+          <a:lnRef idx="1">
+            <a:schemeClr val="accent1"/>
+          </a:lnRef>
+          <a:fillRef idx="0">
+            <a:schemeClr val="accent1"/>
+          </a:fillRef>
+          <a:effectRef idx="0">
+            <a:schemeClr val="accent1"/>
+          </a:effectRef>
+          <a:fontRef idx="minor">
+            <a:schemeClr val="tx1"/>
+          </a:fontRef>
+        </p:style>
+      </p:cxnSp>
+      <p:cxnSp>
+        <p:nvCxnSpPr>
+          <p:cNvPr id="130" name="Straight Arrow Connector 129">
+            <a:extLst>
+              <a:ext uri="{FF2B5EF4-FFF2-40B4-BE49-F238E27FC236}">
+                <a16:creationId xmlns:a16="http://schemas.microsoft.com/office/drawing/2014/main" id="{79313245-57E4-7145-0458-2908CB171CFC}"/>
+              </a:ext>
+            </a:extLst>
+          </p:cNvPr>
+          <p:cNvCxnSpPr>
+            <a:cxnSpLocks/>
+          </p:cNvCxnSpPr>
+          <p:nvPr/>
+        </p:nvCxnSpPr>
+        <p:spPr>
+          <a:xfrm flipH="1">
+            <a:off x="611832" y="2414537"/>
+            <a:ext cx="18755" cy="815129"/>
+          </a:xfrm>
+          <a:prstGeom prst="straightConnector1">
+            <a:avLst/>
+          </a:prstGeom>
+          <a:ln w="28575">
+            <a:solidFill>
+              <a:srgbClr val="7030A0"/>
+            </a:solidFill>
+            <a:tailEnd type="triangle"/>
+          </a:ln>
+        </p:spPr>
+        <p:style>
+          <a:lnRef idx="1">
+            <a:schemeClr val="accent1"/>
+          </a:lnRef>
+          <a:fillRef idx="0">
+            <a:schemeClr val="accent1"/>
+          </a:fillRef>
+          <a:effectRef idx="0">
+            <a:schemeClr val="accent1"/>
+          </a:effectRef>
+          <a:fontRef idx="minor">
+            <a:schemeClr val="tx1"/>
+          </a:fontRef>
+        </p:style>
+      </p:cxnSp>
+      <p:cxnSp>
+        <p:nvCxnSpPr>
+          <p:cNvPr id="131" name="Straight Arrow Connector 130">
+            <a:extLst>
+              <a:ext uri="{FF2B5EF4-FFF2-40B4-BE49-F238E27FC236}">
+                <a16:creationId xmlns:a16="http://schemas.microsoft.com/office/drawing/2014/main" id="{29E4F4E7-9AC7-0E7A-D4FB-2F4837577BAD}"/>
+              </a:ext>
+            </a:extLst>
+          </p:cNvPr>
+          <p:cNvCxnSpPr>
+            <a:cxnSpLocks/>
+          </p:cNvCxnSpPr>
+          <p:nvPr/>
+        </p:nvCxnSpPr>
+        <p:spPr>
+          <a:xfrm flipV="1">
+            <a:off x="7132987" y="2099366"/>
+            <a:ext cx="295" cy="1115271"/>
+          </a:xfrm>
+          <a:prstGeom prst="straightConnector1">
+            <a:avLst/>
+          </a:prstGeom>
+          <a:ln w="28575">
+            <a:solidFill>
+              <a:srgbClr val="7030A0"/>
+            </a:solidFill>
+            <a:tailEnd type="triangle"/>
+          </a:ln>
+        </p:spPr>
+        <p:style>
+          <a:lnRef idx="1">
+            <a:schemeClr val="accent1"/>
+          </a:lnRef>
+          <a:fillRef idx="0">
+            <a:schemeClr val="accent1"/>
+          </a:fillRef>
+          <a:effectRef idx="0">
+            <a:schemeClr val="accent1"/>
+          </a:effectRef>
+          <a:fontRef idx="minor">
+            <a:schemeClr val="tx1"/>
+          </a:fontRef>
+        </p:style>
+      </p:cxnSp>
+      <p:cxnSp>
+        <p:nvCxnSpPr>
+          <p:cNvPr id="38" name="Straight Arrow Connector 37">
+            <a:extLst>
+              <a:ext uri="{FF2B5EF4-FFF2-40B4-BE49-F238E27FC236}">
+                <a16:creationId xmlns:a16="http://schemas.microsoft.com/office/drawing/2014/main" id="{B1E107CB-C449-8E38-0194-D287C0B20ACE}"/>
+              </a:ext>
+            </a:extLst>
+          </p:cNvPr>
+          <p:cNvCxnSpPr>
+            <a:cxnSpLocks/>
+          </p:cNvCxnSpPr>
+          <p:nvPr/>
+        </p:nvCxnSpPr>
+        <p:spPr>
+          <a:xfrm flipV="1">
+            <a:off x="795725" y="2640622"/>
+            <a:ext cx="18546" cy="854148"/>
+          </a:xfrm>
+          <a:prstGeom prst="straightConnector1">
+            <a:avLst/>
+          </a:prstGeom>
+          <a:ln w="28575">
+            <a:solidFill>
+              <a:srgbClr val="FF0000"/>
+            </a:solidFill>
+            <a:tailEnd type="triangle"/>
+          </a:ln>
+        </p:spPr>
+        <p:style>
+          <a:lnRef idx="1">
+            <a:schemeClr val="accent1"/>
+          </a:lnRef>
+          <a:fillRef idx="0">
+            <a:schemeClr val="accent1"/>
+          </a:fillRef>
+          <a:effectRef idx="0">
+            <a:schemeClr val="accent1"/>
+          </a:effectRef>
+          <a:fontRef idx="minor">
+            <a:schemeClr val="tx1"/>
+          </a:fontRef>
+        </p:style>
+      </p:cxnSp>
       <p:sp>
         <p:nvSpPr>
           <p:cNvPr id="2" name="Footer Placeholder 1">
@@ -13603,7 +13971,12 @@
             <p:ph type="sldNum" sz="quarter" idx="4"/>
           </p:nvPr>
         </p:nvSpPr>
-        <p:spPr/>
+        <p:spPr>
+          <a:xfrm>
+            <a:off x="70260" y="4856181"/>
+            <a:ext cx="2057400" cy="273844"/>
+          </a:xfrm>
+        </p:spPr>
         <p:txBody>
           <a:bodyPr/>
           <a:lstStyle/>
@@ -13639,57 +14012,8 @@
           <a:lstStyle/>
           <a:p>
             <a:r>
-              <a:rPr lang="en-US" dirty="0"/>
-              <a:t>Database Tools – Current Configuration</a:t>
-            </a:r>
-          </a:p>
-        </p:txBody>
-      </p:sp>
-      <p:sp>
-        <p:nvSpPr>
-          <p:cNvPr id="6" name="Rectangle 5">
-            <a:extLst>
-              <a:ext uri="{FF2B5EF4-FFF2-40B4-BE49-F238E27FC236}">
-                <a16:creationId xmlns:a16="http://schemas.microsoft.com/office/drawing/2014/main" id="{02FE84F2-9555-6DC8-F18F-AAD6550FF31A}"/>
-              </a:ext>
-            </a:extLst>
-          </p:cNvPr>
-          <p:cNvSpPr/>
-          <p:nvPr/>
-        </p:nvSpPr>
-        <p:spPr>
-          <a:xfrm>
-            <a:off x="773723" y="2002243"/>
-            <a:ext cx="1266092" cy="594680"/>
-          </a:xfrm>
-          <a:prstGeom prst="rect">
-            <a:avLst/>
-          </a:prstGeom>
-        </p:spPr>
-        <p:style>
-          <a:lnRef idx="2">
-            <a:schemeClr val="accent1">
-              <a:shade val="15000"/>
-            </a:schemeClr>
-          </a:lnRef>
-          <a:fillRef idx="1">
-            <a:schemeClr val="accent1"/>
-          </a:fillRef>
-          <a:effectRef idx="0">
-            <a:schemeClr val="accent1"/>
-          </a:effectRef>
-          <a:fontRef idx="minor">
-            <a:schemeClr val="lt1"/>
-          </a:fontRef>
-        </p:style>
-        <p:txBody>
-          <a:bodyPr rtlCol="0" anchor="ctr"/>
-          <a:lstStyle/>
-          <a:p>
-            <a:pPr algn="ctr"/>
-            <a:r>
-              <a:rPr lang="en-US" dirty="0"/>
-              <a:t>One Note Notebook 1</a:t>
+              <a:rPr lang="en-US"/>
+              <a:t>Database Tools – The Idea</a:t>
             </a:r>
           </a:p>
         </p:txBody>
@@ -13708,10 +14032,10 @@
         </p:nvGrpSpPr>
         <p:grpSpPr>
           <a:xfrm>
-            <a:off x="3926616" y="3305110"/>
-            <a:ext cx="900764" cy="1599094"/>
-            <a:chOff x="3926615" y="2932304"/>
-            <a:chExt cx="1035444" cy="1971899"/>
+            <a:off x="3215417" y="904810"/>
+            <a:ext cx="780114" cy="1186344"/>
+            <a:chOff x="3771569" y="2889161"/>
+            <a:chExt cx="1190490" cy="2015042"/>
           </a:xfrm>
         </p:grpSpPr>
         <p:sp>
@@ -13779,7 +14103,7 @@
             </a:xfrm>
             <a:prstGeom prst="smileyFace">
               <a:avLst>
-                <a:gd name="adj" fmla="val -4653"/>
+                <a:gd name="adj" fmla="val 4653"/>
               </a:avLst>
             </a:prstGeom>
           </p:spPr>
@@ -13826,44 +14150,6 @@
             <a:xfrm flipH="1">
               <a:off x="4309829" y="4562660"/>
               <a:ext cx="45477" cy="341543"/>
-            </a:xfrm>
-            <a:prstGeom prst="line">
-              <a:avLst/>
-            </a:prstGeom>
-          </p:spPr>
-          <p:style>
-            <a:lnRef idx="1">
-              <a:schemeClr val="accent1"/>
-            </a:lnRef>
-            <a:fillRef idx="0">
-              <a:schemeClr val="accent1"/>
-            </a:fillRef>
-            <a:effectRef idx="0">
-              <a:schemeClr val="accent1"/>
-            </a:effectRef>
-            <a:fontRef idx="minor">
-              <a:schemeClr val="tx1"/>
-            </a:fontRef>
-          </p:style>
-        </p:cxnSp>
-        <p:cxnSp>
-          <p:nvCxnSpPr>
-            <p:cNvPr id="15" name="Straight Connector 14">
-              <a:extLst>
-                <a:ext uri="{FF2B5EF4-FFF2-40B4-BE49-F238E27FC236}">
-                  <a16:creationId xmlns:a16="http://schemas.microsoft.com/office/drawing/2014/main" id="{2F85B81E-B6AE-9012-3565-3B96274FF759}"/>
-                </a:ext>
-              </a:extLst>
-            </p:cNvPr>
-            <p:cNvCxnSpPr>
-              <a:cxnSpLocks/>
-            </p:cNvCxnSpPr>
-            <p:nvPr/>
-          </p:nvCxnSpPr>
-          <p:spPr>
-            <a:xfrm>
-              <a:off x="4572000" y="4562660"/>
-              <a:ext cx="51155" cy="341543"/>
             </a:xfrm>
             <a:prstGeom prst="line">
               <a:avLst/>
@@ -13972,8 +14258,8 @@
           </p:nvSpPr>
           <p:spPr>
             <a:xfrm>
-              <a:off x="3926615" y="2932304"/>
-              <a:ext cx="1004629" cy="341577"/>
+              <a:off x="3771569" y="2889161"/>
+              <a:ext cx="1004629" cy="341576"/>
             </a:xfrm>
             <a:prstGeom prst="rect">
               <a:avLst/>
@@ -13987,825 +14273,142 @@
             <a:lstStyle/>
             <a:p>
               <a:r>
-                <a:rPr lang="en-US" sz="1200" dirty="0"/>
+                <a:rPr lang="en-US" sz="1200"/>
                 <a:t>Engineers</a:t>
               </a:r>
-              <a:endParaRPr lang="en-US" dirty="0"/>
+              <a:endParaRPr lang="en-US"/>
             </a:p>
           </p:txBody>
         </p:sp>
+        <p:cxnSp>
+          <p:nvCxnSpPr>
+            <p:cNvPr id="15" name="Straight Connector 14">
+              <a:extLst>
+                <a:ext uri="{FF2B5EF4-FFF2-40B4-BE49-F238E27FC236}">
+                  <a16:creationId xmlns:a16="http://schemas.microsoft.com/office/drawing/2014/main" id="{2F85B81E-B6AE-9012-3565-3B96274FF759}"/>
+                </a:ext>
+              </a:extLst>
+            </p:cNvPr>
+            <p:cNvCxnSpPr>
+              <a:cxnSpLocks/>
+            </p:cNvCxnSpPr>
+            <p:nvPr/>
+          </p:nvCxnSpPr>
+          <p:spPr>
+            <a:xfrm>
+              <a:off x="4572000" y="4562660"/>
+              <a:ext cx="51155" cy="341543"/>
+            </a:xfrm>
+            <a:prstGeom prst="line">
+              <a:avLst/>
+            </a:prstGeom>
+          </p:spPr>
+          <p:style>
+            <a:lnRef idx="1">
+              <a:schemeClr val="accent1"/>
+            </a:lnRef>
+            <a:fillRef idx="0">
+              <a:schemeClr val="accent1"/>
+            </a:fillRef>
+            <a:effectRef idx="0">
+              <a:schemeClr val="accent1"/>
+            </a:effectRef>
+            <a:fontRef idx="minor">
+              <a:schemeClr val="tx1"/>
+            </a:fontRef>
+          </p:style>
+        </p:cxnSp>
       </p:grpSp>
-      <p:sp>
-        <p:nvSpPr>
-          <p:cNvPr id="5" name="Rectangle 4">
+      <p:cxnSp>
+        <p:nvCxnSpPr>
+          <p:cNvPr id="37" name="Straight Arrow Connector 36">
             <a:extLst>
               <a:ext uri="{FF2B5EF4-FFF2-40B4-BE49-F238E27FC236}">
-                <a16:creationId xmlns:a16="http://schemas.microsoft.com/office/drawing/2014/main" id="{D85D0285-85A4-4043-FAC2-14D9EC46CCBD}"/>
+                <a16:creationId xmlns:a16="http://schemas.microsoft.com/office/drawing/2014/main" id="{200249D1-3A45-AFF3-D7E2-727DEA0B48D6}"/>
               </a:ext>
             </a:extLst>
           </p:cNvPr>
-          <p:cNvSpPr/>
+          <p:cNvCxnSpPr/>
           <p:nvPr/>
-        </p:nvSpPr>
-        <p:spPr>
-          <a:xfrm>
-            <a:off x="2743200" y="1158933"/>
-            <a:ext cx="1266092" cy="594680"/>
-          </a:xfrm>
-          <a:prstGeom prst="rect">
+        </p:nvCxnSpPr>
+        <p:spPr>
+          <a:xfrm>
+            <a:off x="2967426" y="3393171"/>
+            <a:ext cx="932946" cy="796852"/>
+          </a:xfrm>
+          <a:prstGeom prst="straightConnector1">
             <a:avLst/>
           </a:prstGeom>
+          <a:ln w="28575">
+            <a:solidFill>
+              <a:srgbClr val="FF0000"/>
+            </a:solidFill>
+            <a:tailEnd type="triangle"/>
+          </a:ln>
         </p:spPr>
         <p:style>
-          <a:lnRef idx="2">
-            <a:schemeClr val="accent1">
-              <a:shade val="15000"/>
-            </a:schemeClr>
+          <a:lnRef idx="1">
+            <a:schemeClr val="accent1"/>
           </a:lnRef>
-          <a:fillRef idx="1">
+          <a:fillRef idx="0">
             <a:schemeClr val="accent1"/>
           </a:fillRef>
           <a:effectRef idx="0">
             <a:schemeClr val="accent1"/>
           </a:effectRef>
           <a:fontRef idx="minor">
-            <a:schemeClr val="lt1"/>
+            <a:schemeClr val="tx1"/>
           </a:fontRef>
         </p:style>
-        <p:txBody>
-          <a:bodyPr rtlCol="0" anchor="ctr"/>
-          <a:lstStyle/>
-          <a:p>
-            <a:pPr algn="ctr"/>
-            <a:r>
-              <a:rPr lang="en-US" dirty="0"/>
-              <a:t>One Note Notebook 2</a:t>
-            </a:r>
-          </a:p>
-        </p:txBody>
-      </p:sp>
-      <p:sp>
-        <p:nvSpPr>
-          <p:cNvPr id="7" name="Rectangle 6">
+      </p:cxnSp>
+      <p:cxnSp>
+        <p:nvCxnSpPr>
+          <p:cNvPr id="39" name="Straight Arrow Connector 38">
             <a:extLst>
               <a:ext uri="{FF2B5EF4-FFF2-40B4-BE49-F238E27FC236}">
-                <a16:creationId xmlns:a16="http://schemas.microsoft.com/office/drawing/2014/main" id="{EABCCF49-4087-67BD-9E4E-18CA69C72C2A}"/>
+                <a16:creationId xmlns:a16="http://schemas.microsoft.com/office/drawing/2014/main" id="{CCF5B251-7B9F-F80B-69FB-497C51864AB0}"/>
               </a:ext>
             </a:extLst>
           </p:cNvPr>
-          <p:cNvSpPr/>
+          <p:cNvCxnSpPr/>
           <p:nvPr/>
-        </p:nvSpPr>
-        <p:spPr>
-          <a:xfrm>
-            <a:off x="4837019" y="1168111"/>
-            <a:ext cx="1266092" cy="594680"/>
-          </a:xfrm>
-          <a:prstGeom prst="rect">
+        </p:nvCxnSpPr>
+        <p:spPr>
+          <a:xfrm flipH="1">
+            <a:off x="4855900" y="3396914"/>
+            <a:ext cx="285455" cy="808779"/>
+          </a:xfrm>
+          <a:prstGeom prst="straightConnector1">
             <a:avLst/>
           </a:prstGeom>
+          <a:ln w="28575">
+            <a:solidFill>
+              <a:srgbClr val="FF0000"/>
+            </a:solidFill>
+            <a:tailEnd type="triangle"/>
+          </a:ln>
         </p:spPr>
         <p:style>
-          <a:lnRef idx="2">
-            <a:schemeClr val="accent1">
-              <a:shade val="15000"/>
-            </a:schemeClr>
+          <a:lnRef idx="1">
+            <a:schemeClr val="accent1"/>
           </a:lnRef>
-          <a:fillRef idx="1">
+          <a:fillRef idx="0">
             <a:schemeClr val="accent1"/>
           </a:fillRef>
           <a:effectRef idx="0">
             <a:schemeClr val="accent1"/>
           </a:effectRef>
           <a:fontRef idx="minor">
-            <a:schemeClr val="lt1"/>
+            <a:schemeClr val="tx1"/>
           </a:fontRef>
         </p:style>
-        <p:txBody>
-          <a:bodyPr rtlCol="0" anchor="ctr"/>
-          <a:lstStyle/>
-          <a:p>
-            <a:pPr algn="ctr"/>
-            <a:r>
-              <a:rPr lang="en-US" dirty="0"/>
-              <a:t>One Note Notebook 3</a:t>
-            </a:r>
-          </a:p>
-        </p:txBody>
-      </p:sp>
-      <p:sp>
-        <p:nvSpPr>
-          <p:cNvPr id="12" name="Rectangle 11">
+      </p:cxnSp>
+      <p:sp>
+        <p:nvSpPr>
+          <p:cNvPr id="59" name="Text Placeholder 3">
             <a:extLst>
               <a:ext uri="{FF2B5EF4-FFF2-40B4-BE49-F238E27FC236}">
-                <a16:creationId xmlns:a16="http://schemas.microsoft.com/office/drawing/2014/main" id="{C33090A0-6C01-EB45-78C6-EE19E96E8F68}"/>
-              </a:ext>
-            </a:extLst>
-          </p:cNvPr>
-          <p:cNvSpPr/>
-          <p:nvPr/>
-        </p:nvSpPr>
-        <p:spPr>
-          <a:xfrm>
-            <a:off x="6783313" y="2054442"/>
-            <a:ext cx="1266092" cy="594680"/>
-          </a:xfrm>
-          <a:prstGeom prst="rect">
-            <a:avLst/>
-          </a:prstGeom>
-        </p:spPr>
-        <p:style>
-          <a:lnRef idx="2">
-            <a:schemeClr val="accent1">
-              <a:shade val="15000"/>
-            </a:schemeClr>
-          </a:lnRef>
-          <a:fillRef idx="1">
-            <a:schemeClr val="accent1"/>
-          </a:fillRef>
-          <a:effectRef idx="0">
-            <a:schemeClr val="accent1"/>
-          </a:effectRef>
-          <a:fontRef idx="minor">
-            <a:schemeClr val="lt1"/>
-          </a:fontRef>
-        </p:style>
-        <p:txBody>
-          <a:bodyPr rtlCol="0" anchor="ctr"/>
-          <a:lstStyle/>
-          <a:p>
-            <a:pPr algn="ctr"/>
-            <a:r>
-              <a:rPr lang="en-US" dirty="0"/>
-              <a:t>One Note Notebook 4</a:t>
-            </a:r>
-          </a:p>
-        </p:txBody>
-      </p:sp>
-      <p:grpSp>
-        <p:nvGrpSpPr>
-          <p:cNvPr id="54" name="Group 53">
-            <a:extLst>
-              <a:ext uri="{FF2B5EF4-FFF2-40B4-BE49-F238E27FC236}">
-                <a16:creationId xmlns:a16="http://schemas.microsoft.com/office/drawing/2014/main" id="{52FF8AAF-5221-D293-CCB1-1022490D4B96}"/>
-              </a:ext>
-            </a:extLst>
-          </p:cNvPr>
-          <p:cNvGrpSpPr/>
-          <p:nvPr/>
-        </p:nvGrpSpPr>
-        <p:grpSpPr>
-          <a:xfrm>
-            <a:off x="980483" y="2731089"/>
-            <a:ext cx="2946132" cy="1289849"/>
-            <a:chOff x="980483" y="2731089"/>
-            <a:chExt cx="2946132" cy="1289849"/>
-          </a:xfrm>
-        </p:grpSpPr>
-        <p:grpSp>
-          <p:nvGrpSpPr>
-            <p:cNvPr id="24" name="Group 23">
-              <a:extLst>
-                <a:ext uri="{FF2B5EF4-FFF2-40B4-BE49-F238E27FC236}">
-                  <a16:creationId xmlns:a16="http://schemas.microsoft.com/office/drawing/2014/main" id="{234E9692-0DF9-CC23-109C-E2E412F6EF75}"/>
-                </a:ext>
-              </a:extLst>
-            </p:cNvPr>
-            <p:cNvGrpSpPr/>
-            <p:nvPr/>
-          </p:nvGrpSpPr>
-          <p:grpSpPr>
-            <a:xfrm>
-              <a:off x="980483" y="2731089"/>
-              <a:ext cx="2946132" cy="1289849"/>
-              <a:chOff x="980483" y="2731089"/>
-              <a:chExt cx="2946132" cy="1289849"/>
-            </a:xfrm>
-          </p:grpSpPr>
-          <p:cxnSp>
-            <p:nvCxnSpPr>
-              <p:cNvPr id="22" name="Straight Arrow Connector 21">
-                <a:extLst>
-                  <a:ext uri="{FF2B5EF4-FFF2-40B4-BE49-F238E27FC236}">
-                    <a16:creationId xmlns:a16="http://schemas.microsoft.com/office/drawing/2014/main" id="{462970AB-4C2C-62DF-3A59-F6C1EC53FE43}"/>
-                  </a:ext>
-                </a:extLst>
-              </p:cNvPr>
-              <p:cNvCxnSpPr/>
-              <p:nvPr/>
-            </p:nvCxnSpPr>
-            <p:spPr>
-              <a:xfrm flipH="1" flipV="1">
-                <a:off x="2173971" y="2731089"/>
-                <a:ext cx="1752644" cy="1289849"/>
-              </a:xfrm>
-              <a:prstGeom prst="straightConnector1">
-                <a:avLst/>
-              </a:prstGeom>
-              <a:ln>
-                <a:tailEnd type="triangle"/>
-              </a:ln>
-            </p:spPr>
-            <p:style>
-              <a:lnRef idx="1">
-                <a:schemeClr val="accent1"/>
-              </a:lnRef>
-              <a:fillRef idx="0">
-                <a:schemeClr val="accent1"/>
-              </a:fillRef>
-              <a:effectRef idx="0">
-                <a:schemeClr val="accent1"/>
-              </a:effectRef>
-              <a:fontRef idx="minor">
-                <a:schemeClr val="tx1"/>
-              </a:fontRef>
-            </p:style>
-          </p:cxnSp>
-          <p:sp>
-            <p:nvSpPr>
-              <p:cNvPr id="23" name="TextBox 22">
-                <a:extLst>
-                  <a:ext uri="{FF2B5EF4-FFF2-40B4-BE49-F238E27FC236}">
-                    <a16:creationId xmlns:a16="http://schemas.microsoft.com/office/drawing/2014/main" id="{31663E39-41B2-A34F-D109-3638EA6EEACD}"/>
-                  </a:ext>
-                </a:extLst>
-              </p:cNvPr>
-              <p:cNvSpPr txBox="1"/>
-              <p:nvPr/>
-            </p:nvSpPr>
-            <p:spPr>
-              <a:xfrm>
-                <a:off x="980483" y="2898362"/>
-                <a:ext cx="1511952" cy="276999"/>
-              </a:xfrm>
-              <a:prstGeom prst="rect">
-                <a:avLst/>
-              </a:prstGeom>
-              <a:noFill/>
-            </p:spPr>
-            <p:txBody>
-              <a:bodyPr wrap="none" rtlCol="0">
-                <a:spAutoFit/>
-              </a:bodyPr>
-              <a:lstStyle/>
-              <a:p>
-                <a:r>
-                  <a:rPr lang="en-US" sz="600" dirty="0"/>
-                  <a:t>Step 1:</a:t>
-                </a:r>
-              </a:p>
-              <a:p>
-                <a:r>
-                  <a:rPr lang="en-US" sz="600" dirty="0"/>
-                  <a:t>Open notebook 1 to add a new design.</a:t>
-                </a:r>
-              </a:p>
-            </p:txBody>
-          </p:sp>
-        </p:grpSp>
-        <p:sp>
-          <p:nvSpPr>
-            <p:cNvPr id="35" name="TextBox 34">
-              <a:extLst>
-                <a:ext uri="{FF2B5EF4-FFF2-40B4-BE49-F238E27FC236}">
-                  <a16:creationId xmlns:a16="http://schemas.microsoft.com/office/drawing/2014/main" id="{247436DD-8981-77E4-7123-5A5CDC8C9B63}"/>
-                </a:ext>
-              </a:extLst>
-            </p:cNvPr>
-            <p:cNvSpPr txBox="1"/>
-            <p:nvPr/>
-          </p:nvSpPr>
-          <p:spPr>
-            <a:xfrm>
-              <a:off x="1169225" y="3113887"/>
-              <a:ext cx="1323210" cy="400110"/>
-            </a:xfrm>
-            <a:prstGeom prst="rect">
-              <a:avLst/>
-            </a:prstGeom>
-            <a:noFill/>
-          </p:spPr>
-          <p:txBody>
-            <a:bodyPr wrap="square" rtlCol="0">
-              <a:spAutoFit/>
-            </a:bodyPr>
-            <a:lstStyle/>
-            <a:p>
-              <a:r>
-                <a:rPr lang="en-US" sz="500" dirty="0"/>
-                <a:t>Realization:</a:t>
-              </a:r>
-            </a:p>
-            <a:p>
-              <a:r>
-                <a:rPr lang="en-US" sz="500" dirty="0"/>
-                <a:t>We need to reference a specific documentation page in another notebook!</a:t>
-              </a:r>
-            </a:p>
-          </p:txBody>
-        </p:sp>
-      </p:grpSp>
-      <p:grpSp>
-        <p:nvGrpSpPr>
-          <p:cNvPr id="37" name="Group 36">
-            <a:extLst>
-              <a:ext uri="{FF2B5EF4-FFF2-40B4-BE49-F238E27FC236}">
-                <a16:creationId xmlns:a16="http://schemas.microsoft.com/office/drawing/2014/main" id="{F1003DA2-DB75-FD30-6FDC-2A4D9FE673A8}"/>
-              </a:ext>
-            </a:extLst>
-          </p:cNvPr>
-          <p:cNvGrpSpPr/>
-          <p:nvPr/>
-        </p:nvGrpSpPr>
-        <p:grpSpPr>
-          <a:xfrm>
-            <a:off x="2112046" y="1875209"/>
-            <a:ext cx="1920148" cy="1406660"/>
-            <a:chOff x="2112046" y="1875209"/>
-            <a:chExt cx="1920148" cy="1406660"/>
-          </a:xfrm>
-        </p:grpSpPr>
-        <p:grpSp>
-          <p:nvGrpSpPr>
-            <p:cNvPr id="25" name="Group 24">
-              <a:extLst>
-                <a:ext uri="{FF2B5EF4-FFF2-40B4-BE49-F238E27FC236}">
-                  <a16:creationId xmlns:a16="http://schemas.microsoft.com/office/drawing/2014/main" id="{6FD0ECB7-AE4B-D570-A141-EFA6B3FF2766}"/>
-                </a:ext>
-              </a:extLst>
-            </p:cNvPr>
-            <p:cNvGrpSpPr/>
-            <p:nvPr/>
-          </p:nvGrpSpPr>
-          <p:grpSpPr>
-            <a:xfrm>
-              <a:off x="2112046" y="1875209"/>
-              <a:ext cx="1920148" cy="1406660"/>
-              <a:chOff x="1371766" y="2580414"/>
-              <a:chExt cx="1920148" cy="1406660"/>
-            </a:xfrm>
-          </p:grpSpPr>
-          <p:cxnSp>
-            <p:nvCxnSpPr>
-              <p:cNvPr id="26" name="Straight Arrow Connector 25">
-                <a:extLst>
-                  <a:ext uri="{FF2B5EF4-FFF2-40B4-BE49-F238E27FC236}">
-                    <a16:creationId xmlns:a16="http://schemas.microsoft.com/office/drawing/2014/main" id="{8979FEA3-9CB8-8EB2-A1F6-4A742B48FEF9}"/>
-                  </a:ext>
-                </a:extLst>
-              </p:cNvPr>
-              <p:cNvCxnSpPr>
-                <a:cxnSpLocks/>
-              </p:cNvCxnSpPr>
-              <p:nvPr/>
-            </p:nvCxnSpPr>
-            <p:spPr>
-              <a:xfrm flipH="1" flipV="1">
-                <a:off x="2768652" y="2580414"/>
-                <a:ext cx="523262" cy="1406660"/>
-              </a:xfrm>
-              <a:prstGeom prst="straightConnector1">
-                <a:avLst/>
-              </a:prstGeom>
-              <a:ln>
-                <a:tailEnd type="triangle"/>
-              </a:ln>
-            </p:spPr>
-            <p:style>
-              <a:lnRef idx="1">
-                <a:schemeClr val="accent1"/>
-              </a:lnRef>
-              <a:fillRef idx="0">
-                <a:schemeClr val="accent1"/>
-              </a:fillRef>
-              <a:effectRef idx="0">
-                <a:schemeClr val="accent1"/>
-              </a:effectRef>
-              <a:fontRef idx="minor">
-                <a:schemeClr val="tx1"/>
-              </a:fontRef>
-            </p:style>
-          </p:cxnSp>
-          <p:sp>
-            <p:nvSpPr>
-              <p:cNvPr id="29" name="TextBox 28">
-                <a:extLst>
-                  <a:ext uri="{FF2B5EF4-FFF2-40B4-BE49-F238E27FC236}">
-                    <a16:creationId xmlns:a16="http://schemas.microsoft.com/office/drawing/2014/main" id="{90011088-9D53-B0B1-925B-15272E368E54}"/>
-                  </a:ext>
-                </a:extLst>
-              </p:cNvPr>
-              <p:cNvSpPr txBox="1"/>
-              <p:nvPr/>
-            </p:nvSpPr>
-            <p:spPr>
-              <a:xfrm>
-                <a:off x="1371766" y="2770675"/>
-                <a:ext cx="1596720" cy="276999"/>
-              </a:xfrm>
-              <a:prstGeom prst="rect">
-                <a:avLst/>
-              </a:prstGeom>
-              <a:noFill/>
-            </p:spPr>
-            <p:txBody>
-              <a:bodyPr wrap="square" rtlCol="0">
-                <a:spAutoFit/>
-              </a:bodyPr>
-              <a:lstStyle/>
-              <a:p>
-                <a:r>
-                  <a:rPr lang="en-US" sz="600" dirty="0"/>
-                  <a:t>Step 2:</a:t>
-                </a:r>
-              </a:p>
-              <a:p>
-                <a:r>
-                  <a:rPr lang="en-US" sz="600" dirty="0"/>
-                  <a:t>Open notebook 2 to find the datasheet.</a:t>
-                </a:r>
-              </a:p>
-            </p:txBody>
-          </p:sp>
-        </p:grpSp>
-        <p:sp>
-          <p:nvSpPr>
-            <p:cNvPr id="36" name="TextBox 35">
-              <a:extLst>
-                <a:ext uri="{FF2B5EF4-FFF2-40B4-BE49-F238E27FC236}">
-                  <a16:creationId xmlns:a16="http://schemas.microsoft.com/office/drawing/2014/main" id="{9EA8DDEE-52CD-4D5C-B4C6-A6CAB3D085EA}"/>
-                </a:ext>
-              </a:extLst>
-            </p:cNvPr>
-            <p:cNvSpPr txBox="1"/>
-            <p:nvPr/>
-          </p:nvSpPr>
-          <p:spPr>
-            <a:xfrm>
-              <a:off x="2334992" y="2309961"/>
-              <a:ext cx="1441954" cy="323165"/>
-            </a:xfrm>
-            <a:prstGeom prst="rect">
-              <a:avLst/>
-            </a:prstGeom>
-            <a:noFill/>
-          </p:spPr>
-          <p:txBody>
-            <a:bodyPr wrap="square" rtlCol="0">
-              <a:spAutoFit/>
-            </a:bodyPr>
-            <a:lstStyle/>
-            <a:p>
-              <a:r>
-                <a:rPr lang="en-US" sz="500" dirty="0"/>
-                <a:t>Realization:</a:t>
-              </a:r>
-            </a:p>
-            <a:p>
-              <a:r>
-                <a:rPr lang="en-US" sz="500" dirty="0"/>
-                <a:t>Can’t find the documentation using the One Note search bar. Maybe it’s in notebook 3?</a:t>
-              </a:r>
-            </a:p>
-          </p:txBody>
-        </p:sp>
-      </p:grpSp>
-      <p:grpSp>
-        <p:nvGrpSpPr>
-          <p:cNvPr id="38" name="Group 37">
-            <a:extLst>
-              <a:ext uri="{FF2B5EF4-FFF2-40B4-BE49-F238E27FC236}">
-                <a16:creationId xmlns:a16="http://schemas.microsoft.com/office/drawing/2014/main" id="{33BC0596-0A60-7425-E94E-8EB9C7992B8A}"/>
-              </a:ext>
-            </a:extLst>
-          </p:cNvPr>
-          <p:cNvGrpSpPr/>
-          <p:nvPr/>
-        </p:nvGrpSpPr>
-        <p:grpSpPr>
-          <a:xfrm>
-            <a:off x="4130414" y="1875209"/>
-            <a:ext cx="1596720" cy="1406660"/>
-            <a:chOff x="2070109" y="1724271"/>
-            <a:chExt cx="1596720" cy="1406660"/>
-          </a:xfrm>
-        </p:grpSpPr>
-        <p:grpSp>
-          <p:nvGrpSpPr>
-            <p:cNvPr id="39" name="Group 38">
-              <a:extLst>
-                <a:ext uri="{FF2B5EF4-FFF2-40B4-BE49-F238E27FC236}">
-                  <a16:creationId xmlns:a16="http://schemas.microsoft.com/office/drawing/2014/main" id="{C918E96A-1F4A-DB2A-4C5A-1AA0F656B4BD}"/>
-                </a:ext>
-              </a:extLst>
-            </p:cNvPr>
-            <p:cNvGrpSpPr/>
-            <p:nvPr/>
-          </p:nvGrpSpPr>
-          <p:grpSpPr>
-            <a:xfrm>
-              <a:off x="2070109" y="1724271"/>
-              <a:ext cx="1596720" cy="1406660"/>
-              <a:chOff x="1329829" y="2429476"/>
-              <a:chExt cx="1596720" cy="1406660"/>
-            </a:xfrm>
-          </p:grpSpPr>
-          <p:cxnSp>
-            <p:nvCxnSpPr>
-              <p:cNvPr id="41" name="Straight Arrow Connector 40">
-                <a:extLst>
-                  <a:ext uri="{FF2B5EF4-FFF2-40B4-BE49-F238E27FC236}">
-                    <a16:creationId xmlns:a16="http://schemas.microsoft.com/office/drawing/2014/main" id="{4CD83403-8C95-81FC-CEE9-AA5BB3B1295C}"/>
-                  </a:ext>
-                </a:extLst>
-              </p:cNvPr>
-              <p:cNvCxnSpPr>
-                <a:cxnSpLocks/>
-              </p:cNvCxnSpPr>
-              <p:nvPr/>
-            </p:nvCxnSpPr>
-            <p:spPr>
-              <a:xfrm flipV="1">
-                <a:off x="2072092" y="2429476"/>
-                <a:ext cx="722724" cy="1406660"/>
-              </a:xfrm>
-              <a:prstGeom prst="straightConnector1">
-                <a:avLst/>
-              </a:prstGeom>
-              <a:ln>
-                <a:tailEnd type="triangle"/>
-              </a:ln>
-            </p:spPr>
-            <p:style>
-              <a:lnRef idx="1">
-                <a:schemeClr val="accent1"/>
-              </a:lnRef>
-              <a:fillRef idx="0">
-                <a:schemeClr val="accent1"/>
-              </a:fillRef>
-              <a:effectRef idx="0">
-                <a:schemeClr val="accent1"/>
-              </a:effectRef>
-              <a:fontRef idx="minor">
-                <a:schemeClr val="tx1"/>
-              </a:fontRef>
-            </p:style>
-          </p:cxnSp>
-          <p:sp>
-            <p:nvSpPr>
-              <p:cNvPr id="42" name="TextBox 41">
-                <a:extLst>
-                  <a:ext uri="{FF2B5EF4-FFF2-40B4-BE49-F238E27FC236}">
-                    <a16:creationId xmlns:a16="http://schemas.microsoft.com/office/drawing/2014/main" id="{15B2DE82-CB52-7F99-B097-CA1B1FA00A38}"/>
-                  </a:ext>
-                </a:extLst>
-              </p:cNvPr>
-              <p:cNvSpPr txBox="1"/>
-              <p:nvPr/>
-            </p:nvSpPr>
-            <p:spPr>
-              <a:xfrm>
-                <a:off x="1329829" y="2481237"/>
-                <a:ext cx="1596720" cy="276999"/>
-              </a:xfrm>
-              <a:prstGeom prst="rect">
-                <a:avLst/>
-              </a:prstGeom>
-              <a:noFill/>
-            </p:spPr>
-            <p:txBody>
-              <a:bodyPr wrap="square" rtlCol="0">
-                <a:spAutoFit/>
-              </a:bodyPr>
-              <a:lstStyle/>
-              <a:p>
-                <a:r>
-                  <a:rPr lang="en-US" sz="600" dirty="0"/>
-                  <a:t>Step 3:</a:t>
-                </a:r>
-              </a:p>
-              <a:p>
-                <a:r>
-                  <a:rPr lang="en-US" sz="600" dirty="0"/>
-                  <a:t>Open Notebook 3.</a:t>
-                </a:r>
-              </a:p>
-            </p:txBody>
-          </p:sp>
-        </p:grpSp>
-        <p:sp>
-          <p:nvSpPr>
-            <p:cNvPr id="40" name="TextBox 39">
-              <a:extLst>
-                <a:ext uri="{FF2B5EF4-FFF2-40B4-BE49-F238E27FC236}">
-                  <a16:creationId xmlns:a16="http://schemas.microsoft.com/office/drawing/2014/main" id="{2EF74AEA-091A-86E4-1E03-F32272195CAB}"/>
-                </a:ext>
-              </a:extLst>
-            </p:cNvPr>
-            <p:cNvSpPr txBox="1"/>
-            <p:nvPr/>
-          </p:nvSpPr>
-          <p:spPr>
-            <a:xfrm>
-              <a:off x="2239242" y="2038803"/>
-              <a:ext cx="1067608" cy="400110"/>
-            </a:xfrm>
-            <a:prstGeom prst="rect">
-              <a:avLst/>
-            </a:prstGeom>
-            <a:noFill/>
-          </p:spPr>
-          <p:txBody>
-            <a:bodyPr wrap="square" rtlCol="0">
-              <a:spAutoFit/>
-            </a:bodyPr>
-            <a:lstStyle/>
-            <a:p>
-              <a:r>
-                <a:rPr lang="en-US" sz="500" dirty="0"/>
-                <a:t>Realization:</a:t>
-              </a:r>
-            </a:p>
-            <a:p>
-              <a:r>
-                <a:rPr lang="en-US" sz="500" dirty="0"/>
-                <a:t>Found the documentation, but I am unable to export it easily into any format I want. </a:t>
-              </a:r>
-            </a:p>
-          </p:txBody>
-        </p:sp>
-      </p:grpSp>
-      <p:grpSp>
-        <p:nvGrpSpPr>
-          <p:cNvPr id="47" name="Group 46">
-            <a:extLst>
-              <a:ext uri="{FF2B5EF4-FFF2-40B4-BE49-F238E27FC236}">
-                <a16:creationId xmlns:a16="http://schemas.microsoft.com/office/drawing/2014/main" id="{2272AF2F-ED23-FFC9-A58A-84F92059F57A}"/>
-              </a:ext>
-            </a:extLst>
-          </p:cNvPr>
-          <p:cNvGrpSpPr/>
-          <p:nvPr/>
-        </p:nvGrpSpPr>
-        <p:grpSpPr>
-          <a:xfrm>
-            <a:off x="4898767" y="2785589"/>
-            <a:ext cx="2277154" cy="1372153"/>
-            <a:chOff x="2089049" y="1616896"/>
-            <a:chExt cx="2277154" cy="1372153"/>
-          </a:xfrm>
-        </p:grpSpPr>
-        <p:grpSp>
-          <p:nvGrpSpPr>
-            <p:cNvPr id="48" name="Group 47">
-              <a:extLst>
-                <a:ext uri="{FF2B5EF4-FFF2-40B4-BE49-F238E27FC236}">
-                  <a16:creationId xmlns:a16="http://schemas.microsoft.com/office/drawing/2014/main" id="{EACDCD25-A41A-578B-0EAD-449E3C9F912D}"/>
-                </a:ext>
-              </a:extLst>
-            </p:cNvPr>
-            <p:cNvGrpSpPr/>
-            <p:nvPr/>
-          </p:nvGrpSpPr>
-          <p:grpSpPr>
-            <a:xfrm>
-              <a:off x="2089049" y="1616896"/>
-              <a:ext cx="2277154" cy="1372153"/>
-              <a:chOff x="1348769" y="2322101"/>
-              <a:chExt cx="2277154" cy="1372153"/>
-            </a:xfrm>
-          </p:grpSpPr>
-          <p:cxnSp>
-            <p:nvCxnSpPr>
-              <p:cNvPr id="50" name="Straight Arrow Connector 49">
-                <a:extLst>
-                  <a:ext uri="{FF2B5EF4-FFF2-40B4-BE49-F238E27FC236}">
-                    <a16:creationId xmlns:a16="http://schemas.microsoft.com/office/drawing/2014/main" id="{0EB12DB3-58D3-506E-C1FB-2EFCD7A0D456}"/>
-                  </a:ext>
-                </a:extLst>
-              </p:cNvPr>
-              <p:cNvCxnSpPr>
-                <a:cxnSpLocks/>
-              </p:cNvCxnSpPr>
-              <p:nvPr/>
-            </p:nvCxnSpPr>
-            <p:spPr>
-              <a:xfrm flipV="1">
-                <a:off x="1348769" y="2322101"/>
-                <a:ext cx="2277154" cy="1372153"/>
-              </a:xfrm>
-              <a:prstGeom prst="straightConnector1">
-                <a:avLst/>
-              </a:prstGeom>
-              <a:ln>
-                <a:tailEnd type="triangle"/>
-              </a:ln>
-            </p:spPr>
-            <p:style>
-              <a:lnRef idx="1">
-                <a:schemeClr val="accent1"/>
-              </a:lnRef>
-              <a:fillRef idx="0">
-                <a:schemeClr val="accent1"/>
-              </a:fillRef>
-              <a:effectRef idx="0">
-                <a:schemeClr val="accent1"/>
-              </a:effectRef>
-              <a:fontRef idx="minor">
-                <a:schemeClr val="tx1"/>
-              </a:fontRef>
-            </p:style>
-          </p:cxnSp>
-          <p:sp>
-            <p:nvSpPr>
-              <p:cNvPr id="51" name="TextBox 50">
-                <a:extLst>
-                  <a:ext uri="{FF2B5EF4-FFF2-40B4-BE49-F238E27FC236}">
-                    <a16:creationId xmlns:a16="http://schemas.microsoft.com/office/drawing/2014/main" id="{589F6402-838D-99C7-E8A9-46A88B196339}"/>
-                  </a:ext>
-                </a:extLst>
-              </p:cNvPr>
-              <p:cNvSpPr txBox="1"/>
-              <p:nvPr/>
-            </p:nvSpPr>
-            <p:spPr>
-              <a:xfrm>
-                <a:off x="1799593" y="2363859"/>
-                <a:ext cx="1596720" cy="369332"/>
-              </a:xfrm>
-              <a:prstGeom prst="rect">
-                <a:avLst/>
-              </a:prstGeom>
-              <a:noFill/>
-            </p:spPr>
-            <p:txBody>
-              <a:bodyPr wrap="square" rtlCol="0">
-                <a:spAutoFit/>
-              </a:bodyPr>
-              <a:lstStyle/>
-              <a:p>
-                <a:r>
-                  <a:rPr lang="en-US" sz="600" dirty="0"/>
-                  <a:t>Step 4:</a:t>
-                </a:r>
-              </a:p>
-              <a:p>
-                <a:r>
-                  <a:rPr lang="en-US" sz="600" dirty="0"/>
-                  <a:t>Potentially rinse and repeat with other notebooks.</a:t>
-                </a:r>
-              </a:p>
-            </p:txBody>
-          </p:sp>
-        </p:grpSp>
-        <p:sp>
-          <p:nvSpPr>
-            <p:cNvPr id="49" name="TextBox 48">
-              <a:extLst>
-                <a:ext uri="{FF2B5EF4-FFF2-40B4-BE49-F238E27FC236}">
-                  <a16:creationId xmlns:a16="http://schemas.microsoft.com/office/drawing/2014/main" id="{4ADB8C89-057E-981B-C990-D4E5EC52DD1E}"/>
-                </a:ext>
-              </a:extLst>
-            </p:cNvPr>
-            <p:cNvSpPr txBox="1"/>
-            <p:nvPr/>
-          </p:nvSpPr>
-          <p:spPr>
-            <a:xfrm>
-              <a:off x="2396416" y="2022139"/>
-              <a:ext cx="1067608" cy="323165"/>
-            </a:xfrm>
-            <a:prstGeom prst="rect">
-              <a:avLst/>
-            </a:prstGeom>
-            <a:noFill/>
-          </p:spPr>
-          <p:txBody>
-            <a:bodyPr wrap="square" rtlCol="0">
-              <a:spAutoFit/>
-            </a:bodyPr>
-            <a:lstStyle/>
-            <a:p>
-              <a:r>
-                <a:rPr lang="en-US" sz="500" dirty="0"/>
-                <a:t>Realization:</a:t>
-              </a:r>
-            </a:p>
-            <a:p>
-              <a:r>
-                <a:rPr lang="en-US" sz="500" dirty="0"/>
-                <a:t>Maybe there is a better way to do this... </a:t>
-              </a:r>
-            </a:p>
-          </p:txBody>
-        </p:sp>
-      </p:grpSp>
-      <p:sp>
-        <p:nvSpPr>
-          <p:cNvPr id="55" name="Text Placeholder 3">
-            <a:extLst>
-              <a:ext uri="{FF2B5EF4-FFF2-40B4-BE49-F238E27FC236}">
-                <a16:creationId xmlns:a16="http://schemas.microsoft.com/office/drawing/2014/main" id="{43C4DDE7-DB22-9ACD-093C-025CBA74363E}"/>
+                <a16:creationId xmlns:a16="http://schemas.microsoft.com/office/drawing/2014/main" id="{E30C5A80-B4B2-737C-CFF9-C46C8BD86634}"/>
               </a:ext>
             </a:extLst>
           </p:cNvPr>
@@ -14994,7 +14597,7 @@
               <a:buNone/>
             </a:pPr>
             <a:r>
-              <a:rPr lang="en-US" dirty="0">
+              <a:rPr lang="en-US">
                 <a:solidFill>
                   <a:schemeClr val="tx1"/>
                 </a:solidFill>
@@ -15004,10 +14607,3473 @@
           </a:p>
         </p:txBody>
       </p:sp>
+      <p:grpSp>
+        <p:nvGrpSpPr>
+          <p:cNvPr id="109" name="Group 108">
+            <a:extLst>
+              <a:ext uri="{FF2B5EF4-FFF2-40B4-BE49-F238E27FC236}">
+                <a16:creationId xmlns:a16="http://schemas.microsoft.com/office/drawing/2014/main" id="{5179D928-2751-E611-A4EF-592CDC386242}"/>
+              </a:ext>
+            </a:extLst>
+          </p:cNvPr>
+          <p:cNvGrpSpPr/>
+          <p:nvPr/>
+        </p:nvGrpSpPr>
+        <p:grpSpPr>
+          <a:xfrm>
+            <a:off x="120650" y="1040512"/>
+            <a:ext cx="1215026" cy="1528130"/>
+            <a:chOff x="120650" y="1040512"/>
+            <a:chExt cx="1215026" cy="1528130"/>
+          </a:xfrm>
+        </p:grpSpPr>
+        <p:grpSp>
+          <p:nvGrpSpPr>
+            <p:cNvPr id="31" name="Group 30">
+              <a:extLst>
+                <a:ext uri="{FF2B5EF4-FFF2-40B4-BE49-F238E27FC236}">
+                  <a16:creationId xmlns:a16="http://schemas.microsoft.com/office/drawing/2014/main" id="{635B89D0-A682-32BB-FA9A-14362EB43822}"/>
+                </a:ext>
+              </a:extLst>
+            </p:cNvPr>
+            <p:cNvGrpSpPr/>
+            <p:nvPr/>
+          </p:nvGrpSpPr>
+          <p:grpSpPr>
+            <a:xfrm>
+              <a:off x="120650" y="1973962"/>
+              <a:ext cx="1215026" cy="594680"/>
+              <a:chOff x="12700" y="1091312"/>
+              <a:chExt cx="1215026" cy="594680"/>
+            </a:xfrm>
+          </p:grpSpPr>
+          <p:sp>
+            <p:nvSpPr>
+              <p:cNvPr id="32" name="Flowchart: Magnetic Disk 31">
+                <a:extLst>
+                  <a:ext uri="{FF2B5EF4-FFF2-40B4-BE49-F238E27FC236}">
+                    <a16:creationId xmlns:a16="http://schemas.microsoft.com/office/drawing/2014/main" id="{EC4F2913-7671-88E2-BAB3-307FE51CF5D2}"/>
+                  </a:ext>
+                </a:extLst>
+              </p:cNvPr>
+              <p:cNvSpPr/>
+              <p:nvPr/>
+            </p:nvSpPr>
+            <p:spPr>
+              <a:xfrm>
+                <a:off x="76733" y="1091312"/>
+                <a:ext cx="1150993" cy="594680"/>
+              </a:xfrm>
+              <a:prstGeom prst="flowChartMagneticDisk">
+                <a:avLst/>
+              </a:prstGeom>
+              <a:solidFill>
+                <a:srgbClr val="00B050"/>
+              </a:solidFill>
+              <a:ln w="12700">
+                <a:solidFill>
+                  <a:srgbClr val="000000"/>
+                </a:solidFill>
+              </a:ln>
+            </p:spPr>
+            <p:style>
+              <a:lnRef idx="2">
+                <a:schemeClr val="accent1">
+                  <a:shade val="15000"/>
+                </a:schemeClr>
+              </a:lnRef>
+              <a:fillRef idx="1">
+                <a:schemeClr val="accent1"/>
+              </a:fillRef>
+              <a:effectRef idx="0">
+                <a:schemeClr val="accent1"/>
+              </a:effectRef>
+              <a:fontRef idx="minor">
+                <a:schemeClr val="lt1"/>
+              </a:fontRef>
+            </p:style>
+            <p:txBody>
+              <a:bodyPr lIns="91440" tIns="45720" rIns="91440" bIns="45720" rtlCol="0" anchor="ctr"/>
+              <a:lstStyle/>
+              <a:p>
+                <a:pPr algn="ctr"/>
+                <a:r>
+                  <a:rPr lang="en-US" sz="700">
+                    <a:cs typeface="Arial"/>
+                  </a:rPr>
+                  <a:t>T1TL Notebook</a:t>
+                </a:r>
+              </a:p>
+            </p:txBody>
+          </p:sp>
+          <p:pic>
+            <p:nvPicPr>
+              <p:cNvPr id="33" name="Picture 32" descr="Download Microsoft OneNote Logo in SVG Vector or PNG File Format - Logo.wine">
+                <a:extLst>
+                  <a:ext uri="{FF2B5EF4-FFF2-40B4-BE49-F238E27FC236}">
+                    <a16:creationId xmlns:a16="http://schemas.microsoft.com/office/drawing/2014/main" id="{31D5C4C8-E293-E601-CAE8-5182E89D7B4A}"/>
+                  </a:ext>
+                </a:extLst>
+              </p:cNvPr>
+              <p:cNvPicPr>
+                <a:picLocks noChangeAspect="1"/>
+              </p:cNvPicPr>
+              <p:nvPr/>
+            </p:nvPicPr>
+            <p:blipFill>
+              <a:blip r:embed="rId3"/>
+              <a:stretch>
+                <a:fillRect/>
+              </a:stretch>
+            </p:blipFill>
+            <p:spPr>
+              <a:xfrm>
+                <a:off x="12700" y="1282700"/>
+                <a:ext cx="374650" cy="273050"/>
+              </a:xfrm>
+              <a:prstGeom prst="rect">
+                <a:avLst/>
+              </a:prstGeom>
+              <a:ln w="12700">
+                <a:noFill/>
+              </a:ln>
+            </p:spPr>
+          </p:pic>
+        </p:grpSp>
+        <p:grpSp>
+          <p:nvGrpSpPr>
+            <p:cNvPr id="26" name="Group 25">
+              <a:extLst>
+                <a:ext uri="{FF2B5EF4-FFF2-40B4-BE49-F238E27FC236}">
+                  <a16:creationId xmlns:a16="http://schemas.microsoft.com/office/drawing/2014/main" id="{EA780807-23AA-F9A4-54D3-5212D354A2E9}"/>
+                </a:ext>
+              </a:extLst>
+            </p:cNvPr>
+            <p:cNvGrpSpPr/>
+            <p:nvPr/>
+          </p:nvGrpSpPr>
+          <p:grpSpPr>
+            <a:xfrm>
+              <a:off x="120650" y="1497712"/>
+              <a:ext cx="1215026" cy="594680"/>
+              <a:chOff x="12700" y="1091312"/>
+              <a:chExt cx="1215026" cy="594680"/>
+            </a:xfrm>
+          </p:grpSpPr>
+          <p:sp>
+            <p:nvSpPr>
+              <p:cNvPr id="29" name="Flowchart: Magnetic Disk 28">
+                <a:extLst>
+                  <a:ext uri="{FF2B5EF4-FFF2-40B4-BE49-F238E27FC236}">
+                    <a16:creationId xmlns:a16="http://schemas.microsoft.com/office/drawing/2014/main" id="{C03396CC-A4B3-0F40-CEA1-EC59E4CF24A5}"/>
+                  </a:ext>
+                </a:extLst>
+              </p:cNvPr>
+              <p:cNvSpPr/>
+              <p:nvPr/>
+            </p:nvSpPr>
+            <p:spPr>
+              <a:xfrm>
+                <a:off x="76733" y="1091312"/>
+                <a:ext cx="1150993" cy="594680"/>
+              </a:xfrm>
+              <a:prstGeom prst="flowChartMagneticDisk">
+                <a:avLst/>
+              </a:prstGeom>
+              <a:solidFill>
+                <a:srgbClr val="00B050"/>
+              </a:solidFill>
+              <a:ln w="12700">
+                <a:solidFill>
+                  <a:srgbClr val="000000"/>
+                </a:solidFill>
+              </a:ln>
+            </p:spPr>
+            <p:style>
+              <a:lnRef idx="2">
+                <a:schemeClr val="accent1">
+                  <a:shade val="15000"/>
+                </a:schemeClr>
+              </a:lnRef>
+              <a:fillRef idx="1">
+                <a:schemeClr val="accent1"/>
+              </a:fillRef>
+              <a:effectRef idx="0">
+                <a:schemeClr val="accent1"/>
+              </a:effectRef>
+              <a:fontRef idx="minor">
+                <a:schemeClr val="lt1"/>
+              </a:fontRef>
+            </p:style>
+            <p:txBody>
+              <a:bodyPr lIns="91440" tIns="45720" rIns="91440" bIns="45720" rtlCol="0" anchor="ctr"/>
+              <a:lstStyle/>
+              <a:p>
+                <a:pPr algn="ctr"/>
+                <a:r>
+                  <a:rPr lang="en-US" sz="700">
+                    <a:cs typeface="Arial"/>
+                  </a:rPr>
+                  <a:t>PGM Notebook</a:t>
+                </a:r>
+              </a:p>
+            </p:txBody>
+          </p:sp>
+          <p:pic>
+            <p:nvPicPr>
+              <p:cNvPr id="30" name="Picture 29" descr="Download Microsoft OneNote Logo in SVG Vector or PNG File Format - Logo.wine">
+                <a:extLst>
+                  <a:ext uri="{FF2B5EF4-FFF2-40B4-BE49-F238E27FC236}">
+                    <a16:creationId xmlns:a16="http://schemas.microsoft.com/office/drawing/2014/main" id="{70DC5001-2D85-38DC-AA5E-29F5C0DCF330}"/>
+                  </a:ext>
+                </a:extLst>
+              </p:cNvPr>
+              <p:cNvPicPr>
+                <a:picLocks noChangeAspect="1"/>
+              </p:cNvPicPr>
+              <p:nvPr/>
+            </p:nvPicPr>
+            <p:blipFill>
+              <a:blip r:embed="rId3"/>
+              <a:stretch>
+                <a:fillRect/>
+              </a:stretch>
+            </p:blipFill>
+            <p:spPr>
+              <a:xfrm>
+                <a:off x="12700" y="1282700"/>
+                <a:ext cx="374650" cy="273050"/>
+              </a:xfrm>
+              <a:prstGeom prst="rect">
+                <a:avLst/>
+              </a:prstGeom>
+              <a:ln w="12700">
+                <a:noFill/>
+              </a:ln>
+            </p:spPr>
+          </p:pic>
+        </p:grpSp>
+        <p:grpSp>
+          <p:nvGrpSpPr>
+            <p:cNvPr id="24" name="Group 23">
+              <a:extLst>
+                <a:ext uri="{FF2B5EF4-FFF2-40B4-BE49-F238E27FC236}">
+                  <a16:creationId xmlns:a16="http://schemas.microsoft.com/office/drawing/2014/main" id="{6FA33A9C-C025-9CEE-19D6-BE5FB28A66FE}"/>
+                </a:ext>
+              </a:extLst>
+            </p:cNvPr>
+            <p:cNvGrpSpPr/>
+            <p:nvPr/>
+          </p:nvGrpSpPr>
+          <p:grpSpPr>
+            <a:xfrm>
+              <a:off x="120650" y="1040512"/>
+              <a:ext cx="1215026" cy="594680"/>
+              <a:chOff x="12700" y="1091312"/>
+              <a:chExt cx="1215026" cy="594680"/>
+            </a:xfrm>
+          </p:grpSpPr>
+          <p:sp>
+            <p:nvSpPr>
+              <p:cNvPr id="23" name="Flowchart: Magnetic Disk 22">
+                <a:extLst>
+                  <a:ext uri="{FF2B5EF4-FFF2-40B4-BE49-F238E27FC236}">
+                    <a16:creationId xmlns:a16="http://schemas.microsoft.com/office/drawing/2014/main" id="{C2E5561B-F46F-40C7-B3D4-B919487E6366}"/>
+                  </a:ext>
+                </a:extLst>
+              </p:cNvPr>
+              <p:cNvSpPr/>
+              <p:nvPr/>
+            </p:nvSpPr>
+            <p:spPr>
+              <a:xfrm>
+                <a:off x="76733" y="1091312"/>
+                <a:ext cx="1150993" cy="594680"/>
+              </a:xfrm>
+              <a:prstGeom prst="flowChartMagneticDisk">
+                <a:avLst/>
+              </a:prstGeom>
+              <a:solidFill>
+                <a:srgbClr val="00B050"/>
+              </a:solidFill>
+              <a:ln w="12700">
+                <a:solidFill>
+                  <a:srgbClr val="000000"/>
+                </a:solidFill>
+              </a:ln>
+            </p:spPr>
+            <p:style>
+              <a:lnRef idx="2">
+                <a:schemeClr val="accent1">
+                  <a:shade val="15000"/>
+                </a:schemeClr>
+              </a:lnRef>
+              <a:fillRef idx="1">
+                <a:schemeClr val="accent1"/>
+              </a:fillRef>
+              <a:effectRef idx="0">
+                <a:schemeClr val="accent1"/>
+              </a:effectRef>
+              <a:fontRef idx="minor">
+                <a:schemeClr val="lt1"/>
+              </a:fontRef>
+            </p:style>
+            <p:txBody>
+              <a:bodyPr lIns="91440" tIns="45720" rIns="91440" bIns="45720" rtlCol="0" anchor="ctr"/>
+              <a:lstStyle/>
+              <a:p>
+                <a:pPr algn="ctr"/>
+                <a:r>
+                  <a:rPr lang="en-US" sz="700">
+                    <a:cs typeface="Arial"/>
+                  </a:rPr>
+                  <a:t>SERGEANT </a:t>
+                </a:r>
+                <a:endParaRPr lang="en-US"/>
+              </a:p>
+              <a:p>
+                <a:pPr algn="ctr"/>
+                <a:r>
+                  <a:rPr lang="en-US" sz="700">
+                    <a:cs typeface="Arial"/>
+                  </a:rPr>
+                  <a:t>Notebook</a:t>
+                </a:r>
+                <a:endParaRPr lang="en-US"/>
+              </a:p>
+            </p:txBody>
+          </p:sp>
+          <p:pic>
+            <p:nvPicPr>
+              <p:cNvPr id="20" name="Picture 19" descr="Download Microsoft OneNote Logo in SVG Vector or PNG File Format - Logo.wine">
+                <a:extLst>
+                  <a:ext uri="{FF2B5EF4-FFF2-40B4-BE49-F238E27FC236}">
+                    <a16:creationId xmlns:a16="http://schemas.microsoft.com/office/drawing/2014/main" id="{8A98BB0F-65E8-6569-37F3-BC6B1008A055}"/>
+                  </a:ext>
+                </a:extLst>
+              </p:cNvPr>
+              <p:cNvPicPr>
+                <a:picLocks noChangeAspect="1"/>
+              </p:cNvPicPr>
+              <p:nvPr/>
+            </p:nvPicPr>
+            <p:blipFill>
+              <a:blip r:embed="rId3"/>
+              <a:stretch>
+                <a:fillRect/>
+              </a:stretch>
+            </p:blipFill>
+            <p:spPr>
+              <a:xfrm>
+                <a:off x="12700" y="1282700"/>
+                <a:ext cx="374650" cy="273050"/>
+              </a:xfrm>
+              <a:prstGeom prst="rect">
+                <a:avLst/>
+              </a:prstGeom>
+              <a:ln w="12700">
+                <a:noFill/>
+              </a:ln>
+            </p:spPr>
+          </p:pic>
+        </p:grpSp>
+      </p:grpSp>
+      <p:sp>
+        <p:nvSpPr>
+          <p:cNvPr id="34" name="Flowchart: Magnetic Disk 33">
+            <a:extLst>
+              <a:ext uri="{FF2B5EF4-FFF2-40B4-BE49-F238E27FC236}">
+                <a16:creationId xmlns:a16="http://schemas.microsoft.com/office/drawing/2014/main" id="{E852C3C2-C0B6-2304-DC54-9EA674E974FE}"/>
+              </a:ext>
+            </a:extLst>
+          </p:cNvPr>
+          <p:cNvSpPr/>
+          <p:nvPr/>
+        </p:nvSpPr>
+        <p:spPr>
+          <a:xfrm>
+            <a:off x="959383" y="4444112"/>
+            <a:ext cx="1150993" cy="594680"/>
+          </a:xfrm>
+          <a:prstGeom prst="flowChartMagneticDisk">
+            <a:avLst/>
+          </a:prstGeom>
+          <a:solidFill>
+            <a:srgbClr val="00B050"/>
+          </a:solidFill>
+          <a:ln w="12700">
+            <a:solidFill>
+              <a:srgbClr val="000000"/>
+            </a:solidFill>
+          </a:ln>
+        </p:spPr>
+        <p:style>
+          <a:lnRef idx="2">
+            <a:schemeClr val="accent1">
+              <a:shade val="15000"/>
+            </a:schemeClr>
+          </a:lnRef>
+          <a:fillRef idx="1">
+            <a:schemeClr val="accent1"/>
+          </a:fillRef>
+          <a:effectRef idx="0">
+            <a:schemeClr val="accent1"/>
+          </a:effectRef>
+          <a:fontRef idx="minor">
+            <a:schemeClr val="lt1"/>
+          </a:fontRef>
+        </p:style>
+        <p:txBody>
+          <a:bodyPr lIns="91440" tIns="45720" rIns="91440" bIns="45720" rtlCol="0" anchor="ctr"/>
+          <a:lstStyle/>
+          <a:p>
+            <a:pPr algn="ctr"/>
+            <a:r>
+              <a:rPr lang="en-US" sz="700"/>
+              <a:t>Local File System</a:t>
+            </a:r>
+          </a:p>
+        </p:txBody>
+      </p:sp>
+      <p:cxnSp>
+        <p:nvCxnSpPr>
+          <p:cNvPr id="41" name="Straight Arrow Connector 40">
+            <a:extLst>
+              <a:ext uri="{FF2B5EF4-FFF2-40B4-BE49-F238E27FC236}">
+                <a16:creationId xmlns:a16="http://schemas.microsoft.com/office/drawing/2014/main" id="{A8D433A8-3C8B-3EA9-F649-D0133DA9985B}"/>
+              </a:ext>
+            </a:extLst>
+          </p:cNvPr>
+          <p:cNvCxnSpPr>
+            <a:cxnSpLocks/>
+          </p:cNvCxnSpPr>
+          <p:nvPr/>
+        </p:nvCxnSpPr>
+        <p:spPr>
+          <a:xfrm>
+            <a:off x="821124" y="3583669"/>
+            <a:ext cx="158246" cy="854002"/>
+          </a:xfrm>
+          <a:prstGeom prst="straightConnector1">
+            <a:avLst/>
+          </a:prstGeom>
+          <a:ln w="28575">
+            <a:solidFill>
+              <a:srgbClr val="FF0000"/>
+            </a:solidFill>
+            <a:tailEnd type="triangle"/>
+          </a:ln>
+        </p:spPr>
+        <p:style>
+          <a:lnRef idx="1">
+            <a:schemeClr val="accent1"/>
+          </a:lnRef>
+          <a:fillRef idx="0">
+            <a:schemeClr val="accent1"/>
+          </a:fillRef>
+          <a:effectRef idx="0">
+            <a:schemeClr val="accent1"/>
+          </a:effectRef>
+          <a:fontRef idx="minor">
+            <a:schemeClr val="tx1"/>
+          </a:fontRef>
+        </p:style>
+      </p:cxnSp>
+      <p:cxnSp>
+        <p:nvCxnSpPr>
+          <p:cNvPr id="44" name="Straight Arrow Connector 43">
+            <a:extLst>
+              <a:ext uri="{FF2B5EF4-FFF2-40B4-BE49-F238E27FC236}">
+                <a16:creationId xmlns:a16="http://schemas.microsoft.com/office/drawing/2014/main" id="{5FD51DC7-D3A7-C14C-F77D-ECCBE8DD546D}"/>
+              </a:ext>
+            </a:extLst>
+          </p:cNvPr>
+          <p:cNvCxnSpPr>
+            <a:cxnSpLocks/>
+          </p:cNvCxnSpPr>
+          <p:nvPr/>
+        </p:nvCxnSpPr>
+        <p:spPr>
+          <a:xfrm flipH="1">
+            <a:off x="1969970" y="3380468"/>
+            <a:ext cx="546604" cy="1031802"/>
+          </a:xfrm>
+          <a:prstGeom prst="straightConnector1">
+            <a:avLst/>
+          </a:prstGeom>
+          <a:ln w="28575">
+            <a:solidFill>
+              <a:srgbClr val="FF0000"/>
+            </a:solidFill>
+            <a:tailEnd type="triangle"/>
+          </a:ln>
+        </p:spPr>
+        <p:style>
+          <a:lnRef idx="1">
+            <a:schemeClr val="accent1"/>
+          </a:lnRef>
+          <a:fillRef idx="0">
+            <a:schemeClr val="accent1"/>
+          </a:fillRef>
+          <a:effectRef idx="0">
+            <a:schemeClr val="accent1"/>
+          </a:effectRef>
+          <a:fontRef idx="minor">
+            <a:schemeClr val="tx1"/>
+          </a:fontRef>
+        </p:style>
+      </p:cxnSp>
+      <p:sp>
+        <p:nvSpPr>
+          <p:cNvPr id="49" name="TextBox 48">
+            <a:extLst>
+              <a:ext uri="{FF2B5EF4-FFF2-40B4-BE49-F238E27FC236}">
+                <a16:creationId xmlns:a16="http://schemas.microsoft.com/office/drawing/2014/main" id="{CAEEFB11-03AE-36A3-4699-C2AD21C367D7}"/>
+              </a:ext>
+            </a:extLst>
+          </p:cNvPr>
+          <p:cNvSpPr txBox="1"/>
+          <p:nvPr/>
+        </p:nvSpPr>
+        <p:spPr>
+          <a:xfrm>
+            <a:off x="2242502" y="3759611"/>
+            <a:ext cx="783920" cy="369332"/>
+          </a:xfrm>
+          <a:prstGeom prst="rect">
+            <a:avLst/>
+          </a:prstGeom>
+          <a:noFill/>
+        </p:spPr>
+        <p:txBody>
+          <a:bodyPr wrap="square" lIns="91440" tIns="45720" rIns="91440" bIns="45720" rtlCol="0" anchor="t">
+            <a:spAutoFit/>
+          </a:bodyPr>
+          <a:lstStyle/>
+          <a:p>
+            <a:r>
+              <a:rPr lang="en-US" sz="600"/>
+              <a:t>Grabs markdown from local file system</a:t>
+            </a:r>
+            <a:endParaRPr lang="en-US" sz="600">
+              <a:cs typeface="Arial"/>
+            </a:endParaRPr>
+          </a:p>
+        </p:txBody>
+      </p:sp>
+      <p:sp>
+        <p:nvSpPr>
+          <p:cNvPr id="52" name="TextBox 51">
+            <a:extLst>
+              <a:ext uri="{FF2B5EF4-FFF2-40B4-BE49-F238E27FC236}">
+                <a16:creationId xmlns:a16="http://schemas.microsoft.com/office/drawing/2014/main" id="{4167288A-F9A7-454C-B6FA-7171AE689FBF}"/>
+              </a:ext>
+            </a:extLst>
+          </p:cNvPr>
+          <p:cNvSpPr txBox="1"/>
+          <p:nvPr/>
+        </p:nvSpPr>
+        <p:spPr>
+          <a:xfrm rot="-60000">
+            <a:off x="3149184" y="3270885"/>
+            <a:ext cx="771220" cy="369332"/>
+          </a:xfrm>
+          <a:prstGeom prst="rect">
+            <a:avLst/>
+          </a:prstGeom>
+          <a:noFill/>
+        </p:spPr>
+        <p:txBody>
+          <a:bodyPr wrap="square" lIns="91440" tIns="45720" rIns="91440" bIns="45720" rtlCol="0" anchor="t">
+            <a:spAutoFit/>
+          </a:bodyPr>
+          <a:lstStyle/>
+          <a:p>
+            <a:r>
+              <a:rPr lang="en-US" sz="600"/>
+              <a:t>Uploads </a:t>
+            </a:r>
+            <a:r>
+              <a:rPr lang="en-US" sz="600" err="1"/>
+              <a:t>DocBlocks</a:t>
+            </a:r>
+            <a:r>
+              <a:rPr lang="en-US" sz="600"/>
+              <a:t> to MongoDB</a:t>
+            </a:r>
+            <a:endParaRPr lang="en-US" sz="600">
+              <a:cs typeface="Arial"/>
+            </a:endParaRPr>
+          </a:p>
+        </p:txBody>
+      </p:sp>
+      <p:pic>
+        <p:nvPicPr>
+          <p:cNvPr id="60" name="Graphic 59" descr="Cake slice with solid fill">
+            <a:extLst>
+              <a:ext uri="{FF2B5EF4-FFF2-40B4-BE49-F238E27FC236}">
+                <a16:creationId xmlns:a16="http://schemas.microsoft.com/office/drawing/2014/main" id="{10D28813-3359-B0AB-5E60-586AD90EFA55}"/>
+              </a:ext>
+            </a:extLst>
+          </p:cNvPr>
+          <p:cNvPicPr>
+            <a:picLocks noChangeAspect="1"/>
+          </p:cNvPicPr>
+          <p:nvPr/>
+        </p:nvPicPr>
+        <p:blipFill>
+          <a:blip r:embed="rId4">
+            <a:extLst>
+              <a:ext uri="{96DAC541-7B7A-43D3-8B79-37D633B846F1}">
+                <asvg:svgBlip xmlns:asvg="http://schemas.microsoft.com/office/drawing/2016/SVG/main" r:embed="rId5"/>
+              </a:ext>
+            </a:extLst>
+          </a:blip>
+          <a:stretch>
+            <a:fillRect/>
+          </a:stretch>
+        </p:blipFill>
+        <p:spPr>
+          <a:xfrm>
+            <a:off x="2990850" y="3746500"/>
+            <a:ext cx="222250" cy="241300"/>
+          </a:xfrm>
+          <a:prstGeom prst="rect">
+            <a:avLst/>
+          </a:prstGeom>
+        </p:spPr>
+      </p:pic>
+      <p:pic>
+        <p:nvPicPr>
+          <p:cNvPr id="61" name="Graphic 60" descr="Cake slice with solid fill">
+            <a:extLst>
+              <a:ext uri="{FF2B5EF4-FFF2-40B4-BE49-F238E27FC236}">
+                <a16:creationId xmlns:a16="http://schemas.microsoft.com/office/drawing/2014/main" id="{56D0D402-3754-850A-FA82-9A2E6F24E6D2}"/>
+              </a:ext>
+            </a:extLst>
+          </p:cNvPr>
+          <p:cNvPicPr>
+            <a:picLocks noChangeAspect="1"/>
+          </p:cNvPicPr>
+          <p:nvPr/>
+        </p:nvPicPr>
+        <p:blipFill>
+          <a:blip r:embed="rId4">
+            <a:extLst>
+              <a:ext uri="{96DAC541-7B7A-43D3-8B79-37D633B846F1}">
+                <asvg:svgBlip xmlns:asvg="http://schemas.microsoft.com/office/drawing/2016/SVG/main" r:embed="rId5"/>
+              </a:ext>
+            </a:extLst>
+          </a:blip>
+          <a:stretch>
+            <a:fillRect/>
+          </a:stretch>
+        </p:blipFill>
+        <p:spPr>
+          <a:xfrm>
+            <a:off x="7670800" y="3873499"/>
+            <a:ext cx="222250" cy="241300"/>
+          </a:xfrm>
+          <a:prstGeom prst="rect">
+            <a:avLst/>
+          </a:prstGeom>
+        </p:spPr>
+      </p:pic>
+      <p:pic>
+        <p:nvPicPr>
+          <p:cNvPr id="62" name="Graphic 61" descr="Cake slice with solid fill">
+            <a:extLst>
+              <a:ext uri="{FF2B5EF4-FFF2-40B4-BE49-F238E27FC236}">
+                <a16:creationId xmlns:a16="http://schemas.microsoft.com/office/drawing/2014/main" id="{4E1FE373-B5DA-C792-CD81-81864A3D0466}"/>
+              </a:ext>
+            </a:extLst>
+          </p:cNvPr>
+          <p:cNvPicPr>
+            <a:picLocks noChangeAspect="1"/>
+          </p:cNvPicPr>
+          <p:nvPr/>
+        </p:nvPicPr>
+        <p:blipFill>
+          <a:blip r:embed="rId4">
+            <a:extLst>
+              <a:ext uri="{96DAC541-7B7A-43D3-8B79-37D633B846F1}">
+                <asvg:svgBlip xmlns:asvg="http://schemas.microsoft.com/office/drawing/2016/SVG/main" r:embed="rId5"/>
+              </a:ext>
+            </a:extLst>
+          </a:blip>
+          <a:stretch>
+            <a:fillRect/>
+          </a:stretch>
+        </p:blipFill>
+        <p:spPr>
+          <a:xfrm>
+            <a:off x="4546600" y="3600450"/>
+            <a:ext cx="222250" cy="241300"/>
+          </a:xfrm>
+          <a:prstGeom prst="rect">
+            <a:avLst/>
+          </a:prstGeom>
+        </p:spPr>
+      </p:pic>
+      <p:pic>
+        <p:nvPicPr>
+          <p:cNvPr id="67" name="Graphic 66" descr="Document with solid fill">
+            <a:extLst>
+              <a:ext uri="{FF2B5EF4-FFF2-40B4-BE49-F238E27FC236}">
+                <a16:creationId xmlns:a16="http://schemas.microsoft.com/office/drawing/2014/main" id="{74F6527A-7AE7-C808-E0BD-0232FB3069AF}"/>
+              </a:ext>
+            </a:extLst>
+          </p:cNvPr>
+          <p:cNvPicPr>
+            <a:picLocks noChangeAspect="1"/>
+          </p:cNvPicPr>
+          <p:nvPr/>
+        </p:nvPicPr>
+        <p:blipFill>
+          <a:blip r:embed="rId6">
+            <a:extLst>
+              <a:ext uri="{96DAC541-7B7A-43D3-8B79-37D633B846F1}">
+                <asvg:svgBlip xmlns:asvg="http://schemas.microsoft.com/office/drawing/2016/SVG/main" r:embed="rId7"/>
+              </a:ext>
+            </a:extLst>
+          </a:blip>
+          <a:stretch>
+            <a:fillRect/>
+          </a:stretch>
+        </p:blipFill>
+        <p:spPr>
+          <a:xfrm>
+            <a:off x="7677148" y="4095750"/>
+            <a:ext cx="222250" cy="241300"/>
+          </a:xfrm>
+          <a:prstGeom prst="rect">
+            <a:avLst/>
+          </a:prstGeom>
+        </p:spPr>
+      </p:pic>
+      <p:pic>
+        <p:nvPicPr>
+          <p:cNvPr id="68" name="Graphic 67" descr="Document with solid fill">
+            <a:extLst>
+              <a:ext uri="{FF2B5EF4-FFF2-40B4-BE49-F238E27FC236}">
+                <a16:creationId xmlns:a16="http://schemas.microsoft.com/office/drawing/2014/main" id="{C5AC2E18-448F-52C2-3D73-F2DDD4266A23}"/>
+              </a:ext>
+            </a:extLst>
+          </p:cNvPr>
+          <p:cNvPicPr>
+            <a:picLocks noChangeAspect="1"/>
+          </p:cNvPicPr>
+          <p:nvPr/>
+        </p:nvPicPr>
+        <p:blipFill>
+          <a:blip r:embed="rId6">
+            <a:extLst>
+              <a:ext uri="{96DAC541-7B7A-43D3-8B79-37D633B846F1}">
+                <asvg:svgBlip xmlns:asvg="http://schemas.microsoft.com/office/drawing/2016/SVG/main" r:embed="rId7"/>
+              </a:ext>
+            </a:extLst>
+          </a:blip>
+          <a:stretch>
+            <a:fillRect/>
+          </a:stretch>
+        </p:blipFill>
+        <p:spPr>
+          <a:xfrm>
+            <a:off x="1885948" y="3556000"/>
+            <a:ext cx="222250" cy="241300"/>
+          </a:xfrm>
+          <a:prstGeom prst="rect">
+            <a:avLst/>
+          </a:prstGeom>
+        </p:spPr>
+      </p:pic>
+      <p:pic>
+        <p:nvPicPr>
+          <p:cNvPr id="69" name="Graphic 68" descr="Document with solid fill">
+            <a:extLst>
+              <a:ext uri="{FF2B5EF4-FFF2-40B4-BE49-F238E27FC236}">
+                <a16:creationId xmlns:a16="http://schemas.microsoft.com/office/drawing/2014/main" id="{06681FFF-C7C5-1E35-A46C-F19D46BF9A37}"/>
+              </a:ext>
+            </a:extLst>
+          </p:cNvPr>
+          <p:cNvPicPr>
+            <a:picLocks noChangeAspect="1"/>
+          </p:cNvPicPr>
+          <p:nvPr/>
+        </p:nvPicPr>
+        <p:blipFill>
+          <a:blip r:embed="rId6">
+            <a:extLst>
+              <a:ext uri="{96DAC541-7B7A-43D3-8B79-37D633B846F1}">
+                <asvg:svgBlip xmlns:asvg="http://schemas.microsoft.com/office/drawing/2016/SVG/main" r:embed="rId7"/>
+              </a:ext>
+            </a:extLst>
+          </a:blip>
+          <a:stretch>
+            <a:fillRect/>
+          </a:stretch>
+        </p:blipFill>
+        <p:spPr>
+          <a:xfrm>
+            <a:off x="539748" y="3670300"/>
+            <a:ext cx="222250" cy="241300"/>
+          </a:xfrm>
+          <a:prstGeom prst="rect">
+            <a:avLst/>
+          </a:prstGeom>
+        </p:spPr>
+      </p:pic>
+      <p:grpSp>
+        <p:nvGrpSpPr>
+          <p:cNvPr id="79" name="Group 78">
+            <a:extLst>
+              <a:ext uri="{FF2B5EF4-FFF2-40B4-BE49-F238E27FC236}">
+                <a16:creationId xmlns:a16="http://schemas.microsoft.com/office/drawing/2014/main" id="{BF48F8B9-6C02-5C0E-BA4C-293B0911FBF8}"/>
+              </a:ext>
+            </a:extLst>
+          </p:cNvPr>
+          <p:cNvGrpSpPr/>
+          <p:nvPr/>
+        </p:nvGrpSpPr>
+        <p:grpSpPr>
+          <a:xfrm>
+            <a:off x="7693367" y="4323462"/>
+            <a:ext cx="225082" cy="242188"/>
+            <a:chOff x="7509217" y="1497712"/>
+            <a:chExt cx="339382" cy="324738"/>
+          </a:xfrm>
+        </p:grpSpPr>
+        <p:pic>
+          <p:nvPicPr>
+            <p:cNvPr id="72" name="Picture 71" descr="Download Microsoft OneNote Logo in SVG Vector or PNG File Format - Logo.wine">
+              <a:extLst>
+                <a:ext uri="{FF2B5EF4-FFF2-40B4-BE49-F238E27FC236}">
+                  <a16:creationId xmlns:a16="http://schemas.microsoft.com/office/drawing/2014/main" id="{871A52EE-EF37-5C3D-4BFC-110EBF2315DE}"/>
+                </a:ext>
+              </a:extLst>
+            </p:cNvPr>
+            <p:cNvPicPr>
+              <a:picLocks noChangeAspect="1"/>
+            </p:cNvPicPr>
+            <p:nvPr/>
+          </p:nvPicPr>
+          <p:blipFill rotWithShape="1">
+            <a:blip r:embed="rId3"/>
+            <a:srcRect l="12803" t="-325" r="-3389" b="-18605"/>
+            <a:stretch/>
+          </p:blipFill>
+          <p:spPr>
+            <a:xfrm>
+              <a:off x="7509217" y="1497712"/>
+              <a:ext cx="339382" cy="324738"/>
+            </a:xfrm>
+            <a:prstGeom prst="rect">
+              <a:avLst/>
+            </a:prstGeom>
+          </p:spPr>
+        </p:pic>
+        <p:pic>
+          <p:nvPicPr>
+            <p:cNvPr id="73" name="Graphic 72" descr="Document with solid fill">
+              <a:extLst>
+                <a:ext uri="{FF2B5EF4-FFF2-40B4-BE49-F238E27FC236}">
+                  <a16:creationId xmlns:a16="http://schemas.microsoft.com/office/drawing/2014/main" id="{10E75760-223C-23A2-7906-5593C29F03F6}"/>
+                </a:ext>
+              </a:extLst>
+            </p:cNvPr>
+            <p:cNvPicPr>
+              <a:picLocks noChangeAspect="1"/>
+            </p:cNvPicPr>
+            <p:nvPr/>
+          </p:nvPicPr>
+          <p:blipFill>
+            <a:blip r:embed="rId6">
+              <a:extLst>
+                <a:ext uri="{96DAC541-7B7A-43D3-8B79-37D633B846F1}">
+                  <asvg:svgBlip xmlns:asvg="http://schemas.microsoft.com/office/drawing/2016/SVG/main" r:embed="rId7"/>
+                </a:ext>
+              </a:extLst>
+            </a:blip>
+            <a:stretch>
+              <a:fillRect/>
+            </a:stretch>
+          </p:blipFill>
+          <p:spPr>
+            <a:xfrm>
+              <a:off x="7626348" y="1581150"/>
+              <a:ext cx="222250" cy="241300"/>
+            </a:xfrm>
+            <a:prstGeom prst="rect">
+              <a:avLst/>
+            </a:prstGeom>
+          </p:spPr>
+        </p:pic>
+      </p:grpSp>
+      <p:grpSp>
+        <p:nvGrpSpPr>
+          <p:cNvPr id="80" name="Group 79">
+            <a:extLst>
+              <a:ext uri="{FF2B5EF4-FFF2-40B4-BE49-F238E27FC236}">
+                <a16:creationId xmlns:a16="http://schemas.microsoft.com/office/drawing/2014/main" id="{F796F9AC-91E5-474B-EBD3-F5B66D7CCB10}"/>
+              </a:ext>
+            </a:extLst>
+          </p:cNvPr>
+          <p:cNvGrpSpPr/>
+          <p:nvPr/>
+        </p:nvGrpSpPr>
+        <p:grpSpPr>
+          <a:xfrm>
+            <a:off x="327367" y="2824862"/>
+            <a:ext cx="225082" cy="242188"/>
+            <a:chOff x="7509217" y="1497712"/>
+            <a:chExt cx="339382" cy="324738"/>
+          </a:xfrm>
+        </p:grpSpPr>
+        <p:pic>
+          <p:nvPicPr>
+            <p:cNvPr id="81" name="Picture 80" descr="Download Microsoft OneNote Logo in SVG Vector or PNG File Format - Logo.wine">
+              <a:extLst>
+                <a:ext uri="{FF2B5EF4-FFF2-40B4-BE49-F238E27FC236}">
+                  <a16:creationId xmlns:a16="http://schemas.microsoft.com/office/drawing/2014/main" id="{2AF1D3D3-12B6-908D-631D-AD5107EC3D21}"/>
+                </a:ext>
+              </a:extLst>
+            </p:cNvPr>
+            <p:cNvPicPr>
+              <a:picLocks noChangeAspect="1"/>
+            </p:cNvPicPr>
+            <p:nvPr/>
+          </p:nvPicPr>
+          <p:blipFill rotWithShape="1">
+            <a:blip r:embed="rId3"/>
+            <a:srcRect l="12803" t="-325" r="-3389" b="-18605"/>
+            <a:stretch/>
+          </p:blipFill>
+          <p:spPr>
+            <a:xfrm>
+              <a:off x="7509217" y="1497712"/>
+              <a:ext cx="339382" cy="324738"/>
+            </a:xfrm>
+            <a:prstGeom prst="rect">
+              <a:avLst/>
+            </a:prstGeom>
+          </p:spPr>
+        </p:pic>
+        <p:pic>
+          <p:nvPicPr>
+            <p:cNvPr id="82" name="Graphic 81" descr="Document with solid fill">
+              <a:extLst>
+                <a:ext uri="{FF2B5EF4-FFF2-40B4-BE49-F238E27FC236}">
+                  <a16:creationId xmlns:a16="http://schemas.microsoft.com/office/drawing/2014/main" id="{BCC2745C-0294-C3A3-D0B7-B4AF090C77A4}"/>
+                </a:ext>
+              </a:extLst>
+            </p:cNvPr>
+            <p:cNvPicPr>
+              <a:picLocks noChangeAspect="1"/>
+            </p:cNvPicPr>
+            <p:nvPr/>
+          </p:nvPicPr>
+          <p:blipFill>
+            <a:blip r:embed="rId6">
+              <a:extLst>
+                <a:ext uri="{96DAC541-7B7A-43D3-8B79-37D633B846F1}">
+                  <asvg:svgBlip xmlns:asvg="http://schemas.microsoft.com/office/drawing/2016/SVG/main" r:embed="rId7"/>
+                </a:ext>
+              </a:extLst>
+            </a:blip>
+            <a:stretch>
+              <a:fillRect/>
+            </a:stretch>
+          </p:blipFill>
+          <p:spPr>
+            <a:xfrm>
+              <a:off x="7626348" y="1581150"/>
+              <a:ext cx="222250" cy="241300"/>
+            </a:xfrm>
+            <a:prstGeom prst="rect">
+              <a:avLst/>
+            </a:prstGeom>
+          </p:spPr>
+        </p:pic>
+      </p:grpSp>
+      <p:sp>
+        <p:nvSpPr>
+          <p:cNvPr id="84" name="Flowchart: Magnetic Disk 83">
+            <a:extLst>
+              <a:ext uri="{FF2B5EF4-FFF2-40B4-BE49-F238E27FC236}">
+                <a16:creationId xmlns:a16="http://schemas.microsoft.com/office/drawing/2014/main" id="{DE2E6953-426B-FCC6-79C0-F679B9BDAE80}"/>
+              </a:ext>
+            </a:extLst>
+          </p:cNvPr>
+          <p:cNvSpPr/>
+          <p:nvPr/>
+        </p:nvSpPr>
+        <p:spPr>
+          <a:xfrm>
+            <a:off x="4769383" y="1758062"/>
+            <a:ext cx="1150993" cy="594680"/>
+          </a:xfrm>
+          <a:prstGeom prst="flowChartMagneticDisk">
+            <a:avLst/>
+          </a:prstGeom>
+          <a:solidFill>
+            <a:srgbClr val="00B050"/>
+          </a:solidFill>
+          <a:ln w="12700">
+            <a:solidFill>
+              <a:srgbClr val="000000"/>
+            </a:solidFill>
+          </a:ln>
+        </p:spPr>
+        <p:style>
+          <a:lnRef idx="2">
+            <a:schemeClr val="accent1">
+              <a:shade val="15000"/>
+            </a:schemeClr>
+          </a:lnRef>
+          <a:fillRef idx="1">
+            <a:schemeClr val="accent1"/>
+          </a:fillRef>
+          <a:effectRef idx="0">
+            <a:schemeClr val="accent1"/>
+          </a:effectRef>
+          <a:fontRef idx="minor">
+            <a:schemeClr val="lt1"/>
+          </a:fontRef>
+        </p:style>
+        <p:txBody>
+          <a:bodyPr lIns="91440" tIns="45720" rIns="91440" bIns="45720" rtlCol="0" anchor="ctr"/>
+          <a:lstStyle/>
+          <a:p>
+            <a:pPr algn="ctr"/>
+            <a:r>
+              <a:rPr lang="en-US" sz="700">
+                <a:cs typeface="Arial"/>
+              </a:rPr>
+              <a:t>Confluence</a:t>
+            </a:r>
+          </a:p>
+          <a:p>
+            <a:pPr algn="ctr"/>
+            <a:r>
+              <a:rPr lang="en-US" sz="700">
+                <a:cs typeface="Arial"/>
+              </a:rPr>
+              <a:t>Spaces</a:t>
+            </a:r>
+          </a:p>
+        </p:txBody>
+      </p:sp>
+      <p:cxnSp>
+        <p:nvCxnSpPr>
+          <p:cNvPr id="89" name="Straight Arrow Connector 88">
+            <a:extLst>
+              <a:ext uri="{FF2B5EF4-FFF2-40B4-BE49-F238E27FC236}">
+                <a16:creationId xmlns:a16="http://schemas.microsoft.com/office/drawing/2014/main" id="{DDD0AFCE-9A79-01AE-274B-0C21C877731F}"/>
+              </a:ext>
+            </a:extLst>
+          </p:cNvPr>
+          <p:cNvCxnSpPr>
+            <a:cxnSpLocks/>
+          </p:cNvCxnSpPr>
+          <p:nvPr/>
+        </p:nvCxnSpPr>
+        <p:spPr>
+          <a:xfrm flipH="1">
+            <a:off x="5338499" y="3441364"/>
+            <a:ext cx="1307805" cy="910379"/>
+          </a:xfrm>
+          <a:prstGeom prst="straightConnector1">
+            <a:avLst/>
+          </a:prstGeom>
+          <a:ln w="28575">
+            <a:solidFill>
+              <a:srgbClr val="FF0000"/>
+            </a:solidFill>
+            <a:tailEnd type="triangle"/>
+          </a:ln>
+        </p:spPr>
+        <p:style>
+          <a:lnRef idx="1">
+            <a:schemeClr val="accent1"/>
+          </a:lnRef>
+          <a:fillRef idx="0">
+            <a:schemeClr val="accent1"/>
+          </a:fillRef>
+          <a:effectRef idx="0">
+            <a:schemeClr val="accent1"/>
+          </a:effectRef>
+          <a:fontRef idx="minor">
+            <a:schemeClr val="tx1"/>
+          </a:fontRef>
+        </p:style>
+      </p:cxnSp>
+      <p:cxnSp>
+        <p:nvCxnSpPr>
+          <p:cNvPr id="90" name="Straight Arrow Connector 89">
+            <a:extLst>
+              <a:ext uri="{FF2B5EF4-FFF2-40B4-BE49-F238E27FC236}">
+                <a16:creationId xmlns:a16="http://schemas.microsoft.com/office/drawing/2014/main" id="{4D2F77BB-B8F2-E645-B65C-F9B2B6E8F976}"/>
+              </a:ext>
+            </a:extLst>
+          </p:cNvPr>
+          <p:cNvCxnSpPr>
+            <a:cxnSpLocks/>
+          </p:cNvCxnSpPr>
+          <p:nvPr/>
+        </p:nvCxnSpPr>
+        <p:spPr>
+          <a:xfrm flipH="1" flipV="1">
+            <a:off x="5332148" y="2421343"/>
+            <a:ext cx="25105" cy="626321"/>
+          </a:xfrm>
+          <a:prstGeom prst="straightConnector1">
+            <a:avLst/>
+          </a:prstGeom>
+          <a:ln w="28575">
+            <a:solidFill>
+              <a:srgbClr val="FF0000"/>
+            </a:solidFill>
+            <a:tailEnd type="triangle"/>
+          </a:ln>
+        </p:spPr>
+        <p:style>
+          <a:lnRef idx="1">
+            <a:schemeClr val="accent1"/>
+          </a:lnRef>
+          <a:fillRef idx="0">
+            <a:schemeClr val="accent1"/>
+          </a:fillRef>
+          <a:effectRef idx="0">
+            <a:schemeClr val="accent1"/>
+          </a:effectRef>
+          <a:fontRef idx="minor">
+            <a:schemeClr val="tx1"/>
+          </a:fontRef>
+        </p:style>
+      </p:cxnSp>
+      <p:cxnSp>
+        <p:nvCxnSpPr>
+          <p:cNvPr id="91" name="Straight Arrow Connector 90">
+            <a:extLst>
+              <a:ext uri="{FF2B5EF4-FFF2-40B4-BE49-F238E27FC236}">
+                <a16:creationId xmlns:a16="http://schemas.microsoft.com/office/drawing/2014/main" id="{D1750BE7-EDF0-2B04-0725-EF72101F0368}"/>
+              </a:ext>
+            </a:extLst>
+          </p:cNvPr>
+          <p:cNvCxnSpPr>
+            <a:cxnSpLocks/>
+          </p:cNvCxnSpPr>
+          <p:nvPr/>
+        </p:nvCxnSpPr>
+        <p:spPr>
+          <a:xfrm flipV="1">
+            <a:off x="6932053" y="2072093"/>
+            <a:ext cx="295" cy="956521"/>
+          </a:xfrm>
+          <a:prstGeom prst="straightConnector1">
+            <a:avLst/>
+          </a:prstGeom>
+          <a:ln w="28575">
+            <a:solidFill>
+              <a:srgbClr val="FF0000"/>
+            </a:solidFill>
+            <a:tailEnd type="triangle"/>
+          </a:ln>
+        </p:spPr>
+        <p:style>
+          <a:lnRef idx="1">
+            <a:schemeClr val="accent1"/>
+          </a:lnRef>
+          <a:fillRef idx="0">
+            <a:schemeClr val="accent1"/>
+          </a:fillRef>
+          <a:effectRef idx="0">
+            <a:schemeClr val="accent1"/>
+          </a:effectRef>
+          <a:fontRef idx="minor">
+            <a:schemeClr val="tx1"/>
+          </a:fontRef>
+        </p:style>
+      </p:cxnSp>
+      <p:pic>
+        <p:nvPicPr>
+          <p:cNvPr id="92" name="Graphic 91" descr="Cake slice with solid fill">
+            <a:extLst>
+              <a:ext uri="{FF2B5EF4-FFF2-40B4-BE49-F238E27FC236}">
+                <a16:creationId xmlns:a16="http://schemas.microsoft.com/office/drawing/2014/main" id="{E63E6337-28AF-DCE0-8EF5-83E976718C4A}"/>
+              </a:ext>
+            </a:extLst>
+          </p:cNvPr>
+          <p:cNvPicPr>
+            <a:picLocks noChangeAspect="1"/>
+          </p:cNvPicPr>
+          <p:nvPr/>
+        </p:nvPicPr>
+        <p:blipFill>
+          <a:blip r:embed="rId4">
+            <a:extLst>
+              <a:ext uri="{96DAC541-7B7A-43D3-8B79-37D633B846F1}">
+                <asvg:svgBlip xmlns:asvg="http://schemas.microsoft.com/office/drawing/2016/SVG/main" r:embed="rId5"/>
+              </a:ext>
+            </a:extLst>
+          </a:blip>
+          <a:stretch>
+            <a:fillRect/>
+          </a:stretch>
+        </p:blipFill>
+        <p:spPr>
+          <a:xfrm>
+            <a:off x="6121400" y="4006849"/>
+            <a:ext cx="222250" cy="241300"/>
+          </a:xfrm>
+          <a:prstGeom prst="rect">
+            <a:avLst/>
+          </a:prstGeom>
+        </p:spPr>
+      </p:pic>
+      <p:grpSp>
+        <p:nvGrpSpPr>
+          <p:cNvPr id="98" name="Group 97">
+            <a:extLst>
+              <a:ext uri="{FF2B5EF4-FFF2-40B4-BE49-F238E27FC236}">
+                <a16:creationId xmlns:a16="http://schemas.microsoft.com/office/drawing/2014/main" id="{3220C1A2-EA73-28BB-3829-BE070D19F008}"/>
+              </a:ext>
+            </a:extLst>
+          </p:cNvPr>
+          <p:cNvGrpSpPr/>
+          <p:nvPr/>
+        </p:nvGrpSpPr>
+        <p:grpSpPr>
+          <a:xfrm>
+            <a:off x="7747000" y="4588764"/>
+            <a:ext cx="177799" cy="192786"/>
+            <a:chOff x="6959600" y="4455414"/>
+            <a:chExt cx="177799" cy="192786"/>
+          </a:xfrm>
+        </p:grpSpPr>
+        <p:pic>
+          <p:nvPicPr>
+            <p:cNvPr id="95" name="Picture 94" descr="Confluence Logo PNG Vector (SVG) Free Download">
+              <a:extLst>
+                <a:ext uri="{FF2B5EF4-FFF2-40B4-BE49-F238E27FC236}">
+                  <a16:creationId xmlns:a16="http://schemas.microsoft.com/office/drawing/2014/main" id="{5B2583F0-452D-BADA-1853-6C4D311D65B4}"/>
+                </a:ext>
+              </a:extLst>
+            </p:cNvPr>
+            <p:cNvPicPr>
+              <a:picLocks noChangeAspect="1"/>
+            </p:cNvPicPr>
+            <p:nvPr/>
+          </p:nvPicPr>
+          <p:blipFill>
+            <a:blip r:embed="rId8"/>
+            <a:stretch>
+              <a:fillRect/>
+            </a:stretch>
+          </p:blipFill>
+          <p:spPr>
+            <a:xfrm>
+              <a:off x="6959600" y="4455414"/>
+              <a:ext cx="146050" cy="163322"/>
+            </a:xfrm>
+            <a:prstGeom prst="rect">
+              <a:avLst/>
+            </a:prstGeom>
+          </p:spPr>
+        </p:pic>
+        <p:pic>
+          <p:nvPicPr>
+            <p:cNvPr id="97" name="Graphic 96" descr="Document with solid fill">
+              <a:extLst>
+                <a:ext uri="{FF2B5EF4-FFF2-40B4-BE49-F238E27FC236}">
+                  <a16:creationId xmlns:a16="http://schemas.microsoft.com/office/drawing/2014/main" id="{C65E268D-0DC2-5E6F-D9B0-A8C3058AF037}"/>
+                </a:ext>
+              </a:extLst>
+            </p:cNvPr>
+            <p:cNvPicPr>
+              <a:picLocks noChangeAspect="1"/>
+            </p:cNvPicPr>
+            <p:nvPr/>
+          </p:nvPicPr>
+          <p:blipFill>
+            <a:blip r:embed="rId6">
+              <a:extLst>
+                <a:ext uri="{96DAC541-7B7A-43D3-8B79-37D633B846F1}">
+                  <asvg:svgBlip xmlns:asvg="http://schemas.microsoft.com/office/drawing/2016/SVG/main" r:embed="rId7"/>
+                </a:ext>
+              </a:extLst>
+            </a:blip>
+            <a:stretch>
+              <a:fillRect/>
+            </a:stretch>
+          </p:blipFill>
+          <p:spPr>
+            <a:xfrm>
+              <a:off x="6990000" y="4468240"/>
+              <a:ext cx="147399" cy="179960"/>
+            </a:xfrm>
+            <a:prstGeom prst="rect">
+              <a:avLst/>
+            </a:prstGeom>
+          </p:spPr>
+        </p:pic>
+      </p:grpSp>
+      <p:grpSp>
+        <p:nvGrpSpPr>
+          <p:cNvPr id="99" name="Group 98">
+            <a:extLst>
+              <a:ext uri="{FF2B5EF4-FFF2-40B4-BE49-F238E27FC236}">
+                <a16:creationId xmlns:a16="http://schemas.microsoft.com/office/drawing/2014/main" id="{014975E6-8F0E-CC6E-D4EB-EF6D4CBE60B6}"/>
+              </a:ext>
+            </a:extLst>
+          </p:cNvPr>
+          <p:cNvGrpSpPr/>
+          <p:nvPr/>
+        </p:nvGrpSpPr>
+        <p:grpSpPr>
+          <a:xfrm>
+            <a:off x="5524499" y="2652013"/>
+            <a:ext cx="177799" cy="192786"/>
+            <a:chOff x="6959600" y="4455414"/>
+            <a:chExt cx="177799" cy="192786"/>
+          </a:xfrm>
+        </p:grpSpPr>
+        <p:pic>
+          <p:nvPicPr>
+            <p:cNvPr id="100" name="Picture 99" descr="Confluence Logo PNG Vector (SVG) Free Download">
+              <a:extLst>
+                <a:ext uri="{FF2B5EF4-FFF2-40B4-BE49-F238E27FC236}">
+                  <a16:creationId xmlns:a16="http://schemas.microsoft.com/office/drawing/2014/main" id="{912F2A71-4F08-76E9-D282-E4385080D610}"/>
+                </a:ext>
+              </a:extLst>
+            </p:cNvPr>
+            <p:cNvPicPr>
+              <a:picLocks noChangeAspect="1"/>
+            </p:cNvPicPr>
+            <p:nvPr/>
+          </p:nvPicPr>
+          <p:blipFill>
+            <a:blip r:embed="rId8"/>
+            <a:stretch>
+              <a:fillRect/>
+            </a:stretch>
+          </p:blipFill>
+          <p:spPr>
+            <a:xfrm>
+              <a:off x="6959600" y="4455414"/>
+              <a:ext cx="146050" cy="163322"/>
+            </a:xfrm>
+            <a:prstGeom prst="rect">
+              <a:avLst/>
+            </a:prstGeom>
+          </p:spPr>
+        </p:pic>
+        <p:pic>
+          <p:nvPicPr>
+            <p:cNvPr id="101" name="Graphic 100" descr="Document with solid fill">
+              <a:extLst>
+                <a:ext uri="{FF2B5EF4-FFF2-40B4-BE49-F238E27FC236}">
+                  <a16:creationId xmlns:a16="http://schemas.microsoft.com/office/drawing/2014/main" id="{180AEBBA-4726-1F2B-E83F-6F5625225AAE}"/>
+                </a:ext>
+              </a:extLst>
+            </p:cNvPr>
+            <p:cNvPicPr>
+              <a:picLocks noChangeAspect="1"/>
+            </p:cNvPicPr>
+            <p:nvPr/>
+          </p:nvPicPr>
+          <p:blipFill>
+            <a:blip r:embed="rId6">
+              <a:extLst>
+                <a:ext uri="{96DAC541-7B7A-43D3-8B79-37D633B846F1}">
+                  <asvg:svgBlip xmlns:asvg="http://schemas.microsoft.com/office/drawing/2016/SVG/main" r:embed="rId7"/>
+                </a:ext>
+              </a:extLst>
+            </a:blip>
+            <a:stretch>
+              <a:fillRect/>
+            </a:stretch>
+          </p:blipFill>
+          <p:spPr>
+            <a:xfrm>
+              <a:off x="6990000" y="4468240"/>
+              <a:ext cx="147399" cy="179960"/>
+            </a:xfrm>
+            <a:prstGeom prst="rect">
+              <a:avLst/>
+            </a:prstGeom>
+          </p:spPr>
+        </p:pic>
+      </p:grpSp>
+      <p:grpSp>
+        <p:nvGrpSpPr>
+          <p:cNvPr id="103" name="Group 102">
+            <a:extLst>
+              <a:ext uri="{FF2B5EF4-FFF2-40B4-BE49-F238E27FC236}">
+                <a16:creationId xmlns:a16="http://schemas.microsoft.com/office/drawing/2014/main" id="{716D8714-BA35-59C4-CE93-49284EFDA58A}"/>
+              </a:ext>
+            </a:extLst>
+          </p:cNvPr>
+          <p:cNvGrpSpPr/>
+          <p:nvPr/>
+        </p:nvGrpSpPr>
+        <p:grpSpPr>
+          <a:xfrm>
+            <a:off x="3994683" y="3867150"/>
+            <a:ext cx="1150993" cy="1120842"/>
+            <a:chOff x="3994683" y="3644900"/>
+            <a:chExt cx="1150993" cy="1120842"/>
+          </a:xfrm>
+        </p:grpSpPr>
+        <p:sp>
+          <p:nvSpPr>
+            <p:cNvPr id="8" name="Flowchart: Magnetic Disk 7">
+              <a:extLst>
+                <a:ext uri="{FF2B5EF4-FFF2-40B4-BE49-F238E27FC236}">
+                  <a16:creationId xmlns:a16="http://schemas.microsoft.com/office/drawing/2014/main" id="{222D7D92-E314-F9F1-C32A-A8B5BEAD5F16}"/>
+                </a:ext>
+              </a:extLst>
+            </p:cNvPr>
+            <p:cNvSpPr/>
+            <p:nvPr/>
+          </p:nvSpPr>
+          <p:spPr>
+            <a:xfrm>
+              <a:off x="3994683" y="4171062"/>
+              <a:ext cx="1150993" cy="594680"/>
+            </a:xfrm>
+            <a:prstGeom prst="flowChartMagneticDisk">
+              <a:avLst/>
+            </a:prstGeom>
+            <a:solidFill>
+              <a:srgbClr val="00B050"/>
+            </a:solidFill>
+            <a:ln w="12700">
+              <a:solidFill>
+                <a:srgbClr val="000000"/>
+              </a:solidFill>
+            </a:ln>
+          </p:spPr>
+          <p:style>
+            <a:lnRef idx="2">
+              <a:schemeClr val="accent1">
+                <a:shade val="15000"/>
+              </a:schemeClr>
+            </a:lnRef>
+            <a:fillRef idx="1">
+              <a:schemeClr val="accent1"/>
+            </a:fillRef>
+            <a:effectRef idx="0">
+              <a:schemeClr val="accent1"/>
+            </a:effectRef>
+            <a:fontRef idx="minor">
+              <a:schemeClr val="lt1"/>
+            </a:fontRef>
+          </p:style>
+          <p:txBody>
+            <a:bodyPr rtlCol="0" anchor="ctr"/>
+            <a:lstStyle/>
+            <a:p>
+              <a:pPr algn="ctr"/>
+              <a:r>
+                <a:rPr lang="en-US"/>
+                <a:t>MongoDB</a:t>
+              </a:r>
+            </a:p>
+          </p:txBody>
+        </p:sp>
+        <p:pic>
+          <p:nvPicPr>
+            <p:cNvPr id="102" name="Graphic 101" descr="Cake with solid fill">
+              <a:extLst>
+                <a:ext uri="{FF2B5EF4-FFF2-40B4-BE49-F238E27FC236}">
+                  <a16:creationId xmlns:a16="http://schemas.microsoft.com/office/drawing/2014/main" id="{D04B4553-DF48-5929-23EB-0451C23AB2E2}"/>
+                </a:ext>
+              </a:extLst>
+            </p:cNvPr>
+            <p:cNvPicPr>
+              <a:picLocks noChangeAspect="1"/>
+            </p:cNvPicPr>
+            <p:nvPr/>
+          </p:nvPicPr>
+          <p:blipFill>
+            <a:blip r:embed="rId9">
+              <a:extLst>
+                <a:ext uri="{96DAC541-7B7A-43D3-8B79-37D633B846F1}">
+                  <asvg:svgBlip xmlns:asvg="http://schemas.microsoft.com/office/drawing/2016/SVG/main" r:embed="rId10"/>
+                </a:ext>
+              </a:extLst>
+            </a:blip>
+            <a:stretch>
+              <a:fillRect/>
+            </a:stretch>
+          </p:blipFill>
+          <p:spPr>
+            <a:xfrm>
+              <a:off x="4229100" y="3644900"/>
+              <a:ext cx="654050" cy="685800"/>
+            </a:xfrm>
+            <a:prstGeom prst="rect">
+              <a:avLst/>
+            </a:prstGeom>
+          </p:spPr>
+        </p:pic>
+      </p:grpSp>
+      <p:sp>
+        <p:nvSpPr>
+          <p:cNvPr id="108" name="Flowchart: Magnetic Disk 107">
+            <a:extLst>
+              <a:ext uri="{FF2B5EF4-FFF2-40B4-BE49-F238E27FC236}">
+                <a16:creationId xmlns:a16="http://schemas.microsoft.com/office/drawing/2014/main" id="{576DC859-355F-F18B-2DFF-D619C710964A}"/>
+              </a:ext>
+            </a:extLst>
+          </p:cNvPr>
+          <p:cNvSpPr/>
+          <p:nvPr/>
+        </p:nvSpPr>
+        <p:spPr>
+          <a:xfrm>
+            <a:off x="7690383" y="3675762"/>
+            <a:ext cx="185793" cy="156530"/>
+          </a:xfrm>
+          <a:prstGeom prst="flowChartMagneticDisk">
+            <a:avLst/>
+          </a:prstGeom>
+          <a:solidFill>
+            <a:srgbClr val="00B050"/>
+          </a:solidFill>
+          <a:ln w="12700">
+            <a:solidFill>
+              <a:srgbClr val="000000"/>
+            </a:solidFill>
+          </a:ln>
+        </p:spPr>
+        <p:style>
+          <a:lnRef idx="2">
+            <a:schemeClr val="accent1">
+              <a:shade val="15000"/>
+            </a:schemeClr>
+          </a:lnRef>
+          <a:fillRef idx="1">
+            <a:schemeClr val="accent1"/>
+          </a:fillRef>
+          <a:effectRef idx="0">
+            <a:schemeClr val="accent1"/>
+          </a:effectRef>
+          <a:fontRef idx="minor">
+            <a:schemeClr val="lt1"/>
+          </a:fontRef>
+        </p:style>
+        <p:txBody>
+          <a:bodyPr lIns="91440" tIns="45720" rIns="91440" bIns="45720" rtlCol="0" anchor="ctr"/>
+          <a:lstStyle/>
+          <a:p>
+            <a:pPr algn="ctr"/>
+            <a:endParaRPr lang="en-US" sz="1600">
+              <a:cs typeface="Arial"/>
+            </a:endParaRPr>
+          </a:p>
+        </p:txBody>
+      </p:sp>
+      <p:pic>
+        <p:nvPicPr>
+          <p:cNvPr id="110" name="Picture 109" descr="Confluence Logo PNG Vector (SVG) Free Download">
+            <a:extLst>
+              <a:ext uri="{FF2B5EF4-FFF2-40B4-BE49-F238E27FC236}">
+                <a16:creationId xmlns:a16="http://schemas.microsoft.com/office/drawing/2014/main" id="{84DF8A05-276E-4B63-1FC4-62079CEEF45F}"/>
+              </a:ext>
+            </a:extLst>
+          </p:cNvPr>
+          <p:cNvPicPr>
+            <a:picLocks noChangeAspect="1"/>
+          </p:cNvPicPr>
+          <p:nvPr/>
+        </p:nvPicPr>
+        <p:blipFill>
+          <a:blip r:embed="rId8"/>
+          <a:stretch>
+            <a:fillRect/>
+          </a:stretch>
+        </p:blipFill>
+        <p:spPr>
+          <a:xfrm>
+            <a:off x="4819650" y="1978914"/>
+            <a:ext cx="222250" cy="226822"/>
+          </a:xfrm>
+          <a:prstGeom prst="rect">
+            <a:avLst/>
+          </a:prstGeom>
+        </p:spPr>
+      </p:pic>
+      <p:grpSp>
+        <p:nvGrpSpPr>
+          <p:cNvPr id="21" name="Group 20">
+            <a:extLst>
+              <a:ext uri="{FF2B5EF4-FFF2-40B4-BE49-F238E27FC236}">
+                <a16:creationId xmlns:a16="http://schemas.microsoft.com/office/drawing/2014/main" id="{A288A665-C8B9-706E-DA86-56625DC00503}"/>
+              </a:ext>
+            </a:extLst>
+          </p:cNvPr>
+          <p:cNvGrpSpPr/>
+          <p:nvPr/>
+        </p:nvGrpSpPr>
+        <p:grpSpPr>
+          <a:xfrm>
+            <a:off x="6502933" y="1345312"/>
+            <a:ext cx="1150993" cy="594680"/>
+            <a:chOff x="6502933" y="1345312"/>
+            <a:chExt cx="1150993" cy="594680"/>
+          </a:xfrm>
+        </p:grpSpPr>
+        <p:sp>
+          <p:nvSpPr>
+            <p:cNvPr id="115" name="Flowchart: Magnetic Disk 114">
+              <a:extLst>
+                <a:ext uri="{FF2B5EF4-FFF2-40B4-BE49-F238E27FC236}">
+                  <a16:creationId xmlns:a16="http://schemas.microsoft.com/office/drawing/2014/main" id="{40FFE765-1FCF-C697-6D7F-ACA06250F60C}"/>
+                </a:ext>
+              </a:extLst>
+            </p:cNvPr>
+            <p:cNvSpPr/>
+            <p:nvPr/>
+          </p:nvSpPr>
+          <p:spPr>
+            <a:xfrm>
+              <a:off x="6502933" y="1345312"/>
+              <a:ext cx="1150993" cy="594680"/>
+            </a:xfrm>
+            <a:prstGeom prst="flowChartMagneticDisk">
+              <a:avLst/>
+            </a:prstGeom>
+            <a:solidFill>
+              <a:srgbClr val="00B050"/>
+            </a:solidFill>
+            <a:ln w="12700">
+              <a:solidFill>
+                <a:srgbClr val="000000"/>
+              </a:solidFill>
+            </a:ln>
+          </p:spPr>
+          <p:style>
+            <a:lnRef idx="2">
+              <a:schemeClr val="accent1">
+                <a:shade val="15000"/>
+              </a:schemeClr>
+            </a:lnRef>
+            <a:fillRef idx="1">
+              <a:schemeClr val="accent1"/>
+            </a:fillRef>
+            <a:effectRef idx="0">
+              <a:schemeClr val="accent1"/>
+            </a:effectRef>
+            <a:fontRef idx="minor">
+              <a:schemeClr val="lt1"/>
+            </a:fontRef>
+          </p:style>
+          <p:txBody>
+            <a:bodyPr lIns="91440" tIns="45720" rIns="91440" bIns="45720" rtlCol="0" anchor="ctr"/>
+            <a:lstStyle/>
+            <a:p>
+              <a:pPr algn="ctr"/>
+              <a:r>
+                <a:rPr lang="en-US" sz="700">
+                  <a:cs typeface="Arial"/>
+                </a:rPr>
+                <a:t>GitHub Pages</a:t>
+              </a:r>
+              <a:endParaRPr lang="en-US"/>
+            </a:p>
+          </p:txBody>
+        </p:sp>
+        <p:pic>
+          <p:nvPicPr>
+            <p:cNvPr id="121" name="Picture 120" descr="Github Logo - Free social media icons">
+              <a:extLst>
+                <a:ext uri="{FF2B5EF4-FFF2-40B4-BE49-F238E27FC236}">
+                  <a16:creationId xmlns:a16="http://schemas.microsoft.com/office/drawing/2014/main" id="{FF159E12-76AE-6D80-A481-14AFAA1AC436}"/>
+                </a:ext>
+              </a:extLst>
+            </p:cNvPr>
+            <p:cNvPicPr>
+              <a:picLocks noChangeAspect="1"/>
+            </p:cNvPicPr>
+            <p:nvPr/>
+          </p:nvPicPr>
+          <p:blipFill>
+            <a:blip r:embed="rId11"/>
+            <a:stretch>
+              <a:fillRect/>
+            </a:stretch>
+          </p:blipFill>
+          <p:spPr>
+            <a:xfrm>
+              <a:off x="6559550" y="1587500"/>
+              <a:ext cx="209550" cy="215900"/>
+            </a:xfrm>
+            <a:prstGeom prst="rect">
+              <a:avLst/>
+            </a:prstGeom>
+          </p:spPr>
+        </p:pic>
+      </p:grpSp>
+      <p:sp>
+        <p:nvSpPr>
+          <p:cNvPr id="6" name="Rectangle 5">
+            <a:extLst>
+              <a:ext uri="{FF2B5EF4-FFF2-40B4-BE49-F238E27FC236}">
+                <a16:creationId xmlns:a16="http://schemas.microsoft.com/office/drawing/2014/main" id="{02FE84F2-9555-6DC8-F18F-AAD6550FF31A}"/>
+              </a:ext>
+            </a:extLst>
+          </p:cNvPr>
+          <p:cNvSpPr/>
+          <p:nvPr/>
+        </p:nvSpPr>
+        <p:spPr>
+          <a:xfrm>
+            <a:off x="2412023" y="2986493"/>
+            <a:ext cx="681892" cy="499430"/>
+          </a:xfrm>
+          <a:prstGeom prst="rect">
+            <a:avLst/>
+          </a:prstGeom>
+          <a:solidFill>
+            <a:srgbClr val="0070C0"/>
+          </a:solidFill>
+          <a:ln w="12700">
+            <a:solidFill>
+              <a:srgbClr val="00B050"/>
+            </a:solidFill>
+          </a:ln>
+        </p:spPr>
+        <p:style>
+          <a:lnRef idx="2">
+            <a:schemeClr val="accent1">
+              <a:shade val="15000"/>
+            </a:schemeClr>
+          </a:lnRef>
+          <a:fillRef idx="1">
+            <a:schemeClr val="accent1"/>
+          </a:fillRef>
+          <a:effectRef idx="0">
+            <a:schemeClr val="accent1"/>
+          </a:effectRef>
+          <a:fontRef idx="minor">
+            <a:schemeClr val="lt1"/>
+          </a:fontRef>
+        </p:style>
+        <p:txBody>
+          <a:bodyPr lIns="91440" tIns="45720" rIns="91440" bIns="45720" rtlCol="0" anchor="ctr"/>
+          <a:lstStyle/>
+          <a:p>
+            <a:pPr algn="ctr"/>
+            <a:r>
+              <a:rPr lang="en-US" sz="900">
+                <a:solidFill>
+                  <a:srgbClr val="FFFFFF"/>
+                </a:solidFill>
+              </a:rPr>
+              <a:t>One Note Adapter</a:t>
+            </a:r>
+          </a:p>
+        </p:txBody>
+      </p:sp>
+      <p:sp>
+        <p:nvSpPr>
+          <p:cNvPr id="9" name="Rectangle 8">
+            <a:extLst>
+              <a:ext uri="{FF2B5EF4-FFF2-40B4-BE49-F238E27FC236}">
+                <a16:creationId xmlns:a16="http://schemas.microsoft.com/office/drawing/2014/main" id="{7300CF2E-F2CF-6542-19E8-331322D7E45A}"/>
+              </a:ext>
+            </a:extLst>
+          </p:cNvPr>
+          <p:cNvSpPr/>
+          <p:nvPr/>
+        </p:nvSpPr>
+        <p:spPr>
+          <a:xfrm>
+            <a:off x="4931063" y="2983523"/>
+            <a:ext cx="846743" cy="500786"/>
+          </a:xfrm>
+          <a:prstGeom prst="rect">
+            <a:avLst/>
+          </a:prstGeom>
+          <a:solidFill>
+            <a:srgbClr val="0070C0"/>
+          </a:solidFill>
+          <a:ln w="12700">
+            <a:solidFill>
+              <a:srgbClr val="FF0000"/>
+            </a:solidFill>
+          </a:ln>
+        </p:spPr>
+        <p:style>
+          <a:lnRef idx="2">
+            <a:schemeClr val="accent1">
+              <a:shade val="15000"/>
+            </a:schemeClr>
+          </a:lnRef>
+          <a:fillRef idx="1">
+            <a:schemeClr val="accent1"/>
+          </a:fillRef>
+          <a:effectRef idx="0">
+            <a:schemeClr val="accent1"/>
+          </a:effectRef>
+          <a:fontRef idx="minor">
+            <a:schemeClr val="lt1"/>
+          </a:fontRef>
+        </p:style>
+        <p:txBody>
+          <a:bodyPr lIns="91440" tIns="45720" rIns="91440" bIns="45720" rtlCol="0" anchor="ctr"/>
+          <a:lstStyle/>
+          <a:p>
+            <a:pPr algn="ctr"/>
+            <a:r>
+              <a:rPr lang="en-US" sz="900"/>
+              <a:t>Confluence Adapter</a:t>
+            </a:r>
+          </a:p>
+        </p:txBody>
+      </p:sp>
+      <p:sp>
+        <p:nvSpPr>
+          <p:cNvPr id="25" name="Rectangle 24">
+            <a:extLst>
+              <a:ext uri="{FF2B5EF4-FFF2-40B4-BE49-F238E27FC236}">
+                <a16:creationId xmlns:a16="http://schemas.microsoft.com/office/drawing/2014/main" id="{7177CB5D-9DD4-D890-4643-72EF182F98F5}"/>
+              </a:ext>
+            </a:extLst>
+          </p:cNvPr>
+          <p:cNvSpPr/>
+          <p:nvPr/>
+        </p:nvSpPr>
+        <p:spPr>
+          <a:xfrm>
+            <a:off x="462572" y="3373843"/>
+            <a:ext cx="662842" cy="270830"/>
+          </a:xfrm>
+          <a:prstGeom prst="rect">
+            <a:avLst/>
+          </a:prstGeom>
+          <a:solidFill>
+            <a:srgbClr val="0070C0"/>
+          </a:solidFill>
+          <a:ln w="12700">
+            <a:solidFill>
+              <a:srgbClr val="000000"/>
+            </a:solidFill>
+          </a:ln>
+        </p:spPr>
+        <p:style>
+          <a:lnRef idx="2">
+            <a:schemeClr val="accent1">
+              <a:shade val="15000"/>
+            </a:schemeClr>
+          </a:lnRef>
+          <a:fillRef idx="1">
+            <a:schemeClr val="accent1"/>
+          </a:fillRef>
+          <a:effectRef idx="0">
+            <a:schemeClr val="accent1"/>
+          </a:effectRef>
+          <a:fontRef idx="minor">
+            <a:schemeClr val="lt1"/>
+          </a:fontRef>
+        </p:style>
+        <p:txBody>
+          <a:bodyPr lIns="91440" tIns="45720" rIns="91440" bIns="45720" rtlCol="0" anchor="ctr"/>
+          <a:lstStyle/>
+          <a:p>
+            <a:pPr algn="ctr"/>
+            <a:r>
+              <a:rPr lang="en-US" sz="700"/>
+              <a:t>One Note Exporter</a:t>
+            </a:r>
+          </a:p>
+        </p:txBody>
+      </p:sp>
+      <p:sp>
+        <p:nvSpPr>
+          <p:cNvPr id="88" name="Rectangle 87">
+            <a:extLst>
+              <a:ext uri="{FF2B5EF4-FFF2-40B4-BE49-F238E27FC236}">
+                <a16:creationId xmlns:a16="http://schemas.microsoft.com/office/drawing/2014/main" id="{0080B897-3F79-0DF0-309A-728C3DFAA4CF}"/>
+              </a:ext>
+            </a:extLst>
+          </p:cNvPr>
+          <p:cNvSpPr/>
+          <p:nvPr/>
+        </p:nvSpPr>
+        <p:spPr>
+          <a:xfrm>
+            <a:off x="6607463" y="2983522"/>
+            <a:ext cx="758980" cy="500786"/>
+          </a:xfrm>
+          <a:prstGeom prst="rect">
+            <a:avLst/>
+          </a:prstGeom>
+          <a:solidFill>
+            <a:srgbClr val="0070C0"/>
+          </a:solidFill>
+          <a:ln w="12700">
+            <a:solidFill>
+              <a:srgbClr val="FFC000"/>
+            </a:solidFill>
+          </a:ln>
+        </p:spPr>
+        <p:style>
+          <a:lnRef idx="2">
+            <a:schemeClr val="accent1">
+              <a:shade val="15000"/>
+            </a:schemeClr>
+          </a:lnRef>
+          <a:fillRef idx="1">
+            <a:schemeClr val="accent1"/>
+          </a:fillRef>
+          <a:effectRef idx="0">
+            <a:schemeClr val="accent1"/>
+          </a:effectRef>
+          <a:fontRef idx="minor">
+            <a:schemeClr val="lt1"/>
+          </a:fontRef>
+        </p:style>
+        <p:txBody>
+          <a:bodyPr lIns="91440" tIns="45720" rIns="91440" bIns="45720" rtlCol="0" anchor="ctr"/>
+          <a:lstStyle/>
+          <a:p>
+            <a:pPr algn="ctr"/>
+            <a:r>
+              <a:rPr lang="en-US" sz="900">
+                <a:cs typeface="Arial"/>
+              </a:rPr>
+              <a:t>GitHub Pages Adapter</a:t>
+            </a:r>
+          </a:p>
+        </p:txBody>
+      </p:sp>
+      <p:cxnSp>
+        <p:nvCxnSpPr>
+          <p:cNvPr id="123" name="Straight Arrow Connector 122">
+            <a:extLst>
+              <a:ext uri="{FF2B5EF4-FFF2-40B4-BE49-F238E27FC236}">
+                <a16:creationId xmlns:a16="http://schemas.microsoft.com/office/drawing/2014/main" id="{55872F9A-6913-7253-0C7A-6C969E77C1B8}"/>
+              </a:ext>
+            </a:extLst>
+          </p:cNvPr>
+          <p:cNvCxnSpPr>
+            <a:cxnSpLocks/>
+          </p:cNvCxnSpPr>
+          <p:nvPr/>
+        </p:nvCxnSpPr>
+        <p:spPr>
+          <a:xfrm flipV="1">
+            <a:off x="7736237" y="3477318"/>
+            <a:ext cx="139995" cy="124671"/>
+          </a:xfrm>
+          <a:prstGeom prst="straightConnector1">
+            <a:avLst/>
+          </a:prstGeom>
+          <a:ln w="28575">
+            <a:solidFill>
+              <a:srgbClr val="FF0000"/>
+            </a:solidFill>
+            <a:tailEnd type="triangle"/>
+          </a:ln>
+        </p:spPr>
+        <p:style>
+          <a:lnRef idx="1">
+            <a:schemeClr val="accent1"/>
+          </a:lnRef>
+          <a:fillRef idx="0">
+            <a:schemeClr val="accent1"/>
+          </a:fillRef>
+          <a:effectRef idx="0">
+            <a:schemeClr val="accent1"/>
+          </a:effectRef>
+          <a:fontRef idx="minor">
+            <a:schemeClr val="tx1"/>
+          </a:fontRef>
+        </p:style>
+      </p:cxnSp>
+      <p:cxnSp>
+        <p:nvCxnSpPr>
+          <p:cNvPr id="124" name="Straight Arrow Connector 123">
+            <a:extLst>
+              <a:ext uri="{FF2B5EF4-FFF2-40B4-BE49-F238E27FC236}">
+                <a16:creationId xmlns:a16="http://schemas.microsoft.com/office/drawing/2014/main" id="{CD8FB6B9-2579-92B1-5F7C-AE96183AEAF1}"/>
+              </a:ext>
+            </a:extLst>
+          </p:cNvPr>
+          <p:cNvCxnSpPr>
+            <a:cxnSpLocks/>
+          </p:cNvCxnSpPr>
+          <p:nvPr/>
+        </p:nvCxnSpPr>
+        <p:spPr>
+          <a:xfrm flipV="1">
+            <a:off x="7736237" y="3242367"/>
+            <a:ext cx="139995" cy="124671"/>
+          </a:xfrm>
+          <a:prstGeom prst="straightConnector1">
+            <a:avLst/>
+          </a:prstGeom>
+          <a:ln w="28575">
+            <a:solidFill>
+              <a:srgbClr val="7030A0"/>
+            </a:solidFill>
+            <a:tailEnd type="triangle"/>
+          </a:ln>
+        </p:spPr>
+        <p:style>
+          <a:lnRef idx="1">
+            <a:schemeClr val="accent1"/>
+          </a:lnRef>
+          <a:fillRef idx="0">
+            <a:schemeClr val="accent1"/>
+          </a:fillRef>
+          <a:effectRef idx="0">
+            <a:schemeClr val="accent1"/>
+          </a:effectRef>
+          <a:fontRef idx="minor">
+            <a:schemeClr val="tx1"/>
+          </a:fontRef>
+        </p:style>
+      </p:cxnSp>
+      <p:grpSp>
+        <p:nvGrpSpPr>
+          <p:cNvPr id="137" name="Group 136">
+            <a:extLst>
+              <a:ext uri="{FF2B5EF4-FFF2-40B4-BE49-F238E27FC236}">
+                <a16:creationId xmlns:a16="http://schemas.microsoft.com/office/drawing/2014/main" id="{AB636782-424E-62D8-F443-660F81626471}"/>
+              </a:ext>
+            </a:extLst>
+          </p:cNvPr>
+          <p:cNvGrpSpPr/>
+          <p:nvPr/>
+        </p:nvGrpSpPr>
+        <p:grpSpPr>
+          <a:xfrm>
+            <a:off x="7858464" y="3221365"/>
+            <a:ext cx="1164920" cy="870465"/>
+            <a:chOff x="7858464" y="3221365"/>
+            <a:chExt cx="1164920" cy="870465"/>
+          </a:xfrm>
+        </p:grpSpPr>
+        <p:sp>
+          <p:nvSpPr>
+            <p:cNvPr id="133" name="TextBox 132">
+              <a:extLst>
+                <a:ext uri="{FF2B5EF4-FFF2-40B4-BE49-F238E27FC236}">
+                  <a16:creationId xmlns:a16="http://schemas.microsoft.com/office/drawing/2014/main" id="{9D862D53-7C83-0B85-52C2-39FB54F3FE56}"/>
+                </a:ext>
+              </a:extLst>
+            </p:cNvPr>
+            <p:cNvSpPr txBox="1"/>
+            <p:nvPr/>
+          </p:nvSpPr>
+          <p:spPr>
+            <a:xfrm>
+              <a:off x="7858464" y="3221365"/>
+              <a:ext cx="898220" cy="184666"/>
+            </a:xfrm>
+            <a:prstGeom prst="rect">
+              <a:avLst/>
+            </a:prstGeom>
+            <a:noFill/>
+          </p:spPr>
+          <p:txBody>
+            <a:bodyPr wrap="square" lIns="91440" tIns="45720" rIns="91440" bIns="45720" rtlCol="0" anchor="t">
+              <a:spAutoFit/>
+            </a:bodyPr>
+            <a:lstStyle/>
+            <a:p>
+              <a:r>
+                <a:rPr lang="en-US" sz="600">
+                  <a:cs typeface="Arial"/>
+                </a:rPr>
+                <a:t>= Data Flow</a:t>
+              </a:r>
+            </a:p>
+          </p:txBody>
+        </p:sp>
+        <p:sp>
+          <p:nvSpPr>
+            <p:cNvPr id="134" name="TextBox 133">
+              <a:extLst>
+                <a:ext uri="{FF2B5EF4-FFF2-40B4-BE49-F238E27FC236}">
+                  <a16:creationId xmlns:a16="http://schemas.microsoft.com/office/drawing/2014/main" id="{C1E13A5F-2063-03B0-432F-06956707DFD5}"/>
+                </a:ext>
+              </a:extLst>
+            </p:cNvPr>
+            <p:cNvSpPr txBox="1"/>
+            <p:nvPr/>
+          </p:nvSpPr>
+          <p:spPr>
+            <a:xfrm>
+              <a:off x="7858464" y="3443614"/>
+              <a:ext cx="898220" cy="184666"/>
+            </a:xfrm>
+            <a:prstGeom prst="rect">
+              <a:avLst/>
+            </a:prstGeom>
+            <a:noFill/>
+          </p:spPr>
+          <p:txBody>
+            <a:bodyPr wrap="square" lIns="91440" tIns="45720" rIns="91440" bIns="45720" rtlCol="0" anchor="t">
+              <a:spAutoFit/>
+            </a:bodyPr>
+            <a:lstStyle/>
+            <a:p>
+              <a:r>
+                <a:rPr lang="en-US" sz="600">
+                  <a:cs typeface="Arial"/>
+                </a:rPr>
+                <a:t>= Interacts with</a:t>
+              </a:r>
+            </a:p>
+          </p:txBody>
+        </p:sp>
+        <p:sp>
+          <p:nvSpPr>
+            <p:cNvPr id="135" name="TextBox 134">
+              <a:extLst>
+                <a:ext uri="{FF2B5EF4-FFF2-40B4-BE49-F238E27FC236}">
+                  <a16:creationId xmlns:a16="http://schemas.microsoft.com/office/drawing/2014/main" id="{60DCDFBD-B80E-8451-EE2C-C2B23C3B61F3}"/>
+                </a:ext>
+              </a:extLst>
+            </p:cNvPr>
+            <p:cNvSpPr txBox="1"/>
+            <p:nvPr/>
+          </p:nvSpPr>
+          <p:spPr>
+            <a:xfrm>
+              <a:off x="7858464" y="3665864"/>
+              <a:ext cx="898220" cy="184666"/>
+            </a:xfrm>
+            <a:prstGeom prst="rect">
+              <a:avLst/>
+            </a:prstGeom>
+            <a:noFill/>
+          </p:spPr>
+          <p:txBody>
+            <a:bodyPr wrap="square" lIns="91440" tIns="45720" rIns="91440" bIns="45720" rtlCol="0" anchor="t">
+              <a:spAutoFit/>
+            </a:bodyPr>
+            <a:lstStyle/>
+            <a:p>
+              <a:r>
+                <a:rPr lang="en-US" sz="600">
+                  <a:cs typeface="Arial"/>
+                </a:rPr>
+                <a:t>= Database</a:t>
+              </a:r>
+            </a:p>
+          </p:txBody>
+        </p:sp>
+        <p:sp>
+          <p:nvSpPr>
+            <p:cNvPr id="136" name="TextBox 135">
+              <a:extLst>
+                <a:ext uri="{FF2B5EF4-FFF2-40B4-BE49-F238E27FC236}">
+                  <a16:creationId xmlns:a16="http://schemas.microsoft.com/office/drawing/2014/main" id="{9B3496E8-CB18-EC91-8FC5-F00B49DCA22D}"/>
+                </a:ext>
+              </a:extLst>
+            </p:cNvPr>
+            <p:cNvSpPr txBox="1"/>
+            <p:nvPr/>
+          </p:nvSpPr>
+          <p:spPr>
+            <a:xfrm>
+              <a:off x="7877514" y="3907164"/>
+              <a:ext cx="1145870" cy="184666"/>
+            </a:xfrm>
+            <a:prstGeom prst="rect">
+              <a:avLst/>
+            </a:prstGeom>
+            <a:noFill/>
+          </p:spPr>
+          <p:txBody>
+            <a:bodyPr wrap="square" lIns="91440" tIns="45720" rIns="91440" bIns="45720" rtlCol="0" anchor="t">
+              <a:spAutoFit/>
+            </a:bodyPr>
+            <a:lstStyle/>
+            <a:p>
+              <a:r>
+                <a:rPr lang="en-US" sz="600">
+                  <a:cs typeface="Arial"/>
+                </a:rPr>
+                <a:t>= </a:t>
+              </a:r>
+              <a:r>
+                <a:rPr lang="en-US" sz="600" err="1">
+                  <a:cs typeface="Arial"/>
+                </a:rPr>
+                <a:t>DocBlock</a:t>
+              </a:r>
+              <a:r>
+                <a:rPr lang="en-US" sz="600">
+                  <a:cs typeface="Arial"/>
+                </a:rPr>
+                <a:t> Data Model</a:t>
+              </a:r>
+            </a:p>
+          </p:txBody>
+        </p:sp>
+      </p:grpSp>
+      <p:grpSp>
+        <p:nvGrpSpPr>
+          <p:cNvPr id="140" name="Group 139">
+            <a:extLst>
+              <a:ext uri="{FF2B5EF4-FFF2-40B4-BE49-F238E27FC236}">
+                <a16:creationId xmlns:a16="http://schemas.microsoft.com/office/drawing/2014/main" id="{A6B9BEB2-1688-EF8D-6040-E1CB0DE37DA0}"/>
+              </a:ext>
+            </a:extLst>
+          </p:cNvPr>
+          <p:cNvGrpSpPr/>
+          <p:nvPr/>
+        </p:nvGrpSpPr>
+        <p:grpSpPr>
+          <a:xfrm>
+            <a:off x="7896564" y="4129415"/>
+            <a:ext cx="1190320" cy="641865"/>
+            <a:chOff x="7858464" y="3221365"/>
+            <a:chExt cx="1190320" cy="641865"/>
+          </a:xfrm>
+        </p:grpSpPr>
+        <p:sp>
+          <p:nvSpPr>
+            <p:cNvPr id="141" name="TextBox 140">
+              <a:extLst>
+                <a:ext uri="{FF2B5EF4-FFF2-40B4-BE49-F238E27FC236}">
+                  <a16:creationId xmlns:a16="http://schemas.microsoft.com/office/drawing/2014/main" id="{CC0D5809-F205-9F77-12E9-D88A23CE7843}"/>
+                </a:ext>
+              </a:extLst>
+            </p:cNvPr>
+            <p:cNvSpPr txBox="1"/>
+            <p:nvPr/>
+          </p:nvSpPr>
+          <p:spPr>
+            <a:xfrm>
+              <a:off x="7858464" y="3221365"/>
+              <a:ext cx="1190320" cy="184666"/>
+            </a:xfrm>
+            <a:prstGeom prst="rect">
+              <a:avLst/>
+            </a:prstGeom>
+            <a:noFill/>
+          </p:spPr>
+          <p:txBody>
+            <a:bodyPr wrap="square" lIns="91440" tIns="45720" rIns="91440" bIns="45720" rtlCol="0" anchor="t">
+              <a:spAutoFit/>
+            </a:bodyPr>
+            <a:lstStyle/>
+            <a:p>
+              <a:r>
+                <a:rPr lang="en-US" sz="600">
+                  <a:cs typeface="Arial"/>
+                </a:rPr>
+                <a:t>= Markdown File Format</a:t>
+              </a:r>
+            </a:p>
+          </p:txBody>
+        </p:sp>
+        <p:sp>
+          <p:nvSpPr>
+            <p:cNvPr id="142" name="TextBox 141">
+              <a:extLst>
+                <a:ext uri="{FF2B5EF4-FFF2-40B4-BE49-F238E27FC236}">
+                  <a16:creationId xmlns:a16="http://schemas.microsoft.com/office/drawing/2014/main" id="{BA52193E-3FD2-8840-F567-A4CEED841CD4}"/>
+                </a:ext>
+              </a:extLst>
+            </p:cNvPr>
+            <p:cNvSpPr txBox="1"/>
+            <p:nvPr/>
+          </p:nvSpPr>
+          <p:spPr>
+            <a:xfrm>
+              <a:off x="7858464" y="3456314"/>
+              <a:ext cx="1126820" cy="184666"/>
+            </a:xfrm>
+            <a:prstGeom prst="rect">
+              <a:avLst/>
+            </a:prstGeom>
+            <a:noFill/>
+          </p:spPr>
+          <p:txBody>
+            <a:bodyPr wrap="square" lIns="91440" tIns="45720" rIns="91440" bIns="45720" rtlCol="0" anchor="t">
+              <a:spAutoFit/>
+            </a:bodyPr>
+            <a:lstStyle/>
+            <a:p>
+              <a:r>
+                <a:rPr lang="en-US" sz="600">
+                  <a:cs typeface="Arial"/>
+                </a:rPr>
+                <a:t>= One Note Data Format</a:t>
+              </a:r>
+            </a:p>
+          </p:txBody>
+        </p:sp>
+        <p:sp>
+          <p:nvSpPr>
+            <p:cNvPr id="143" name="TextBox 142">
+              <a:extLst>
+                <a:ext uri="{FF2B5EF4-FFF2-40B4-BE49-F238E27FC236}">
+                  <a16:creationId xmlns:a16="http://schemas.microsoft.com/office/drawing/2014/main" id="{E70F3A4B-2198-8830-C0EB-35A40B5ABB0F}"/>
+                </a:ext>
+              </a:extLst>
+            </p:cNvPr>
+            <p:cNvSpPr txBox="1"/>
+            <p:nvPr/>
+          </p:nvSpPr>
+          <p:spPr>
+            <a:xfrm>
+              <a:off x="7858464" y="3678564"/>
+              <a:ext cx="1190320" cy="184666"/>
+            </a:xfrm>
+            <a:prstGeom prst="rect">
+              <a:avLst/>
+            </a:prstGeom>
+            <a:noFill/>
+          </p:spPr>
+          <p:txBody>
+            <a:bodyPr wrap="square" lIns="91440" tIns="45720" rIns="91440" bIns="45720" rtlCol="0" anchor="t">
+              <a:spAutoFit/>
+            </a:bodyPr>
+            <a:lstStyle/>
+            <a:p>
+              <a:r>
+                <a:rPr lang="en-US" sz="600">
+                  <a:cs typeface="Arial"/>
+                </a:rPr>
+                <a:t>= Confluence Data Format</a:t>
+              </a:r>
+            </a:p>
+          </p:txBody>
+        </p:sp>
+      </p:grpSp>
+      <p:sp>
+        <p:nvSpPr>
+          <p:cNvPr id="148" name="TextBox 147">
+            <a:extLst>
+              <a:ext uri="{FF2B5EF4-FFF2-40B4-BE49-F238E27FC236}">
+                <a16:creationId xmlns:a16="http://schemas.microsoft.com/office/drawing/2014/main" id="{F602F550-45EC-40BD-7F05-04C030C3EC23}"/>
+              </a:ext>
+            </a:extLst>
+          </p:cNvPr>
+          <p:cNvSpPr txBox="1"/>
+          <p:nvPr/>
+        </p:nvSpPr>
+        <p:spPr>
+          <a:xfrm>
+            <a:off x="2067264" y="1417965"/>
+            <a:ext cx="1596720" cy="184666"/>
+          </a:xfrm>
+          <a:prstGeom prst="rect">
+            <a:avLst/>
+          </a:prstGeom>
+          <a:noFill/>
+        </p:spPr>
+        <p:txBody>
+          <a:bodyPr wrap="square" lIns="91440" tIns="45720" rIns="91440" bIns="45720" rtlCol="0" anchor="t">
+            <a:spAutoFit/>
+          </a:bodyPr>
+          <a:lstStyle/>
+          <a:p>
+            <a:r>
+              <a:rPr lang="en-US" sz="600" dirty="0">
+                <a:cs typeface="Arial"/>
+              </a:rPr>
+              <a:t>Uses One Note</a:t>
+            </a:r>
+          </a:p>
+        </p:txBody>
+      </p:sp>
+      <p:sp>
+        <p:nvSpPr>
+          <p:cNvPr id="149" name="TextBox 148">
+            <a:extLst>
+              <a:ext uri="{FF2B5EF4-FFF2-40B4-BE49-F238E27FC236}">
+                <a16:creationId xmlns:a16="http://schemas.microsoft.com/office/drawing/2014/main" id="{CEA17A1D-9421-969F-0EA2-AA38B06D00C7}"/>
+              </a:ext>
+            </a:extLst>
+          </p:cNvPr>
+          <p:cNvSpPr txBox="1"/>
+          <p:nvPr/>
+        </p:nvSpPr>
+        <p:spPr>
+          <a:xfrm rot="21540000">
+            <a:off x="4418189" y="1421630"/>
+            <a:ext cx="1571320" cy="184666"/>
+          </a:xfrm>
+          <a:prstGeom prst="rect">
+            <a:avLst/>
+          </a:prstGeom>
+          <a:noFill/>
+        </p:spPr>
+        <p:txBody>
+          <a:bodyPr wrap="square" lIns="91440" tIns="45720" rIns="91440" bIns="45720" rtlCol="0" anchor="t">
+            <a:spAutoFit/>
+          </a:bodyPr>
+          <a:lstStyle/>
+          <a:p>
+            <a:r>
+              <a:rPr lang="en-US" sz="600">
+                <a:cs typeface="Arial"/>
+              </a:rPr>
+              <a:t>Makes documentation in GitHub Pages</a:t>
+            </a:r>
+          </a:p>
+        </p:txBody>
+      </p:sp>
+      <p:sp>
+        <p:nvSpPr>
+          <p:cNvPr id="150" name="TextBox 149">
+            <a:extLst>
+              <a:ext uri="{FF2B5EF4-FFF2-40B4-BE49-F238E27FC236}">
+                <a16:creationId xmlns:a16="http://schemas.microsoft.com/office/drawing/2014/main" id="{6A0D63C6-4E85-2A23-6F6C-1AC7A0547FB3}"/>
+              </a:ext>
+            </a:extLst>
+          </p:cNvPr>
+          <p:cNvSpPr txBox="1"/>
+          <p:nvPr/>
+        </p:nvSpPr>
+        <p:spPr>
+          <a:xfrm rot="360000">
+            <a:off x="3999196" y="1727669"/>
+            <a:ext cx="961720" cy="184666"/>
+          </a:xfrm>
+          <a:prstGeom prst="rect">
+            <a:avLst/>
+          </a:prstGeom>
+          <a:noFill/>
+        </p:spPr>
+        <p:txBody>
+          <a:bodyPr wrap="square" lIns="91440" tIns="45720" rIns="91440" bIns="45720" rtlCol="0" anchor="t">
+            <a:spAutoFit/>
+          </a:bodyPr>
+          <a:lstStyle/>
+          <a:p>
+            <a:r>
+              <a:rPr lang="en-US" sz="600">
+                <a:cs typeface="Arial"/>
+              </a:rPr>
+              <a:t>Use Confluence</a:t>
+            </a:r>
+          </a:p>
+        </p:txBody>
+      </p:sp>
+      <p:sp>
+        <p:nvSpPr>
+          <p:cNvPr id="5" name="TextBox 4">
+            <a:extLst>
+              <a:ext uri="{FF2B5EF4-FFF2-40B4-BE49-F238E27FC236}">
+                <a16:creationId xmlns:a16="http://schemas.microsoft.com/office/drawing/2014/main" id="{3E5CA9ED-0ED3-AE74-8C37-8567ADF01705}"/>
+              </a:ext>
+            </a:extLst>
+          </p:cNvPr>
+          <p:cNvSpPr txBox="1"/>
+          <p:nvPr/>
+        </p:nvSpPr>
+        <p:spPr>
+          <a:xfrm>
+            <a:off x="5085046" y="3575519"/>
+            <a:ext cx="758520" cy="276999"/>
+          </a:xfrm>
+          <a:prstGeom prst="rect">
+            <a:avLst/>
+          </a:prstGeom>
+          <a:noFill/>
+        </p:spPr>
+        <p:txBody>
+          <a:bodyPr wrap="square" lIns="91440" tIns="45720" rIns="91440" bIns="45720" rtlCol="0" anchor="t">
+            <a:spAutoFit/>
+          </a:bodyPr>
+          <a:lstStyle/>
+          <a:p>
+            <a:r>
+              <a:rPr lang="en-US" sz="600">
+                <a:cs typeface="Arial"/>
+              </a:rPr>
+              <a:t>Pulls </a:t>
+            </a:r>
+            <a:r>
+              <a:rPr lang="en-US" sz="600" err="1">
+                <a:cs typeface="Arial"/>
+              </a:rPr>
+              <a:t>DocBlocks</a:t>
+            </a:r>
+            <a:r>
+              <a:rPr lang="en-US" sz="600">
+                <a:cs typeface="Arial"/>
+              </a:rPr>
+              <a:t> from MongoDB</a:t>
+            </a:r>
+          </a:p>
+        </p:txBody>
+      </p:sp>
+      <p:sp>
+        <p:nvSpPr>
+          <p:cNvPr id="7" name="TextBox 6">
+            <a:extLst>
+              <a:ext uri="{FF2B5EF4-FFF2-40B4-BE49-F238E27FC236}">
+                <a16:creationId xmlns:a16="http://schemas.microsoft.com/office/drawing/2014/main" id="{2222CA6D-9581-D3CA-17FC-56F0BE8377A8}"/>
+              </a:ext>
+            </a:extLst>
+          </p:cNvPr>
+          <p:cNvSpPr txBox="1"/>
+          <p:nvPr/>
+        </p:nvSpPr>
+        <p:spPr>
+          <a:xfrm rot="21540000">
+            <a:off x="4659279" y="2488068"/>
+            <a:ext cx="752170" cy="369332"/>
+          </a:xfrm>
+          <a:prstGeom prst="rect">
+            <a:avLst/>
+          </a:prstGeom>
+          <a:noFill/>
+        </p:spPr>
+        <p:txBody>
+          <a:bodyPr wrap="square" lIns="91440" tIns="45720" rIns="91440" bIns="45720" rtlCol="0" anchor="t">
+            <a:spAutoFit/>
+          </a:bodyPr>
+          <a:lstStyle/>
+          <a:p>
+            <a:r>
+              <a:rPr lang="en-US" sz="600">
+                <a:cs typeface="Arial"/>
+              </a:rPr>
+              <a:t>Uploads using Confluence data format</a:t>
+            </a:r>
+          </a:p>
+        </p:txBody>
+      </p:sp>
+      <p:sp>
+        <p:nvSpPr>
+          <p:cNvPr id="12" name="TextBox 11">
+            <a:extLst>
+              <a:ext uri="{FF2B5EF4-FFF2-40B4-BE49-F238E27FC236}">
+                <a16:creationId xmlns:a16="http://schemas.microsoft.com/office/drawing/2014/main" id="{C12AF3FF-90B2-092A-3EDF-39C2384D6B3F}"/>
+              </a:ext>
+            </a:extLst>
+          </p:cNvPr>
+          <p:cNvSpPr txBox="1"/>
+          <p:nvPr/>
+        </p:nvSpPr>
+        <p:spPr>
+          <a:xfrm>
+            <a:off x="901581" y="3645509"/>
+            <a:ext cx="834720" cy="553998"/>
+          </a:xfrm>
+          <a:prstGeom prst="rect">
+            <a:avLst/>
+          </a:prstGeom>
+          <a:noFill/>
+        </p:spPr>
+        <p:txBody>
+          <a:bodyPr wrap="square" lIns="91440" tIns="45720" rIns="91440" bIns="45720" rtlCol="0" anchor="t">
+            <a:spAutoFit/>
+          </a:bodyPr>
+          <a:lstStyle/>
+          <a:p>
+            <a:r>
+              <a:rPr lang="en-US" sz="600">
+                <a:cs typeface="Arial"/>
+              </a:rPr>
+              <a:t>Exports One Note Notebooks as Markdown Files and stores on a local drive. </a:t>
+            </a:r>
+          </a:p>
+        </p:txBody>
+      </p:sp>
+      <p:sp>
+        <p:nvSpPr>
+          <p:cNvPr id="14" name="TextBox 13">
+            <a:extLst>
+              <a:ext uri="{FF2B5EF4-FFF2-40B4-BE49-F238E27FC236}">
+                <a16:creationId xmlns:a16="http://schemas.microsoft.com/office/drawing/2014/main" id="{A854938B-9F98-F065-FA9B-33161732DFEE}"/>
+              </a:ext>
+            </a:extLst>
+          </p:cNvPr>
+          <p:cNvSpPr txBox="1"/>
+          <p:nvPr/>
+        </p:nvSpPr>
+        <p:spPr>
+          <a:xfrm>
+            <a:off x="836896" y="2616669"/>
+            <a:ext cx="961720" cy="369332"/>
+          </a:xfrm>
+          <a:prstGeom prst="rect">
+            <a:avLst/>
+          </a:prstGeom>
+          <a:noFill/>
+        </p:spPr>
+        <p:txBody>
+          <a:bodyPr wrap="square" lIns="91440" tIns="45720" rIns="91440" bIns="45720" rtlCol="0" anchor="t">
+            <a:spAutoFit/>
+          </a:bodyPr>
+          <a:lstStyle/>
+          <a:p>
+            <a:r>
+              <a:rPr lang="en-US" sz="600">
+                <a:cs typeface="Arial"/>
+              </a:rPr>
+              <a:t>Accesses One Note and pulls data to convert to markdown. </a:t>
+            </a:r>
+          </a:p>
+        </p:txBody>
+      </p:sp>
+      <p:cxnSp>
+        <p:nvCxnSpPr>
+          <p:cNvPr id="16" name="Straight Arrow Connector 15">
+            <a:extLst>
+              <a:ext uri="{FF2B5EF4-FFF2-40B4-BE49-F238E27FC236}">
+                <a16:creationId xmlns:a16="http://schemas.microsoft.com/office/drawing/2014/main" id="{76FCE430-47B7-6A5B-ED9D-EE66768B2136}"/>
+              </a:ext>
+            </a:extLst>
+          </p:cNvPr>
+          <p:cNvCxnSpPr/>
+          <p:nvPr/>
+        </p:nvCxnSpPr>
+        <p:spPr>
+          <a:xfrm>
+            <a:off x="5429250" y="2419350"/>
+            <a:ext cx="0" cy="514350"/>
+          </a:xfrm>
+          <a:prstGeom prst="straightConnector1">
+            <a:avLst/>
+          </a:prstGeom>
+          <a:ln w="28575">
+            <a:solidFill>
+              <a:srgbClr val="7030A0"/>
+            </a:solidFill>
+            <a:headEnd type="triangle"/>
+            <a:tailEnd type="triangle"/>
+          </a:ln>
+        </p:spPr>
+        <p:style>
+          <a:lnRef idx="1">
+            <a:schemeClr val="accent1"/>
+          </a:lnRef>
+          <a:fillRef idx="0">
+            <a:schemeClr val="accent1"/>
+          </a:fillRef>
+          <a:effectRef idx="0">
+            <a:schemeClr val="accent1"/>
+          </a:effectRef>
+          <a:fontRef idx="minor">
+            <a:schemeClr val="tx1"/>
+          </a:fontRef>
+        </p:style>
+      </p:cxnSp>
+      <p:cxnSp>
+        <p:nvCxnSpPr>
+          <p:cNvPr id="19" name="Straight Arrow Connector 18">
+            <a:extLst>
+              <a:ext uri="{FF2B5EF4-FFF2-40B4-BE49-F238E27FC236}">
+                <a16:creationId xmlns:a16="http://schemas.microsoft.com/office/drawing/2014/main" id="{BB393E15-90C1-4545-6192-37B2A78ADA2D}"/>
+              </a:ext>
+            </a:extLst>
+          </p:cNvPr>
+          <p:cNvCxnSpPr>
+            <a:cxnSpLocks/>
+          </p:cNvCxnSpPr>
+          <p:nvPr/>
+        </p:nvCxnSpPr>
+        <p:spPr>
+          <a:xfrm flipH="1">
+            <a:off x="4794250" y="3549650"/>
+            <a:ext cx="209550" cy="565150"/>
+          </a:xfrm>
+          <a:prstGeom prst="straightConnector1">
+            <a:avLst/>
+          </a:prstGeom>
+          <a:ln w="28575">
+            <a:solidFill>
+              <a:srgbClr val="7030A0"/>
+            </a:solidFill>
+            <a:headEnd type="triangle"/>
+            <a:tailEnd type="triangle"/>
+          </a:ln>
+        </p:spPr>
+        <p:style>
+          <a:lnRef idx="1">
+            <a:schemeClr val="accent1"/>
+          </a:lnRef>
+          <a:fillRef idx="0">
+            <a:schemeClr val="accent1"/>
+          </a:fillRef>
+          <a:effectRef idx="0">
+            <a:schemeClr val="accent1"/>
+          </a:effectRef>
+          <a:fontRef idx="minor">
+            <a:schemeClr val="tx1"/>
+          </a:fontRef>
+        </p:style>
+      </p:cxnSp>
+      <p:cxnSp>
+        <p:nvCxnSpPr>
+          <p:cNvPr id="35" name="Straight Arrow Connector 34">
+            <a:extLst>
+              <a:ext uri="{FF2B5EF4-FFF2-40B4-BE49-F238E27FC236}">
+                <a16:creationId xmlns:a16="http://schemas.microsoft.com/office/drawing/2014/main" id="{8FF05DB4-2462-FCDB-F1A4-FD9B304733F4}"/>
+              </a:ext>
+            </a:extLst>
+          </p:cNvPr>
+          <p:cNvCxnSpPr>
+            <a:cxnSpLocks/>
+          </p:cNvCxnSpPr>
+          <p:nvPr/>
+        </p:nvCxnSpPr>
+        <p:spPr>
+          <a:xfrm flipH="1" flipV="1">
+            <a:off x="5243248" y="4745443"/>
+            <a:ext cx="1218905" cy="29421"/>
+          </a:xfrm>
+          <a:prstGeom prst="straightConnector1">
+            <a:avLst/>
+          </a:prstGeom>
+          <a:ln w="28575">
+            <a:solidFill>
+              <a:srgbClr val="FF0000"/>
+            </a:solidFill>
+            <a:tailEnd type="triangle"/>
+          </a:ln>
+        </p:spPr>
+        <p:style>
+          <a:lnRef idx="1">
+            <a:schemeClr val="accent1"/>
+          </a:lnRef>
+          <a:fillRef idx="0">
+            <a:schemeClr val="accent1"/>
+          </a:fillRef>
+          <a:effectRef idx="0">
+            <a:schemeClr val="accent1"/>
+          </a:effectRef>
+          <a:fontRef idx="minor">
+            <a:schemeClr val="tx1"/>
+          </a:fontRef>
+        </p:style>
+      </p:cxnSp>
+      <p:sp>
+        <p:nvSpPr>
+          <p:cNvPr id="22" name="Rectangle 21">
+            <a:extLst>
+              <a:ext uri="{FF2B5EF4-FFF2-40B4-BE49-F238E27FC236}">
+                <a16:creationId xmlns:a16="http://schemas.microsoft.com/office/drawing/2014/main" id="{E2CCBD8C-540F-631A-A3B3-6D49E4AA5EE8}"/>
+              </a:ext>
+            </a:extLst>
+          </p:cNvPr>
+          <p:cNvSpPr/>
+          <p:nvPr/>
+        </p:nvSpPr>
+        <p:spPr>
+          <a:xfrm>
+            <a:off x="6359812" y="4488471"/>
+            <a:ext cx="1152680" cy="500786"/>
+          </a:xfrm>
+          <a:prstGeom prst="rect">
+            <a:avLst/>
+          </a:prstGeom>
+          <a:solidFill>
+            <a:srgbClr val="0070C0"/>
+          </a:solidFill>
+          <a:ln w="12700">
+            <a:solidFill>
+              <a:srgbClr val="FF0000"/>
+            </a:solidFill>
+          </a:ln>
+        </p:spPr>
+        <p:style>
+          <a:lnRef idx="2">
+            <a:schemeClr val="accent1">
+              <a:shade val="15000"/>
+            </a:schemeClr>
+          </a:lnRef>
+          <a:fillRef idx="1">
+            <a:schemeClr val="accent1"/>
+          </a:fillRef>
+          <a:effectRef idx="0">
+            <a:schemeClr val="accent1"/>
+          </a:effectRef>
+          <a:fontRef idx="minor">
+            <a:schemeClr val="lt1"/>
+          </a:fontRef>
+        </p:style>
+        <p:txBody>
+          <a:bodyPr lIns="91440" tIns="45720" rIns="91440" bIns="45720" rtlCol="0" anchor="ctr"/>
+          <a:lstStyle/>
+          <a:p>
+            <a:pPr algn="ctr"/>
+            <a:r>
+              <a:rPr lang="en-US" sz="900">
+                <a:cs typeface="Arial"/>
+              </a:rPr>
+              <a:t>Semantic Search, Vectorization, etc. To come...</a:t>
+            </a:r>
+          </a:p>
+        </p:txBody>
+      </p:sp>
+      <p:sp>
+        <p:nvSpPr>
+          <p:cNvPr id="36" name="Rectangle 35">
+            <a:extLst>
+              <a:ext uri="{FF2B5EF4-FFF2-40B4-BE49-F238E27FC236}">
+                <a16:creationId xmlns:a16="http://schemas.microsoft.com/office/drawing/2014/main" id="{252966CF-E436-1AE5-831D-FD1F5123AE5C}"/>
+              </a:ext>
+            </a:extLst>
+          </p:cNvPr>
+          <p:cNvSpPr/>
+          <p:nvPr/>
+        </p:nvSpPr>
+        <p:spPr>
+          <a:xfrm>
+            <a:off x="7712363" y="3027972"/>
+            <a:ext cx="149380" cy="157886"/>
+          </a:xfrm>
+          <a:prstGeom prst="rect">
+            <a:avLst/>
+          </a:prstGeom>
+          <a:solidFill>
+            <a:srgbClr val="0070C0"/>
+          </a:solidFill>
+          <a:ln w="12700">
+            <a:solidFill>
+              <a:srgbClr val="FF0000"/>
+            </a:solidFill>
+          </a:ln>
+        </p:spPr>
+        <p:style>
+          <a:lnRef idx="2">
+            <a:schemeClr val="accent1">
+              <a:shade val="15000"/>
+            </a:schemeClr>
+          </a:lnRef>
+          <a:fillRef idx="1">
+            <a:schemeClr val="accent1"/>
+          </a:fillRef>
+          <a:effectRef idx="0">
+            <a:schemeClr val="accent1"/>
+          </a:effectRef>
+          <a:fontRef idx="minor">
+            <a:schemeClr val="lt1"/>
+          </a:fontRef>
+        </p:style>
+        <p:txBody>
+          <a:bodyPr lIns="91440" tIns="45720" rIns="91440" bIns="45720" rtlCol="0" anchor="ctr"/>
+          <a:lstStyle/>
+          <a:p>
+            <a:pPr algn="ctr"/>
+            <a:endParaRPr lang="en-US" sz="900">
+              <a:cs typeface="Arial"/>
+            </a:endParaRPr>
+          </a:p>
+        </p:txBody>
+      </p:sp>
+      <p:sp>
+        <p:nvSpPr>
+          <p:cNvPr id="40" name="Rectangle 39">
+            <a:extLst>
+              <a:ext uri="{FF2B5EF4-FFF2-40B4-BE49-F238E27FC236}">
+                <a16:creationId xmlns:a16="http://schemas.microsoft.com/office/drawing/2014/main" id="{D6CCDD2E-1793-B879-6CA4-B797452D821E}"/>
+              </a:ext>
+            </a:extLst>
+          </p:cNvPr>
+          <p:cNvSpPr/>
+          <p:nvPr/>
+        </p:nvSpPr>
+        <p:spPr>
+          <a:xfrm>
+            <a:off x="7695222" y="2776943"/>
+            <a:ext cx="167542" cy="156530"/>
+          </a:xfrm>
+          <a:prstGeom prst="rect">
+            <a:avLst/>
+          </a:prstGeom>
+          <a:solidFill>
+            <a:srgbClr val="0070C0"/>
+          </a:solidFill>
+          <a:ln w="12700">
+            <a:solidFill>
+              <a:srgbClr val="00B050"/>
+            </a:solidFill>
+          </a:ln>
+        </p:spPr>
+        <p:style>
+          <a:lnRef idx="2">
+            <a:schemeClr val="accent1">
+              <a:shade val="15000"/>
+            </a:schemeClr>
+          </a:lnRef>
+          <a:fillRef idx="1">
+            <a:schemeClr val="accent1"/>
+          </a:fillRef>
+          <a:effectRef idx="0">
+            <a:schemeClr val="accent1"/>
+          </a:effectRef>
+          <a:fontRef idx="minor">
+            <a:schemeClr val="lt1"/>
+          </a:fontRef>
+        </p:style>
+        <p:txBody>
+          <a:bodyPr lIns="91440" tIns="45720" rIns="91440" bIns="45720" rtlCol="0" anchor="ctr"/>
+          <a:lstStyle/>
+          <a:p>
+            <a:pPr algn="ctr"/>
+            <a:endParaRPr lang="en-US" sz="900">
+              <a:solidFill>
+                <a:srgbClr val="FFFFFF"/>
+              </a:solidFill>
+              <a:cs typeface="Arial"/>
+            </a:endParaRPr>
+          </a:p>
+        </p:txBody>
+      </p:sp>
+      <p:sp>
+        <p:nvSpPr>
+          <p:cNvPr id="43" name="TextBox 42">
+            <a:extLst>
+              <a:ext uri="{FF2B5EF4-FFF2-40B4-BE49-F238E27FC236}">
+                <a16:creationId xmlns:a16="http://schemas.microsoft.com/office/drawing/2014/main" id="{5A99C9A0-CF5A-0765-CC5F-A936C2DCE0B1}"/>
+              </a:ext>
+            </a:extLst>
+          </p:cNvPr>
+          <p:cNvSpPr txBox="1"/>
+          <p:nvPr/>
+        </p:nvSpPr>
+        <p:spPr>
+          <a:xfrm>
+            <a:off x="7858464" y="3037215"/>
+            <a:ext cx="898220" cy="184666"/>
+          </a:xfrm>
+          <a:prstGeom prst="rect">
+            <a:avLst/>
+          </a:prstGeom>
+          <a:noFill/>
+        </p:spPr>
+        <p:txBody>
+          <a:bodyPr wrap="square" lIns="91440" tIns="45720" rIns="91440" bIns="45720" rtlCol="0" anchor="t">
+            <a:spAutoFit/>
+          </a:bodyPr>
+          <a:lstStyle/>
+          <a:p>
+            <a:r>
+              <a:rPr lang="en-US" sz="600">
+                <a:cs typeface="Arial"/>
+              </a:rPr>
+              <a:t>= In progress</a:t>
+            </a:r>
+          </a:p>
+        </p:txBody>
+      </p:sp>
+      <p:sp>
+        <p:nvSpPr>
+          <p:cNvPr id="45" name="TextBox 44">
+            <a:extLst>
+              <a:ext uri="{FF2B5EF4-FFF2-40B4-BE49-F238E27FC236}">
+                <a16:creationId xmlns:a16="http://schemas.microsoft.com/office/drawing/2014/main" id="{01629DF6-7E8F-A96B-FE2F-D4FC974C12B2}"/>
+              </a:ext>
+            </a:extLst>
+          </p:cNvPr>
+          <p:cNvSpPr txBox="1"/>
+          <p:nvPr/>
+        </p:nvSpPr>
+        <p:spPr>
+          <a:xfrm>
+            <a:off x="7858464" y="2802264"/>
+            <a:ext cx="898220" cy="184666"/>
+          </a:xfrm>
+          <a:prstGeom prst="rect">
+            <a:avLst/>
+          </a:prstGeom>
+          <a:noFill/>
+        </p:spPr>
+        <p:txBody>
+          <a:bodyPr wrap="square" lIns="91440" tIns="45720" rIns="91440" bIns="45720" rtlCol="0" anchor="t">
+            <a:spAutoFit/>
+          </a:bodyPr>
+          <a:lstStyle/>
+          <a:p>
+            <a:r>
+              <a:rPr lang="en-US" sz="600">
+                <a:cs typeface="Arial"/>
+              </a:rPr>
+              <a:t> = Completed</a:t>
+            </a:r>
+          </a:p>
+        </p:txBody>
+      </p:sp>
+      <p:sp>
+        <p:nvSpPr>
+          <p:cNvPr id="46" name="Rectangle 45">
+            <a:extLst>
+              <a:ext uri="{FF2B5EF4-FFF2-40B4-BE49-F238E27FC236}">
+                <a16:creationId xmlns:a16="http://schemas.microsoft.com/office/drawing/2014/main" id="{DC70769C-1351-7107-FA28-0149ECF7382F}"/>
+              </a:ext>
+            </a:extLst>
+          </p:cNvPr>
+          <p:cNvSpPr/>
+          <p:nvPr/>
+        </p:nvSpPr>
+        <p:spPr>
+          <a:xfrm>
+            <a:off x="7693312" y="2551721"/>
+            <a:ext cx="168430" cy="157886"/>
+          </a:xfrm>
+          <a:prstGeom prst="rect">
+            <a:avLst/>
+          </a:prstGeom>
+          <a:solidFill>
+            <a:srgbClr val="0070C0"/>
+          </a:solidFill>
+          <a:ln w="12700">
+            <a:solidFill>
+              <a:srgbClr val="FFC000"/>
+            </a:solidFill>
+          </a:ln>
+        </p:spPr>
+        <p:style>
+          <a:lnRef idx="2">
+            <a:schemeClr val="accent1">
+              <a:shade val="15000"/>
+            </a:schemeClr>
+          </a:lnRef>
+          <a:fillRef idx="1">
+            <a:schemeClr val="accent1"/>
+          </a:fillRef>
+          <a:effectRef idx="0">
+            <a:schemeClr val="accent1"/>
+          </a:effectRef>
+          <a:fontRef idx="minor">
+            <a:schemeClr val="lt1"/>
+          </a:fontRef>
+        </p:style>
+        <p:txBody>
+          <a:bodyPr lIns="91440" tIns="45720" rIns="91440" bIns="45720" rtlCol="0" anchor="ctr"/>
+          <a:lstStyle/>
+          <a:p>
+            <a:pPr algn="ctr"/>
+            <a:endParaRPr lang="en-US" sz="900">
+              <a:cs typeface="Arial"/>
+            </a:endParaRPr>
+          </a:p>
+        </p:txBody>
+      </p:sp>
+      <p:pic>
+        <p:nvPicPr>
+          <p:cNvPr id="48" name="Picture 47">
+            <a:extLst>
+              <a:ext uri="{FF2B5EF4-FFF2-40B4-BE49-F238E27FC236}">
+                <a16:creationId xmlns:a16="http://schemas.microsoft.com/office/drawing/2014/main" id="{09334261-A658-C651-DA13-17B82E02131D}"/>
+              </a:ext>
+            </a:extLst>
+          </p:cNvPr>
+          <p:cNvPicPr>
+            <a:picLocks noChangeAspect="1"/>
+          </p:cNvPicPr>
+          <p:nvPr/>
+        </p:nvPicPr>
+        <p:blipFill>
+          <a:blip r:embed="rId12"/>
+          <a:stretch>
+            <a:fillRect/>
+          </a:stretch>
+        </p:blipFill>
+        <p:spPr>
+          <a:xfrm>
+            <a:off x="2543510" y="4641961"/>
+            <a:ext cx="733431" cy="269556"/>
+          </a:xfrm>
+          <a:prstGeom prst="rect">
+            <a:avLst/>
+          </a:prstGeom>
+        </p:spPr>
+      </p:pic>
+      <p:cxnSp>
+        <p:nvCxnSpPr>
+          <p:cNvPr id="50" name="Straight Arrow Connector 49">
+            <a:extLst>
+              <a:ext uri="{FF2B5EF4-FFF2-40B4-BE49-F238E27FC236}">
+                <a16:creationId xmlns:a16="http://schemas.microsoft.com/office/drawing/2014/main" id="{72ED8020-FD9C-EF62-FAAD-074AEC45761B}"/>
+              </a:ext>
+            </a:extLst>
+          </p:cNvPr>
+          <p:cNvCxnSpPr>
+            <a:cxnSpLocks/>
+          </p:cNvCxnSpPr>
+          <p:nvPr/>
+        </p:nvCxnSpPr>
+        <p:spPr>
+          <a:xfrm flipV="1">
+            <a:off x="3361125" y="4659923"/>
+            <a:ext cx="628146" cy="98498"/>
+          </a:xfrm>
+          <a:prstGeom prst="straightConnector1">
+            <a:avLst/>
+          </a:prstGeom>
+          <a:ln w="28575">
+            <a:solidFill>
+              <a:srgbClr val="FF0000"/>
+            </a:solidFill>
+            <a:tailEnd type="triangle"/>
+          </a:ln>
+        </p:spPr>
+        <p:style>
+          <a:lnRef idx="1">
+            <a:schemeClr val="accent1"/>
+          </a:lnRef>
+          <a:fillRef idx="0">
+            <a:schemeClr val="accent1"/>
+          </a:fillRef>
+          <a:effectRef idx="0">
+            <a:schemeClr val="accent1"/>
+          </a:effectRef>
+          <a:fontRef idx="minor">
+            <a:schemeClr val="tx1"/>
+          </a:fontRef>
+        </p:style>
+      </p:cxnSp>
+      <p:sp>
+        <p:nvSpPr>
+          <p:cNvPr id="53" name="TextBox 52">
+            <a:extLst>
+              <a:ext uri="{FF2B5EF4-FFF2-40B4-BE49-F238E27FC236}">
+                <a16:creationId xmlns:a16="http://schemas.microsoft.com/office/drawing/2014/main" id="{FA596985-81B1-BF81-82F1-2659991C794C}"/>
+              </a:ext>
+            </a:extLst>
+          </p:cNvPr>
+          <p:cNvSpPr txBox="1"/>
+          <p:nvPr/>
+        </p:nvSpPr>
+        <p:spPr>
+          <a:xfrm>
+            <a:off x="7858464" y="2573664"/>
+            <a:ext cx="1450670" cy="184666"/>
+          </a:xfrm>
+          <a:prstGeom prst="rect">
+            <a:avLst/>
+          </a:prstGeom>
+          <a:noFill/>
+        </p:spPr>
+        <p:txBody>
+          <a:bodyPr wrap="square" lIns="91440" tIns="45720" rIns="91440" bIns="45720" rtlCol="0" anchor="t">
+            <a:spAutoFit/>
+          </a:bodyPr>
+          <a:lstStyle/>
+          <a:p>
+            <a:r>
+              <a:rPr lang="en-US" sz="600">
+                <a:cs typeface="Arial"/>
+              </a:rPr>
+              <a:t> = Not in the scope of this project</a:t>
+            </a:r>
+          </a:p>
+        </p:txBody>
+      </p:sp>
+      <p:sp>
+        <p:nvSpPr>
+          <p:cNvPr id="55" name="Speech Bubble: Rectangle with Corners Rounded 54">
+            <a:extLst>
+              <a:ext uri="{FF2B5EF4-FFF2-40B4-BE49-F238E27FC236}">
+                <a16:creationId xmlns:a16="http://schemas.microsoft.com/office/drawing/2014/main" id="{0B683CB3-77D1-9E28-4800-DBF4E9446242}"/>
+              </a:ext>
+            </a:extLst>
+          </p:cNvPr>
+          <p:cNvSpPr/>
+          <p:nvPr/>
+        </p:nvSpPr>
+        <p:spPr>
+          <a:xfrm>
+            <a:off x="1776042" y="2014700"/>
+            <a:ext cx="1036146" cy="722036"/>
+          </a:xfrm>
+          <a:prstGeom prst="wedgeRoundRectCallout">
+            <a:avLst>
+              <a:gd name="adj1" fmla="val -103012"/>
+              <a:gd name="adj2" fmla="val 157415"/>
+              <a:gd name="adj3" fmla="val 16667"/>
+            </a:avLst>
+          </a:prstGeom>
+          <a:solidFill>
+            <a:schemeClr val="bg1"/>
+          </a:solidFill>
+        </p:spPr>
+        <p:style>
+          <a:lnRef idx="2">
+            <a:schemeClr val="accent1">
+              <a:shade val="15000"/>
+            </a:schemeClr>
+          </a:lnRef>
+          <a:fillRef idx="1">
+            <a:schemeClr val="accent1"/>
+          </a:fillRef>
+          <a:effectRef idx="0">
+            <a:schemeClr val="accent1"/>
+          </a:effectRef>
+          <a:fontRef idx="minor">
+            <a:schemeClr val="lt1"/>
+          </a:fontRef>
+        </p:style>
+        <p:txBody>
+          <a:bodyPr rtlCol="0" anchor="ctr"/>
+          <a:lstStyle/>
+          <a:p>
+            <a:pPr marL="0" lvl="1">
+              <a:spcAft>
+                <a:spcPts val="0"/>
+              </a:spcAft>
+            </a:pPr>
+            <a:r>
+              <a:rPr lang="en-US" sz="500">
+                <a:solidFill>
+                  <a:schemeClr val="tx2"/>
+                </a:solidFill>
+                <a:cs typeface="Arial"/>
+              </a:rPr>
+              <a:t>Currently the exporter we use does not support some markdown formats. Furthermore, the application struggles with large Notebooks.</a:t>
+            </a:r>
+          </a:p>
+          <a:p>
+            <a:pPr algn="ctr"/>
+            <a:endParaRPr lang="en-US" sz="500">
+              <a:solidFill>
+                <a:schemeClr val="tx2"/>
+              </a:solidFill>
+            </a:endParaRPr>
+          </a:p>
+        </p:txBody>
+      </p:sp>
+      <p:sp>
+        <p:nvSpPr>
+          <p:cNvPr id="42" name="Speech Bubble: Rectangle with Corners Rounded 41">
+            <a:extLst>
+              <a:ext uri="{FF2B5EF4-FFF2-40B4-BE49-F238E27FC236}">
+                <a16:creationId xmlns:a16="http://schemas.microsoft.com/office/drawing/2014/main" id="{FA42F889-B0B7-31B5-DEA0-ECFEB1A16860}"/>
+              </a:ext>
+            </a:extLst>
+          </p:cNvPr>
+          <p:cNvSpPr/>
+          <p:nvPr/>
+        </p:nvSpPr>
+        <p:spPr>
+          <a:xfrm>
+            <a:off x="3269812" y="2291549"/>
+            <a:ext cx="1074017" cy="722036"/>
+          </a:xfrm>
+          <a:prstGeom prst="wedgeRoundRectCallout">
+            <a:avLst>
+              <a:gd name="adj1" fmla="val -58579"/>
+              <a:gd name="adj2" fmla="val 76825"/>
+              <a:gd name="adj3" fmla="val 16667"/>
+            </a:avLst>
+          </a:prstGeom>
+          <a:solidFill>
+            <a:schemeClr val="bg1"/>
+          </a:solidFill>
+        </p:spPr>
+        <p:style>
+          <a:lnRef idx="2">
+            <a:schemeClr val="accent1">
+              <a:shade val="15000"/>
+            </a:schemeClr>
+          </a:lnRef>
+          <a:fillRef idx="1">
+            <a:schemeClr val="accent1"/>
+          </a:fillRef>
+          <a:effectRef idx="0">
+            <a:schemeClr val="accent1"/>
+          </a:effectRef>
+          <a:fontRef idx="minor">
+            <a:schemeClr val="lt1"/>
+          </a:fontRef>
+        </p:style>
+        <p:txBody>
+          <a:bodyPr rtlCol="0" anchor="ctr"/>
+          <a:lstStyle/>
+          <a:p>
+            <a:pPr algn="ctr"/>
+            <a:r>
+              <a:rPr lang="en-US" sz="500">
+                <a:solidFill>
+                  <a:schemeClr val="tx2"/>
+                </a:solidFill>
+              </a:rPr>
+              <a:t>Pulls markdown files from the local file system that were generated with the One Note exporter and parses them into </a:t>
+            </a:r>
+            <a:r>
+              <a:rPr lang="en-US" sz="500" err="1">
+                <a:solidFill>
+                  <a:schemeClr val="tx2"/>
+                </a:solidFill>
+              </a:rPr>
+              <a:t>DocBlocks</a:t>
+            </a:r>
+            <a:r>
+              <a:rPr lang="en-US" sz="500">
+                <a:solidFill>
+                  <a:schemeClr val="tx2"/>
+                </a:solidFill>
+              </a:rPr>
+              <a:t> to be stored in the MongoDB. Metadata and Page relations are preserved. </a:t>
+            </a:r>
+          </a:p>
+        </p:txBody>
+      </p:sp>
+      <p:sp>
+        <p:nvSpPr>
+          <p:cNvPr id="47" name="Speech Bubble: Rectangle with Corners Rounded 46">
+            <a:extLst>
+              <a:ext uri="{FF2B5EF4-FFF2-40B4-BE49-F238E27FC236}">
+                <a16:creationId xmlns:a16="http://schemas.microsoft.com/office/drawing/2014/main" id="{D5D44632-8420-9A8A-CB07-86DD44C9BE6C}"/>
+              </a:ext>
+            </a:extLst>
+          </p:cNvPr>
+          <p:cNvSpPr/>
+          <p:nvPr/>
+        </p:nvSpPr>
+        <p:spPr>
+          <a:xfrm>
+            <a:off x="5902937" y="2403596"/>
+            <a:ext cx="882901" cy="514351"/>
+          </a:xfrm>
+          <a:prstGeom prst="wedgeRoundRectCallout">
+            <a:avLst>
+              <a:gd name="adj1" fmla="val -63276"/>
+              <a:gd name="adj2" fmla="val 92766"/>
+              <a:gd name="adj3" fmla="val 16667"/>
+            </a:avLst>
+          </a:prstGeom>
+          <a:solidFill>
+            <a:schemeClr val="bg1"/>
+          </a:solidFill>
+        </p:spPr>
+        <p:style>
+          <a:lnRef idx="2">
+            <a:schemeClr val="accent1">
+              <a:shade val="15000"/>
+            </a:schemeClr>
+          </a:lnRef>
+          <a:fillRef idx="1">
+            <a:schemeClr val="accent1"/>
+          </a:fillRef>
+          <a:effectRef idx="0">
+            <a:schemeClr val="accent1"/>
+          </a:effectRef>
+          <a:fontRef idx="minor">
+            <a:schemeClr val="lt1"/>
+          </a:fontRef>
+        </p:style>
+        <p:txBody>
+          <a:bodyPr rtlCol="0" anchor="ctr"/>
+          <a:lstStyle/>
+          <a:p>
+            <a:pPr algn="ctr"/>
+            <a:r>
+              <a:rPr lang="en-US" sz="500">
+                <a:solidFill>
+                  <a:schemeClr val="tx2"/>
+                </a:solidFill>
+              </a:rPr>
+              <a:t>Uploads </a:t>
+            </a:r>
+            <a:r>
+              <a:rPr lang="en-US" sz="500" err="1">
+                <a:solidFill>
+                  <a:schemeClr val="tx2"/>
+                </a:solidFill>
+              </a:rPr>
+              <a:t>DocBlocks</a:t>
+            </a:r>
+            <a:r>
+              <a:rPr lang="en-US" sz="500">
+                <a:solidFill>
+                  <a:schemeClr val="tx2"/>
+                </a:solidFill>
+              </a:rPr>
+              <a:t> into Confluence and continuously syncs data from MongoDB to Confluence and Back.  </a:t>
+            </a:r>
+          </a:p>
+        </p:txBody>
+      </p:sp>
+      <p:sp>
+        <p:nvSpPr>
+          <p:cNvPr id="54" name="Speech Bubble: Rectangle with Corners Rounded 53">
+            <a:extLst>
+              <a:ext uri="{FF2B5EF4-FFF2-40B4-BE49-F238E27FC236}">
+                <a16:creationId xmlns:a16="http://schemas.microsoft.com/office/drawing/2014/main" id="{135F743E-7414-48AD-BA38-3115A3CE2F03}"/>
+              </a:ext>
+            </a:extLst>
+          </p:cNvPr>
+          <p:cNvSpPr/>
+          <p:nvPr/>
+        </p:nvSpPr>
+        <p:spPr>
+          <a:xfrm>
+            <a:off x="2187153" y="4169623"/>
+            <a:ext cx="1451397" cy="427078"/>
+          </a:xfrm>
+          <a:prstGeom prst="wedgeRoundRectCallout">
+            <a:avLst>
+              <a:gd name="adj1" fmla="val -10594"/>
+              <a:gd name="adj2" fmla="val 64318"/>
+              <a:gd name="adj3" fmla="val 16667"/>
+            </a:avLst>
+          </a:prstGeom>
+          <a:solidFill>
+            <a:schemeClr val="bg1"/>
+          </a:solidFill>
+        </p:spPr>
+        <p:style>
+          <a:lnRef idx="2">
+            <a:schemeClr val="accent1">
+              <a:shade val="15000"/>
+            </a:schemeClr>
+          </a:lnRef>
+          <a:fillRef idx="1">
+            <a:schemeClr val="accent1"/>
+          </a:fillRef>
+          <a:effectRef idx="0">
+            <a:schemeClr val="accent1"/>
+          </a:effectRef>
+          <a:fontRef idx="minor">
+            <a:schemeClr val="lt1"/>
+          </a:fontRef>
+        </p:style>
+        <p:txBody>
+          <a:bodyPr rtlCol="0" anchor="ctr"/>
+          <a:lstStyle/>
+          <a:p>
+            <a:pPr algn="ctr"/>
+            <a:r>
+              <a:rPr lang="en-US" sz="500">
+                <a:solidFill>
+                  <a:schemeClr val="tx2"/>
+                </a:solidFill>
+              </a:rPr>
+              <a:t>Docker container runs the MongoDB and Mongo express Instances. During tests, we were able to implement this system and get results uploading </a:t>
+            </a:r>
+            <a:r>
+              <a:rPr lang="en-US" sz="500" err="1">
+                <a:solidFill>
+                  <a:schemeClr val="tx2"/>
+                </a:solidFill>
+              </a:rPr>
+              <a:t>DocBlocks</a:t>
+            </a:r>
+            <a:r>
+              <a:rPr lang="en-US" sz="500">
+                <a:solidFill>
+                  <a:schemeClr val="tx2"/>
+                </a:solidFill>
+              </a:rPr>
+              <a:t> to Mongo. </a:t>
+            </a:r>
+          </a:p>
+        </p:txBody>
+      </p:sp>
     </p:spTree>
     <p:extLst>
       <p:ext uri="{BB962C8B-B14F-4D97-AF65-F5344CB8AC3E}">
-        <p14:creationId xmlns:p14="http://schemas.microsoft.com/office/powerpoint/2010/main" val="3747928038"/>
+        <p14:creationId xmlns:p14="http://schemas.microsoft.com/office/powerpoint/2010/main" val="2988861588"/>
       </p:ext>
     </p:extLst>
   </p:cSld>
@@ -15036,56 +18102,10 @@
       </p:grpSpPr>
       <p:sp>
         <p:nvSpPr>
-          <p:cNvPr id="51" name="Rectangle 50">
-            <a:extLst>
-              <a:ext uri="{FF2B5EF4-FFF2-40B4-BE49-F238E27FC236}">
-                <a16:creationId xmlns:a16="http://schemas.microsoft.com/office/drawing/2014/main" id="{9498C07D-CBA9-4250-FE18-115F6E4BBA40}"/>
-              </a:ext>
-            </a:extLst>
-          </p:cNvPr>
-          <p:cNvSpPr/>
-          <p:nvPr/>
-        </p:nvSpPr>
-        <p:spPr>
-          <a:xfrm>
-            <a:off x="690342" y="2800379"/>
-            <a:ext cx="1476512" cy="1966902"/>
-          </a:xfrm>
-          <a:prstGeom prst="rect">
-            <a:avLst/>
-          </a:prstGeom>
-        </p:spPr>
-        <p:style>
-          <a:lnRef idx="2">
-            <a:schemeClr val="dk1">
-              <a:shade val="15000"/>
-            </a:schemeClr>
-          </a:lnRef>
-          <a:fillRef idx="1">
-            <a:schemeClr val="dk1"/>
-          </a:fillRef>
-          <a:effectRef idx="0">
-            <a:schemeClr val="dk1"/>
-          </a:effectRef>
-          <a:fontRef idx="minor">
-            <a:schemeClr val="lt1"/>
-          </a:fontRef>
-        </p:style>
-        <p:txBody>
-          <a:bodyPr rtlCol="0" anchor="ctr"/>
-          <a:lstStyle/>
-          <a:p>
-            <a:pPr algn="ctr"/>
-            <a:endParaRPr lang="en-US"/>
-          </a:p>
-        </p:txBody>
-      </p:sp>
-      <p:sp>
-        <p:nvSpPr>
           <p:cNvPr id="2" name="Footer Placeholder 1">
             <a:extLst>
               <a:ext uri="{FF2B5EF4-FFF2-40B4-BE49-F238E27FC236}">
-                <a16:creationId xmlns:a16="http://schemas.microsoft.com/office/drawing/2014/main" id="{468E6A04-F51C-E97E-30D8-F39377F1C516}"/>
+                <a16:creationId xmlns:a16="http://schemas.microsoft.com/office/drawing/2014/main" id="{B5499257-AAFB-4509-94CB-6BAACA6C3687}"/>
               </a:ext>
             </a:extLst>
           </p:cNvPr>
@@ -15114,7 +18134,7 @@
           <p:cNvPr id="3" name="Slide Number Placeholder 2">
             <a:extLst>
               <a:ext uri="{FF2B5EF4-FFF2-40B4-BE49-F238E27FC236}">
-                <a16:creationId xmlns:a16="http://schemas.microsoft.com/office/drawing/2014/main" id="{966E8A43-72C5-1E53-7B76-E18FD1D544F6}"/>
+                <a16:creationId xmlns:a16="http://schemas.microsoft.com/office/drawing/2014/main" id="{B2890EE1-1530-EDCB-CE35-408C973F673F}"/>
               </a:ext>
             </a:extLst>
           </p:cNvPr>
@@ -15144,7 +18164,7 @@
           <p:cNvPr id="4" name="Title 3">
             <a:extLst>
               <a:ext uri="{FF2B5EF4-FFF2-40B4-BE49-F238E27FC236}">
-                <a16:creationId xmlns:a16="http://schemas.microsoft.com/office/drawing/2014/main" id="{01460458-6CFB-F148-FB6B-49629EBECA83}"/>
+                <a16:creationId xmlns:a16="http://schemas.microsoft.com/office/drawing/2014/main" id="{3FE8555C-E83A-8847-1446-585E26EA499B}"/>
               </a:ext>
             </a:extLst>
           </p:cNvPr>
@@ -15161,1238 +18181,149 @@
           <a:lstStyle/>
           <a:p>
             <a:r>
-              <a:rPr lang="en-US" dirty="0"/>
-              <a:t>Database Tools – The Idea</a:t>
-            </a:r>
-          </a:p>
-        </p:txBody>
-      </p:sp>
-      <p:sp>
-        <p:nvSpPr>
-          <p:cNvPr id="6" name="Rectangle 5">
+              <a:rPr lang="en-US" dirty="0">
+                <a:cs typeface="Arial"/>
+              </a:rPr>
+              <a:t>Database Tools – Confluence</a:t>
+            </a:r>
+            <a:endParaRPr lang="en-US" dirty="0"/>
+          </a:p>
+        </p:txBody>
+      </p:sp>
+      <p:sp>
+        <p:nvSpPr>
+          <p:cNvPr id="5" name="Text Placeholder 4">
             <a:extLst>
               <a:ext uri="{FF2B5EF4-FFF2-40B4-BE49-F238E27FC236}">
-                <a16:creationId xmlns:a16="http://schemas.microsoft.com/office/drawing/2014/main" id="{02FE84F2-9555-6DC8-F18F-AAD6550FF31A}"/>
+                <a16:creationId xmlns:a16="http://schemas.microsoft.com/office/drawing/2014/main" id="{8219299F-0892-2264-BFD5-1DBCBBA6E240}"/>
               </a:ext>
             </a:extLst>
           </p:cNvPr>
-          <p:cNvSpPr/>
-          <p:nvPr/>
-        </p:nvSpPr>
-        <p:spPr>
-          <a:xfrm>
-            <a:off x="773723" y="2002243"/>
-            <a:ext cx="1266092" cy="594680"/>
-          </a:xfrm>
-          <a:prstGeom prst="rect">
-            <a:avLst/>
-          </a:prstGeom>
-          <a:ln w="38100">
-            <a:solidFill>
-              <a:schemeClr val="accent4">
-                <a:lumMod val="60000"/>
-                <a:lumOff val="40000"/>
-              </a:schemeClr>
-            </a:solidFill>
-          </a:ln>
-        </p:spPr>
-        <p:style>
-          <a:lnRef idx="2">
-            <a:schemeClr val="accent1">
-              <a:shade val="15000"/>
-            </a:schemeClr>
-          </a:lnRef>
-          <a:fillRef idx="1">
-            <a:schemeClr val="accent1"/>
-          </a:fillRef>
-          <a:effectRef idx="0">
-            <a:schemeClr val="accent1"/>
-          </a:effectRef>
-          <a:fontRef idx="minor">
-            <a:schemeClr val="lt1"/>
-          </a:fontRef>
-        </p:style>
-        <p:txBody>
-          <a:bodyPr rtlCol="0" anchor="ctr"/>
+          <p:cNvSpPr>
+            <a:spLocks noGrp="1"/>
+          </p:cNvSpPr>
+          <p:nvPr>
+            <p:ph type="body" sz="quarter" idx="11"/>
+          </p:nvPr>
+        </p:nvSpPr>
+        <p:spPr>
+          <a:xfrm>
+            <a:off x="422616" y="1019406"/>
+            <a:ext cx="3798864" cy="3521328"/>
+          </a:xfrm>
+        </p:spPr>
+        <p:txBody>
+          <a:bodyPr vert="horz" lIns="91440" tIns="45720" rIns="91440" bIns="45720" rtlCol="0" anchor="t">
+            <a:noAutofit/>
+          </a:bodyPr>
           <a:lstStyle/>
           <a:p>
-            <a:pPr algn="ctr"/>
-            <a:r>
-              <a:rPr lang="en-US" dirty="0"/>
-              <a:t>One Note</a:t>
-            </a:r>
-          </a:p>
-        </p:txBody>
-      </p:sp>
-      <p:sp>
-        <p:nvSpPr>
-          <p:cNvPr id="8" name="Flowchart: Magnetic Disk 7">
+            <a:r>
+              <a:rPr lang="en-US">
+                <a:cs typeface="Arial"/>
+              </a:rPr>
+              <a:t>So why Confluence?</a:t>
+            </a:r>
+          </a:p>
+          <a:p>
+            <a:pPr marL="171450" indent="-171450">
+              <a:buChar char="•"/>
+            </a:pPr>
+            <a:r>
+              <a:rPr lang="en-US">
+                <a:cs typeface="Arial"/>
+              </a:rPr>
+              <a:t>It has a nice REST API allowing for us to make custom integrations.</a:t>
+            </a:r>
+          </a:p>
+          <a:p>
+            <a:pPr marL="171450" indent="-171450">
+              <a:buChar char="•"/>
+            </a:pPr>
+            <a:r>
+              <a:rPr lang="en-US">
+                <a:cs typeface="Arial"/>
+              </a:rPr>
+              <a:t>Structured formatting</a:t>
+            </a:r>
+          </a:p>
+          <a:p>
+            <a:pPr marL="171450" indent="-171450">
+              <a:buChar char="•"/>
+            </a:pPr>
+            <a:r>
+              <a:rPr lang="en-US">
+                <a:cs typeface="Arial"/>
+              </a:rPr>
+              <a:t>Has most of the features of One Note and more.</a:t>
+            </a:r>
+          </a:p>
+          <a:p>
+            <a:pPr marL="258445" lvl="1" indent="-171450"/>
+            <a:r>
+              <a:rPr lang="en-US">
+                <a:cs typeface="Arial"/>
+              </a:rPr>
+              <a:t>Databases, Semantic searches, Built-in Jira integrations, etc.</a:t>
+            </a:r>
+          </a:p>
+          <a:p>
+            <a:pPr marL="171450" indent="-171450">
+              <a:buChar char="•"/>
+            </a:pPr>
+            <a:r>
+              <a:rPr lang="en-US">
+                <a:cs typeface="Arial"/>
+              </a:rPr>
+              <a:t>We already have it! North Grum has made investments into Confluence.</a:t>
+            </a:r>
+          </a:p>
+          <a:p>
+            <a:pPr marL="171450" indent="-171450">
+              <a:buChar char="•"/>
+            </a:pPr>
+            <a:r>
+              <a:rPr lang="en-US">
+                <a:cs typeface="Arial"/>
+              </a:rPr>
+              <a:t>Many employees love it and would vouch for it.</a:t>
+            </a:r>
+          </a:p>
+          <a:p>
+            <a:pPr marL="171450" indent="-171450">
+              <a:buChar char="•"/>
+            </a:pPr>
+            <a:r>
+              <a:rPr lang="en-US">
+                <a:cs typeface="Arial"/>
+              </a:rPr>
+              <a:t>Confluence was built with collaboration in mind. </a:t>
+            </a:r>
+          </a:p>
+          <a:p>
+            <a:pPr marL="171450" indent="-171450">
+              <a:buChar char="•"/>
+            </a:pPr>
+            <a:endParaRPr lang="en-US">
+              <a:cs typeface="Arial"/>
+            </a:endParaRPr>
+          </a:p>
+          <a:p>
+            <a:pPr marL="171450" indent="-171450">
+              <a:buChar char="•"/>
+            </a:pPr>
+            <a:endParaRPr lang="en-US">
+              <a:cs typeface="Arial"/>
+            </a:endParaRPr>
+          </a:p>
+        </p:txBody>
+      </p:sp>
+      <p:sp>
+        <p:nvSpPr>
+          <p:cNvPr id="7" name="Text Placeholder 3">
             <a:extLst>
               <a:ext uri="{FF2B5EF4-FFF2-40B4-BE49-F238E27FC236}">
-                <a16:creationId xmlns:a16="http://schemas.microsoft.com/office/drawing/2014/main" id="{222D7D92-E314-F9F1-C32A-A8B5BEAD5F16}"/>
-              </a:ext>
-            </a:extLst>
-          </p:cNvPr>
-          <p:cNvSpPr/>
-          <p:nvPr/>
-        </p:nvSpPr>
-        <p:spPr>
-          <a:xfrm>
-            <a:off x="3734333" y="1243712"/>
-            <a:ext cx="1150993" cy="594680"/>
-          </a:xfrm>
-          <a:prstGeom prst="flowChartMagneticDisk">
-            <a:avLst/>
-          </a:prstGeom>
-          <a:ln w="38100">
-            <a:solidFill>
-              <a:srgbClr val="FF0000"/>
-            </a:solidFill>
-          </a:ln>
-        </p:spPr>
-        <p:style>
-          <a:lnRef idx="2">
-            <a:schemeClr val="accent1">
-              <a:shade val="15000"/>
-            </a:schemeClr>
-          </a:lnRef>
-          <a:fillRef idx="1">
-            <a:schemeClr val="accent1"/>
-          </a:fillRef>
-          <a:effectRef idx="0">
-            <a:schemeClr val="accent1"/>
-          </a:effectRef>
-          <a:fontRef idx="minor">
-            <a:schemeClr val="lt1"/>
-          </a:fontRef>
-        </p:style>
-        <p:txBody>
-          <a:bodyPr rtlCol="0" anchor="ctr"/>
-          <a:lstStyle/>
-          <a:p>
-            <a:pPr algn="ctr"/>
-            <a:r>
-              <a:rPr lang="en-US" dirty="0"/>
-              <a:t>MongoDB</a:t>
-            </a:r>
-          </a:p>
-        </p:txBody>
-      </p:sp>
-      <p:sp>
-        <p:nvSpPr>
-          <p:cNvPr id="9" name="Rectangle 8">
-            <a:extLst>
-              <a:ext uri="{FF2B5EF4-FFF2-40B4-BE49-F238E27FC236}">
-                <a16:creationId xmlns:a16="http://schemas.microsoft.com/office/drawing/2014/main" id="{7300CF2E-F2CF-6542-19E8-331322D7E45A}"/>
-              </a:ext>
-            </a:extLst>
-          </p:cNvPr>
-          <p:cNvSpPr/>
-          <p:nvPr/>
-        </p:nvSpPr>
-        <p:spPr>
-          <a:xfrm>
-            <a:off x="6899564" y="1688123"/>
-            <a:ext cx="1393980" cy="691286"/>
-          </a:xfrm>
-          <a:prstGeom prst="rect">
-            <a:avLst/>
-          </a:prstGeom>
-          <a:ln w="38100">
-            <a:solidFill>
-              <a:srgbClr val="FF0000"/>
-            </a:solidFill>
-          </a:ln>
-        </p:spPr>
-        <p:style>
-          <a:lnRef idx="2">
-            <a:schemeClr val="accent1">
-              <a:shade val="15000"/>
-            </a:schemeClr>
-          </a:lnRef>
-          <a:fillRef idx="1">
-            <a:schemeClr val="accent1"/>
-          </a:fillRef>
-          <a:effectRef idx="0">
-            <a:schemeClr val="accent1"/>
-          </a:effectRef>
-          <a:fontRef idx="minor">
-            <a:schemeClr val="lt1"/>
-          </a:fontRef>
-        </p:style>
-        <p:txBody>
-          <a:bodyPr rtlCol="0" anchor="ctr"/>
-          <a:lstStyle/>
-          <a:p>
-            <a:pPr algn="ctr"/>
-            <a:r>
-              <a:rPr lang="en-US" dirty="0"/>
-              <a:t>Confluence</a:t>
-            </a:r>
-          </a:p>
-        </p:txBody>
-      </p:sp>
-      <p:grpSp>
-        <p:nvGrpSpPr>
-          <p:cNvPr id="28" name="Group 27">
-            <a:extLst>
-              <a:ext uri="{FF2B5EF4-FFF2-40B4-BE49-F238E27FC236}">
-                <a16:creationId xmlns:a16="http://schemas.microsoft.com/office/drawing/2014/main" id="{817AE6CA-4349-19AE-72FC-0C7A1A06762C}"/>
-              </a:ext>
-            </a:extLst>
-          </p:cNvPr>
-          <p:cNvGrpSpPr/>
-          <p:nvPr/>
-        </p:nvGrpSpPr>
-        <p:grpSpPr>
-          <a:xfrm>
-            <a:off x="3926616" y="3305110"/>
-            <a:ext cx="900764" cy="1599094"/>
-            <a:chOff x="3926615" y="2932304"/>
-            <a:chExt cx="1035444" cy="1971899"/>
-          </a:xfrm>
-        </p:grpSpPr>
-        <p:sp>
-          <p:nvSpPr>
-            <p:cNvPr id="11" name="Rectangle 10">
-              <a:extLst>
-                <a:ext uri="{FF2B5EF4-FFF2-40B4-BE49-F238E27FC236}">
-                  <a16:creationId xmlns:a16="http://schemas.microsoft.com/office/drawing/2014/main" id="{A017E3D0-2B37-E1E5-E161-3EE2109364A6}"/>
-                </a:ext>
-              </a:extLst>
-            </p:cNvPr>
-            <p:cNvSpPr/>
-            <p:nvPr/>
-          </p:nvSpPr>
-          <p:spPr>
-            <a:xfrm>
-              <a:off x="4316223" y="3759910"/>
-              <a:ext cx="306932" cy="802750"/>
-            </a:xfrm>
-            <a:prstGeom prst="rect">
-              <a:avLst/>
-            </a:prstGeom>
-          </p:spPr>
-          <p:style>
-            <a:lnRef idx="2">
-              <a:schemeClr val="accent1">
-                <a:shade val="15000"/>
-              </a:schemeClr>
-            </a:lnRef>
-            <a:fillRef idx="1">
-              <a:schemeClr val="accent1"/>
-            </a:fillRef>
-            <a:effectRef idx="0">
-              <a:schemeClr val="accent1"/>
-            </a:effectRef>
-            <a:fontRef idx="minor">
-              <a:schemeClr val="lt1"/>
-            </a:fontRef>
-          </p:style>
-          <p:txBody>
-            <a:bodyPr rtlCol="0" anchor="ctr"/>
-            <a:lstStyle/>
-            <a:p>
-              <a:pPr algn="ctr"/>
-              <a:endParaRPr lang="en-US"/>
-            </a:p>
-          </p:txBody>
-        </p:sp>
-        <p:sp>
-          <p:nvSpPr>
-            <p:cNvPr id="10" name="Smiley Face 9">
-              <a:extLst>
-                <a:ext uri="{FF2B5EF4-FFF2-40B4-BE49-F238E27FC236}">
-                  <a16:creationId xmlns:a16="http://schemas.microsoft.com/office/drawing/2014/main" id="{3EA8DEE3-2A52-5536-886E-040E60372899}"/>
-                </a:ext>
-              </a:extLst>
-            </p:cNvPr>
-            <p:cNvSpPr/>
-            <p:nvPr/>
-          </p:nvSpPr>
-          <p:spPr>
-            <a:xfrm>
-              <a:off x="4143575" y="3273936"/>
-              <a:ext cx="652229" cy="594680"/>
-            </a:xfrm>
-            <a:prstGeom prst="smileyFace">
-              <a:avLst>
-                <a:gd name="adj" fmla="val 4653"/>
-              </a:avLst>
-            </a:prstGeom>
-          </p:spPr>
-          <p:style>
-            <a:lnRef idx="2">
-              <a:schemeClr val="accent1">
-                <a:shade val="15000"/>
-              </a:schemeClr>
-            </a:lnRef>
-            <a:fillRef idx="1">
-              <a:schemeClr val="accent1"/>
-            </a:fillRef>
-            <a:effectRef idx="0">
-              <a:schemeClr val="accent1"/>
-            </a:effectRef>
-            <a:fontRef idx="minor">
-              <a:schemeClr val="lt1"/>
-            </a:fontRef>
-          </p:style>
-          <p:txBody>
-            <a:bodyPr rtlCol="0" anchor="ctr"/>
-            <a:lstStyle/>
-            <a:p>
-              <a:pPr algn="ctr"/>
-              <a:endParaRPr lang="en-US"/>
-            </a:p>
-          </p:txBody>
-        </p:sp>
-        <p:cxnSp>
-          <p:nvCxnSpPr>
-            <p:cNvPr id="13" name="Straight Connector 12">
-              <a:extLst>
-                <a:ext uri="{FF2B5EF4-FFF2-40B4-BE49-F238E27FC236}">
-                  <a16:creationId xmlns:a16="http://schemas.microsoft.com/office/drawing/2014/main" id="{BD8AD691-70C7-6D2D-C087-5463F96E736C}"/>
-                </a:ext>
-              </a:extLst>
-            </p:cNvPr>
-            <p:cNvCxnSpPr>
-              <a:cxnSpLocks/>
-            </p:cNvCxnSpPr>
-            <p:nvPr/>
-          </p:nvCxnSpPr>
-          <p:spPr>
-            <a:xfrm flipH="1">
-              <a:off x="4309829" y="4562660"/>
-              <a:ext cx="45477" cy="341543"/>
-            </a:xfrm>
-            <a:prstGeom prst="line">
-              <a:avLst/>
-            </a:prstGeom>
-          </p:spPr>
-          <p:style>
-            <a:lnRef idx="1">
-              <a:schemeClr val="accent1"/>
-            </a:lnRef>
-            <a:fillRef idx="0">
-              <a:schemeClr val="accent1"/>
-            </a:fillRef>
-            <a:effectRef idx="0">
-              <a:schemeClr val="accent1"/>
-            </a:effectRef>
-            <a:fontRef idx="minor">
-              <a:schemeClr val="tx1"/>
-            </a:fontRef>
-          </p:style>
-        </p:cxnSp>
-        <p:cxnSp>
-          <p:nvCxnSpPr>
-            <p:cNvPr id="15" name="Straight Connector 14">
-              <a:extLst>
-                <a:ext uri="{FF2B5EF4-FFF2-40B4-BE49-F238E27FC236}">
-                  <a16:creationId xmlns:a16="http://schemas.microsoft.com/office/drawing/2014/main" id="{2F85B81E-B6AE-9012-3565-3B96274FF759}"/>
-                </a:ext>
-              </a:extLst>
-            </p:cNvPr>
-            <p:cNvCxnSpPr>
-              <a:cxnSpLocks/>
-            </p:cNvCxnSpPr>
-            <p:nvPr/>
-          </p:nvCxnSpPr>
-          <p:spPr>
-            <a:xfrm>
-              <a:off x="4572000" y="4562660"/>
-              <a:ext cx="51155" cy="341543"/>
-            </a:xfrm>
-            <a:prstGeom prst="line">
-              <a:avLst/>
-            </a:prstGeom>
-          </p:spPr>
-          <p:style>
-            <a:lnRef idx="1">
-              <a:schemeClr val="accent1"/>
-            </a:lnRef>
-            <a:fillRef idx="0">
-              <a:schemeClr val="accent1"/>
-            </a:fillRef>
-            <a:effectRef idx="0">
-              <a:schemeClr val="accent1"/>
-            </a:effectRef>
-            <a:fontRef idx="minor">
-              <a:schemeClr val="tx1"/>
-            </a:fontRef>
-          </p:style>
-        </p:cxnSp>
-        <p:cxnSp>
-          <p:nvCxnSpPr>
-            <p:cNvPr id="17" name="Straight Connector 16">
-              <a:extLst>
-                <a:ext uri="{FF2B5EF4-FFF2-40B4-BE49-F238E27FC236}">
-                  <a16:creationId xmlns:a16="http://schemas.microsoft.com/office/drawing/2014/main" id="{C8DFD31D-AECC-ED0A-86B5-0C7AD4954977}"/>
-                </a:ext>
-              </a:extLst>
-            </p:cNvPr>
-            <p:cNvCxnSpPr/>
-            <p:nvPr/>
-          </p:nvCxnSpPr>
-          <p:spPr>
-            <a:xfrm flipH="1">
-              <a:off x="3926615" y="3983715"/>
-              <a:ext cx="383214" cy="268565"/>
-            </a:xfrm>
-            <a:prstGeom prst="line">
-              <a:avLst/>
-            </a:prstGeom>
-          </p:spPr>
-          <p:style>
-            <a:lnRef idx="1">
-              <a:schemeClr val="accent1"/>
-            </a:lnRef>
-            <a:fillRef idx="0">
-              <a:schemeClr val="accent1"/>
-            </a:fillRef>
-            <a:effectRef idx="0">
-              <a:schemeClr val="accent1"/>
-            </a:effectRef>
-            <a:fontRef idx="minor">
-              <a:schemeClr val="tx1"/>
-            </a:fontRef>
-          </p:style>
-        </p:cxnSp>
-        <p:cxnSp>
-          <p:nvCxnSpPr>
-            <p:cNvPr id="18" name="Straight Connector 17">
-              <a:extLst>
-                <a:ext uri="{FF2B5EF4-FFF2-40B4-BE49-F238E27FC236}">
-                  <a16:creationId xmlns:a16="http://schemas.microsoft.com/office/drawing/2014/main" id="{FFC9BA5D-FA9C-F1CE-77A1-304BF839F68E}"/>
-                </a:ext>
-              </a:extLst>
-            </p:cNvPr>
-            <p:cNvCxnSpPr>
-              <a:cxnSpLocks/>
-            </p:cNvCxnSpPr>
-            <p:nvPr/>
-          </p:nvCxnSpPr>
-          <p:spPr>
-            <a:xfrm>
-              <a:off x="4629549" y="3983715"/>
-              <a:ext cx="332510" cy="268565"/>
-            </a:xfrm>
-            <a:prstGeom prst="line">
-              <a:avLst/>
-            </a:prstGeom>
-          </p:spPr>
-          <p:style>
-            <a:lnRef idx="1">
-              <a:schemeClr val="accent1"/>
-            </a:lnRef>
-            <a:fillRef idx="0">
-              <a:schemeClr val="accent1"/>
-            </a:fillRef>
-            <a:effectRef idx="0">
-              <a:schemeClr val="accent1"/>
-            </a:effectRef>
-            <a:fontRef idx="minor">
-              <a:schemeClr val="tx1"/>
-            </a:fontRef>
-          </p:style>
-        </p:cxnSp>
-        <p:sp>
-          <p:nvSpPr>
-            <p:cNvPr id="27" name="TextBox 26">
-              <a:extLst>
-                <a:ext uri="{FF2B5EF4-FFF2-40B4-BE49-F238E27FC236}">
-                  <a16:creationId xmlns:a16="http://schemas.microsoft.com/office/drawing/2014/main" id="{8929977E-66A0-E7E9-48D2-DD130EF4D5C6}"/>
-                </a:ext>
-              </a:extLst>
-            </p:cNvPr>
-            <p:cNvSpPr txBox="1"/>
-            <p:nvPr/>
-          </p:nvSpPr>
-          <p:spPr>
-            <a:xfrm>
-              <a:off x="3926615" y="2932304"/>
-              <a:ext cx="1004629" cy="341577"/>
-            </a:xfrm>
-            <a:prstGeom prst="rect">
-              <a:avLst/>
-            </a:prstGeom>
-            <a:noFill/>
-          </p:spPr>
-          <p:txBody>
-            <a:bodyPr wrap="none" rtlCol="0">
-              <a:spAutoFit/>
-            </a:bodyPr>
-            <a:lstStyle/>
-            <a:p>
-              <a:r>
-                <a:rPr lang="en-US" sz="1200" dirty="0"/>
-                <a:t>Engineers</a:t>
-              </a:r>
-              <a:endParaRPr lang="en-US" dirty="0"/>
-            </a:p>
-          </p:txBody>
-        </p:sp>
-      </p:grpSp>
-      <p:cxnSp>
-        <p:nvCxnSpPr>
-          <p:cNvPr id="35" name="Straight Arrow Connector 34">
-            <a:extLst>
-              <a:ext uri="{FF2B5EF4-FFF2-40B4-BE49-F238E27FC236}">
-                <a16:creationId xmlns:a16="http://schemas.microsoft.com/office/drawing/2014/main" id="{0A19A559-CDE8-59D4-3715-D281361228B1}"/>
-              </a:ext>
-            </a:extLst>
-          </p:cNvPr>
-          <p:cNvCxnSpPr/>
-          <p:nvPr/>
-        </p:nvCxnSpPr>
-        <p:spPr>
-          <a:xfrm flipV="1">
-            <a:off x="5008005" y="2476752"/>
-            <a:ext cx="2264806" cy="1587651"/>
-          </a:xfrm>
-          <a:prstGeom prst="straightConnector1">
-            <a:avLst/>
-          </a:prstGeom>
-          <a:ln>
-            <a:tailEnd type="triangle"/>
-          </a:ln>
-        </p:spPr>
-        <p:style>
-          <a:lnRef idx="1">
-            <a:schemeClr val="accent1"/>
-          </a:lnRef>
-          <a:fillRef idx="0">
-            <a:schemeClr val="accent1"/>
-          </a:fillRef>
-          <a:effectRef idx="0">
-            <a:schemeClr val="accent1"/>
-          </a:effectRef>
-          <a:fontRef idx="minor">
-            <a:schemeClr val="tx1"/>
-          </a:fontRef>
-        </p:style>
-      </p:cxnSp>
-      <p:cxnSp>
-        <p:nvCxnSpPr>
-          <p:cNvPr id="37" name="Straight Arrow Connector 36">
-            <a:extLst>
-              <a:ext uri="{FF2B5EF4-FFF2-40B4-BE49-F238E27FC236}">
-                <a16:creationId xmlns:a16="http://schemas.microsoft.com/office/drawing/2014/main" id="{200249D1-3A45-AFF3-D7E2-727DEA0B48D6}"/>
-              </a:ext>
-            </a:extLst>
-          </p:cNvPr>
-          <p:cNvCxnSpPr/>
-          <p:nvPr/>
-        </p:nvCxnSpPr>
-        <p:spPr>
-          <a:xfrm flipV="1">
-            <a:off x="2180026" y="1688123"/>
-            <a:ext cx="1447296" cy="485848"/>
-          </a:xfrm>
-          <a:prstGeom prst="straightConnector1">
-            <a:avLst/>
-          </a:prstGeom>
-          <a:ln>
-            <a:tailEnd type="triangle"/>
-          </a:ln>
-        </p:spPr>
-        <p:style>
-          <a:lnRef idx="1">
-            <a:schemeClr val="accent1"/>
-          </a:lnRef>
-          <a:fillRef idx="0">
-            <a:schemeClr val="accent1"/>
-          </a:fillRef>
-          <a:effectRef idx="0">
-            <a:schemeClr val="accent1"/>
-          </a:effectRef>
-          <a:fontRef idx="minor">
-            <a:schemeClr val="tx1"/>
-          </a:fontRef>
-        </p:style>
-      </p:cxnSp>
-      <p:cxnSp>
-        <p:nvCxnSpPr>
-          <p:cNvPr id="39" name="Straight Arrow Connector 38">
-            <a:extLst>
-              <a:ext uri="{FF2B5EF4-FFF2-40B4-BE49-F238E27FC236}">
-                <a16:creationId xmlns:a16="http://schemas.microsoft.com/office/drawing/2014/main" id="{CCF5B251-7B9F-F80B-69FB-497C51864AB0}"/>
-              </a:ext>
-            </a:extLst>
-          </p:cNvPr>
-          <p:cNvCxnSpPr/>
-          <p:nvPr/>
-        </p:nvCxnSpPr>
-        <p:spPr>
-          <a:xfrm>
-            <a:off x="5008005" y="1574464"/>
-            <a:ext cx="1822745" cy="427779"/>
-          </a:xfrm>
-          <a:prstGeom prst="straightConnector1">
-            <a:avLst/>
-          </a:prstGeom>
-          <a:ln>
-            <a:tailEnd type="triangle"/>
-          </a:ln>
-        </p:spPr>
-        <p:style>
-          <a:lnRef idx="1">
-            <a:schemeClr val="accent1"/>
-          </a:lnRef>
-          <a:fillRef idx="0">
-            <a:schemeClr val="accent1"/>
-          </a:fillRef>
-          <a:effectRef idx="0">
-            <a:schemeClr val="accent1"/>
-          </a:effectRef>
-          <a:fontRef idx="minor">
-            <a:schemeClr val="tx1"/>
-          </a:fontRef>
-        </p:style>
-      </p:cxnSp>
-      <p:sp>
-        <p:nvSpPr>
-          <p:cNvPr id="40" name="TextBox 39">
-            <a:extLst>
-              <a:ext uri="{FF2B5EF4-FFF2-40B4-BE49-F238E27FC236}">
-                <a16:creationId xmlns:a16="http://schemas.microsoft.com/office/drawing/2014/main" id="{51A9B03D-7A19-9DC4-FF16-92582C0E224E}"/>
-              </a:ext>
-            </a:extLst>
-          </p:cNvPr>
-          <p:cNvSpPr txBox="1"/>
-          <p:nvPr/>
-        </p:nvSpPr>
-        <p:spPr>
-          <a:xfrm>
-            <a:off x="1775164" y="1475116"/>
-            <a:ext cx="1596720" cy="369332"/>
-          </a:xfrm>
-          <a:prstGeom prst="rect">
-            <a:avLst/>
-          </a:prstGeom>
-          <a:noFill/>
-        </p:spPr>
-        <p:txBody>
-          <a:bodyPr wrap="square" rtlCol="0">
-            <a:spAutoFit/>
-          </a:bodyPr>
-          <a:lstStyle/>
-          <a:p>
-            <a:r>
-              <a:rPr lang="en-US" sz="600" dirty="0"/>
-              <a:t>Export One Note notebooks to MongoDB, preserving the intentional structure and order made by the engineers</a:t>
-            </a:r>
-          </a:p>
-        </p:txBody>
-      </p:sp>
-      <p:sp>
-        <p:nvSpPr>
-          <p:cNvPr id="42" name="TextBox 41">
-            <a:extLst>
-              <a:ext uri="{FF2B5EF4-FFF2-40B4-BE49-F238E27FC236}">
-                <a16:creationId xmlns:a16="http://schemas.microsoft.com/office/drawing/2014/main" id="{B4611D6E-7838-88CC-1423-3E56EDA23B30}"/>
-              </a:ext>
-            </a:extLst>
-          </p:cNvPr>
-          <p:cNvSpPr txBox="1"/>
-          <p:nvPr/>
-        </p:nvSpPr>
-        <p:spPr>
-          <a:xfrm>
-            <a:off x="3600692" y="951519"/>
-            <a:ext cx="1596720" cy="276999"/>
-          </a:xfrm>
-          <a:prstGeom prst="rect">
-            <a:avLst/>
-          </a:prstGeom>
-          <a:noFill/>
-        </p:spPr>
-        <p:txBody>
-          <a:bodyPr wrap="square" rtlCol="0">
-            <a:spAutoFit/>
-          </a:bodyPr>
-          <a:lstStyle/>
-          <a:p>
-            <a:r>
-              <a:rPr lang="en-US" sz="600" dirty="0"/>
-              <a:t>Use MongoDB to store our own platform specific data-model.</a:t>
-            </a:r>
-          </a:p>
-        </p:txBody>
-      </p:sp>
-      <p:sp>
-        <p:nvSpPr>
-          <p:cNvPr id="43" name="TextBox 42">
-            <a:extLst>
-              <a:ext uri="{FF2B5EF4-FFF2-40B4-BE49-F238E27FC236}">
-                <a16:creationId xmlns:a16="http://schemas.microsoft.com/office/drawing/2014/main" id="{CAFCE1E0-0197-AB77-FCEE-7701853C33A9}"/>
-              </a:ext>
-            </a:extLst>
-          </p:cNvPr>
-          <p:cNvSpPr txBox="1"/>
-          <p:nvPr/>
-        </p:nvSpPr>
-        <p:spPr>
-          <a:xfrm>
-            <a:off x="5189789" y="1359775"/>
-            <a:ext cx="1596720" cy="276999"/>
-          </a:xfrm>
-          <a:prstGeom prst="rect">
-            <a:avLst/>
-          </a:prstGeom>
-          <a:noFill/>
-        </p:spPr>
-        <p:txBody>
-          <a:bodyPr wrap="square" rtlCol="0">
-            <a:spAutoFit/>
-          </a:bodyPr>
-          <a:lstStyle/>
-          <a:p>
-            <a:r>
-              <a:rPr lang="en-US" sz="600" dirty="0"/>
-              <a:t>Use an adapter to transform our data-models into confluence data-models.</a:t>
-            </a:r>
-          </a:p>
-        </p:txBody>
-      </p:sp>
-      <p:sp>
-        <p:nvSpPr>
-          <p:cNvPr id="45" name="TextBox 44">
-            <a:extLst>
-              <a:ext uri="{FF2B5EF4-FFF2-40B4-BE49-F238E27FC236}">
-                <a16:creationId xmlns:a16="http://schemas.microsoft.com/office/drawing/2014/main" id="{3D84CB4B-999E-2CA4-1BF9-A7AB8E5581C1}"/>
-              </a:ext>
-            </a:extLst>
-          </p:cNvPr>
-          <p:cNvSpPr txBox="1"/>
-          <p:nvPr/>
-        </p:nvSpPr>
-        <p:spPr>
-          <a:xfrm>
-            <a:off x="4785510" y="3006974"/>
-            <a:ext cx="1596720" cy="369332"/>
-          </a:xfrm>
-          <a:prstGeom prst="rect">
-            <a:avLst/>
-          </a:prstGeom>
-          <a:noFill/>
-        </p:spPr>
-        <p:txBody>
-          <a:bodyPr wrap="square" rtlCol="0">
-            <a:spAutoFit/>
-          </a:bodyPr>
-          <a:lstStyle/>
-          <a:p>
-            <a:r>
-              <a:rPr lang="en-US" sz="600" dirty="0"/>
-              <a:t>Near seamless transition to confluence, allowing engineers to use Confluence’s tools.</a:t>
-            </a:r>
-          </a:p>
-        </p:txBody>
-      </p:sp>
-      <p:sp>
-        <p:nvSpPr>
-          <p:cNvPr id="46" name="Rectangle 45">
-            <a:extLst>
-              <a:ext uri="{FF2B5EF4-FFF2-40B4-BE49-F238E27FC236}">
-                <a16:creationId xmlns:a16="http://schemas.microsoft.com/office/drawing/2014/main" id="{9CF6BDFD-004F-591B-E86F-A23D59982283}"/>
-              </a:ext>
-            </a:extLst>
-          </p:cNvPr>
-          <p:cNvSpPr/>
-          <p:nvPr/>
-        </p:nvSpPr>
-        <p:spPr>
-          <a:xfrm>
-            <a:off x="786699" y="2822678"/>
-            <a:ext cx="1266092" cy="594680"/>
-          </a:xfrm>
-          <a:prstGeom prst="rect">
-            <a:avLst/>
-          </a:prstGeom>
-          <a:ln w="38100">
-            <a:solidFill>
-              <a:srgbClr val="FF0000"/>
-            </a:solidFill>
-          </a:ln>
-        </p:spPr>
-        <p:style>
-          <a:lnRef idx="2">
-            <a:schemeClr val="accent1">
-              <a:shade val="15000"/>
-            </a:schemeClr>
-          </a:lnRef>
-          <a:fillRef idx="1">
-            <a:schemeClr val="accent1"/>
-          </a:fillRef>
-          <a:effectRef idx="0">
-            <a:schemeClr val="accent1"/>
-          </a:effectRef>
-          <a:fontRef idx="minor">
-            <a:schemeClr val="lt1"/>
-          </a:fontRef>
-        </p:style>
-        <p:txBody>
-          <a:bodyPr rtlCol="0" anchor="ctr"/>
-          <a:lstStyle/>
-          <a:p>
-            <a:pPr algn="ctr"/>
-            <a:r>
-              <a:rPr lang="en-US" dirty="0"/>
-              <a:t>Notion</a:t>
-            </a:r>
-          </a:p>
-        </p:txBody>
-      </p:sp>
-      <p:sp>
-        <p:nvSpPr>
-          <p:cNvPr id="47" name="Rectangle 46">
-            <a:extLst>
-              <a:ext uri="{FF2B5EF4-FFF2-40B4-BE49-F238E27FC236}">
-                <a16:creationId xmlns:a16="http://schemas.microsoft.com/office/drawing/2014/main" id="{59CA912F-BA44-A4C5-296C-53A6D55A674D}"/>
-              </a:ext>
-            </a:extLst>
-          </p:cNvPr>
-          <p:cNvSpPr/>
-          <p:nvPr/>
-        </p:nvSpPr>
-        <p:spPr>
-          <a:xfrm>
-            <a:off x="773723" y="3469723"/>
-            <a:ext cx="1266092" cy="594680"/>
-          </a:xfrm>
-          <a:prstGeom prst="rect">
-            <a:avLst/>
-          </a:prstGeom>
-          <a:ln w="38100">
-            <a:solidFill>
-              <a:srgbClr val="FFFF00"/>
-            </a:solidFill>
-          </a:ln>
-        </p:spPr>
-        <p:style>
-          <a:lnRef idx="2">
-            <a:schemeClr val="accent1">
-              <a:shade val="15000"/>
-            </a:schemeClr>
-          </a:lnRef>
-          <a:fillRef idx="1">
-            <a:schemeClr val="accent1"/>
-          </a:fillRef>
-          <a:effectRef idx="0">
-            <a:schemeClr val="accent1"/>
-          </a:effectRef>
-          <a:fontRef idx="minor">
-            <a:schemeClr val="lt1"/>
-          </a:fontRef>
-        </p:style>
-        <p:txBody>
-          <a:bodyPr rtlCol="0" anchor="ctr"/>
-          <a:lstStyle/>
-          <a:p>
-            <a:pPr algn="ctr"/>
-            <a:r>
-              <a:rPr lang="en-US" dirty="0" err="1"/>
-              <a:t>Github</a:t>
-            </a:r>
-            <a:endParaRPr lang="en-US" dirty="0"/>
-          </a:p>
-        </p:txBody>
-      </p:sp>
-      <p:sp>
-        <p:nvSpPr>
-          <p:cNvPr id="48" name="Rectangle 47">
-            <a:extLst>
-              <a:ext uri="{FF2B5EF4-FFF2-40B4-BE49-F238E27FC236}">
-                <a16:creationId xmlns:a16="http://schemas.microsoft.com/office/drawing/2014/main" id="{D8DEF009-FA52-00B6-6F3C-CA7A6BCCB350}"/>
-              </a:ext>
-            </a:extLst>
-          </p:cNvPr>
-          <p:cNvSpPr/>
-          <p:nvPr/>
-        </p:nvSpPr>
-        <p:spPr>
-          <a:xfrm>
-            <a:off x="786699" y="4116768"/>
-            <a:ext cx="1266092" cy="594680"/>
-          </a:xfrm>
-          <a:prstGeom prst="rect">
-            <a:avLst/>
-          </a:prstGeom>
-          <a:ln w="38100">
-            <a:solidFill>
-              <a:srgbClr val="FFFF00"/>
-            </a:solidFill>
-          </a:ln>
-        </p:spPr>
-        <p:style>
-          <a:lnRef idx="2">
-            <a:schemeClr val="accent1">
-              <a:shade val="15000"/>
-            </a:schemeClr>
-          </a:lnRef>
-          <a:fillRef idx="1">
-            <a:schemeClr val="accent1"/>
-          </a:fillRef>
-          <a:effectRef idx="0">
-            <a:schemeClr val="accent1"/>
-          </a:effectRef>
-          <a:fontRef idx="minor">
-            <a:schemeClr val="lt1"/>
-          </a:fontRef>
-        </p:style>
-        <p:txBody>
-          <a:bodyPr rtlCol="0" anchor="ctr"/>
-          <a:lstStyle/>
-          <a:p>
-            <a:pPr algn="ctr"/>
-            <a:r>
-              <a:rPr lang="en-US" dirty="0"/>
-              <a:t>Jira</a:t>
-            </a:r>
-          </a:p>
-        </p:txBody>
-      </p:sp>
-      <p:cxnSp>
-        <p:nvCxnSpPr>
-          <p:cNvPr id="50" name="Straight Arrow Connector 49">
-            <a:extLst>
-              <a:ext uri="{FF2B5EF4-FFF2-40B4-BE49-F238E27FC236}">
-                <a16:creationId xmlns:a16="http://schemas.microsoft.com/office/drawing/2014/main" id="{3836D6B1-7EEC-A4FA-43EA-E0B9CD8E7FB0}"/>
-              </a:ext>
-            </a:extLst>
-          </p:cNvPr>
-          <p:cNvCxnSpPr/>
-          <p:nvPr/>
-        </p:nvCxnSpPr>
-        <p:spPr>
-          <a:xfrm flipV="1">
-            <a:off x="2331417" y="1931047"/>
-            <a:ext cx="1595198" cy="1738664"/>
-          </a:xfrm>
-          <a:prstGeom prst="straightConnector1">
-            <a:avLst/>
-          </a:prstGeom>
-          <a:ln>
-            <a:tailEnd type="triangle"/>
-          </a:ln>
-        </p:spPr>
-        <p:style>
-          <a:lnRef idx="1">
-            <a:schemeClr val="accent1"/>
-          </a:lnRef>
-          <a:fillRef idx="0">
-            <a:schemeClr val="accent1"/>
-          </a:fillRef>
-          <a:effectRef idx="0">
-            <a:schemeClr val="accent1"/>
-          </a:effectRef>
-          <a:fontRef idx="minor">
-            <a:schemeClr val="tx1"/>
-          </a:fontRef>
-        </p:style>
-      </p:cxnSp>
-      <p:sp>
-        <p:nvSpPr>
-          <p:cNvPr id="53" name="TextBox 52">
-            <a:extLst>
-              <a:ext uri="{FF2B5EF4-FFF2-40B4-BE49-F238E27FC236}">
-                <a16:creationId xmlns:a16="http://schemas.microsoft.com/office/drawing/2014/main" id="{8D13FEDC-2572-38F4-B7A2-029174FB1EC3}"/>
-              </a:ext>
-            </a:extLst>
-          </p:cNvPr>
-          <p:cNvSpPr txBox="1"/>
-          <p:nvPr/>
-        </p:nvSpPr>
-        <p:spPr>
-          <a:xfrm>
-            <a:off x="2247247" y="2592673"/>
-            <a:ext cx="1596720" cy="184666"/>
-          </a:xfrm>
-          <a:prstGeom prst="rect">
-            <a:avLst/>
-          </a:prstGeom>
-          <a:noFill/>
-        </p:spPr>
-        <p:txBody>
-          <a:bodyPr wrap="square" rtlCol="0">
-            <a:spAutoFit/>
-          </a:bodyPr>
-          <a:lstStyle/>
-          <a:p>
-            <a:r>
-              <a:rPr lang="en-US" sz="600" dirty="0"/>
-              <a:t>Prospective integrations</a:t>
-            </a:r>
-          </a:p>
-        </p:txBody>
-      </p:sp>
-      <p:sp>
-        <p:nvSpPr>
-          <p:cNvPr id="54" name="Rectangle 53">
-            <a:extLst>
-              <a:ext uri="{FF2B5EF4-FFF2-40B4-BE49-F238E27FC236}">
-                <a16:creationId xmlns:a16="http://schemas.microsoft.com/office/drawing/2014/main" id="{E551CFEC-056D-A59A-CB56-BDBBBCCBA184}"/>
-              </a:ext>
-            </a:extLst>
-          </p:cNvPr>
-          <p:cNvSpPr/>
-          <p:nvPr/>
-        </p:nvSpPr>
-        <p:spPr>
-          <a:xfrm>
-            <a:off x="7596554" y="4141741"/>
-            <a:ext cx="201699" cy="160000"/>
-          </a:xfrm>
-          <a:prstGeom prst="rect">
-            <a:avLst/>
-          </a:prstGeom>
-          <a:ln w="38100">
-            <a:solidFill>
-              <a:schemeClr val="accent4">
-                <a:lumMod val="60000"/>
-                <a:lumOff val="40000"/>
-              </a:schemeClr>
-            </a:solidFill>
-          </a:ln>
-        </p:spPr>
-        <p:style>
-          <a:lnRef idx="2">
-            <a:schemeClr val="accent1">
-              <a:shade val="15000"/>
-            </a:schemeClr>
-          </a:lnRef>
-          <a:fillRef idx="1">
-            <a:schemeClr val="accent1"/>
-          </a:fillRef>
-          <a:effectRef idx="0">
-            <a:schemeClr val="accent1"/>
-          </a:effectRef>
-          <a:fontRef idx="minor">
-            <a:schemeClr val="lt1"/>
-          </a:fontRef>
-        </p:style>
-        <p:txBody>
-          <a:bodyPr rtlCol="0" anchor="ctr"/>
-          <a:lstStyle/>
-          <a:p>
-            <a:pPr algn="ctr"/>
-            <a:endParaRPr lang="en-US" dirty="0"/>
-          </a:p>
-        </p:txBody>
-      </p:sp>
-      <p:sp>
-        <p:nvSpPr>
-          <p:cNvPr id="55" name="Rectangle 54">
-            <a:extLst>
-              <a:ext uri="{FF2B5EF4-FFF2-40B4-BE49-F238E27FC236}">
-                <a16:creationId xmlns:a16="http://schemas.microsoft.com/office/drawing/2014/main" id="{24B9F011-5FA8-FB79-D9E5-D148A1FCAE32}"/>
-              </a:ext>
-            </a:extLst>
-          </p:cNvPr>
-          <p:cNvSpPr/>
-          <p:nvPr/>
-        </p:nvSpPr>
-        <p:spPr>
-          <a:xfrm>
-            <a:off x="7596554" y="4371370"/>
-            <a:ext cx="201699" cy="160000"/>
-          </a:xfrm>
-          <a:prstGeom prst="rect">
-            <a:avLst/>
-          </a:prstGeom>
-          <a:ln w="38100">
-            <a:solidFill>
-              <a:srgbClr val="FFFF00"/>
-            </a:solidFill>
-          </a:ln>
-        </p:spPr>
-        <p:style>
-          <a:lnRef idx="2">
-            <a:schemeClr val="accent1">
-              <a:shade val="15000"/>
-            </a:schemeClr>
-          </a:lnRef>
-          <a:fillRef idx="1">
-            <a:schemeClr val="accent1"/>
-          </a:fillRef>
-          <a:effectRef idx="0">
-            <a:schemeClr val="accent1"/>
-          </a:effectRef>
-          <a:fontRef idx="minor">
-            <a:schemeClr val="lt1"/>
-          </a:fontRef>
-        </p:style>
-        <p:txBody>
-          <a:bodyPr rtlCol="0" anchor="ctr"/>
-          <a:lstStyle/>
-          <a:p>
-            <a:pPr algn="ctr"/>
-            <a:endParaRPr lang="en-US" dirty="0"/>
-          </a:p>
-        </p:txBody>
-      </p:sp>
-      <p:sp>
-        <p:nvSpPr>
-          <p:cNvPr id="56" name="TextBox 55">
-            <a:extLst>
-              <a:ext uri="{FF2B5EF4-FFF2-40B4-BE49-F238E27FC236}">
-                <a16:creationId xmlns:a16="http://schemas.microsoft.com/office/drawing/2014/main" id="{F2D6AEA5-E973-D132-F9BD-CA0853A52671}"/>
-              </a:ext>
-            </a:extLst>
-          </p:cNvPr>
-          <p:cNvSpPr txBox="1"/>
-          <p:nvPr/>
-        </p:nvSpPr>
-        <p:spPr>
-          <a:xfrm>
-            <a:off x="7798253" y="4146006"/>
-            <a:ext cx="1030854" cy="184666"/>
-          </a:xfrm>
-          <a:prstGeom prst="rect">
-            <a:avLst/>
-          </a:prstGeom>
-          <a:noFill/>
-        </p:spPr>
-        <p:txBody>
-          <a:bodyPr wrap="square" rtlCol="0">
-            <a:spAutoFit/>
-          </a:bodyPr>
-          <a:lstStyle/>
-          <a:p>
-            <a:r>
-              <a:rPr lang="en-US" sz="600" dirty="0"/>
-              <a:t>= Under development</a:t>
-            </a:r>
-          </a:p>
-        </p:txBody>
-      </p:sp>
-      <p:sp>
-        <p:nvSpPr>
-          <p:cNvPr id="57" name="TextBox 56">
-            <a:extLst>
-              <a:ext uri="{FF2B5EF4-FFF2-40B4-BE49-F238E27FC236}">
-                <a16:creationId xmlns:a16="http://schemas.microsoft.com/office/drawing/2014/main" id="{A7926DE3-B8DD-2FDB-1148-55532AD840C4}"/>
-              </a:ext>
-            </a:extLst>
-          </p:cNvPr>
-          <p:cNvSpPr txBox="1"/>
-          <p:nvPr/>
-        </p:nvSpPr>
-        <p:spPr>
-          <a:xfrm>
-            <a:off x="7798253" y="4359037"/>
-            <a:ext cx="1030854" cy="184666"/>
-          </a:xfrm>
-          <a:prstGeom prst="rect">
-            <a:avLst/>
-          </a:prstGeom>
-          <a:noFill/>
-        </p:spPr>
-        <p:txBody>
-          <a:bodyPr wrap="square" rtlCol="0">
-            <a:spAutoFit/>
-          </a:bodyPr>
-          <a:lstStyle/>
-          <a:p>
-            <a:r>
-              <a:rPr lang="en-US" sz="600" dirty="0"/>
-              <a:t>= Planned integrations</a:t>
-            </a:r>
-          </a:p>
-        </p:txBody>
-      </p:sp>
-      <p:sp>
-        <p:nvSpPr>
-          <p:cNvPr id="58" name="TextBox 57">
-            <a:extLst>
-              <a:ext uri="{FF2B5EF4-FFF2-40B4-BE49-F238E27FC236}">
-                <a16:creationId xmlns:a16="http://schemas.microsoft.com/office/drawing/2014/main" id="{DD370A88-4B0D-248E-E56E-6C4441236A66}"/>
-              </a:ext>
-            </a:extLst>
-          </p:cNvPr>
-          <p:cNvSpPr txBox="1"/>
-          <p:nvPr/>
-        </p:nvSpPr>
-        <p:spPr>
-          <a:xfrm>
-            <a:off x="7285603" y="2527587"/>
-            <a:ext cx="1798925" cy="738664"/>
-          </a:xfrm>
-          <a:prstGeom prst="rect">
-            <a:avLst/>
-          </a:prstGeom>
-          <a:noFill/>
-        </p:spPr>
-        <p:txBody>
-          <a:bodyPr wrap="square" rtlCol="0">
-            <a:spAutoFit/>
-          </a:bodyPr>
-          <a:lstStyle/>
-          <a:p>
-            <a:r>
-              <a:rPr lang="en-US" sz="600" dirty="0"/>
-              <a:t>Confluence Pros:</a:t>
-            </a:r>
-          </a:p>
-          <a:p>
-            <a:pPr marL="171450" indent="-171450">
-              <a:buFont typeface="Arial" panose="020B0604020202020204" pitchFamily="34" charset="0"/>
-              <a:buChar char="•"/>
-            </a:pPr>
-            <a:r>
-              <a:rPr lang="en-US" sz="600" dirty="0"/>
-              <a:t>Nice API to interact with.</a:t>
-            </a:r>
-          </a:p>
-          <a:p>
-            <a:pPr marL="171450" indent="-171450">
-              <a:buFont typeface="Arial" panose="020B0604020202020204" pitchFamily="34" charset="0"/>
-              <a:buChar char="•"/>
-            </a:pPr>
-            <a:r>
-              <a:rPr lang="en-US" sz="600" dirty="0"/>
-              <a:t>Beta features </a:t>
-            </a:r>
-          </a:p>
-          <a:p>
-            <a:pPr marL="582920" lvl="1" indent="-171450">
-              <a:buFont typeface="Arial" panose="020B0604020202020204" pitchFamily="34" charset="0"/>
-              <a:buChar char="•"/>
-            </a:pPr>
-            <a:r>
-              <a:rPr lang="en-US" sz="600" dirty="0"/>
-              <a:t>Automatic page summaries</a:t>
-            </a:r>
-          </a:p>
-          <a:p>
-            <a:pPr marL="582920" lvl="1" indent="-171450">
-              <a:buFont typeface="Arial" panose="020B0604020202020204" pitchFamily="34" charset="0"/>
-              <a:buChar char="•"/>
-            </a:pPr>
-            <a:r>
-              <a:rPr lang="en-US" sz="600" dirty="0"/>
-              <a:t>Virtual agent for making SQL, JQL queries</a:t>
-            </a:r>
-          </a:p>
-          <a:p>
-            <a:pPr marL="171450" indent="-171450">
-              <a:buFont typeface="Arial" panose="020B0604020202020204" pitchFamily="34" charset="0"/>
-              <a:buChar char="•"/>
-            </a:pPr>
-            <a:r>
-              <a:rPr lang="en-US" sz="600" dirty="0"/>
-              <a:t>Structured formatting</a:t>
-            </a:r>
-          </a:p>
-        </p:txBody>
-      </p:sp>
-      <p:sp>
-        <p:nvSpPr>
-          <p:cNvPr id="59" name="Text Placeholder 3">
-            <a:extLst>
-              <a:ext uri="{FF2B5EF4-FFF2-40B4-BE49-F238E27FC236}">
-                <a16:creationId xmlns:a16="http://schemas.microsoft.com/office/drawing/2014/main" id="{E30C5A80-B4B2-737C-CFF9-C46C8BD86634}"/>
+                <a16:creationId xmlns:a16="http://schemas.microsoft.com/office/drawing/2014/main" id="{D19666DE-BD1E-F0DA-05ED-77039A992BC0}"/>
               </a:ext>
             </a:extLst>
           </p:cNvPr>
@@ -16581,7 +18512,7 @@
               <a:buNone/>
             </a:pPr>
             <a:r>
-              <a:rPr lang="en-US" dirty="0">
+              <a:rPr lang="en-US">
                 <a:solidFill>
                   <a:schemeClr val="tx1"/>
                 </a:solidFill>
@@ -16591,84 +18522,195 @@
           </a:p>
         </p:txBody>
       </p:sp>
-      <p:cxnSp>
-        <p:nvCxnSpPr>
-          <p:cNvPr id="63" name="Straight Arrow Connector 62">
+      <p:grpSp>
+        <p:nvGrpSpPr>
+          <p:cNvPr id="15" name="Group 14">
             <a:extLst>
               <a:ext uri="{FF2B5EF4-FFF2-40B4-BE49-F238E27FC236}">
-                <a16:creationId xmlns:a16="http://schemas.microsoft.com/office/drawing/2014/main" id="{D48F21BC-C0CF-566D-7FF7-C66C732533C9}"/>
+                <a16:creationId xmlns:a16="http://schemas.microsoft.com/office/drawing/2014/main" id="{9A30761E-C144-A193-B159-E5890BBC697A}"/>
               </a:ext>
             </a:extLst>
           </p:cNvPr>
-          <p:cNvCxnSpPr/>
+          <p:cNvGrpSpPr/>
           <p:nvPr/>
-        </p:nvCxnSpPr>
-        <p:spPr>
-          <a:xfrm flipH="1" flipV="1">
-            <a:off x="4365523" y="2002243"/>
-            <a:ext cx="122533" cy="1302867"/>
-          </a:xfrm>
-          <a:prstGeom prst="straightConnector1">
-            <a:avLst/>
-          </a:prstGeom>
-          <a:ln>
-            <a:tailEnd type="triangle"/>
-          </a:ln>
-        </p:spPr>
-        <p:style>
-          <a:lnRef idx="1">
-            <a:schemeClr val="accent1"/>
-          </a:lnRef>
-          <a:fillRef idx="0">
-            <a:schemeClr val="accent1"/>
-          </a:fillRef>
-          <a:effectRef idx="0">
-            <a:schemeClr val="accent1"/>
-          </a:effectRef>
-          <a:fontRef idx="minor">
-            <a:schemeClr val="tx1"/>
-          </a:fontRef>
-        </p:style>
-      </p:cxnSp>
-      <p:sp>
-        <p:nvSpPr>
-          <p:cNvPr id="64" name="TextBox 63">
-            <a:extLst>
-              <a:ext uri="{FF2B5EF4-FFF2-40B4-BE49-F238E27FC236}">
-                <a16:creationId xmlns:a16="http://schemas.microsoft.com/office/drawing/2014/main" id="{F73AA4C9-F7A4-00B5-9ECF-BFAECFECAEB7}"/>
-              </a:ext>
-            </a:extLst>
-          </p:cNvPr>
-          <p:cNvSpPr txBox="1"/>
-          <p:nvPr/>
-        </p:nvSpPr>
-        <p:spPr>
-          <a:xfrm>
-            <a:off x="4446564" y="2253944"/>
-            <a:ext cx="1596720" cy="184666"/>
-          </a:xfrm>
-          <a:prstGeom prst="rect">
-            <a:avLst/>
-          </a:prstGeom>
-          <a:noFill/>
-        </p:spPr>
-        <p:txBody>
-          <a:bodyPr wrap="square" rtlCol="0">
-            <a:spAutoFit/>
-          </a:bodyPr>
-          <a:lstStyle/>
-          <a:p>
-            <a:r>
-              <a:rPr lang="en-US" sz="600" dirty="0"/>
-              <a:t>Queries</a:t>
-            </a:r>
-          </a:p>
-        </p:txBody>
-      </p:sp>
+        </p:nvGrpSpPr>
+        <p:grpSpPr>
+          <a:xfrm>
+            <a:off x="4214822" y="1650161"/>
+            <a:ext cx="5069823" cy="2490602"/>
+            <a:chOff x="3280429" y="2693499"/>
+            <a:chExt cx="5069823" cy="2490602"/>
+          </a:xfrm>
+        </p:grpSpPr>
+        <p:grpSp>
+          <p:nvGrpSpPr>
+            <p:cNvPr id="12" name="Group 11">
+              <a:extLst>
+                <a:ext uri="{FF2B5EF4-FFF2-40B4-BE49-F238E27FC236}">
+                  <a16:creationId xmlns:a16="http://schemas.microsoft.com/office/drawing/2014/main" id="{AE7DE7DD-5941-DE99-3B3B-02EC4A4E96A0}"/>
+                </a:ext>
+              </a:extLst>
+            </p:cNvPr>
+            <p:cNvGrpSpPr/>
+            <p:nvPr/>
+          </p:nvGrpSpPr>
+          <p:grpSpPr>
+            <a:xfrm rot="3780000">
+              <a:off x="3001029" y="3799801"/>
+              <a:ext cx="1663700" cy="1104900"/>
+              <a:chOff x="3305776" y="3206782"/>
+              <a:chExt cx="1663700" cy="1104900"/>
+            </a:xfrm>
+          </p:grpSpPr>
+          <p:pic>
+            <p:nvPicPr>
+              <p:cNvPr id="10" name="Picture 9" descr="Download Microsoft OneNote Logo in SVG Vector or PNG File Format - Logo.wine">
+                <a:extLst>
+                  <a:ext uri="{FF2B5EF4-FFF2-40B4-BE49-F238E27FC236}">
+                    <a16:creationId xmlns:a16="http://schemas.microsoft.com/office/drawing/2014/main" id="{CFE53266-CC93-7946-9100-097CBEA5A84F}"/>
+                  </a:ext>
+                </a:extLst>
+              </p:cNvPr>
+              <p:cNvPicPr>
+                <a:picLocks noChangeAspect="1"/>
+              </p:cNvPicPr>
+              <p:nvPr/>
+            </p:nvPicPr>
+            <p:blipFill>
+              <a:blip r:embed="rId2"/>
+              <a:stretch>
+                <a:fillRect/>
+              </a:stretch>
+            </p:blipFill>
+            <p:spPr>
+              <a:xfrm rot="19740000">
+                <a:off x="3305776" y="3206782"/>
+                <a:ext cx="1663700" cy="1104900"/>
+              </a:xfrm>
+              <a:prstGeom prst="rect">
+                <a:avLst/>
+              </a:prstGeom>
+            </p:spPr>
+          </p:pic>
+          <p:sp>
+            <p:nvSpPr>
+              <p:cNvPr id="11" name="Lightning Bolt 10">
+                <a:extLst>
+                  <a:ext uri="{FF2B5EF4-FFF2-40B4-BE49-F238E27FC236}">
+                    <a16:creationId xmlns:a16="http://schemas.microsoft.com/office/drawing/2014/main" id="{3C6E48EA-3719-2336-734D-F67A7D9D7BAD}"/>
+                  </a:ext>
+                </a:extLst>
+              </p:cNvPr>
+              <p:cNvSpPr/>
+              <p:nvPr/>
+            </p:nvSpPr>
+            <p:spPr>
+              <a:xfrm>
+                <a:off x="4012929" y="3258967"/>
+                <a:ext cx="355600" cy="571500"/>
+              </a:xfrm>
+              <a:prstGeom prst="lightningBolt">
+                <a:avLst/>
+              </a:prstGeom>
+              <a:solidFill>
+                <a:schemeClr val="bg1"/>
+              </a:solidFill>
+              <a:ln>
+                <a:solidFill>
+                  <a:schemeClr val="bg1"/>
+                </a:solidFill>
+              </a:ln>
+            </p:spPr>
+            <p:style>
+              <a:lnRef idx="2">
+                <a:schemeClr val="accent1">
+                  <a:shade val="15000"/>
+                </a:schemeClr>
+              </a:lnRef>
+              <a:fillRef idx="1">
+                <a:schemeClr val="accent1"/>
+              </a:fillRef>
+              <a:effectRef idx="0">
+                <a:schemeClr val="accent1"/>
+              </a:effectRef>
+              <a:fontRef idx="minor">
+                <a:schemeClr val="lt1"/>
+              </a:fontRef>
+            </p:style>
+            <p:txBody>
+              <a:bodyPr rtlCol="0" anchor="ctr"/>
+              <a:lstStyle/>
+              <a:p>
+                <a:pPr algn="ctr"/>
+                <a:endParaRPr lang="en-US"/>
+              </a:p>
+            </p:txBody>
+          </p:sp>
+        </p:grpSp>
+        <p:pic>
+          <p:nvPicPr>
+            <p:cNvPr id="13" name="Picture 12" descr="Download Confluence Logo in SVG Vector or PNG File Format - Logo.wine">
+              <a:extLst>
+                <a:ext uri="{FF2B5EF4-FFF2-40B4-BE49-F238E27FC236}">
+                  <a16:creationId xmlns:a16="http://schemas.microsoft.com/office/drawing/2014/main" id="{D6708778-C974-BBA3-21C5-BD7AC11036DB}"/>
+                </a:ext>
+              </a:extLst>
+            </p:cNvPr>
+            <p:cNvPicPr>
+              <a:picLocks noChangeAspect="1"/>
+            </p:cNvPicPr>
+            <p:nvPr/>
+          </p:nvPicPr>
+          <p:blipFill rotWithShape="1">
+            <a:blip r:embed="rId3"/>
+            <a:srcRect l="85" t="36111" b="35069"/>
+            <a:stretch/>
+          </p:blipFill>
+          <p:spPr>
+            <a:xfrm rot="540000">
+              <a:off x="4383830" y="3327400"/>
+              <a:ext cx="3966422" cy="762002"/>
+            </a:xfrm>
+            <a:prstGeom prst="rect">
+              <a:avLst/>
+            </a:prstGeom>
+          </p:spPr>
+        </p:pic>
+        <p:pic>
+          <p:nvPicPr>
+            <p:cNvPr id="14" name="Picture 13" descr="Cartoon Hammer Clipart Transparent Background, Cartoon Metal Hammer Hammer  Clipart, Cartoon Tool, Hammer Clip Art, Cartoon Style PNG Image For Free  Download">
+              <a:extLst>
+                <a:ext uri="{FF2B5EF4-FFF2-40B4-BE49-F238E27FC236}">
+                  <a16:creationId xmlns:a16="http://schemas.microsoft.com/office/drawing/2014/main" id="{DDA1BC32-6E9E-0507-91B6-3A86B7C0667C}"/>
+                </a:ext>
+              </a:extLst>
+            </p:cNvPr>
+            <p:cNvPicPr>
+              <a:picLocks noChangeAspect="1"/>
+            </p:cNvPicPr>
+            <p:nvPr/>
+          </p:nvPicPr>
+          <p:blipFill>
+            <a:blip r:embed="rId4"/>
+            <a:stretch>
+              <a:fillRect/>
+            </a:stretch>
+          </p:blipFill>
+          <p:spPr>
+            <a:xfrm rot="16080000">
+              <a:off x="3765442" y="2693499"/>
+              <a:ext cx="1517650" cy="1517650"/>
+            </a:xfrm>
+            <a:prstGeom prst="rect">
+              <a:avLst/>
+            </a:prstGeom>
+          </p:spPr>
+        </p:pic>
+      </p:grpSp>
     </p:spTree>
     <p:extLst>
       <p:ext uri="{BB962C8B-B14F-4D97-AF65-F5344CB8AC3E}">
-        <p14:creationId xmlns:p14="http://schemas.microsoft.com/office/powerpoint/2010/main" val="2988861588"/>
+        <p14:creationId xmlns:p14="http://schemas.microsoft.com/office/powerpoint/2010/main" val="939769932"/>
       </p:ext>
     </p:extLst>
   </p:cSld>
@@ -16734,7 +18776,7 @@
           <a:lstStyle/>
           <a:p>
             <a:fld id="{32A2F39E-E4DB-494E-AB40-38356C65078C}" type="slidenum">
-              <a:rPr lang="en-US" smtClean="0"/>
+              <a:rPr lang="en-US" dirty="0" smtClean="0"/>
               <a:pPr/>
               <a:t>7</a:t>
             </a:fld>
@@ -16758,7 +18800,7 @@
           <a:lstStyle/>
           <a:p>
             <a:r>
-              <a:rPr lang="en-US" dirty="0"/>
+              <a:rPr lang="en-US"/>
               <a:t>Database Tools - Progress</a:t>
             </a:r>
           </a:p>
@@ -16774,9 +18816,16 @@
             <p:ph type="body" sz="quarter" idx="11"/>
           </p:nvPr>
         </p:nvSpPr>
-        <p:spPr/>
-        <p:txBody>
-          <a:bodyPr/>
+        <p:spPr>
+          <a:xfrm>
+            <a:off x="384516" y="949556"/>
+            <a:ext cx="8123214" cy="3343528"/>
+          </a:xfrm>
+        </p:spPr>
+        <p:txBody>
+          <a:bodyPr vert="horz" lIns="91440" tIns="45720" rIns="91440" bIns="45720" rtlCol="0" anchor="t">
+            <a:noAutofit/>
+          </a:bodyPr>
           <a:lstStyle/>
           <a:p>
             <a:pPr marL="285750" indent="-285750">
@@ -16800,8 +18849,54 @@
               <a:buChar char="•"/>
             </a:pPr>
             <a:r>
+              <a:rPr lang="en-US" sz="1500" dirty="0">
+                <a:cs typeface="Arial"/>
+              </a:rPr>
+              <a:t>Mongo and Mongo Express running in docker</a:t>
+            </a:r>
+            <a:endParaRPr lang="en-US" sz="1500" dirty="0"/>
+          </a:p>
+          <a:p>
+            <a:pPr marL="285750" indent="-285750">
+              <a:lnSpc>
+                <a:spcPct val="100000"/>
+              </a:lnSpc>
+              <a:buFont typeface="Arial" panose="020B0604020202020204" pitchFamily="34" charset="0"/>
+              <a:buChar char="•"/>
+            </a:pPr>
+            <a:r>
               <a:rPr lang="en-US" sz="1500" dirty="0"/>
               <a:t>One Note Export uploader</a:t>
+            </a:r>
+            <a:endParaRPr lang="en-US" sz="1500" dirty="0">
+              <a:cs typeface="Arial"/>
+            </a:endParaRPr>
+          </a:p>
+          <a:p>
+            <a:pPr marL="285750" indent="-285750">
+              <a:lnSpc>
+                <a:spcPct val="100000"/>
+              </a:lnSpc>
+              <a:buFont typeface="Arial" panose="020B0604020202020204" pitchFamily="34" charset="0"/>
+              <a:buChar char="•"/>
+            </a:pPr>
+            <a:r>
+              <a:rPr lang="en-US" sz="1500" dirty="0">
+                <a:cs typeface="Arial"/>
+              </a:rPr>
+              <a:t>Successful One Note export into MongoDB using </a:t>
+            </a:r>
+            <a:r>
+              <a:rPr lang="en-US" sz="1500" dirty="0" err="1">
+                <a:cs typeface="Arial"/>
+              </a:rPr>
+              <a:t>DocBlocks</a:t>
+            </a:r>
+            <a:r>
+              <a:rPr lang="en-US" sz="1500" dirty="0">
+                <a:cs typeface="Arial"/>
+              </a:rPr>
+              <a:t> during tests.</a:t>
             </a:r>
           </a:p>
         </p:txBody>
@@ -17000,7 +19095,7 @@
               <a:buNone/>
             </a:pPr>
             <a:r>
-              <a:rPr lang="en-US" dirty="0">
+              <a:rPr lang="en-US">
                 <a:solidFill>
                   <a:schemeClr val="tx1"/>
                 </a:solidFill>
@@ -17010,91 +19105,112 @@
           </a:p>
         </p:txBody>
       </p:sp>
-      <p:pic>
-        <p:nvPicPr>
-          <p:cNvPr id="18" name="Picture 17">
+      <p:grpSp>
+        <p:nvGrpSpPr>
+          <p:cNvPr id="8" name="Group 7">
             <a:extLst>
               <a:ext uri="{FF2B5EF4-FFF2-40B4-BE49-F238E27FC236}">
-                <a16:creationId xmlns:a16="http://schemas.microsoft.com/office/drawing/2014/main" id="{8EB73AEA-222B-A1E4-57C5-C4BFDFBA0A69}"/>
+                <a16:creationId xmlns:a16="http://schemas.microsoft.com/office/drawing/2014/main" id="{1F116C07-85BD-DC50-46A5-AC33B4C57632}"/>
               </a:ext>
             </a:extLst>
           </p:cNvPr>
-          <p:cNvPicPr>
-            <a:picLocks noChangeAspect="1"/>
-          </p:cNvPicPr>
+          <p:cNvGrpSpPr/>
           <p:nvPr/>
-        </p:nvPicPr>
-        <p:blipFill>
-          <a:blip r:embed="rId2"/>
-          <a:stretch>
-            <a:fillRect/>
-          </a:stretch>
-        </p:blipFill>
-        <p:spPr>
-          <a:xfrm>
-            <a:off x="4706802" y="1909933"/>
-            <a:ext cx="3796355" cy="2155531"/>
-          </a:xfrm>
-          <a:prstGeom prst="rect">
-            <a:avLst/>
-          </a:prstGeom>
-        </p:spPr>
-      </p:pic>
-      <p:sp>
-        <p:nvSpPr>
-          <p:cNvPr id="6" name="TextBox 5">
-            <a:extLst>
-              <a:ext uri="{FF2B5EF4-FFF2-40B4-BE49-F238E27FC236}">
-                <a16:creationId xmlns:a16="http://schemas.microsoft.com/office/drawing/2014/main" id="{4B31C032-1DCF-BCD3-E036-51712FD30D6A}"/>
-              </a:ext>
-            </a:extLst>
-          </p:cNvPr>
-          <p:cNvSpPr txBox="1"/>
-          <p:nvPr/>
-        </p:nvSpPr>
-        <p:spPr>
-          <a:xfrm>
-            <a:off x="4836970" y="4077763"/>
-            <a:ext cx="2980041" cy="184666"/>
-          </a:xfrm>
-          <a:prstGeom prst="rect">
-            <a:avLst/>
-          </a:prstGeom>
-          <a:noFill/>
-        </p:spPr>
-        <p:txBody>
-          <a:bodyPr wrap="square" rtlCol="0">
-            <a:spAutoFit/>
-          </a:bodyPr>
-          <a:lstStyle/>
-          <a:p>
-            <a:r>
-              <a:rPr lang="en-US" sz="600" dirty="0">
-                <a:solidFill>
-                  <a:schemeClr val="tx2"/>
-                </a:solidFill>
-              </a:rPr>
-              <a:t>Finally getting that clean </a:t>
-            </a:r>
-            <a:r>
-              <a:rPr lang="en-US" sz="600" dirty="0" err="1">
-                <a:solidFill>
-                  <a:schemeClr val="tx2"/>
-                </a:solidFill>
-              </a:rPr>
-              <a:t>pytest</a:t>
-            </a:r>
-            <a:r>
-              <a:rPr lang="en-US" sz="600" dirty="0">
-                <a:solidFill>
-                  <a:schemeClr val="tx2"/>
-                </a:solidFill>
-              </a:rPr>
-              <a:t> run on all my unit tests</a:t>
-            </a:r>
-          </a:p>
-        </p:txBody>
-      </p:sp>
+        </p:nvGrpSpPr>
+        <p:grpSpPr>
+          <a:xfrm>
+            <a:off x="4795702" y="2430633"/>
+            <a:ext cx="3796355" cy="2339796"/>
+            <a:chOff x="4884602" y="2335383"/>
+            <a:chExt cx="3796355" cy="2339796"/>
+          </a:xfrm>
+        </p:grpSpPr>
+        <p:pic>
+          <p:nvPicPr>
+            <p:cNvPr id="18" name="Picture 17">
+              <a:extLst>
+                <a:ext uri="{FF2B5EF4-FFF2-40B4-BE49-F238E27FC236}">
+                  <a16:creationId xmlns:a16="http://schemas.microsoft.com/office/drawing/2014/main" id="{8EB73AEA-222B-A1E4-57C5-C4BFDFBA0A69}"/>
+                </a:ext>
+              </a:extLst>
+            </p:cNvPr>
+            <p:cNvPicPr>
+              <a:picLocks noChangeAspect="1"/>
+            </p:cNvPicPr>
+            <p:nvPr/>
+          </p:nvPicPr>
+          <p:blipFill>
+            <a:blip r:embed="rId2"/>
+            <a:stretch>
+              <a:fillRect/>
+            </a:stretch>
+          </p:blipFill>
+          <p:spPr>
+            <a:xfrm>
+              <a:off x="4884602" y="2335383"/>
+              <a:ext cx="3796355" cy="2155531"/>
+            </a:xfrm>
+            <a:prstGeom prst="rect">
+              <a:avLst/>
+            </a:prstGeom>
+          </p:spPr>
+        </p:pic>
+        <p:sp>
+          <p:nvSpPr>
+            <p:cNvPr id="6" name="TextBox 5">
+              <a:extLst>
+                <a:ext uri="{FF2B5EF4-FFF2-40B4-BE49-F238E27FC236}">
+                  <a16:creationId xmlns:a16="http://schemas.microsoft.com/office/drawing/2014/main" id="{4B31C032-1DCF-BCD3-E036-51712FD30D6A}"/>
+                </a:ext>
+              </a:extLst>
+            </p:cNvPr>
+            <p:cNvSpPr txBox="1"/>
+            <p:nvPr/>
+          </p:nvSpPr>
+          <p:spPr>
+            <a:xfrm>
+              <a:off x="5046520" y="4490513"/>
+              <a:ext cx="2980041" cy="184666"/>
+            </a:xfrm>
+            <a:prstGeom prst="rect">
+              <a:avLst/>
+            </a:prstGeom>
+            <a:noFill/>
+          </p:spPr>
+          <p:txBody>
+            <a:bodyPr wrap="square" rtlCol="0">
+              <a:spAutoFit/>
+            </a:bodyPr>
+            <a:lstStyle/>
+            <a:p>
+              <a:r>
+                <a:rPr lang="en-US" sz="600">
+                  <a:solidFill>
+                    <a:schemeClr val="tx2"/>
+                  </a:solidFill>
+                </a:rPr>
+                <a:t>Finally getting that clean </a:t>
+              </a:r>
+              <a:r>
+                <a:rPr lang="en-US" sz="600" err="1">
+                  <a:solidFill>
+                    <a:schemeClr val="tx2"/>
+                  </a:solidFill>
+                </a:rPr>
+                <a:t>pytest</a:t>
+              </a:r>
+              <a:r>
+                <a:rPr lang="en-US" sz="600">
+                  <a:solidFill>
+                    <a:schemeClr val="tx2"/>
+                  </a:solidFill>
+                </a:rPr>
+                <a:t> run on all my unit tests</a:t>
+              </a:r>
+            </a:p>
+          </p:txBody>
+        </p:sp>
+      </p:grpSp>
       <p:grpSp>
         <p:nvGrpSpPr>
           <p:cNvPr id="19" name="Group 18">
@@ -17109,8 +19225,8 @@
         </p:nvGrpSpPr>
         <p:grpSpPr>
           <a:xfrm>
-            <a:off x="680720" y="2027903"/>
-            <a:ext cx="3453464" cy="2647278"/>
+            <a:off x="1068070" y="2586703"/>
+            <a:ext cx="2729564" cy="1834478"/>
             <a:chOff x="376393" y="2057749"/>
             <a:chExt cx="3814773" cy="3042568"/>
           </a:xfrm>
@@ -17225,7 +19341,7 @@
             <a:lstStyle/>
             <a:p>
               <a:r>
-                <a:rPr lang="en-US" sz="600" dirty="0">
+                <a:rPr lang="en-US" sz="600">
                   <a:solidFill>
                     <a:schemeClr val="tx2"/>
                   </a:solidFill>
@@ -17282,7 +19398,7 @@
           <a:lstStyle/>
           <a:p>
             <a:fld id="{32A2F39E-E4DB-494E-AB40-38356C65078C}" type="slidenum">
-              <a:rPr lang="en-US" smtClean="0"/>
+              <a:rPr lang="en-US" dirty="0" smtClean="0"/>
               <a:pPr/>
               <a:t>8</a:t>
             </a:fld>
@@ -17306,17 +19422,12 @@
           <a:lstStyle/>
           <a:p>
             <a:r>
-              <a:rPr lang="en-US" dirty="0"/>
-              <a:t>Database Tools - Overview </a:t>
-            </a:r>
-            <a:r>
-              <a:rPr lang="en-US" dirty="0" err="1"/>
-              <a:t>con’t</a:t>
-            </a:r>
-            <a:r>
-              <a:rPr lang="en-US" dirty="0"/>
-              <a:t>.</a:t>
-            </a:r>
+              <a:rPr lang="en-US"/>
+              <a:t>Database Tools - Takeaways</a:t>
+            </a:r>
+            <a:endParaRPr lang="en-US" err="1">
+              <a:cs typeface="Arial"/>
+            </a:endParaRPr>
           </a:p>
         </p:txBody>
       </p:sp>
@@ -17337,72 +19448,79 @@
           </a:xfrm>
         </p:spPr>
         <p:txBody>
-          <a:bodyPr/>
+          <a:bodyPr vert="horz" lIns="91440" tIns="45720" rIns="91440" bIns="45720" rtlCol="0" anchor="t">
+            <a:noAutofit/>
+          </a:bodyPr>
           <a:lstStyle/>
+          <a:p>
+            <a:pPr marL="372745" lvl="1" indent="-285750">
+              <a:buChar char="•"/>
+            </a:pPr>
+            <a:r>
+              <a:rPr lang="en-US" sz="1600"/>
+              <a:t>The importance of drafting and system engineering.</a:t>
+            </a:r>
+            <a:endParaRPr lang="en-US" sz="1600" b="1">
+              <a:cs typeface="Arial" panose="020B0604020202020204"/>
+            </a:endParaRPr>
+          </a:p>
+          <a:p>
+            <a:pPr marL="372745" lvl="1" indent="-285750"/>
+            <a:r>
+              <a:rPr lang="en-US" sz="1600"/>
+              <a:t>Basic principles on how to write robust code. </a:t>
+            </a:r>
+            <a:endParaRPr lang="en-US" sz="1600">
+              <a:cs typeface="Arial"/>
+            </a:endParaRPr>
+          </a:p>
+          <a:p>
+            <a:pPr marL="548005" lvl="2" indent="-285750"/>
+            <a:r>
+              <a:rPr lang="en-US" sz="1500" err="1"/>
+              <a:t>Pytest</a:t>
+            </a:r>
+            <a:r>
+              <a:rPr lang="en-US" sz="1500"/>
+              <a:t>, </a:t>
+            </a:r>
+            <a:r>
+              <a:rPr lang="en-US" sz="1500" err="1"/>
+              <a:t>Pydantic</a:t>
+            </a:r>
+            <a:r>
+              <a:rPr lang="en-US" sz="1500"/>
+              <a:t>, and tox</a:t>
+            </a:r>
+            <a:endParaRPr lang="en-US" sz="1500">
+              <a:cs typeface="Arial"/>
+            </a:endParaRPr>
+          </a:p>
+          <a:p>
+            <a:pPr marL="372745" lvl="1" indent="-285750"/>
+            <a:r>
+              <a:rPr lang="en-US" sz="1600"/>
+              <a:t>Large scale software development workflow.</a:t>
+            </a:r>
+            <a:endParaRPr lang="en-US" sz="1600">
+              <a:cs typeface="Arial"/>
+            </a:endParaRPr>
+          </a:p>
+          <a:p>
+            <a:pPr marL="372745" lvl="1" indent="-285750"/>
+            <a:endParaRPr lang="en-US" sz="1600">
+              <a:cs typeface="Arial"/>
+            </a:endParaRPr>
+          </a:p>
           <a:p>
             <a:pPr marL="285750" indent="-285750">
               <a:buFont typeface="Arial" panose="020B0604020202020204" pitchFamily="34" charset="0"/>
               <a:buChar char="•"/>
             </a:pPr>
-            <a:r>
-              <a:rPr lang="en-US" sz="1800" b="1" dirty="0"/>
-              <a:t>My takeaways?</a:t>
-            </a:r>
-            <a:endParaRPr lang="en-US" sz="1600" dirty="0"/>
-          </a:p>
-          <a:p>
-            <a:pPr marL="372902" lvl="1" indent="-285750"/>
-            <a:r>
-              <a:rPr lang="en-US" sz="1600" dirty="0"/>
-              <a:t>The importance of drafting and system engineering.</a:t>
-            </a:r>
-          </a:p>
-          <a:p>
-            <a:pPr marL="372902" lvl="1" indent="-285750"/>
-            <a:r>
-              <a:rPr lang="en-US" sz="1600" dirty="0"/>
-              <a:t>Basic principles on how to write robust code. </a:t>
-            </a:r>
-          </a:p>
-          <a:p>
-            <a:pPr marL="548633" lvl="2" indent="-285750"/>
-            <a:r>
-              <a:rPr lang="en-US" sz="1500" dirty="0" err="1"/>
-              <a:t>Pytest</a:t>
-            </a:r>
-            <a:r>
-              <a:rPr lang="en-US" sz="1500" dirty="0"/>
-              <a:t>, </a:t>
-            </a:r>
-            <a:r>
-              <a:rPr lang="en-US" sz="1500" dirty="0" err="1"/>
-              <a:t>Pydantic</a:t>
-            </a:r>
-            <a:r>
-              <a:rPr lang="en-US" sz="1500" dirty="0"/>
-              <a:t>, and tox</a:t>
-            </a:r>
-          </a:p>
-          <a:p>
-            <a:pPr marL="372902" lvl="1" indent="-285750"/>
-            <a:r>
-              <a:rPr lang="en-US" sz="1600" dirty="0"/>
-              <a:t>Large scale software development workflow.</a:t>
-            </a:r>
-          </a:p>
-          <a:p>
-            <a:pPr marL="372902" lvl="1" indent="-285750"/>
-            <a:endParaRPr lang="en-US" sz="1600" dirty="0"/>
-          </a:p>
-          <a:p>
-            <a:pPr marL="285750" indent="-285750">
-              <a:buFont typeface="Arial" panose="020B0604020202020204" pitchFamily="34" charset="0"/>
-              <a:buChar char="•"/>
-            </a:pPr>
-            <a:endParaRPr lang="en-US" sz="1800" b="1" dirty="0"/>
-          </a:p>
-          <a:p>
-            <a:endParaRPr lang="en-US" dirty="0"/>
+            <a:endParaRPr lang="en-US" sz="1800" b="1"/>
+          </a:p>
+          <a:p>
+            <a:endParaRPr lang="en-US"/>
           </a:p>
         </p:txBody>
       </p:sp>
@@ -17623,7 +19741,7 @@
               <a:buNone/>
             </a:pPr>
             <a:r>
-              <a:rPr lang="en-US" dirty="0">
+              <a:rPr lang="en-US">
                 <a:solidFill>
                   <a:schemeClr val="tx1"/>
                 </a:solidFill>
@@ -17692,7 +19810,7 @@
           <a:lstStyle/>
           <a:p>
             <a:r>
-              <a:rPr lang="en-US" sz="600" dirty="0">
+              <a:rPr lang="en-US" sz="600">
                 <a:solidFill>
                   <a:schemeClr val="tx2"/>
                 </a:solidFill>
@@ -19175,15 +21293,6 @@
 </file>
 
 <file path=customXml/item1.xml><?xml version="1.0" encoding="utf-8"?>
-<?mso-contentType ?>
-<FormTemplates xmlns="http://schemas.microsoft.com/sharepoint/v3/contenttype/forms">
-  <Display>DocumentLibraryForm</Display>
-  <Edit>DocumentLibraryForm</Edit>
-  <New>DocumentLibraryForm</New>
-</FormTemplates>
-</file>
-
-<file path=customXml/item2.xml><?xml version="1.0" encoding="utf-8"?>
 <p:properties xmlns:p="http://schemas.microsoft.com/office/2006/metadata/properties" xmlns:xsi="http://www.w3.org/2001/XMLSchema-instance" xmlns:pc="http://schemas.microsoft.com/office/infopath/2007/PartnerControls">
   <documentManagement>
     <_dlc_DocId xmlns="0ed01daf-a39b-4322-b336-464aa5091e31">FA43R63HSNSU-804741541-284</_dlc_DocId>
@@ -19195,57 +21304,16 @@
 </p:properties>
 </file>
 
-<file path=customXml/item3.xml><?xml version="1.0" encoding="utf-8"?>
+<file path=customXml/item2.xml><?xml version="1.0" encoding="utf-8"?>
 <?mso-contentType ?>
-<spe:Receivers xmlns:spe="http://schemas.microsoft.com/sharepoint/events">
-  <Receiver>
-    <Name>Document ID Generator</Name>
-    <Synchronization>Synchronous</Synchronization>
-    <Type>10001</Type>
-    <SequenceNumber>1000</SequenceNumber>
-    <Url/>
-    <Assembly>Microsoft.Office.DocumentManagement, Version=16.0.0.0, Culture=neutral, PublicKeyToken=71e9bce111e9429c</Assembly>
-    <Class>Microsoft.Office.DocumentManagement.Internal.DocIdHandler</Class>
-    <Data/>
-    <Filter/>
-  </Receiver>
-  <Receiver>
-    <Name>Document ID Generator</Name>
-    <Synchronization>Synchronous</Synchronization>
-    <Type>10002</Type>
-    <SequenceNumber>1001</SequenceNumber>
-    <Url/>
-    <Assembly>Microsoft.Office.DocumentManagement, Version=16.0.0.0, Culture=neutral, PublicKeyToken=71e9bce111e9429c</Assembly>
-    <Class>Microsoft.Office.DocumentManagement.Internal.DocIdHandler</Class>
-    <Data/>
-    <Filter/>
-  </Receiver>
-  <Receiver>
-    <Name>Document ID Generator</Name>
-    <Synchronization>Synchronous</Synchronization>
-    <Type>10004</Type>
-    <SequenceNumber>1002</SequenceNumber>
-    <Url/>
-    <Assembly>Microsoft.Office.DocumentManagement, Version=16.0.0.0, Culture=neutral, PublicKeyToken=71e9bce111e9429c</Assembly>
-    <Class>Microsoft.Office.DocumentManagement.Internal.DocIdHandler</Class>
-    <Data/>
-    <Filter/>
-  </Receiver>
-  <Receiver>
-    <Name>Document ID Generator</Name>
-    <Synchronization>Synchronous</Synchronization>
-    <Type>10006</Type>
-    <SequenceNumber>1003</SequenceNumber>
-    <Url/>
-    <Assembly>Microsoft.Office.DocumentManagement, Version=16.0.0.0, Culture=neutral, PublicKeyToken=71e9bce111e9429c</Assembly>
-    <Class>Microsoft.Office.DocumentManagement.Internal.DocIdHandler</Class>
-    <Data/>
-    <Filter/>
-  </Receiver>
-</spe:Receivers>
+<FormTemplates xmlns="http://schemas.microsoft.com/sharepoint/v3/contenttype/forms">
+  <Display>DocumentLibraryForm</Display>
+  <Edit>DocumentLibraryForm</Edit>
+  <New>DocumentLibraryForm</New>
+</FormTemplates>
 </file>
 
-<file path=customXml/item4.xml><?xml version="1.0" encoding="utf-8"?>
+<file path=customXml/item3.xml><?xml version="1.0" encoding="utf-8"?>
 <ct:contentTypeSchema xmlns:ct="http://schemas.microsoft.com/office/2006/metadata/contentType" xmlns:ma="http://schemas.microsoft.com/office/2006/metadata/properties/metaAttributes" ct:_="" ma:_="" ma:contentTypeName="Document" ma:contentTypeID="0x010100BB0B2F232D3C164BB1DBF11D49AFF6AC" ma:contentTypeVersion="4" ma:contentTypeDescription="Create a new document." ma:contentTypeScope="" ma:versionID="ace64b76c7fa238c7b43066bfd7f461b">
   <xsd:schema xmlns:xsd="http://www.w3.org/2001/XMLSchema" xmlns:xs="http://www.w3.org/2001/XMLSchema" xmlns:p="http://schemas.microsoft.com/office/2006/metadata/properties" xmlns:ns2="0ed01daf-a39b-4322-b336-464aa5091e31" xmlns:ns3="0a39b131-a25b-485f-89b0-b09e965fe171" targetNamespace="http://schemas.microsoft.com/office/2006/metadata/properties" ma:root="true" ma:fieldsID="2e8e5b7044fbd0fcc71de6236af0cdf4" ns2:_="" ns3:_="">
     <xsd:import namespace="0ed01daf-a39b-4322-b336-464aa5091e31"/>
@@ -19419,15 +21487,57 @@
 </ct:contentTypeSchema>
 </file>
 
-<file path=customXml/itemProps1.xml><?xml version="1.0" encoding="utf-8"?>
-<ds:datastoreItem xmlns:ds="http://schemas.openxmlformats.org/officeDocument/2006/customXml" ds:itemID="{791386F8-E168-492C-B4C3-9A800EDC5964}">
-  <ds:schemaRefs>
-    <ds:schemaRef ds:uri="http://schemas.microsoft.com/sharepoint/v3/contenttype/forms"/>
-  </ds:schemaRefs>
-</ds:datastoreItem>
+<file path=customXml/item4.xml><?xml version="1.0" encoding="utf-8"?>
+<?mso-contentType ?>
+<spe:Receivers xmlns:spe="http://schemas.microsoft.com/sharepoint/events">
+  <Receiver>
+    <Name>Document ID Generator</Name>
+    <Synchronization>Synchronous</Synchronization>
+    <Type>10001</Type>
+    <SequenceNumber>1000</SequenceNumber>
+    <Url/>
+    <Assembly>Microsoft.Office.DocumentManagement, Version=16.0.0.0, Culture=neutral, PublicKeyToken=71e9bce111e9429c</Assembly>
+    <Class>Microsoft.Office.DocumentManagement.Internal.DocIdHandler</Class>
+    <Data/>
+    <Filter/>
+  </Receiver>
+  <Receiver>
+    <Name>Document ID Generator</Name>
+    <Synchronization>Synchronous</Synchronization>
+    <Type>10002</Type>
+    <SequenceNumber>1001</SequenceNumber>
+    <Url/>
+    <Assembly>Microsoft.Office.DocumentManagement, Version=16.0.0.0, Culture=neutral, PublicKeyToken=71e9bce111e9429c</Assembly>
+    <Class>Microsoft.Office.DocumentManagement.Internal.DocIdHandler</Class>
+    <Data/>
+    <Filter/>
+  </Receiver>
+  <Receiver>
+    <Name>Document ID Generator</Name>
+    <Synchronization>Synchronous</Synchronization>
+    <Type>10004</Type>
+    <SequenceNumber>1002</SequenceNumber>
+    <Url/>
+    <Assembly>Microsoft.Office.DocumentManagement, Version=16.0.0.0, Culture=neutral, PublicKeyToken=71e9bce111e9429c</Assembly>
+    <Class>Microsoft.Office.DocumentManagement.Internal.DocIdHandler</Class>
+    <Data/>
+    <Filter/>
+  </Receiver>
+  <Receiver>
+    <Name>Document ID Generator</Name>
+    <Synchronization>Synchronous</Synchronization>
+    <Type>10006</Type>
+    <SequenceNumber>1003</SequenceNumber>
+    <Url/>
+    <Assembly>Microsoft.Office.DocumentManagement, Version=16.0.0.0, Culture=neutral, PublicKeyToken=71e9bce111e9429c</Assembly>
+    <Class>Microsoft.Office.DocumentManagement.Internal.DocIdHandler</Class>
+    <Data/>
+    <Filter/>
+  </Receiver>
+</spe:Receivers>
 </file>
 
-<file path=customXml/itemProps2.xml><?xml version="1.0" encoding="utf-8"?>
+<file path=customXml/itemProps1.xml><?xml version="1.0" encoding="utf-8"?>
 <ds:datastoreItem xmlns:ds="http://schemas.openxmlformats.org/officeDocument/2006/customXml" ds:itemID="{8CE2CDB4-3352-4150-919A-B30B39FD5827}">
   <ds:schemaRefs>
     <ds:schemaRef ds:uri="9d07426f-fcca-4a73-934d-5bf429f9e4a3"/>
@@ -19447,15 +21557,15 @@
 </ds:datastoreItem>
 </file>
 
-<file path=customXml/itemProps3.xml><?xml version="1.0" encoding="utf-8"?>
-<ds:datastoreItem xmlns:ds="http://schemas.openxmlformats.org/officeDocument/2006/customXml" ds:itemID="{EDCF9B43-9EA7-493E-9556-9DC14AABE730}">
+<file path=customXml/itemProps2.xml><?xml version="1.0" encoding="utf-8"?>
+<ds:datastoreItem xmlns:ds="http://schemas.openxmlformats.org/officeDocument/2006/customXml" ds:itemID="{791386F8-E168-492C-B4C3-9A800EDC5964}">
   <ds:schemaRefs>
-    <ds:schemaRef ds:uri="http://schemas.microsoft.com/sharepoint/events"/>
+    <ds:schemaRef ds:uri="http://schemas.microsoft.com/sharepoint/v3/contenttype/forms"/>
   </ds:schemaRefs>
 </ds:datastoreItem>
 </file>
 
-<file path=customXml/itemProps4.xml><?xml version="1.0" encoding="utf-8"?>
+<file path=customXml/itemProps3.xml><?xml version="1.0" encoding="utf-8"?>
 <ds:datastoreItem xmlns:ds="http://schemas.openxmlformats.org/officeDocument/2006/customXml" ds:itemID="{76093642-C416-49BE-8398-0DEB4CFE8FE9}">
   <ds:schemaRefs>
     <ds:schemaRef ds:uri="http://schemas.microsoft.com/office/2006/metadata/contentType"/>
@@ -19472,4 +21582,12 @@
     <ds:schemaRef ds:uri="http://schemas.microsoft.com/internal/obd"/>
   </ds:schemaRefs>
 </ds:datastoreItem>
+</file>
+
+<file path=customXml/itemProps4.xml><?xml version="1.0" encoding="utf-8"?>
+<ds:datastoreItem xmlns:ds="http://schemas.openxmlformats.org/officeDocument/2006/customXml" ds:itemID="{EDCF9B43-9EA7-493E-9556-9DC14AABE730}">
+  <ds:schemaRefs>
+    <ds:schemaRef ds:uri="http://schemas.microsoft.com/sharepoint/events"/>
+  </ds:schemaRefs>
+</ds:datastoreItem>
 </file>